--- a/SHIFT4IT/SDLC/SDLC.pptx
+++ b/SHIFT4IT/SDLC/SDLC.pptx
@@ -209,7 +209,7 @@
           <a:p>
             <a:fld id="{2C027FDF-D9AC-4497-8AF1-9347ACD4697E}" type="datetimeFigureOut">
               <a:rPr lang="hr-HR" smtClean="0"/>
-              <a:t>13.3.2025.</a:t>
+              <a:t>17.4.2025.</a:t>
             </a:fld>
             <a:endParaRPr lang="hr-HR"/>
           </a:p>
@@ -475,6 +475,2526 @@
     </a:lvl9pPr>
   </p:notesStyle>
 </p:notesMaster>
+</file>
+
+<file path=ppt/notesSlides/notesSlide1.xml><?xml version="1.0" encoding="utf-8"?>
+<p:notes xmlns:a="http://schemas.openxmlformats.org/drawingml/2006/main" xmlns:r="http://schemas.openxmlformats.org/officeDocument/2006/relationships" xmlns:p="http://schemas.openxmlformats.org/presentationml/2006/main">
+  <p:cSld>
+    <p:spTree>
+      <p:nvGrpSpPr>
+        <p:cNvPr id="1" name=""/>
+        <p:cNvGrpSpPr/>
+        <p:nvPr/>
+      </p:nvGrpSpPr>
+      <p:grpSpPr>
+        <a:xfrm>
+          <a:off x="0" y="0"/>
+          <a:ext cx="0" cy="0"/>
+          <a:chOff x="0" y="0"/>
+          <a:chExt cx="0" cy="0"/>
+        </a:xfrm>
+      </p:grpSpPr>
+      <p:sp>
+        <p:nvSpPr>
+          <p:cNvPr id="2" name="Slide Image Placeholder 1"/>
+          <p:cNvSpPr>
+            <a:spLocks noGrp="1" noRot="1" noChangeAspect="1"/>
+          </p:cNvSpPr>
+          <p:nvPr>
+            <p:ph type="sldImg"/>
+          </p:nvPr>
+        </p:nvSpPr>
+        <p:spPr/>
+      </p:sp>
+      <p:sp>
+        <p:nvSpPr>
+          <p:cNvPr id="3" name="Notes Placeholder 2"/>
+          <p:cNvSpPr>
+            <a:spLocks noGrp="1"/>
+          </p:cNvSpPr>
+          <p:nvPr>
+            <p:ph type="body" idx="1"/>
+          </p:nvPr>
+        </p:nvSpPr>
+        <p:spPr/>
+        <p:txBody>
+          <a:bodyPr/>
+          <a:lstStyle/>
+          <a:p>
+            <a:pPr>
+              <a:buNone/>
+            </a:pPr>
+            <a:r>
+              <a:rPr lang="en-US" b="1" dirty="0"/>
+              <a:t>Teacher Notes:</a:t>
+            </a:r>
+            <a:endParaRPr lang="en-US" dirty="0"/>
+          </a:p>
+          <a:p>
+            <a:pPr>
+              <a:buFont typeface="Arial" panose="020B0604020202020204" pitchFamily="34" charset="0"/>
+              <a:buChar char="•"/>
+            </a:pPr>
+            <a:r>
+              <a:rPr lang="en-US" dirty="0"/>
+              <a:t>Open with a discussion of why a structured lifecycle matters—contrast ad‑hoc development with SDLC’s predictability.</a:t>
+            </a:r>
+          </a:p>
+          <a:p>
+            <a:pPr>
+              <a:buFont typeface="Arial" panose="020B0604020202020204" pitchFamily="34" charset="0"/>
+              <a:buChar char="•"/>
+            </a:pPr>
+            <a:r>
+              <a:rPr lang="en-US" dirty="0"/>
+              <a:t>Highlight the listed benefits (risk reduction, quality improvement, etc.) with real‑world anecdotes (e.g., NASA’s V‑Model for space missions).</a:t>
+            </a:r>
+          </a:p>
+          <a:p>
+            <a:pPr>
+              <a:buNone/>
+            </a:pPr>
+            <a:r>
+              <a:rPr lang="en-US" b="1" dirty="0"/>
+              <a:t>Resources:</a:t>
+            </a:r>
+            <a:endParaRPr lang="en-US" dirty="0"/>
+          </a:p>
+          <a:p>
+            <a:pPr>
+              <a:buFont typeface="Arial" panose="020B0604020202020204" pitchFamily="34" charset="0"/>
+              <a:buChar char="•"/>
+            </a:pPr>
+            <a:r>
+              <a:rPr lang="en-US" dirty="0"/>
+              <a:t>IBM Developer article “What Is the Software Development Life Cycle (SDLC)?”</a:t>
+            </a:r>
+          </a:p>
+          <a:p>
+            <a:pPr>
+              <a:buFont typeface="Arial" panose="020B0604020202020204" pitchFamily="34" charset="0"/>
+              <a:buChar char="•"/>
+            </a:pPr>
+            <a:r>
+              <a:rPr lang="en-US" dirty="0"/>
+              <a:t>Atlassian’s guide “SDLC: Stages and Methodologies”</a:t>
+            </a:r>
+          </a:p>
+          <a:p>
+            <a:pPr>
+              <a:buNone/>
+            </a:pPr>
+            <a:r>
+              <a:rPr lang="en-US" b="1" dirty="0"/>
+              <a:t>Additional Reading:</a:t>
+            </a:r>
+            <a:endParaRPr lang="en-US" dirty="0"/>
+          </a:p>
+          <a:p>
+            <a:pPr>
+              <a:buFont typeface="Arial" panose="020B0604020202020204" pitchFamily="34" charset="0"/>
+              <a:buChar char="•"/>
+            </a:pPr>
+            <a:r>
+              <a:rPr lang="en-US" i="1" dirty="0"/>
+              <a:t>Software Engineering</a:t>
+            </a:r>
+            <a:r>
+              <a:rPr lang="en-US" dirty="0"/>
+              <a:t> by Ian Sommerville</a:t>
+            </a:r>
+          </a:p>
+          <a:p>
+            <a:pPr>
+              <a:buFont typeface="Arial" panose="020B0604020202020204" pitchFamily="34" charset="0"/>
+              <a:buChar char="•"/>
+            </a:pPr>
+            <a:r>
+              <a:rPr lang="en-US" i="1" dirty="0"/>
+              <a:t>The Pragmatic Programmer</a:t>
+            </a:r>
+            <a:r>
+              <a:rPr lang="en-US" dirty="0"/>
+              <a:t> by Andrew Hunt &amp; David Thomas</a:t>
+            </a:r>
+          </a:p>
+          <a:p>
+            <a:endParaRPr lang="hr-HR" dirty="0"/>
+          </a:p>
+        </p:txBody>
+      </p:sp>
+      <p:sp>
+        <p:nvSpPr>
+          <p:cNvPr id="4" name="Slide Number Placeholder 3"/>
+          <p:cNvSpPr>
+            <a:spLocks noGrp="1"/>
+          </p:cNvSpPr>
+          <p:nvPr>
+            <p:ph type="sldNum" sz="quarter" idx="5"/>
+          </p:nvPr>
+        </p:nvSpPr>
+        <p:spPr/>
+        <p:txBody>
+          <a:bodyPr/>
+          <a:lstStyle/>
+          <a:p>
+            <a:fld id="{90A064B2-EFF6-4760-BE09-0DEDA56827BE}" type="slidenum">
+              <a:rPr lang="hr-HR" smtClean="0"/>
+              <a:t>2</a:t>
+            </a:fld>
+            <a:endParaRPr lang="hr-HR"/>
+          </a:p>
+        </p:txBody>
+      </p:sp>
+    </p:spTree>
+    <p:extLst>
+      <p:ext uri="{BB962C8B-B14F-4D97-AF65-F5344CB8AC3E}">
+        <p14:creationId xmlns:p14="http://schemas.microsoft.com/office/powerpoint/2010/main" val="4004896016"/>
+      </p:ext>
+    </p:extLst>
+  </p:cSld>
+  <p:clrMapOvr>
+    <a:masterClrMapping/>
+  </p:clrMapOvr>
+</p:notes>
+</file>
+
+<file path=ppt/notesSlides/notesSlide2.xml><?xml version="1.0" encoding="utf-8"?>
+<p:notes xmlns:a="http://schemas.openxmlformats.org/drawingml/2006/main" xmlns:r="http://schemas.openxmlformats.org/officeDocument/2006/relationships" xmlns:p="http://schemas.openxmlformats.org/presentationml/2006/main">
+  <p:cSld>
+    <p:spTree>
+      <p:nvGrpSpPr>
+        <p:cNvPr id="1" name=""/>
+        <p:cNvGrpSpPr/>
+        <p:nvPr/>
+      </p:nvGrpSpPr>
+      <p:grpSpPr>
+        <a:xfrm>
+          <a:off x="0" y="0"/>
+          <a:ext cx="0" cy="0"/>
+          <a:chOff x="0" y="0"/>
+          <a:chExt cx="0" cy="0"/>
+        </a:xfrm>
+      </p:grpSpPr>
+      <p:sp>
+        <p:nvSpPr>
+          <p:cNvPr id="2" name="Slide Image Placeholder 1"/>
+          <p:cNvSpPr>
+            <a:spLocks noGrp="1" noRot="1" noChangeAspect="1"/>
+          </p:cNvSpPr>
+          <p:nvPr>
+            <p:ph type="sldImg"/>
+          </p:nvPr>
+        </p:nvSpPr>
+        <p:spPr/>
+      </p:sp>
+      <p:sp>
+        <p:nvSpPr>
+          <p:cNvPr id="3" name="Notes Placeholder 2"/>
+          <p:cNvSpPr>
+            <a:spLocks noGrp="1"/>
+          </p:cNvSpPr>
+          <p:nvPr>
+            <p:ph type="body" idx="1"/>
+          </p:nvPr>
+        </p:nvSpPr>
+        <p:spPr/>
+        <p:txBody>
+          <a:bodyPr/>
+          <a:lstStyle/>
+          <a:p>
+            <a:pPr>
+              <a:buNone/>
+            </a:pPr>
+            <a:r>
+              <a:rPr lang="hr-HR" b="1" dirty="0" err="1"/>
+              <a:t>Teacher</a:t>
+            </a:r>
+            <a:r>
+              <a:rPr lang="hr-HR" b="1" dirty="0"/>
+              <a:t> Notes:</a:t>
+            </a:r>
+            <a:endParaRPr lang="hr-HR" dirty="0"/>
+          </a:p>
+          <a:p>
+            <a:pPr>
+              <a:buFont typeface="Arial" panose="020B0604020202020204" pitchFamily="34" charset="0"/>
+              <a:buChar char="•"/>
+            </a:pPr>
+            <a:r>
+              <a:rPr lang="hr-HR" dirty="0" err="1"/>
+              <a:t>Walk</a:t>
+            </a:r>
+            <a:r>
+              <a:rPr lang="hr-HR" dirty="0"/>
+              <a:t> </a:t>
+            </a:r>
+            <a:r>
+              <a:rPr lang="hr-HR" dirty="0" err="1"/>
+              <a:t>through</a:t>
+            </a:r>
+            <a:r>
+              <a:rPr lang="hr-HR" dirty="0"/>
+              <a:t> a live </a:t>
+            </a:r>
+            <a:r>
+              <a:rPr lang="hr-HR" dirty="0" err="1"/>
+              <a:t>exercise</a:t>
+            </a:r>
+            <a:r>
+              <a:rPr lang="hr-HR" dirty="0"/>
+              <a:t> </a:t>
+            </a:r>
+            <a:r>
+              <a:rPr lang="hr-HR" dirty="0" err="1"/>
+              <a:t>defining</a:t>
+            </a:r>
+            <a:r>
+              <a:rPr lang="hr-HR" dirty="0"/>
+              <a:t> </a:t>
+            </a:r>
+            <a:r>
+              <a:rPr lang="hr-HR" dirty="0" err="1"/>
+              <a:t>scope</a:t>
+            </a:r>
+            <a:r>
+              <a:rPr lang="hr-HR" dirty="0"/>
+              <a:t>, </a:t>
+            </a:r>
+            <a:r>
+              <a:rPr lang="hr-HR" dirty="0" err="1"/>
+              <a:t>goals</a:t>
+            </a:r>
+            <a:r>
+              <a:rPr lang="hr-HR" dirty="0"/>
+              <a:t>, </a:t>
+            </a:r>
+            <a:r>
+              <a:rPr lang="hr-HR" dirty="0" err="1"/>
+              <a:t>and</a:t>
+            </a:r>
+            <a:r>
+              <a:rPr lang="hr-HR" dirty="0"/>
+              <a:t> </a:t>
+            </a:r>
+            <a:r>
+              <a:rPr lang="hr-HR" dirty="0" err="1"/>
+              <a:t>timelines</a:t>
+            </a:r>
+            <a:r>
+              <a:rPr lang="hr-HR" dirty="0"/>
+              <a:t> for a </a:t>
+            </a:r>
+            <a:r>
+              <a:rPr lang="hr-HR" dirty="0" err="1"/>
+              <a:t>mock</a:t>
+            </a:r>
+            <a:r>
+              <a:rPr lang="hr-HR" dirty="0"/>
+              <a:t> </a:t>
+            </a:r>
+            <a:r>
+              <a:rPr lang="hr-HR" dirty="0" err="1"/>
+              <a:t>project</a:t>
+            </a:r>
+            <a:r>
+              <a:rPr lang="hr-HR" dirty="0"/>
+              <a:t>.</a:t>
+            </a:r>
+          </a:p>
+          <a:p>
+            <a:pPr>
+              <a:buFont typeface="Arial" panose="020B0604020202020204" pitchFamily="34" charset="0"/>
+              <a:buChar char="•"/>
+            </a:pPr>
+            <a:r>
+              <a:rPr lang="hr-HR" dirty="0" err="1"/>
+              <a:t>Emphasize</a:t>
+            </a:r>
+            <a:r>
+              <a:rPr lang="hr-HR" dirty="0"/>
+              <a:t> </a:t>
+            </a:r>
+            <a:r>
+              <a:rPr lang="hr-HR" dirty="0" err="1"/>
+              <a:t>stakeholder</a:t>
+            </a:r>
+            <a:r>
+              <a:rPr lang="hr-HR" dirty="0"/>
+              <a:t> </a:t>
+            </a:r>
+            <a:r>
+              <a:rPr lang="hr-HR" dirty="0" err="1"/>
+              <a:t>identification</a:t>
+            </a:r>
+            <a:r>
+              <a:rPr lang="hr-HR" dirty="0"/>
+              <a:t> </a:t>
+            </a:r>
+            <a:r>
+              <a:rPr lang="hr-HR" dirty="0" err="1"/>
+              <a:t>and</a:t>
+            </a:r>
+            <a:r>
+              <a:rPr lang="hr-HR" dirty="0"/>
+              <a:t> </a:t>
+            </a:r>
+            <a:r>
+              <a:rPr lang="hr-HR" dirty="0" err="1"/>
+              <a:t>the</a:t>
+            </a:r>
+            <a:r>
+              <a:rPr lang="hr-HR" dirty="0"/>
+              <a:t> </a:t>
+            </a:r>
+            <a:r>
+              <a:rPr lang="hr-HR" dirty="0" err="1"/>
+              <a:t>importance</a:t>
+            </a:r>
+            <a:r>
+              <a:rPr lang="hr-HR" dirty="0"/>
+              <a:t> </a:t>
+            </a:r>
+            <a:r>
+              <a:rPr lang="hr-HR" dirty="0" err="1"/>
+              <a:t>of</a:t>
+            </a:r>
+            <a:r>
+              <a:rPr lang="hr-HR" dirty="0"/>
+              <a:t> a </a:t>
+            </a:r>
+            <a:r>
+              <a:rPr lang="hr-HR" dirty="0" err="1"/>
+              <a:t>clear</a:t>
+            </a:r>
+            <a:r>
+              <a:rPr lang="hr-HR" dirty="0"/>
+              <a:t> </a:t>
+            </a:r>
+            <a:r>
+              <a:rPr lang="hr-HR" dirty="0" err="1"/>
+              <a:t>project</a:t>
+            </a:r>
+            <a:r>
+              <a:rPr lang="hr-HR" dirty="0"/>
+              <a:t> charter.</a:t>
+            </a:r>
+          </a:p>
+          <a:p>
+            <a:pPr>
+              <a:buNone/>
+            </a:pPr>
+            <a:r>
+              <a:rPr lang="hr-HR" b="1" dirty="0"/>
+              <a:t>Resources:</a:t>
+            </a:r>
+            <a:endParaRPr lang="hr-HR" dirty="0"/>
+          </a:p>
+          <a:p>
+            <a:pPr>
+              <a:buFont typeface="Arial" panose="020B0604020202020204" pitchFamily="34" charset="0"/>
+              <a:buChar char="•"/>
+            </a:pPr>
+            <a:r>
+              <a:rPr lang="hr-HR" dirty="0" err="1"/>
+              <a:t>PMI’s</a:t>
+            </a:r>
+            <a:r>
+              <a:rPr lang="hr-HR" dirty="0"/>
+              <a:t> </a:t>
+            </a:r>
+            <a:r>
+              <a:rPr lang="hr-HR" b="1" dirty="0"/>
+              <a:t>PMBOK® </a:t>
+            </a:r>
+            <a:r>
+              <a:rPr lang="hr-HR" b="1" dirty="0" err="1"/>
+              <a:t>Guide</a:t>
+            </a:r>
+            <a:r>
+              <a:rPr lang="hr-HR" dirty="0"/>
+              <a:t> (Project Management Institute) – </a:t>
+            </a:r>
+            <a:r>
+              <a:rPr lang="hr-HR" dirty="0" err="1"/>
+              <a:t>Chapter</a:t>
+            </a:r>
+            <a:r>
+              <a:rPr lang="hr-HR" dirty="0"/>
+              <a:t> on </a:t>
+            </a:r>
+            <a:r>
+              <a:rPr lang="hr-HR" dirty="0" err="1"/>
+              <a:t>project</a:t>
+            </a:r>
+            <a:r>
+              <a:rPr lang="hr-HR" dirty="0"/>
+              <a:t> </a:t>
+            </a:r>
+            <a:r>
+              <a:rPr lang="hr-HR" dirty="0" err="1"/>
+              <a:t>integration</a:t>
+            </a:r>
+            <a:r>
+              <a:rPr lang="hr-HR" dirty="0"/>
+              <a:t> </a:t>
+            </a:r>
+            <a:r>
+              <a:rPr lang="hr-HR" dirty="0" err="1"/>
+              <a:t>and</a:t>
+            </a:r>
+            <a:r>
+              <a:rPr lang="hr-HR" dirty="0"/>
+              <a:t> </a:t>
+            </a:r>
+            <a:r>
+              <a:rPr lang="hr-HR" dirty="0" err="1"/>
+              <a:t>scope</a:t>
+            </a:r>
+            <a:r>
+              <a:rPr lang="hr-HR" dirty="0"/>
+              <a:t> management</a:t>
+            </a:r>
+          </a:p>
+          <a:p>
+            <a:pPr>
+              <a:buFont typeface="Arial" panose="020B0604020202020204" pitchFamily="34" charset="0"/>
+              <a:buChar char="•"/>
+            </a:pPr>
+            <a:r>
+              <a:rPr lang="hr-HR" dirty="0" err="1"/>
+              <a:t>GeeksforGeeks</a:t>
+            </a:r>
+            <a:r>
+              <a:rPr lang="hr-HR" dirty="0"/>
+              <a:t> </a:t>
+            </a:r>
+            <a:r>
+              <a:rPr lang="hr-HR" dirty="0" err="1"/>
+              <a:t>article</a:t>
+            </a:r>
+            <a:r>
+              <a:rPr lang="hr-HR" dirty="0"/>
+              <a:t> “Software Project </a:t>
+            </a:r>
+            <a:r>
+              <a:rPr lang="hr-HR" dirty="0" err="1"/>
+              <a:t>Planning</a:t>
+            </a:r>
+            <a:r>
+              <a:rPr lang="hr-HR" dirty="0"/>
+              <a:t> </a:t>
+            </a:r>
+            <a:r>
+              <a:rPr lang="hr-HR" dirty="0" err="1"/>
+              <a:t>in</a:t>
+            </a:r>
+            <a:r>
+              <a:rPr lang="hr-HR" dirty="0"/>
+              <a:t> SDLC”</a:t>
+            </a:r>
+          </a:p>
+          <a:p>
+            <a:pPr>
+              <a:buNone/>
+            </a:pPr>
+            <a:r>
+              <a:rPr lang="hr-HR" b="1" dirty="0" err="1"/>
+              <a:t>Additional</a:t>
+            </a:r>
+            <a:r>
+              <a:rPr lang="hr-HR" b="1" dirty="0"/>
+              <a:t> </a:t>
+            </a:r>
+            <a:r>
+              <a:rPr lang="hr-HR" b="1" dirty="0" err="1"/>
+              <a:t>Reading</a:t>
+            </a:r>
+            <a:r>
+              <a:rPr lang="hr-HR" b="1" dirty="0"/>
+              <a:t>:</a:t>
+            </a:r>
+            <a:endParaRPr lang="hr-HR" dirty="0"/>
+          </a:p>
+          <a:p>
+            <a:pPr>
+              <a:buFont typeface="Arial" panose="020B0604020202020204" pitchFamily="34" charset="0"/>
+              <a:buChar char="•"/>
+            </a:pPr>
+            <a:r>
+              <a:rPr lang="hr-HR" i="1" dirty="0"/>
+              <a:t>Software Project </a:t>
+            </a:r>
+            <a:r>
+              <a:rPr lang="hr-HR" i="1" dirty="0" err="1"/>
+              <a:t>Survival</a:t>
+            </a:r>
+            <a:r>
+              <a:rPr lang="hr-HR" i="1" dirty="0"/>
+              <a:t> </a:t>
+            </a:r>
+            <a:r>
+              <a:rPr lang="hr-HR" i="1" dirty="0" err="1"/>
+              <a:t>Guide</a:t>
+            </a:r>
+            <a:r>
+              <a:rPr lang="hr-HR" dirty="0"/>
+              <a:t> </a:t>
+            </a:r>
+            <a:r>
+              <a:rPr lang="hr-HR" dirty="0" err="1"/>
+              <a:t>by</a:t>
+            </a:r>
+            <a:r>
+              <a:rPr lang="hr-HR" dirty="0"/>
+              <a:t> Steve </a:t>
+            </a:r>
+            <a:r>
+              <a:rPr lang="hr-HR" dirty="0" err="1"/>
+              <a:t>McConnell</a:t>
+            </a:r>
+            <a:endParaRPr lang="hr-HR" dirty="0"/>
+          </a:p>
+          <a:p>
+            <a:pPr>
+              <a:buFont typeface="Arial" panose="020B0604020202020204" pitchFamily="34" charset="0"/>
+              <a:buChar char="•"/>
+            </a:pPr>
+            <a:r>
+              <a:rPr lang="hr-HR" i="1" dirty="0"/>
+              <a:t>Project Management for </a:t>
+            </a:r>
+            <a:r>
+              <a:rPr lang="hr-HR" i="1" dirty="0" err="1"/>
+              <a:t>the</a:t>
+            </a:r>
+            <a:r>
+              <a:rPr lang="hr-HR" i="1" dirty="0"/>
+              <a:t> </a:t>
+            </a:r>
+            <a:r>
+              <a:rPr lang="hr-HR" i="1" dirty="0" err="1"/>
+              <a:t>Unofficial</a:t>
+            </a:r>
+            <a:r>
+              <a:rPr lang="hr-HR" i="1" dirty="0"/>
+              <a:t> Project Manager</a:t>
+            </a:r>
+            <a:r>
+              <a:rPr lang="hr-HR" dirty="0"/>
+              <a:t> </a:t>
+            </a:r>
+            <a:r>
+              <a:rPr lang="hr-HR" dirty="0" err="1"/>
+              <a:t>by</a:t>
+            </a:r>
+            <a:r>
+              <a:rPr lang="hr-HR" dirty="0"/>
+              <a:t> </a:t>
+            </a:r>
+            <a:r>
+              <a:rPr lang="hr-HR" dirty="0" err="1"/>
+              <a:t>Kory</a:t>
+            </a:r>
+            <a:r>
+              <a:rPr lang="hr-HR" dirty="0"/>
+              <a:t> </a:t>
+            </a:r>
+            <a:r>
+              <a:rPr lang="hr-HR" dirty="0" err="1"/>
+              <a:t>Kogon</a:t>
+            </a:r>
+            <a:r>
+              <a:rPr lang="hr-HR" dirty="0"/>
+              <a:t>, </a:t>
+            </a:r>
+            <a:r>
+              <a:rPr lang="hr-HR" dirty="0" err="1"/>
+              <a:t>Suzette</a:t>
+            </a:r>
+            <a:r>
+              <a:rPr lang="hr-HR" dirty="0"/>
+              <a:t> </a:t>
+            </a:r>
+            <a:r>
+              <a:rPr lang="hr-HR" dirty="0" err="1"/>
+              <a:t>Blakemore</a:t>
+            </a:r>
+            <a:r>
+              <a:rPr lang="hr-HR" dirty="0"/>
+              <a:t>, </a:t>
+            </a:r>
+            <a:r>
+              <a:rPr lang="hr-HR" dirty="0" err="1"/>
+              <a:t>and</a:t>
+            </a:r>
+            <a:r>
+              <a:rPr lang="hr-HR" dirty="0"/>
+              <a:t> James Wood</a:t>
+            </a:r>
+          </a:p>
+          <a:p>
+            <a:endParaRPr lang="hr-HR" dirty="0"/>
+          </a:p>
+        </p:txBody>
+      </p:sp>
+      <p:sp>
+        <p:nvSpPr>
+          <p:cNvPr id="4" name="Slide Number Placeholder 3"/>
+          <p:cNvSpPr>
+            <a:spLocks noGrp="1"/>
+          </p:cNvSpPr>
+          <p:nvPr>
+            <p:ph type="sldNum" sz="quarter" idx="5"/>
+          </p:nvPr>
+        </p:nvSpPr>
+        <p:spPr/>
+        <p:txBody>
+          <a:bodyPr/>
+          <a:lstStyle/>
+          <a:p>
+            <a:fld id="{90A064B2-EFF6-4760-BE09-0DEDA56827BE}" type="slidenum">
+              <a:rPr lang="hr-HR" smtClean="0"/>
+              <a:t>3</a:t>
+            </a:fld>
+            <a:endParaRPr lang="hr-HR"/>
+          </a:p>
+        </p:txBody>
+      </p:sp>
+    </p:spTree>
+    <p:extLst>
+      <p:ext uri="{BB962C8B-B14F-4D97-AF65-F5344CB8AC3E}">
+        <p14:creationId xmlns:p14="http://schemas.microsoft.com/office/powerpoint/2010/main" val="842109836"/>
+      </p:ext>
+    </p:extLst>
+  </p:cSld>
+  <p:clrMapOvr>
+    <a:masterClrMapping/>
+  </p:clrMapOvr>
+</p:notes>
+</file>
+
+<file path=ppt/notesSlides/notesSlide3.xml><?xml version="1.0" encoding="utf-8"?>
+<p:notes xmlns:a="http://schemas.openxmlformats.org/drawingml/2006/main" xmlns:r="http://schemas.openxmlformats.org/officeDocument/2006/relationships" xmlns:p="http://schemas.openxmlformats.org/presentationml/2006/main">
+  <p:cSld>
+    <p:spTree>
+      <p:nvGrpSpPr>
+        <p:cNvPr id="1" name=""/>
+        <p:cNvGrpSpPr/>
+        <p:nvPr/>
+      </p:nvGrpSpPr>
+      <p:grpSpPr>
+        <a:xfrm>
+          <a:off x="0" y="0"/>
+          <a:ext cx="0" cy="0"/>
+          <a:chOff x="0" y="0"/>
+          <a:chExt cx="0" cy="0"/>
+        </a:xfrm>
+      </p:grpSpPr>
+      <p:sp>
+        <p:nvSpPr>
+          <p:cNvPr id="2" name="Slide Image Placeholder 1"/>
+          <p:cNvSpPr>
+            <a:spLocks noGrp="1" noRot="1" noChangeAspect="1"/>
+          </p:cNvSpPr>
+          <p:nvPr>
+            <p:ph type="sldImg"/>
+          </p:nvPr>
+        </p:nvSpPr>
+        <p:spPr/>
+      </p:sp>
+      <p:sp>
+        <p:nvSpPr>
+          <p:cNvPr id="3" name="Notes Placeholder 2"/>
+          <p:cNvSpPr>
+            <a:spLocks noGrp="1"/>
+          </p:cNvSpPr>
+          <p:nvPr>
+            <p:ph type="body" idx="1"/>
+          </p:nvPr>
+        </p:nvSpPr>
+        <p:spPr/>
+        <p:txBody>
+          <a:bodyPr/>
+          <a:lstStyle/>
+          <a:p>
+            <a:pPr>
+              <a:buNone/>
+            </a:pPr>
+            <a:r>
+              <a:rPr lang="en-US" b="1" dirty="0"/>
+              <a:t>Teacher Notes:</a:t>
+            </a:r>
+            <a:endParaRPr lang="en-US" dirty="0"/>
+          </a:p>
+          <a:p>
+            <a:pPr>
+              <a:buFont typeface="Arial" panose="020B0604020202020204" pitchFamily="34" charset="0"/>
+              <a:buChar char="•"/>
+            </a:pPr>
+            <a:r>
+              <a:rPr lang="en-US" dirty="0"/>
+              <a:t>Illustrate writing functional vs. non‑functional requirements using real examples (e.g., “system shall handle 10,000 concurrent users”).</a:t>
+            </a:r>
+          </a:p>
+          <a:p>
+            <a:pPr>
+              <a:buFont typeface="Arial" panose="020B0604020202020204" pitchFamily="34" charset="0"/>
+              <a:buChar char="•"/>
+            </a:pPr>
+            <a:r>
+              <a:rPr lang="en-US" dirty="0"/>
+              <a:t>Demonstrate stakeholder interviews or use‑case workshops in class.</a:t>
+            </a:r>
+          </a:p>
+          <a:p>
+            <a:pPr>
+              <a:buNone/>
+            </a:pPr>
+            <a:r>
+              <a:rPr lang="en-US" b="1" dirty="0"/>
+              <a:t>Resources:</a:t>
+            </a:r>
+            <a:endParaRPr lang="en-US" dirty="0"/>
+          </a:p>
+          <a:p>
+            <a:pPr>
+              <a:buFont typeface="Arial" panose="020B0604020202020204" pitchFamily="34" charset="0"/>
+              <a:buChar char="•"/>
+            </a:pPr>
+            <a:r>
+              <a:rPr lang="en-US" dirty="0"/>
+              <a:t>IIBA’s </a:t>
+            </a:r>
+            <a:r>
+              <a:rPr lang="en-US" b="1" dirty="0"/>
+              <a:t>BABOK® Guide</a:t>
+            </a:r>
+            <a:r>
+              <a:rPr lang="en-US" dirty="0"/>
+              <a:t> – Chapter on Requirements Elicitation</a:t>
+            </a:r>
+          </a:p>
+          <a:p>
+            <a:pPr>
+              <a:buFont typeface="Arial" panose="020B0604020202020204" pitchFamily="34" charset="0"/>
+              <a:buChar char="•"/>
+            </a:pPr>
+            <a:r>
+              <a:rPr lang="en-US" dirty="0"/>
+              <a:t>IBM Developer article “Requirements Analysis and Definition in SDLC”</a:t>
+            </a:r>
+          </a:p>
+          <a:p>
+            <a:endParaRPr lang="hr-HR" dirty="0"/>
+          </a:p>
+        </p:txBody>
+      </p:sp>
+      <p:sp>
+        <p:nvSpPr>
+          <p:cNvPr id="4" name="Slide Number Placeholder 3"/>
+          <p:cNvSpPr>
+            <a:spLocks noGrp="1"/>
+          </p:cNvSpPr>
+          <p:nvPr>
+            <p:ph type="sldNum" sz="quarter" idx="5"/>
+          </p:nvPr>
+        </p:nvSpPr>
+        <p:spPr/>
+        <p:txBody>
+          <a:bodyPr/>
+          <a:lstStyle/>
+          <a:p>
+            <a:fld id="{90A064B2-EFF6-4760-BE09-0DEDA56827BE}" type="slidenum">
+              <a:rPr lang="hr-HR" smtClean="0"/>
+              <a:t>4</a:t>
+            </a:fld>
+            <a:endParaRPr lang="hr-HR"/>
+          </a:p>
+        </p:txBody>
+      </p:sp>
+    </p:spTree>
+    <p:extLst>
+      <p:ext uri="{BB962C8B-B14F-4D97-AF65-F5344CB8AC3E}">
+        <p14:creationId xmlns:p14="http://schemas.microsoft.com/office/powerpoint/2010/main" val="2518850493"/>
+      </p:ext>
+    </p:extLst>
+  </p:cSld>
+  <p:clrMapOvr>
+    <a:masterClrMapping/>
+  </p:clrMapOvr>
+</p:notes>
+</file>
+
+<file path=ppt/notesSlides/notesSlide4.xml><?xml version="1.0" encoding="utf-8"?>
+<p:notes xmlns:a="http://schemas.openxmlformats.org/drawingml/2006/main" xmlns:r="http://schemas.openxmlformats.org/officeDocument/2006/relationships" xmlns:p="http://schemas.openxmlformats.org/presentationml/2006/main">
+  <p:cSld>
+    <p:spTree>
+      <p:nvGrpSpPr>
+        <p:cNvPr id="1" name=""/>
+        <p:cNvGrpSpPr/>
+        <p:nvPr/>
+      </p:nvGrpSpPr>
+      <p:grpSpPr>
+        <a:xfrm>
+          <a:off x="0" y="0"/>
+          <a:ext cx="0" cy="0"/>
+          <a:chOff x="0" y="0"/>
+          <a:chExt cx="0" cy="0"/>
+        </a:xfrm>
+      </p:grpSpPr>
+      <p:sp>
+        <p:nvSpPr>
+          <p:cNvPr id="2" name="Slide Image Placeholder 1"/>
+          <p:cNvSpPr>
+            <a:spLocks noGrp="1" noRot="1" noChangeAspect="1"/>
+          </p:cNvSpPr>
+          <p:nvPr>
+            <p:ph type="sldImg"/>
+          </p:nvPr>
+        </p:nvSpPr>
+        <p:spPr/>
+      </p:sp>
+      <p:sp>
+        <p:nvSpPr>
+          <p:cNvPr id="3" name="Notes Placeholder 2"/>
+          <p:cNvSpPr>
+            <a:spLocks noGrp="1"/>
+          </p:cNvSpPr>
+          <p:nvPr>
+            <p:ph type="body" idx="1"/>
+          </p:nvPr>
+        </p:nvSpPr>
+        <p:spPr/>
+        <p:txBody>
+          <a:bodyPr/>
+          <a:lstStyle/>
+          <a:p>
+            <a:pPr>
+              <a:buNone/>
+            </a:pPr>
+            <a:r>
+              <a:rPr lang="hr-HR" b="1" dirty="0" err="1"/>
+              <a:t>Teacher</a:t>
+            </a:r>
+            <a:r>
+              <a:rPr lang="hr-HR" b="1" dirty="0"/>
+              <a:t> Notes:</a:t>
+            </a:r>
+            <a:endParaRPr lang="hr-HR" dirty="0"/>
+          </a:p>
+          <a:p>
+            <a:pPr>
+              <a:buFont typeface="Arial" panose="020B0604020202020204" pitchFamily="34" charset="0"/>
+              <a:buChar char="•"/>
+            </a:pPr>
+            <a:r>
+              <a:rPr lang="hr-HR" dirty="0"/>
+              <a:t>Show a </a:t>
+            </a:r>
+            <a:r>
+              <a:rPr lang="hr-HR" dirty="0" err="1"/>
+              <a:t>sample</a:t>
+            </a:r>
+            <a:r>
+              <a:rPr lang="hr-HR" dirty="0"/>
+              <a:t> UML </a:t>
+            </a:r>
+            <a:r>
+              <a:rPr lang="hr-HR" dirty="0" err="1"/>
+              <a:t>diagram</a:t>
+            </a:r>
+            <a:r>
+              <a:rPr lang="hr-HR" dirty="0"/>
+              <a:t> for </a:t>
+            </a:r>
+            <a:r>
+              <a:rPr lang="hr-HR" dirty="0" err="1"/>
+              <a:t>the</a:t>
+            </a:r>
+            <a:r>
+              <a:rPr lang="hr-HR" dirty="0"/>
+              <a:t> </a:t>
+            </a:r>
+            <a:r>
+              <a:rPr lang="hr-HR" dirty="0" err="1"/>
+              <a:t>Eduhance</a:t>
+            </a:r>
+            <a:r>
+              <a:rPr lang="hr-HR" dirty="0"/>
+              <a:t> data model.</a:t>
+            </a:r>
+          </a:p>
+          <a:p>
+            <a:pPr>
+              <a:buFont typeface="Arial" panose="020B0604020202020204" pitchFamily="34" charset="0"/>
+              <a:buChar char="•"/>
+            </a:pPr>
+            <a:r>
+              <a:rPr lang="hr-HR" dirty="0" err="1"/>
+              <a:t>Compare</a:t>
+            </a:r>
+            <a:r>
+              <a:rPr lang="hr-HR" dirty="0"/>
+              <a:t> </a:t>
+            </a:r>
+            <a:r>
+              <a:rPr lang="hr-HR" dirty="0" err="1"/>
+              <a:t>monolithic</a:t>
+            </a:r>
+            <a:r>
+              <a:rPr lang="hr-HR" dirty="0"/>
+              <a:t> vs. </a:t>
+            </a:r>
+            <a:r>
+              <a:rPr lang="hr-HR" dirty="0" err="1"/>
+              <a:t>microservices</a:t>
+            </a:r>
+            <a:r>
+              <a:rPr lang="hr-HR" dirty="0"/>
+              <a:t> </a:t>
+            </a:r>
+            <a:r>
+              <a:rPr lang="hr-HR" dirty="0" err="1"/>
+              <a:t>architectures</a:t>
+            </a:r>
+            <a:r>
+              <a:rPr lang="hr-HR" dirty="0"/>
+              <a:t> </a:t>
+            </a:r>
+            <a:r>
+              <a:rPr lang="hr-HR" dirty="0" err="1"/>
+              <a:t>with</a:t>
+            </a:r>
+            <a:r>
+              <a:rPr lang="hr-HR" dirty="0"/>
+              <a:t> </a:t>
+            </a:r>
+            <a:r>
+              <a:rPr lang="hr-HR" dirty="0" err="1"/>
+              <a:t>diagrams</a:t>
+            </a:r>
+            <a:r>
+              <a:rPr lang="hr-HR" dirty="0"/>
+              <a:t> on </a:t>
+            </a:r>
+            <a:r>
+              <a:rPr lang="hr-HR" dirty="0" err="1"/>
+              <a:t>the</a:t>
+            </a:r>
+            <a:r>
+              <a:rPr lang="hr-HR" dirty="0"/>
+              <a:t> </a:t>
+            </a:r>
+            <a:r>
+              <a:rPr lang="hr-HR" dirty="0" err="1"/>
+              <a:t>board</a:t>
+            </a:r>
+            <a:r>
+              <a:rPr lang="hr-HR" dirty="0"/>
+              <a:t>.</a:t>
+            </a:r>
+          </a:p>
+          <a:p>
+            <a:pPr>
+              <a:buFont typeface="Arial" panose="020B0604020202020204" pitchFamily="34" charset="0"/>
+              <a:buChar char="•"/>
+            </a:pPr>
+            <a:r>
+              <a:rPr lang="hr-HR" dirty="0" err="1"/>
+              <a:t>Discuss</a:t>
+            </a:r>
+            <a:r>
+              <a:rPr lang="hr-HR" dirty="0"/>
+              <a:t> </a:t>
+            </a:r>
+            <a:r>
+              <a:rPr lang="hr-HR" dirty="0" err="1"/>
+              <a:t>mobile‑first</a:t>
+            </a:r>
+            <a:r>
+              <a:rPr lang="hr-HR" dirty="0"/>
+              <a:t> UI/UX </a:t>
+            </a:r>
+            <a:r>
+              <a:rPr lang="hr-HR" dirty="0" err="1"/>
+              <a:t>principles</a:t>
+            </a:r>
+            <a:r>
+              <a:rPr lang="hr-HR" dirty="0"/>
+              <a:t>.</a:t>
+            </a:r>
+          </a:p>
+          <a:p>
+            <a:pPr>
+              <a:buNone/>
+            </a:pPr>
+            <a:r>
+              <a:rPr lang="hr-HR" b="1" dirty="0"/>
+              <a:t>Resources:</a:t>
+            </a:r>
+            <a:endParaRPr lang="hr-HR" dirty="0"/>
+          </a:p>
+          <a:p>
+            <a:pPr>
+              <a:buFont typeface="Arial" panose="020B0604020202020204" pitchFamily="34" charset="0"/>
+              <a:buChar char="•"/>
+            </a:pPr>
+            <a:r>
+              <a:rPr lang="hr-HR" dirty="0"/>
+              <a:t>“12‑Factor App” </a:t>
+            </a:r>
+            <a:r>
+              <a:rPr lang="hr-HR" dirty="0" err="1"/>
+              <a:t>methodology</a:t>
+            </a:r>
+            <a:r>
+              <a:rPr lang="hr-HR" dirty="0"/>
+              <a:t> (twelvefactor.net) for cloud‑</a:t>
+            </a:r>
+            <a:r>
+              <a:rPr lang="hr-HR" dirty="0" err="1"/>
+              <a:t>native</a:t>
+            </a:r>
+            <a:r>
+              <a:rPr lang="hr-HR" dirty="0"/>
+              <a:t> design</a:t>
+            </a:r>
+          </a:p>
+          <a:p>
+            <a:pPr>
+              <a:buFont typeface="Arial" panose="020B0604020202020204" pitchFamily="34" charset="0"/>
+              <a:buChar char="•"/>
+            </a:pPr>
+            <a:r>
+              <a:rPr lang="hr-HR" dirty="0"/>
+              <a:t>Microsoft Azure </a:t>
+            </a:r>
+            <a:r>
+              <a:rPr lang="hr-HR" dirty="0" err="1"/>
+              <a:t>Architecture</a:t>
+            </a:r>
+            <a:r>
+              <a:rPr lang="hr-HR" dirty="0"/>
+              <a:t> </a:t>
+            </a:r>
+            <a:r>
+              <a:rPr lang="hr-HR" dirty="0" err="1"/>
+              <a:t>Center</a:t>
+            </a:r>
+            <a:r>
+              <a:rPr lang="hr-HR" dirty="0"/>
+              <a:t> – </a:t>
+            </a:r>
+            <a:r>
+              <a:rPr lang="hr-HR" dirty="0" err="1"/>
+              <a:t>Guides</a:t>
+            </a:r>
+            <a:r>
+              <a:rPr lang="hr-HR" dirty="0"/>
+              <a:t> on </a:t>
+            </a:r>
+            <a:r>
+              <a:rPr lang="hr-HR" dirty="0" err="1"/>
+              <a:t>microservices</a:t>
+            </a:r>
+            <a:r>
+              <a:rPr lang="hr-HR" dirty="0"/>
+              <a:t> design</a:t>
+            </a:r>
+          </a:p>
+          <a:p>
+            <a:endParaRPr lang="hr-HR" dirty="0"/>
+          </a:p>
+        </p:txBody>
+      </p:sp>
+      <p:sp>
+        <p:nvSpPr>
+          <p:cNvPr id="4" name="Slide Number Placeholder 3"/>
+          <p:cNvSpPr>
+            <a:spLocks noGrp="1"/>
+          </p:cNvSpPr>
+          <p:nvPr>
+            <p:ph type="sldNum" sz="quarter" idx="5"/>
+          </p:nvPr>
+        </p:nvSpPr>
+        <p:spPr/>
+        <p:txBody>
+          <a:bodyPr/>
+          <a:lstStyle/>
+          <a:p>
+            <a:fld id="{90A064B2-EFF6-4760-BE09-0DEDA56827BE}" type="slidenum">
+              <a:rPr lang="hr-HR" smtClean="0"/>
+              <a:t>5</a:t>
+            </a:fld>
+            <a:endParaRPr lang="hr-HR"/>
+          </a:p>
+        </p:txBody>
+      </p:sp>
+    </p:spTree>
+    <p:extLst>
+      <p:ext uri="{BB962C8B-B14F-4D97-AF65-F5344CB8AC3E}">
+        <p14:creationId xmlns:p14="http://schemas.microsoft.com/office/powerpoint/2010/main" val="2517077182"/>
+      </p:ext>
+    </p:extLst>
+  </p:cSld>
+  <p:clrMapOvr>
+    <a:masterClrMapping/>
+  </p:clrMapOvr>
+</p:notes>
+</file>
+
+<file path=ppt/notesSlides/notesSlide5.xml><?xml version="1.0" encoding="utf-8"?>
+<p:notes xmlns:a="http://schemas.openxmlformats.org/drawingml/2006/main" xmlns:r="http://schemas.openxmlformats.org/officeDocument/2006/relationships" xmlns:p="http://schemas.openxmlformats.org/presentationml/2006/main">
+  <p:cSld>
+    <p:spTree>
+      <p:nvGrpSpPr>
+        <p:cNvPr id="1" name=""/>
+        <p:cNvGrpSpPr/>
+        <p:nvPr/>
+      </p:nvGrpSpPr>
+      <p:grpSpPr>
+        <a:xfrm>
+          <a:off x="0" y="0"/>
+          <a:ext cx="0" cy="0"/>
+          <a:chOff x="0" y="0"/>
+          <a:chExt cx="0" cy="0"/>
+        </a:xfrm>
+      </p:grpSpPr>
+      <p:sp>
+        <p:nvSpPr>
+          <p:cNvPr id="2" name="Slide Image Placeholder 1"/>
+          <p:cNvSpPr>
+            <a:spLocks noGrp="1" noRot="1" noChangeAspect="1"/>
+          </p:cNvSpPr>
+          <p:nvPr>
+            <p:ph type="sldImg"/>
+          </p:nvPr>
+        </p:nvSpPr>
+        <p:spPr/>
+      </p:sp>
+      <p:sp>
+        <p:nvSpPr>
+          <p:cNvPr id="3" name="Notes Placeholder 2"/>
+          <p:cNvSpPr>
+            <a:spLocks noGrp="1"/>
+          </p:cNvSpPr>
+          <p:nvPr>
+            <p:ph type="body" idx="1"/>
+          </p:nvPr>
+        </p:nvSpPr>
+        <p:spPr/>
+        <p:txBody>
+          <a:bodyPr/>
+          <a:lstStyle/>
+          <a:p>
+            <a:pPr>
+              <a:buNone/>
+            </a:pPr>
+            <a:r>
+              <a:rPr lang="en-US" b="1" dirty="0"/>
+              <a:t>Teacher Notes:</a:t>
+            </a:r>
+            <a:endParaRPr lang="en-US" dirty="0"/>
+          </a:p>
+          <a:p>
+            <a:pPr>
+              <a:buFont typeface="Arial" panose="020B0604020202020204" pitchFamily="34" charset="0"/>
+              <a:buChar char="•"/>
+            </a:pPr>
+            <a:r>
+              <a:rPr lang="en-US" dirty="0"/>
+              <a:t>Break students into backend and frontend groups; have them scaffold a Node.js/Express API and a React component.</a:t>
+            </a:r>
+          </a:p>
+          <a:p>
+            <a:pPr>
+              <a:buFont typeface="Arial" panose="020B0604020202020204" pitchFamily="34" charset="0"/>
+              <a:buChar char="•"/>
+            </a:pPr>
+            <a:r>
+              <a:rPr lang="en-US" dirty="0"/>
+              <a:t>Discuss how OAuth and JWT work together to secure endpoints.</a:t>
+            </a:r>
+          </a:p>
+          <a:p>
+            <a:pPr>
+              <a:buFont typeface="Arial" panose="020B0604020202020204" pitchFamily="34" charset="0"/>
+              <a:buChar char="•"/>
+            </a:pPr>
+            <a:r>
+              <a:rPr lang="en-US" dirty="0"/>
+              <a:t>Show a </a:t>
+            </a:r>
+            <a:r>
+              <a:rPr lang="en-US" dirty="0" err="1"/>
+              <a:t>Dockerfile</a:t>
+            </a:r>
+            <a:r>
+              <a:rPr lang="en-US" dirty="0"/>
+              <a:t> example and explain container orchestration via Kubernetes.</a:t>
+            </a:r>
+          </a:p>
+          <a:p>
+            <a:pPr>
+              <a:buNone/>
+            </a:pPr>
+            <a:r>
+              <a:rPr lang="en-US" b="1" dirty="0"/>
+              <a:t>Resources:</a:t>
+            </a:r>
+            <a:endParaRPr lang="en-US" dirty="0"/>
+          </a:p>
+          <a:p>
+            <a:pPr>
+              <a:buFont typeface="Arial" panose="020B0604020202020204" pitchFamily="34" charset="0"/>
+              <a:buChar char="•"/>
+            </a:pPr>
+            <a:r>
+              <a:rPr lang="en-US" dirty="0"/>
+              <a:t>Node.js official “Best Practices” guide (</a:t>
+            </a:r>
+            <a:r>
+              <a:rPr lang="en-US" dirty="0" err="1"/>
+              <a:t>nodejs.dev</a:t>
+            </a:r>
+            <a:r>
+              <a:rPr lang="en-US" dirty="0"/>
+              <a:t>/learn)</a:t>
+            </a:r>
+          </a:p>
+          <a:p>
+            <a:pPr>
+              <a:buFont typeface="Arial" panose="020B0604020202020204" pitchFamily="34" charset="0"/>
+              <a:buChar char="•"/>
+            </a:pPr>
+            <a:r>
+              <a:rPr lang="en-US" dirty="0"/>
+              <a:t>React documentation “Getting Started” (reactjs.org)</a:t>
+            </a:r>
+          </a:p>
+          <a:p>
+            <a:pPr>
+              <a:buFont typeface="Arial" panose="020B0604020202020204" pitchFamily="34" charset="0"/>
+              <a:buChar char="•"/>
+            </a:pPr>
+            <a:r>
+              <a:rPr lang="en-US" dirty="0"/>
+              <a:t>Docker “Get Started” tutorial (docker.com/get-started)</a:t>
+            </a:r>
+          </a:p>
+        </p:txBody>
+      </p:sp>
+      <p:sp>
+        <p:nvSpPr>
+          <p:cNvPr id="4" name="Slide Number Placeholder 3"/>
+          <p:cNvSpPr>
+            <a:spLocks noGrp="1"/>
+          </p:cNvSpPr>
+          <p:nvPr>
+            <p:ph type="sldNum" sz="quarter" idx="5"/>
+          </p:nvPr>
+        </p:nvSpPr>
+        <p:spPr/>
+        <p:txBody>
+          <a:bodyPr/>
+          <a:lstStyle/>
+          <a:p>
+            <a:fld id="{90A064B2-EFF6-4760-BE09-0DEDA56827BE}" type="slidenum">
+              <a:rPr lang="hr-HR" smtClean="0"/>
+              <a:t>6</a:t>
+            </a:fld>
+            <a:endParaRPr lang="hr-HR"/>
+          </a:p>
+        </p:txBody>
+      </p:sp>
+    </p:spTree>
+    <p:extLst>
+      <p:ext uri="{BB962C8B-B14F-4D97-AF65-F5344CB8AC3E}">
+        <p14:creationId xmlns:p14="http://schemas.microsoft.com/office/powerpoint/2010/main" val="1662091386"/>
+      </p:ext>
+    </p:extLst>
+  </p:cSld>
+  <p:clrMapOvr>
+    <a:masterClrMapping/>
+  </p:clrMapOvr>
+</p:notes>
+</file>
+
+<file path=ppt/notesSlides/notesSlide6.xml><?xml version="1.0" encoding="utf-8"?>
+<p:notes xmlns:a="http://schemas.openxmlformats.org/drawingml/2006/main" xmlns:r="http://schemas.openxmlformats.org/officeDocument/2006/relationships" xmlns:p="http://schemas.openxmlformats.org/presentationml/2006/main">
+  <p:cSld>
+    <p:spTree>
+      <p:nvGrpSpPr>
+        <p:cNvPr id="1" name=""/>
+        <p:cNvGrpSpPr/>
+        <p:nvPr/>
+      </p:nvGrpSpPr>
+      <p:grpSpPr>
+        <a:xfrm>
+          <a:off x="0" y="0"/>
+          <a:ext cx="0" cy="0"/>
+          <a:chOff x="0" y="0"/>
+          <a:chExt cx="0" cy="0"/>
+        </a:xfrm>
+      </p:grpSpPr>
+      <p:sp>
+        <p:nvSpPr>
+          <p:cNvPr id="2" name="Slide Image Placeholder 1"/>
+          <p:cNvSpPr>
+            <a:spLocks noGrp="1" noRot="1" noChangeAspect="1"/>
+          </p:cNvSpPr>
+          <p:nvPr>
+            <p:ph type="sldImg"/>
+          </p:nvPr>
+        </p:nvSpPr>
+        <p:spPr/>
+      </p:sp>
+      <p:sp>
+        <p:nvSpPr>
+          <p:cNvPr id="3" name="Notes Placeholder 2"/>
+          <p:cNvSpPr>
+            <a:spLocks noGrp="1"/>
+          </p:cNvSpPr>
+          <p:nvPr>
+            <p:ph type="body" idx="1"/>
+          </p:nvPr>
+        </p:nvSpPr>
+        <p:spPr/>
+        <p:txBody>
+          <a:bodyPr/>
+          <a:lstStyle/>
+          <a:p>
+            <a:pPr>
+              <a:buNone/>
+            </a:pPr>
+            <a:r>
+              <a:rPr lang="en-US" b="1" dirty="0"/>
+              <a:t>Teacher Notes:</a:t>
+            </a:r>
+            <a:endParaRPr lang="en-US" dirty="0"/>
+          </a:p>
+          <a:p>
+            <a:pPr>
+              <a:buFont typeface="Arial" panose="020B0604020202020204" pitchFamily="34" charset="0"/>
+              <a:buChar char="•"/>
+            </a:pPr>
+            <a:r>
+              <a:rPr lang="en-US" dirty="0"/>
+              <a:t>Demonstrate writing a simple unit test with Jest or Mocha.</a:t>
+            </a:r>
+          </a:p>
+          <a:p>
+            <a:pPr>
+              <a:buFont typeface="Arial" panose="020B0604020202020204" pitchFamily="34" charset="0"/>
+              <a:buChar char="•"/>
+            </a:pPr>
+            <a:r>
+              <a:rPr lang="en-US" dirty="0"/>
+              <a:t>Show how to run a load test using a tool like Apache JMeter or k6.</a:t>
+            </a:r>
+          </a:p>
+          <a:p>
+            <a:pPr>
+              <a:buFont typeface="Arial" panose="020B0604020202020204" pitchFamily="34" charset="0"/>
+              <a:buChar char="•"/>
+            </a:pPr>
+            <a:r>
+              <a:rPr lang="en-US" dirty="0"/>
+              <a:t>Introduce OWASP ZAP for basic security scanning.</a:t>
+            </a:r>
+          </a:p>
+          <a:p>
+            <a:pPr>
+              <a:buNone/>
+            </a:pPr>
+            <a:r>
+              <a:rPr lang="en-US" b="1" dirty="0"/>
+              <a:t>Resources:</a:t>
+            </a:r>
+            <a:endParaRPr lang="en-US" dirty="0"/>
+          </a:p>
+          <a:p>
+            <a:pPr>
+              <a:buFont typeface="Arial" panose="020B0604020202020204" pitchFamily="34" charset="0"/>
+              <a:buChar char="•"/>
+            </a:pPr>
+            <a:r>
+              <a:rPr lang="en-US" dirty="0"/>
+              <a:t>“Test Automation University” free courses by </a:t>
+            </a:r>
+            <a:r>
+              <a:rPr lang="en-US" dirty="0" err="1"/>
+              <a:t>Applitools</a:t>
+            </a:r>
+            <a:endParaRPr lang="en-US" dirty="0"/>
+          </a:p>
+          <a:p>
+            <a:pPr>
+              <a:buFont typeface="Arial" panose="020B0604020202020204" pitchFamily="34" charset="0"/>
+              <a:buChar char="•"/>
+            </a:pPr>
+            <a:r>
+              <a:rPr lang="en-US" dirty="0"/>
+              <a:t>OWASP Testing Guide v4 (owasp.org)</a:t>
+            </a:r>
+          </a:p>
+          <a:p>
+            <a:pPr>
+              <a:buNone/>
+            </a:pPr>
+            <a:r>
+              <a:rPr lang="en-US" b="1" dirty="0"/>
+              <a:t>Additional Reading:</a:t>
+            </a:r>
+            <a:endParaRPr lang="en-US" dirty="0"/>
+          </a:p>
+          <a:p>
+            <a:pPr>
+              <a:buFont typeface="Arial" panose="020B0604020202020204" pitchFamily="34" charset="0"/>
+              <a:buChar char="•"/>
+            </a:pPr>
+            <a:r>
+              <a:rPr lang="en-US" i="1" dirty="0" err="1"/>
+              <a:t>xUnit</a:t>
+            </a:r>
+            <a:r>
+              <a:rPr lang="en-US" i="1" dirty="0"/>
+              <a:t> Test Patterns</a:t>
+            </a:r>
+            <a:r>
+              <a:rPr lang="en-US" dirty="0"/>
+              <a:t> by Gerard Meszaros</a:t>
+            </a:r>
+          </a:p>
+          <a:p>
+            <a:pPr>
+              <a:buFont typeface="Arial" panose="020B0604020202020204" pitchFamily="34" charset="0"/>
+              <a:buChar char="•"/>
+            </a:pPr>
+            <a:r>
+              <a:rPr lang="en-US" i="1" dirty="0"/>
+              <a:t>Continuous Testing for DevOps Professionals</a:t>
+            </a:r>
+            <a:r>
+              <a:rPr lang="en-US" dirty="0"/>
+              <a:t> by Eran </a:t>
+            </a:r>
+            <a:r>
+              <a:rPr lang="en-US" dirty="0" err="1"/>
+              <a:t>Kinsbruner</a:t>
+            </a:r>
+            <a:endParaRPr lang="en-US" dirty="0"/>
+          </a:p>
+          <a:p>
+            <a:endParaRPr lang="hr-HR" dirty="0"/>
+          </a:p>
+        </p:txBody>
+      </p:sp>
+      <p:sp>
+        <p:nvSpPr>
+          <p:cNvPr id="4" name="Slide Number Placeholder 3"/>
+          <p:cNvSpPr>
+            <a:spLocks noGrp="1"/>
+          </p:cNvSpPr>
+          <p:nvPr>
+            <p:ph type="sldNum" sz="quarter" idx="5"/>
+          </p:nvPr>
+        </p:nvSpPr>
+        <p:spPr/>
+        <p:txBody>
+          <a:bodyPr/>
+          <a:lstStyle/>
+          <a:p>
+            <a:fld id="{90A064B2-EFF6-4760-BE09-0DEDA56827BE}" type="slidenum">
+              <a:rPr lang="hr-HR" smtClean="0"/>
+              <a:t>7</a:t>
+            </a:fld>
+            <a:endParaRPr lang="hr-HR"/>
+          </a:p>
+        </p:txBody>
+      </p:sp>
+    </p:spTree>
+    <p:extLst>
+      <p:ext uri="{BB962C8B-B14F-4D97-AF65-F5344CB8AC3E}">
+        <p14:creationId xmlns:p14="http://schemas.microsoft.com/office/powerpoint/2010/main" val="93367901"/>
+      </p:ext>
+    </p:extLst>
+  </p:cSld>
+  <p:clrMapOvr>
+    <a:masterClrMapping/>
+  </p:clrMapOvr>
+</p:notes>
+</file>
+
+<file path=ppt/notesSlides/notesSlide7.xml><?xml version="1.0" encoding="utf-8"?>
+<p:notes xmlns:a="http://schemas.openxmlformats.org/drawingml/2006/main" xmlns:r="http://schemas.openxmlformats.org/officeDocument/2006/relationships" xmlns:p="http://schemas.openxmlformats.org/presentationml/2006/main">
+  <p:cSld>
+    <p:spTree>
+      <p:nvGrpSpPr>
+        <p:cNvPr id="1" name=""/>
+        <p:cNvGrpSpPr/>
+        <p:nvPr/>
+      </p:nvGrpSpPr>
+      <p:grpSpPr>
+        <a:xfrm>
+          <a:off x="0" y="0"/>
+          <a:ext cx="0" cy="0"/>
+          <a:chOff x="0" y="0"/>
+          <a:chExt cx="0" cy="0"/>
+        </a:xfrm>
+      </p:grpSpPr>
+      <p:sp>
+        <p:nvSpPr>
+          <p:cNvPr id="2" name="Slide Image Placeholder 1"/>
+          <p:cNvSpPr>
+            <a:spLocks noGrp="1" noRot="1" noChangeAspect="1"/>
+          </p:cNvSpPr>
+          <p:nvPr>
+            <p:ph type="sldImg"/>
+          </p:nvPr>
+        </p:nvSpPr>
+        <p:spPr/>
+      </p:sp>
+      <p:sp>
+        <p:nvSpPr>
+          <p:cNvPr id="3" name="Notes Placeholder 2"/>
+          <p:cNvSpPr>
+            <a:spLocks noGrp="1"/>
+          </p:cNvSpPr>
+          <p:nvPr>
+            <p:ph type="body" idx="1"/>
+          </p:nvPr>
+        </p:nvSpPr>
+        <p:spPr/>
+        <p:txBody>
+          <a:bodyPr/>
+          <a:lstStyle/>
+          <a:p>
+            <a:pPr>
+              <a:buNone/>
+            </a:pPr>
+            <a:r>
+              <a:rPr lang="hr-HR" b="1" dirty="0" err="1"/>
+              <a:t>Teacher</a:t>
+            </a:r>
+            <a:r>
+              <a:rPr lang="hr-HR" b="1" dirty="0"/>
+              <a:t> Notes:</a:t>
+            </a:r>
+            <a:endParaRPr lang="hr-HR" dirty="0"/>
+          </a:p>
+          <a:p>
+            <a:pPr>
+              <a:buFont typeface="Arial" panose="020B0604020202020204" pitchFamily="34" charset="0"/>
+              <a:buChar char="•"/>
+            </a:pPr>
+            <a:r>
+              <a:rPr lang="hr-HR" dirty="0"/>
+              <a:t>Live‑demo a </a:t>
+            </a:r>
+            <a:r>
+              <a:rPr lang="hr-HR" dirty="0" err="1"/>
+              <a:t>simple</a:t>
+            </a:r>
+            <a:r>
+              <a:rPr lang="hr-HR" dirty="0"/>
+              <a:t> Blue/Green </a:t>
+            </a:r>
+            <a:r>
+              <a:rPr lang="hr-HR" dirty="0" err="1"/>
+              <a:t>deployment</a:t>
+            </a:r>
+            <a:r>
+              <a:rPr lang="hr-HR" dirty="0"/>
+              <a:t> on AWS </a:t>
+            </a:r>
+            <a:r>
+              <a:rPr lang="hr-HR" dirty="0" err="1"/>
+              <a:t>Elastic</a:t>
+            </a:r>
+            <a:r>
+              <a:rPr lang="hr-HR" dirty="0"/>
+              <a:t> </a:t>
+            </a:r>
+            <a:r>
+              <a:rPr lang="hr-HR" dirty="0" err="1"/>
+              <a:t>Beanstalk</a:t>
+            </a:r>
+            <a:r>
+              <a:rPr lang="hr-HR" dirty="0"/>
+              <a:t>.</a:t>
+            </a:r>
+          </a:p>
+          <a:p>
+            <a:pPr>
+              <a:buFont typeface="Arial" panose="020B0604020202020204" pitchFamily="34" charset="0"/>
+              <a:buChar char="•"/>
+            </a:pPr>
+            <a:r>
+              <a:rPr lang="hr-HR" dirty="0" err="1"/>
+              <a:t>Explain</a:t>
+            </a:r>
+            <a:r>
+              <a:rPr lang="hr-HR" dirty="0"/>
+              <a:t> </a:t>
+            </a:r>
+            <a:r>
+              <a:rPr lang="hr-HR" dirty="0" err="1"/>
+              <a:t>load</a:t>
+            </a:r>
+            <a:r>
+              <a:rPr lang="hr-HR" dirty="0"/>
+              <a:t> </a:t>
+            </a:r>
+            <a:r>
+              <a:rPr lang="hr-HR" dirty="0" err="1"/>
+              <a:t>balancing</a:t>
+            </a:r>
+            <a:r>
+              <a:rPr lang="hr-HR" dirty="0"/>
+              <a:t> </a:t>
+            </a:r>
+            <a:r>
+              <a:rPr lang="hr-HR" dirty="0" err="1"/>
+              <a:t>and</a:t>
+            </a:r>
+            <a:r>
+              <a:rPr lang="hr-HR" dirty="0"/>
+              <a:t> auto‑</a:t>
+            </a:r>
+            <a:r>
+              <a:rPr lang="hr-HR" dirty="0" err="1"/>
+              <a:t>scaling</a:t>
+            </a:r>
+            <a:r>
+              <a:rPr lang="hr-HR" dirty="0"/>
+              <a:t> </a:t>
+            </a:r>
+            <a:r>
+              <a:rPr lang="hr-HR" dirty="0" err="1"/>
+              <a:t>policies</a:t>
+            </a:r>
+            <a:r>
+              <a:rPr lang="hr-HR" dirty="0"/>
+              <a:t>.</a:t>
+            </a:r>
+          </a:p>
+          <a:p>
+            <a:pPr>
+              <a:buNone/>
+            </a:pPr>
+            <a:r>
+              <a:rPr lang="hr-HR" b="1" dirty="0"/>
+              <a:t>Resources:</a:t>
+            </a:r>
+            <a:endParaRPr lang="hr-HR" dirty="0"/>
+          </a:p>
+          <a:p>
+            <a:pPr>
+              <a:buFont typeface="Arial" panose="020B0604020202020204" pitchFamily="34" charset="0"/>
+              <a:buChar char="•"/>
+            </a:pPr>
+            <a:r>
+              <a:rPr lang="hr-HR" dirty="0"/>
+              <a:t>AWS </a:t>
+            </a:r>
+            <a:r>
+              <a:rPr lang="hr-HR" dirty="0" err="1"/>
+              <a:t>Elastic</a:t>
+            </a:r>
+            <a:r>
+              <a:rPr lang="hr-HR" dirty="0"/>
+              <a:t> </a:t>
+            </a:r>
+            <a:r>
+              <a:rPr lang="hr-HR" dirty="0" err="1"/>
+              <a:t>Beanstalk</a:t>
+            </a:r>
+            <a:r>
+              <a:rPr lang="hr-HR" dirty="0"/>
+              <a:t> </a:t>
+            </a:r>
+            <a:r>
+              <a:rPr lang="hr-HR" dirty="0" err="1"/>
+              <a:t>documentation</a:t>
+            </a:r>
+            <a:r>
+              <a:rPr lang="hr-HR" dirty="0"/>
+              <a:t> (docs.aws.amazon.com/</a:t>
+            </a:r>
+            <a:r>
+              <a:rPr lang="hr-HR" dirty="0" err="1"/>
+              <a:t>elasticbeanstalk</a:t>
+            </a:r>
+            <a:r>
+              <a:rPr lang="hr-HR" dirty="0"/>
+              <a:t>)</a:t>
+            </a:r>
+          </a:p>
+          <a:p>
+            <a:pPr>
+              <a:buFont typeface="Arial" panose="020B0604020202020204" pitchFamily="34" charset="0"/>
+              <a:buChar char="•"/>
+            </a:pPr>
+            <a:r>
+              <a:rPr lang="hr-HR" dirty="0"/>
+              <a:t>“</a:t>
+            </a:r>
+            <a:r>
+              <a:rPr lang="hr-HR" dirty="0" err="1"/>
+              <a:t>The</a:t>
+            </a:r>
+            <a:r>
+              <a:rPr lang="hr-HR" dirty="0"/>
+              <a:t> </a:t>
+            </a:r>
+            <a:r>
+              <a:rPr lang="hr-HR" dirty="0" err="1"/>
+              <a:t>Twelve-Factor</a:t>
+            </a:r>
+            <a:r>
+              <a:rPr lang="hr-HR" dirty="0"/>
+              <a:t> App” </a:t>
+            </a:r>
+            <a:r>
+              <a:rPr lang="hr-HR" dirty="0" err="1"/>
+              <a:t>section</a:t>
+            </a:r>
+            <a:r>
+              <a:rPr lang="hr-HR" dirty="0"/>
+              <a:t> on </a:t>
+            </a:r>
+            <a:r>
+              <a:rPr lang="hr-HR" dirty="0" err="1"/>
+              <a:t>deployment</a:t>
+            </a:r>
+            <a:r>
+              <a:rPr lang="hr-HR" dirty="0"/>
+              <a:t> (twelvefactor.net/</a:t>
+            </a:r>
+            <a:r>
+              <a:rPr lang="hr-HR" dirty="0" err="1"/>
+              <a:t>dev‑prod‑parity</a:t>
+            </a:r>
+            <a:r>
+              <a:rPr lang="hr-HR" dirty="0"/>
+              <a:t>)</a:t>
+            </a:r>
+          </a:p>
+          <a:p>
+            <a:endParaRPr lang="hr-HR" dirty="0"/>
+          </a:p>
+        </p:txBody>
+      </p:sp>
+      <p:sp>
+        <p:nvSpPr>
+          <p:cNvPr id="4" name="Slide Number Placeholder 3"/>
+          <p:cNvSpPr>
+            <a:spLocks noGrp="1"/>
+          </p:cNvSpPr>
+          <p:nvPr>
+            <p:ph type="sldNum" sz="quarter" idx="5"/>
+          </p:nvPr>
+        </p:nvSpPr>
+        <p:spPr/>
+        <p:txBody>
+          <a:bodyPr/>
+          <a:lstStyle/>
+          <a:p>
+            <a:fld id="{90A064B2-EFF6-4760-BE09-0DEDA56827BE}" type="slidenum">
+              <a:rPr lang="hr-HR" smtClean="0"/>
+              <a:t>8</a:t>
+            </a:fld>
+            <a:endParaRPr lang="hr-HR"/>
+          </a:p>
+        </p:txBody>
+      </p:sp>
+    </p:spTree>
+    <p:extLst>
+      <p:ext uri="{BB962C8B-B14F-4D97-AF65-F5344CB8AC3E}">
+        <p14:creationId xmlns:p14="http://schemas.microsoft.com/office/powerpoint/2010/main" val="2938183595"/>
+      </p:ext>
+    </p:extLst>
+  </p:cSld>
+  <p:clrMapOvr>
+    <a:masterClrMapping/>
+  </p:clrMapOvr>
+</p:notes>
+</file>
+
+<file path=ppt/notesSlides/notesSlide8.xml><?xml version="1.0" encoding="utf-8"?>
+<p:notes xmlns:a="http://schemas.openxmlformats.org/drawingml/2006/main" xmlns:r="http://schemas.openxmlformats.org/officeDocument/2006/relationships" xmlns:p="http://schemas.openxmlformats.org/presentationml/2006/main">
+  <p:cSld>
+    <p:spTree>
+      <p:nvGrpSpPr>
+        <p:cNvPr id="1" name=""/>
+        <p:cNvGrpSpPr/>
+        <p:nvPr/>
+      </p:nvGrpSpPr>
+      <p:grpSpPr>
+        <a:xfrm>
+          <a:off x="0" y="0"/>
+          <a:ext cx="0" cy="0"/>
+          <a:chOff x="0" y="0"/>
+          <a:chExt cx="0" cy="0"/>
+        </a:xfrm>
+      </p:grpSpPr>
+      <p:sp>
+        <p:nvSpPr>
+          <p:cNvPr id="2" name="Slide Image Placeholder 1"/>
+          <p:cNvSpPr>
+            <a:spLocks noGrp="1" noRot="1" noChangeAspect="1"/>
+          </p:cNvSpPr>
+          <p:nvPr>
+            <p:ph type="sldImg"/>
+          </p:nvPr>
+        </p:nvSpPr>
+        <p:spPr/>
+      </p:sp>
+      <p:sp>
+        <p:nvSpPr>
+          <p:cNvPr id="3" name="Notes Placeholder 2"/>
+          <p:cNvSpPr>
+            <a:spLocks noGrp="1"/>
+          </p:cNvSpPr>
+          <p:nvPr>
+            <p:ph type="body" idx="1"/>
+          </p:nvPr>
+        </p:nvSpPr>
+        <p:spPr/>
+        <p:txBody>
+          <a:bodyPr/>
+          <a:lstStyle/>
+          <a:p>
+            <a:pPr>
+              <a:buNone/>
+            </a:pPr>
+            <a:r>
+              <a:rPr lang="en-US" b="1" dirty="0"/>
+              <a:t>Teacher Notes:</a:t>
+            </a:r>
+            <a:endParaRPr lang="en-US" dirty="0"/>
+          </a:p>
+          <a:p>
+            <a:pPr>
+              <a:buFont typeface="Arial" panose="020B0604020202020204" pitchFamily="34" charset="0"/>
+              <a:buChar char="•"/>
+            </a:pPr>
+            <a:r>
+              <a:rPr lang="en-US" dirty="0"/>
+              <a:t>Discuss monitoring tools (e.g., Prometheus, Grafana) and alerting strategies.</a:t>
+            </a:r>
+          </a:p>
+          <a:p>
+            <a:pPr>
+              <a:buFont typeface="Arial" panose="020B0604020202020204" pitchFamily="34" charset="0"/>
+              <a:buChar char="•"/>
+            </a:pPr>
+            <a:r>
+              <a:rPr lang="en-US" dirty="0"/>
+              <a:t>Introduce the concept of technical debt and how to plan for refactoring sprints.</a:t>
+            </a:r>
+          </a:p>
+          <a:p>
+            <a:pPr>
+              <a:buNone/>
+            </a:pPr>
+            <a:r>
+              <a:rPr lang="en-US" b="1" dirty="0"/>
+              <a:t>Resources:</a:t>
+            </a:r>
+            <a:endParaRPr lang="en-US" dirty="0"/>
+          </a:p>
+          <a:p>
+            <a:pPr>
+              <a:buFont typeface="Arial" panose="020B0604020202020204" pitchFamily="34" charset="0"/>
+              <a:buChar char="•"/>
+            </a:pPr>
+            <a:r>
+              <a:rPr lang="en-US" dirty="0"/>
+              <a:t>“Google Site Reliability Engineering” (</a:t>
+            </a:r>
+            <a:r>
+              <a:rPr lang="en-US" dirty="0" err="1"/>
+              <a:t>sre.google</a:t>
+            </a:r>
+            <a:r>
+              <a:rPr lang="en-US" dirty="0"/>
+              <a:t>) – Chapters on monitoring and incident response</a:t>
+            </a:r>
+          </a:p>
+          <a:p>
+            <a:pPr>
+              <a:buFont typeface="Arial" panose="020B0604020202020204" pitchFamily="34" charset="0"/>
+              <a:buChar char="•"/>
+            </a:pPr>
+            <a:r>
+              <a:rPr lang="en-US" dirty="0"/>
+              <a:t>Atlassian article “Managing Technical Debt”</a:t>
+            </a:r>
+          </a:p>
+          <a:p>
+            <a:endParaRPr lang="hr-HR" dirty="0"/>
+          </a:p>
+        </p:txBody>
+      </p:sp>
+      <p:sp>
+        <p:nvSpPr>
+          <p:cNvPr id="4" name="Slide Number Placeholder 3"/>
+          <p:cNvSpPr>
+            <a:spLocks noGrp="1"/>
+          </p:cNvSpPr>
+          <p:nvPr>
+            <p:ph type="sldNum" sz="quarter" idx="5"/>
+          </p:nvPr>
+        </p:nvSpPr>
+        <p:spPr/>
+        <p:txBody>
+          <a:bodyPr/>
+          <a:lstStyle/>
+          <a:p>
+            <a:fld id="{90A064B2-EFF6-4760-BE09-0DEDA56827BE}" type="slidenum">
+              <a:rPr lang="hr-HR" smtClean="0"/>
+              <a:t>9</a:t>
+            </a:fld>
+            <a:endParaRPr lang="hr-HR"/>
+          </a:p>
+        </p:txBody>
+      </p:sp>
+    </p:spTree>
+    <p:extLst>
+      <p:ext uri="{BB962C8B-B14F-4D97-AF65-F5344CB8AC3E}">
+        <p14:creationId xmlns:p14="http://schemas.microsoft.com/office/powerpoint/2010/main" val="1571598448"/>
+      </p:ext>
+    </p:extLst>
+  </p:cSld>
+  <p:clrMapOvr>
+    <a:masterClrMapping/>
+  </p:clrMapOvr>
+</p:notes>
+</file>
+
+<file path=ppt/notesSlides/notesSlide9.xml><?xml version="1.0" encoding="utf-8"?>
+<p:notes xmlns:a="http://schemas.openxmlformats.org/drawingml/2006/main" xmlns:r="http://schemas.openxmlformats.org/officeDocument/2006/relationships" xmlns:p="http://schemas.openxmlformats.org/presentationml/2006/main">
+  <p:cSld>
+    <p:spTree>
+      <p:nvGrpSpPr>
+        <p:cNvPr id="1" name=""/>
+        <p:cNvGrpSpPr/>
+        <p:nvPr/>
+      </p:nvGrpSpPr>
+      <p:grpSpPr>
+        <a:xfrm>
+          <a:off x="0" y="0"/>
+          <a:ext cx="0" cy="0"/>
+          <a:chOff x="0" y="0"/>
+          <a:chExt cx="0" cy="0"/>
+        </a:xfrm>
+      </p:grpSpPr>
+      <p:sp>
+        <p:nvSpPr>
+          <p:cNvPr id="2" name="Slide Image Placeholder 1"/>
+          <p:cNvSpPr>
+            <a:spLocks noGrp="1" noRot="1" noChangeAspect="1"/>
+          </p:cNvSpPr>
+          <p:nvPr>
+            <p:ph type="sldImg"/>
+          </p:nvPr>
+        </p:nvSpPr>
+        <p:spPr/>
+      </p:sp>
+      <p:sp>
+        <p:nvSpPr>
+          <p:cNvPr id="3" name="Notes Placeholder 2"/>
+          <p:cNvSpPr>
+            <a:spLocks noGrp="1"/>
+          </p:cNvSpPr>
+          <p:nvPr>
+            <p:ph type="body" idx="1"/>
+          </p:nvPr>
+        </p:nvSpPr>
+        <p:spPr/>
+        <p:txBody>
+          <a:bodyPr/>
+          <a:lstStyle/>
+          <a:p>
+            <a:pPr>
+              <a:buNone/>
+            </a:pPr>
+            <a:r>
+              <a:rPr lang="hr-HR" b="1" dirty="0" err="1"/>
+              <a:t>Teacher</a:t>
+            </a:r>
+            <a:r>
+              <a:rPr lang="hr-HR" b="1" dirty="0"/>
+              <a:t> Notes:</a:t>
+            </a:r>
+            <a:endParaRPr lang="hr-HR" dirty="0"/>
+          </a:p>
+          <a:p>
+            <a:pPr>
+              <a:buFont typeface="Arial" panose="020B0604020202020204" pitchFamily="34" charset="0"/>
+              <a:buChar char="•"/>
+            </a:pPr>
+            <a:r>
+              <a:rPr lang="hr-HR" dirty="0" err="1"/>
+              <a:t>Contrast</a:t>
+            </a:r>
+            <a:r>
+              <a:rPr lang="hr-HR" dirty="0"/>
+              <a:t> </a:t>
+            </a:r>
+            <a:r>
+              <a:rPr lang="hr-HR" dirty="0" err="1"/>
+              <a:t>Waterfall</a:t>
+            </a:r>
+            <a:r>
+              <a:rPr lang="hr-HR" dirty="0"/>
+              <a:t> vs. </a:t>
+            </a:r>
+            <a:r>
+              <a:rPr lang="hr-HR" dirty="0" err="1"/>
+              <a:t>Agile</a:t>
+            </a:r>
+            <a:r>
+              <a:rPr lang="hr-HR" dirty="0"/>
+              <a:t> </a:t>
+            </a:r>
+            <a:r>
+              <a:rPr lang="hr-HR" dirty="0" err="1"/>
+              <a:t>through</a:t>
+            </a:r>
+            <a:r>
+              <a:rPr lang="hr-HR" dirty="0"/>
+              <a:t> a role‑</a:t>
+            </a:r>
+            <a:r>
+              <a:rPr lang="hr-HR" dirty="0" err="1"/>
+              <a:t>play</a:t>
+            </a:r>
+            <a:r>
+              <a:rPr lang="hr-HR" dirty="0"/>
+              <a:t>: one </a:t>
+            </a:r>
+            <a:r>
+              <a:rPr lang="hr-HR" dirty="0" err="1"/>
+              <a:t>group</a:t>
+            </a:r>
+            <a:r>
+              <a:rPr lang="hr-HR" dirty="0"/>
+              <a:t> </a:t>
+            </a:r>
+            <a:r>
+              <a:rPr lang="hr-HR" dirty="0" err="1"/>
+              <a:t>follows</a:t>
+            </a:r>
+            <a:r>
+              <a:rPr lang="hr-HR" dirty="0"/>
+              <a:t> a </a:t>
+            </a:r>
+            <a:r>
+              <a:rPr lang="hr-HR" dirty="0" err="1"/>
+              <a:t>sequential</a:t>
+            </a:r>
+            <a:r>
+              <a:rPr lang="hr-HR" dirty="0"/>
+              <a:t> plan, </a:t>
+            </a:r>
+            <a:r>
+              <a:rPr lang="hr-HR" dirty="0" err="1"/>
+              <a:t>another</a:t>
+            </a:r>
+            <a:r>
+              <a:rPr lang="hr-HR" dirty="0"/>
+              <a:t> </a:t>
+            </a:r>
+            <a:r>
+              <a:rPr lang="hr-HR" dirty="0" err="1"/>
+              <a:t>uses</a:t>
+            </a:r>
+            <a:r>
+              <a:rPr lang="hr-HR" dirty="0"/>
+              <a:t> </a:t>
+            </a:r>
+            <a:r>
+              <a:rPr lang="hr-HR" dirty="0" err="1"/>
+              <a:t>Scrum</a:t>
+            </a:r>
+            <a:r>
+              <a:rPr lang="hr-HR" dirty="0"/>
+              <a:t> </a:t>
+            </a:r>
+            <a:r>
+              <a:rPr lang="hr-HR" dirty="0" err="1"/>
+              <a:t>sprints</a:t>
+            </a:r>
+            <a:r>
+              <a:rPr lang="hr-HR" dirty="0"/>
+              <a:t>.</a:t>
+            </a:r>
+          </a:p>
+          <a:p>
+            <a:pPr>
+              <a:buFont typeface="Arial" panose="020B0604020202020204" pitchFamily="34" charset="0"/>
+              <a:buChar char="•"/>
+            </a:pPr>
+            <a:r>
+              <a:rPr lang="hr-HR" dirty="0" err="1"/>
+              <a:t>Discuss</a:t>
+            </a:r>
+            <a:r>
+              <a:rPr lang="hr-HR" dirty="0"/>
+              <a:t> </a:t>
+            </a:r>
+            <a:r>
+              <a:rPr lang="hr-HR" dirty="0" err="1"/>
+              <a:t>the</a:t>
+            </a:r>
+            <a:r>
+              <a:rPr lang="hr-HR" dirty="0"/>
+              <a:t> </a:t>
+            </a:r>
+            <a:r>
+              <a:rPr lang="hr-HR" dirty="0" err="1"/>
+              <a:t>Hybrid</a:t>
+            </a:r>
+            <a:r>
+              <a:rPr lang="hr-HR" dirty="0"/>
+              <a:t> model—how some </a:t>
+            </a:r>
+            <a:r>
+              <a:rPr lang="hr-HR" dirty="0" err="1"/>
+              <a:t>teams</a:t>
+            </a:r>
+            <a:r>
+              <a:rPr lang="hr-HR" dirty="0"/>
+              <a:t> use </a:t>
+            </a:r>
+            <a:r>
+              <a:rPr lang="hr-HR" dirty="0" err="1"/>
+              <a:t>fixed‑scope</a:t>
+            </a:r>
+            <a:r>
+              <a:rPr lang="hr-HR" dirty="0"/>
+              <a:t> </a:t>
+            </a:r>
+            <a:r>
+              <a:rPr lang="hr-HR" dirty="0" err="1"/>
+              <a:t>backend</a:t>
+            </a:r>
+            <a:r>
+              <a:rPr lang="hr-HR" dirty="0"/>
+              <a:t> </a:t>
+            </a:r>
+            <a:r>
+              <a:rPr lang="hr-HR" dirty="0" err="1"/>
+              <a:t>cycles</a:t>
+            </a:r>
+            <a:r>
+              <a:rPr lang="hr-HR" dirty="0"/>
+              <a:t> </a:t>
+            </a:r>
+            <a:r>
+              <a:rPr lang="hr-HR" dirty="0" err="1"/>
+              <a:t>and</a:t>
+            </a:r>
+            <a:r>
+              <a:rPr lang="hr-HR" dirty="0"/>
+              <a:t> </a:t>
+            </a:r>
+            <a:r>
+              <a:rPr lang="hr-HR" dirty="0" err="1"/>
+              <a:t>iterative</a:t>
+            </a:r>
+            <a:r>
+              <a:rPr lang="hr-HR" dirty="0"/>
+              <a:t> </a:t>
+            </a:r>
+            <a:r>
+              <a:rPr lang="hr-HR" dirty="0" err="1"/>
+              <a:t>frontend</a:t>
+            </a:r>
+            <a:r>
+              <a:rPr lang="hr-HR" dirty="0"/>
+              <a:t> </a:t>
+            </a:r>
+            <a:r>
+              <a:rPr lang="hr-HR" dirty="0" err="1"/>
+              <a:t>sprints</a:t>
+            </a:r>
+            <a:r>
+              <a:rPr lang="hr-HR" dirty="0"/>
+              <a:t>.</a:t>
+            </a:r>
+          </a:p>
+          <a:p>
+            <a:pPr>
+              <a:buNone/>
+            </a:pPr>
+            <a:r>
+              <a:rPr lang="hr-HR" b="1" dirty="0"/>
+              <a:t>Resources:</a:t>
+            </a:r>
+            <a:endParaRPr lang="hr-HR" dirty="0"/>
+          </a:p>
+          <a:p>
+            <a:pPr>
+              <a:buFont typeface="Arial" panose="020B0604020202020204" pitchFamily="34" charset="0"/>
+              <a:buChar char="•"/>
+            </a:pPr>
+            <a:r>
+              <a:rPr lang="hr-HR" dirty="0" err="1"/>
+              <a:t>The</a:t>
+            </a:r>
+            <a:r>
+              <a:rPr lang="hr-HR" dirty="0"/>
+              <a:t> Scrum.org </a:t>
+            </a:r>
+            <a:r>
+              <a:rPr lang="hr-HR" b="1" dirty="0" err="1"/>
+              <a:t>Scrum</a:t>
+            </a:r>
+            <a:r>
+              <a:rPr lang="hr-HR" b="1" dirty="0"/>
+              <a:t> </a:t>
+            </a:r>
+            <a:r>
+              <a:rPr lang="hr-HR" b="1" dirty="0" err="1"/>
+              <a:t>Guide</a:t>
+            </a:r>
+            <a:r>
+              <a:rPr lang="hr-HR" dirty="0"/>
+              <a:t> </a:t>
+            </a:r>
+            <a:r>
+              <a:rPr lang="hr-HR" dirty="0" err="1"/>
+              <a:t>by</a:t>
+            </a:r>
+            <a:r>
+              <a:rPr lang="hr-HR" dirty="0"/>
+              <a:t> Ken </a:t>
+            </a:r>
+            <a:r>
+              <a:rPr lang="hr-HR" dirty="0" err="1"/>
+              <a:t>Schwaber</a:t>
+            </a:r>
+            <a:r>
+              <a:rPr lang="hr-HR" dirty="0"/>
+              <a:t> &amp; Jeff </a:t>
+            </a:r>
+            <a:r>
+              <a:rPr lang="hr-HR" dirty="0" err="1"/>
+              <a:t>Sutherland</a:t>
+            </a:r>
+            <a:endParaRPr lang="hr-HR" dirty="0"/>
+          </a:p>
+          <a:p>
+            <a:pPr>
+              <a:buFont typeface="Arial" panose="020B0604020202020204" pitchFamily="34" charset="0"/>
+              <a:buChar char="•"/>
+            </a:pPr>
+            <a:r>
+              <a:rPr lang="hr-HR" dirty="0" err="1"/>
+              <a:t>Atlassian’s</a:t>
+            </a:r>
+            <a:r>
+              <a:rPr lang="hr-HR" dirty="0"/>
+              <a:t> “</a:t>
+            </a:r>
+            <a:r>
+              <a:rPr lang="hr-HR" dirty="0" err="1"/>
+              <a:t>Waterfall</a:t>
+            </a:r>
+            <a:r>
+              <a:rPr lang="hr-HR" dirty="0"/>
+              <a:t> vs. </a:t>
+            </a:r>
+            <a:r>
+              <a:rPr lang="hr-HR" dirty="0" err="1"/>
+              <a:t>Agile</a:t>
+            </a:r>
+            <a:r>
+              <a:rPr lang="hr-HR" dirty="0"/>
+              <a:t> vs. </a:t>
+            </a:r>
+            <a:r>
+              <a:rPr lang="hr-HR" dirty="0" err="1"/>
+              <a:t>Scrum</a:t>
+            </a:r>
+            <a:r>
+              <a:rPr lang="hr-HR" dirty="0"/>
+              <a:t>” </a:t>
+            </a:r>
+            <a:r>
+              <a:rPr lang="hr-HR" dirty="0" err="1"/>
+              <a:t>comparison</a:t>
+            </a:r>
+            <a:endParaRPr lang="hr-HR" dirty="0"/>
+          </a:p>
+          <a:p>
+            <a:pPr>
+              <a:buNone/>
+            </a:pPr>
+            <a:r>
+              <a:rPr lang="hr-HR" b="1" dirty="0" err="1"/>
+              <a:t>Additional</a:t>
+            </a:r>
+            <a:r>
+              <a:rPr lang="hr-HR" b="1" dirty="0"/>
+              <a:t> </a:t>
+            </a:r>
+            <a:r>
+              <a:rPr lang="hr-HR" b="1" dirty="0" err="1"/>
+              <a:t>Reading</a:t>
+            </a:r>
+            <a:r>
+              <a:rPr lang="hr-HR" b="1" dirty="0"/>
+              <a:t>:</a:t>
+            </a:r>
+            <a:endParaRPr lang="hr-HR" dirty="0"/>
+          </a:p>
+          <a:p>
+            <a:pPr>
+              <a:buFont typeface="Arial" panose="020B0604020202020204" pitchFamily="34" charset="0"/>
+              <a:buChar char="•"/>
+            </a:pPr>
+            <a:r>
+              <a:rPr lang="hr-HR" i="1" dirty="0" err="1"/>
+              <a:t>Agile</a:t>
+            </a:r>
+            <a:r>
+              <a:rPr lang="hr-HR" i="1" dirty="0"/>
+              <a:t> Software Development </a:t>
+            </a:r>
+            <a:r>
+              <a:rPr lang="hr-HR" i="1" dirty="0" err="1"/>
+              <a:t>with</a:t>
+            </a:r>
+            <a:r>
+              <a:rPr lang="hr-HR" i="1" dirty="0"/>
+              <a:t> </a:t>
+            </a:r>
+            <a:r>
+              <a:rPr lang="hr-HR" i="1" dirty="0" err="1"/>
+              <a:t>Scrum</a:t>
+            </a:r>
+            <a:r>
+              <a:rPr lang="hr-HR" dirty="0"/>
+              <a:t> </a:t>
+            </a:r>
+            <a:r>
+              <a:rPr lang="hr-HR" dirty="0" err="1"/>
+              <a:t>by</a:t>
+            </a:r>
+            <a:r>
+              <a:rPr lang="hr-HR" dirty="0"/>
+              <a:t> Ken </a:t>
+            </a:r>
+            <a:r>
+              <a:rPr lang="hr-HR" dirty="0" err="1"/>
+              <a:t>Schwaber</a:t>
+            </a:r>
+            <a:r>
+              <a:rPr lang="hr-HR" dirty="0"/>
+              <a:t> </a:t>
+            </a:r>
+            <a:r>
+              <a:rPr lang="hr-HR" dirty="0" err="1"/>
+              <a:t>and</a:t>
+            </a:r>
+            <a:r>
+              <a:rPr lang="hr-HR" dirty="0"/>
+              <a:t> Mike </a:t>
+            </a:r>
+            <a:r>
+              <a:rPr lang="hr-HR" dirty="0" err="1"/>
+              <a:t>Beedle</a:t>
+            </a:r>
+            <a:endParaRPr lang="hr-HR" dirty="0"/>
+          </a:p>
+          <a:p>
+            <a:pPr>
+              <a:buFont typeface="Arial" panose="020B0604020202020204" pitchFamily="34" charset="0"/>
+              <a:buChar char="•"/>
+            </a:pPr>
+            <a:r>
+              <a:rPr lang="hr-HR" i="1" dirty="0" err="1"/>
+              <a:t>Succeeding</a:t>
+            </a:r>
+            <a:r>
+              <a:rPr lang="hr-HR" i="1" dirty="0"/>
+              <a:t> </a:t>
+            </a:r>
+            <a:r>
+              <a:rPr lang="hr-HR" i="1" dirty="0" err="1"/>
+              <a:t>with</a:t>
+            </a:r>
+            <a:r>
+              <a:rPr lang="hr-HR" i="1" dirty="0"/>
+              <a:t> </a:t>
+            </a:r>
+            <a:r>
+              <a:rPr lang="hr-HR" i="1" dirty="0" err="1"/>
+              <a:t>Agile</a:t>
+            </a:r>
+            <a:r>
+              <a:rPr lang="hr-HR" dirty="0"/>
+              <a:t> </a:t>
+            </a:r>
+            <a:r>
+              <a:rPr lang="hr-HR" dirty="0" err="1"/>
+              <a:t>by</a:t>
+            </a:r>
+            <a:r>
+              <a:rPr lang="hr-HR" dirty="0"/>
+              <a:t> Mike </a:t>
+            </a:r>
+            <a:r>
+              <a:rPr lang="hr-HR" dirty="0" err="1"/>
+              <a:t>Cohn</a:t>
+            </a:r>
+            <a:endParaRPr lang="hr-HR"/>
+          </a:p>
+          <a:p>
+            <a:endParaRPr lang="hr-HR"/>
+          </a:p>
+        </p:txBody>
+      </p:sp>
+      <p:sp>
+        <p:nvSpPr>
+          <p:cNvPr id="4" name="Slide Number Placeholder 3"/>
+          <p:cNvSpPr>
+            <a:spLocks noGrp="1"/>
+          </p:cNvSpPr>
+          <p:nvPr>
+            <p:ph type="sldNum" sz="quarter" idx="5"/>
+          </p:nvPr>
+        </p:nvSpPr>
+        <p:spPr/>
+        <p:txBody>
+          <a:bodyPr/>
+          <a:lstStyle/>
+          <a:p>
+            <a:fld id="{90A064B2-EFF6-4760-BE09-0DEDA56827BE}" type="slidenum">
+              <a:rPr lang="hr-HR" smtClean="0"/>
+              <a:t>10</a:t>
+            </a:fld>
+            <a:endParaRPr lang="hr-HR"/>
+          </a:p>
+        </p:txBody>
+      </p:sp>
+    </p:spTree>
+    <p:extLst>
+      <p:ext uri="{BB962C8B-B14F-4D97-AF65-F5344CB8AC3E}">
+        <p14:creationId xmlns:p14="http://schemas.microsoft.com/office/powerpoint/2010/main" val="4221856933"/>
+      </p:ext>
+    </p:extLst>
+  </p:cSld>
+  <p:clrMapOvr>
+    <a:masterClrMapping/>
+  </p:clrMapOvr>
+</p:notes>
 </file>
 
 <file path=ppt/slideLayouts/slideLayout1.xml><?xml version="1.0" encoding="utf-8"?>
@@ -2700,7 +5220,7 @@
           <a:p>
             <a:fld id="{6963B997-549E-41F4-A1E4-B0CF42B49EF1}" type="datetimeFigureOut">
               <a:rPr lang="hr-HR" smtClean="0"/>
-              <a:t>13.3.2025.</a:t>
+              <a:t>17.4.2025.</a:t>
             </a:fld>
             <a:endParaRPr lang="hr-HR"/>
           </a:p>
@@ -3270,7 +5790,7 @@
           <p:nvPr/>
         </p:nvPicPr>
         <p:blipFill>
-          <a:blip r:embed="rId2"/>
+          <a:blip r:embed="rId3"/>
           <a:stretch>
             <a:fillRect/>
           </a:stretch>

--- a/SHIFT4IT/SDLC/SDLC.pptx
+++ b/SHIFT4IT/SDLC/SDLC.pptx
@@ -5,19 +5,24 @@
     <p:sldMasterId id="2147483648" r:id="rId1"/>
   </p:sldMasterIdLst>
   <p:notesMasterIdLst>
-    <p:notesMasterId r:id="rId12"/>
+    <p:notesMasterId r:id="rId17"/>
   </p:notesMasterIdLst>
   <p:sldIdLst>
     <p:sldId id="256" r:id="rId2"/>
     <p:sldId id="261" r:id="rId3"/>
-    <p:sldId id="272" r:id="rId4"/>
-    <p:sldId id="274" r:id="rId5"/>
-    <p:sldId id="275" r:id="rId6"/>
-    <p:sldId id="276" r:id="rId7"/>
-    <p:sldId id="277" r:id="rId8"/>
-    <p:sldId id="278" r:id="rId9"/>
-    <p:sldId id="279" r:id="rId10"/>
-    <p:sldId id="280" r:id="rId11"/>
+    <p:sldId id="283" r:id="rId4"/>
+    <p:sldId id="281" r:id="rId5"/>
+    <p:sldId id="272" r:id="rId6"/>
+    <p:sldId id="274" r:id="rId7"/>
+    <p:sldId id="282" r:id="rId8"/>
+    <p:sldId id="275" r:id="rId9"/>
+    <p:sldId id="276" r:id="rId10"/>
+    <p:sldId id="277" r:id="rId11"/>
+    <p:sldId id="278" r:id="rId12"/>
+    <p:sldId id="279" r:id="rId13"/>
+    <p:sldId id="284" r:id="rId14"/>
+    <p:sldId id="280" r:id="rId15"/>
+    <p:sldId id="285" r:id="rId16"/>
   </p:sldIdLst>
   <p:sldSz cx="12192000" cy="6858000"/>
   <p:notesSz cx="6858000" cy="9144000"/>
@@ -209,7 +214,7 @@
           <a:p>
             <a:fld id="{2C027FDF-D9AC-4497-8AF1-9347ACD4697E}" type="datetimeFigureOut">
               <a:rPr lang="hr-HR" smtClean="0"/>
-              <a:t>17.4.2025.</a:t>
+              <a:t>19.5.2025.</a:t>
             </a:fld>
             <a:endParaRPr lang="hr-HR"/>
           </a:p>
@@ -659,7 +664,7 @@
 </p:notes>
 </file>
 
-<file path=ppt/notesSlides/notesSlide2.xml><?xml version="1.0" encoding="utf-8"?>
+<file path=ppt/notesSlides/notesSlide10.xml><?xml version="1.0" encoding="utf-8"?>
 <p:notes xmlns:a="http://schemas.openxmlformats.org/drawingml/2006/main" xmlns:r="http://schemas.openxmlformats.org/officeDocument/2006/relationships" xmlns:p="http://schemas.openxmlformats.org/presentationml/2006/main">
   <p:cSld>
     <p:spTree>
@@ -707,177 +712,29 @@
               <a:buNone/>
             </a:pPr>
             <a:r>
-              <a:rPr lang="hr-HR" b="1" dirty="0" err="1"/>
-              <a:t>Teacher</a:t>
-            </a:r>
-            <a:r>
-              <a:rPr lang="hr-HR" b="1" dirty="0"/>
-              <a:t> Notes:</a:t>
-            </a:r>
-            <a:endParaRPr lang="hr-HR" dirty="0"/>
-          </a:p>
-          <a:p>
-            <a:pPr>
-              <a:buFont typeface="Arial" panose="020B0604020202020204" pitchFamily="34" charset="0"/>
-              <a:buChar char="•"/>
-            </a:pPr>
-            <a:r>
-              <a:rPr lang="hr-HR" dirty="0" err="1"/>
-              <a:t>Walk</a:t>
-            </a:r>
-            <a:r>
-              <a:rPr lang="hr-HR" dirty="0"/>
-              <a:t> </a:t>
-            </a:r>
-            <a:r>
-              <a:rPr lang="hr-HR" dirty="0" err="1"/>
-              <a:t>through</a:t>
-            </a:r>
-            <a:r>
-              <a:rPr lang="hr-HR" dirty="0"/>
-              <a:t> a live </a:t>
-            </a:r>
-            <a:r>
-              <a:rPr lang="hr-HR" dirty="0" err="1"/>
-              <a:t>exercise</a:t>
-            </a:r>
-            <a:r>
-              <a:rPr lang="hr-HR" dirty="0"/>
-              <a:t> </a:t>
-            </a:r>
-            <a:r>
-              <a:rPr lang="hr-HR" dirty="0" err="1"/>
-              <a:t>defining</a:t>
-            </a:r>
-            <a:r>
-              <a:rPr lang="hr-HR" dirty="0"/>
-              <a:t> </a:t>
-            </a:r>
-            <a:r>
-              <a:rPr lang="hr-HR" dirty="0" err="1"/>
-              <a:t>scope</a:t>
-            </a:r>
-            <a:r>
-              <a:rPr lang="hr-HR" dirty="0"/>
-              <a:t>, </a:t>
-            </a:r>
-            <a:r>
-              <a:rPr lang="hr-HR" dirty="0" err="1"/>
-              <a:t>goals</a:t>
-            </a:r>
-            <a:r>
-              <a:rPr lang="hr-HR" dirty="0"/>
-              <a:t>, </a:t>
-            </a:r>
-            <a:r>
-              <a:rPr lang="hr-HR" dirty="0" err="1"/>
-              <a:t>and</a:t>
-            </a:r>
-            <a:r>
-              <a:rPr lang="hr-HR" dirty="0"/>
-              <a:t> </a:t>
-            </a:r>
-            <a:r>
-              <a:rPr lang="hr-HR" dirty="0" err="1"/>
-              <a:t>timelines</a:t>
-            </a:r>
-            <a:r>
-              <a:rPr lang="hr-HR" dirty="0"/>
-              <a:t> for a </a:t>
-            </a:r>
-            <a:r>
-              <a:rPr lang="hr-HR" dirty="0" err="1"/>
-              <a:t>mock</a:t>
-            </a:r>
-            <a:r>
-              <a:rPr lang="hr-HR" dirty="0"/>
-              <a:t> </a:t>
-            </a:r>
-            <a:r>
-              <a:rPr lang="hr-HR" dirty="0" err="1"/>
-              <a:t>project</a:t>
-            </a:r>
-            <a:r>
-              <a:rPr lang="hr-HR" dirty="0"/>
-              <a:t>.</a:t>
-            </a:r>
-          </a:p>
-          <a:p>
-            <a:pPr>
-              <a:buFont typeface="Arial" panose="020B0604020202020204" pitchFamily="34" charset="0"/>
-              <a:buChar char="•"/>
-            </a:pPr>
-            <a:r>
-              <a:rPr lang="hr-HR" dirty="0" err="1"/>
-              <a:t>Emphasize</a:t>
-            </a:r>
-            <a:r>
-              <a:rPr lang="hr-HR" dirty="0"/>
-              <a:t> </a:t>
-            </a:r>
-            <a:r>
-              <a:rPr lang="hr-HR" dirty="0" err="1"/>
-              <a:t>stakeholder</a:t>
-            </a:r>
-            <a:r>
-              <a:rPr lang="hr-HR" dirty="0"/>
-              <a:t> </a:t>
-            </a:r>
-            <a:r>
-              <a:rPr lang="hr-HR" dirty="0" err="1"/>
-              <a:t>identification</a:t>
-            </a:r>
-            <a:r>
-              <a:rPr lang="hr-HR" dirty="0"/>
-              <a:t> </a:t>
-            </a:r>
-            <a:r>
-              <a:rPr lang="hr-HR" dirty="0" err="1"/>
-              <a:t>and</a:t>
-            </a:r>
-            <a:r>
-              <a:rPr lang="hr-HR" dirty="0"/>
-              <a:t> </a:t>
-            </a:r>
-            <a:r>
-              <a:rPr lang="hr-HR" dirty="0" err="1"/>
-              <a:t>the</a:t>
-            </a:r>
-            <a:r>
-              <a:rPr lang="hr-HR" dirty="0"/>
-              <a:t> </a:t>
-            </a:r>
-            <a:r>
-              <a:rPr lang="hr-HR" dirty="0" err="1"/>
-              <a:t>importance</a:t>
-            </a:r>
-            <a:r>
-              <a:rPr lang="hr-HR" dirty="0"/>
-              <a:t> </a:t>
-            </a:r>
-            <a:r>
-              <a:rPr lang="hr-HR" dirty="0" err="1"/>
-              <a:t>of</a:t>
-            </a:r>
-            <a:r>
-              <a:rPr lang="hr-HR" dirty="0"/>
-              <a:t> a </a:t>
-            </a:r>
-            <a:r>
-              <a:rPr lang="hr-HR" dirty="0" err="1"/>
-              <a:t>clear</a:t>
-            </a:r>
-            <a:r>
-              <a:rPr lang="hr-HR" dirty="0"/>
-              <a:t> </a:t>
-            </a:r>
-            <a:r>
-              <a:rPr lang="hr-HR" dirty="0" err="1"/>
-              <a:t>project</a:t>
-            </a:r>
-            <a:r>
-              <a:rPr lang="hr-HR" dirty="0"/>
-              <a:t> charter.</a:t>
+              <a:rPr lang="en-US" b="1" dirty="0"/>
+              <a:t>Teacher Notes:</a:t>
+            </a:r>
+            <a:endParaRPr lang="en-US" dirty="0"/>
+          </a:p>
+          <a:p>
+            <a:pPr>
+              <a:buFont typeface="Arial" panose="020B0604020202020204" pitchFamily="34" charset="0"/>
+              <a:buChar char="•"/>
+            </a:pPr>
+            <a:r>
+              <a:rPr lang="en-US" dirty="0"/>
+              <a:t>Discuss monitoring tools (e.g., Prometheus, Grafana) and alerting strategies.</a:t>
+            </a:r>
+          </a:p>
+          <a:p>
+            <a:pPr>
+              <a:buFont typeface="Arial" panose="020B0604020202020204" pitchFamily="34" charset="0"/>
+              <a:buChar char="•"/>
+            </a:pPr>
+            <a:r>
+              <a:rPr lang="en-US" dirty="0"/>
+              <a:t>Introduce the concept of technical debt and how to plan for refactoring sprints.</a:t>
             </a:r>
           </a:p>
           <a:p>
@@ -885,252 +742,37 @@
               <a:buNone/>
             </a:pPr>
             <a:r>
-              <a:rPr lang="hr-HR" b="1" dirty="0"/>
+              <a:rPr lang="en-US" b="1" dirty="0"/>
               <a:t>Resources:</a:t>
             </a:r>
-            <a:endParaRPr lang="hr-HR" dirty="0"/>
-          </a:p>
-          <a:p>
-            <a:pPr>
-              <a:buFont typeface="Arial" panose="020B0604020202020204" pitchFamily="34" charset="0"/>
-              <a:buChar char="•"/>
-            </a:pPr>
-            <a:r>
-              <a:rPr lang="hr-HR" dirty="0" err="1"/>
-              <a:t>PMI’s</a:t>
-            </a:r>
-            <a:r>
-              <a:rPr lang="hr-HR" dirty="0"/>
-              <a:t> </a:t>
-            </a:r>
-            <a:r>
-              <a:rPr lang="hr-HR" b="1" dirty="0"/>
-              <a:t>PMBOK® </a:t>
-            </a:r>
-            <a:r>
-              <a:rPr lang="hr-HR" b="1" dirty="0" err="1"/>
-              <a:t>Guide</a:t>
-            </a:r>
-            <a:r>
-              <a:rPr lang="hr-HR" dirty="0"/>
-              <a:t> (Project Management Institute) – </a:t>
-            </a:r>
-            <a:r>
-              <a:rPr lang="hr-HR" dirty="0" err="1"/>
-              <a:t>Chapter</a:t>
-            </a:r>
-            <a:r>
-              <a:rPr lang="hr-HR" dirty="0"/>
-              <a:t> on </a:t>
-            </a:r>
-            <a:r>
-              <a:rPr lang="hr-HR" dirty="0" err="1"/>
-              <a:t>project</a:t>
-            </a:r>
-            <a:r>
-              <a:rPr lang="hr-HR" dirty="0"/>
-              <a:t> </a:t>
-            </a:r>
-            <a:r>
-              <a:rPr lang="hr-HR" dirty="0" err="1"/>
-              <a:t>integration</a:t>
-            </a:r>
-            <a:r>
-              <a:rPr lang="hr-HR" dirty="0"/>
-              <a:t> </a:t>
-            </a:r>
-            <a:r>
-              <a:rPr lang="hr-HR" dirty="0" err="1"/>
-              <a:t>and</a:t>
-            </a:r>
-            <a:r>
-              <a:rPr lang="hr-HR" dirty="0"/>
-              <a:t> </a:t>
-            </a:r>
-            <a:r>
-              <a:rPr lang="hr-HR" dirty="0" err="1"/>
-              <a:t>scope</a:t>
-            </a:r>
-            <a:r>
-              <a:rPr lang="hr-HR" dirty="0"/>
-              <a:t> management</a:t>
-            </a:r>
-          </a:p>
-          <a:p>
-            <a:pPr>
-              <a:buFont typeface="Arial" panose="020B0604020202020204" pitchFamily="34" charset="0"/>
-              <a:buChar char="•"/>
-            </a:pPr>
-            <a:r>
-              <a:rPr lang="hr-HR" dirty="0" err="1"/>
-              <a:t>GeeksforGeeks</a:t>
-            </a:r>
-            <a:r>
-              <a:rPr lang="hr-HR" dirty="0"/>
-              <a:t> </a:t>
-            </a:r>
-            <a:r>
-              <a:rPr lang="hr-HR" dirty="0" err="1"/>
-              <a:t>article</a:t>
-            </a:r>
-            <a:r>
-              <a:rPr lang="hr-HR" dirty="0"/>
-              <a:t> “Software Project </a:t>
-            </a:r>
-            <a:r>
-              <a:rPr lang="hr-HR" dirty="0" err="1"/>
-              <a:t>Planning</a:t>
-            </a:r>
-            <a:r>
-              <a:rPr lang="hr-HR" dirty="0"/>
-              <a:t> </a:t>
-            </a:r>
-            <a:r>
-              <a:rPr lang="hr-HR" dirty="0" err="1"/>
-              <a:t>in</a:t>
-            </a:r>
-            <a:r>
-              <a:rPr lang="hr-HR" dirty="0"/>
-              <a:t> SDLC”</a:t>
-            </a:r>
-          </a:p>
-          <a:p>
-            <a:pPr>
-              <a:buNone/>
-            </a:pPr>
-            <a:r>
-              <a:rPr lang="hr-HR" b="1" dirty="0" err="1"/>
-              <a:t>Additional</a:t>
-            </a:r>
-            <a:r>
-              <a:rPr lang="hr-HR" b="1" dirty="0"/>
-              <a:t> </a:t>
-            </a:r>
-            <a:r>
-              <a:rPr lang="hr-HR" b="1" dirty="0" err="1"/>
-              <a:t>Reading</a:t>
-            </a:r>
-            <a:r>
-              <a:rPr lang="hr-HR" b="1" dirty="0"/>
-              <a:t>:</a:t>
-            </a:r>
-            <a:endParaRPr lang="hr-HR" dirty="0"/>
-          </a:p>
-          <a:p>
-            <a:pPr>
-              <a:buFont typeface="Arial" panose="020B0604020202020204" pitchFamily="34" charset="0"/>
-              <a:buChar char="•"/>
-            </a:pPr>
-            <a:r>
-              <a:rPr lang="hr-HR" i="1" dirty="0"/>
-              <a:t>Software Project </a:t>
-            </a:r>
-            <a:r>
-              <a:rPr lang="hr-HR" i="1" dirty="0" err="1"/>
-              <a:t>Survival</a:t>
-            </a:r>
-            <a:r>
-              <a:rPr lang="hr-HR" i="1" dirty="0"/>
-              <a:t> </a:t>
-            </a:r>
-            <a:r>
-              <a:rPr lang="hr-HR" i="1" dirty="0" err="1"/>
-              <a:t>Guide</a:t>
-            </a:r>
-            <a:r>
-              <a:rPr lang="hr-HR" dirty="0"/>
-              <a:t> </a:t>
-            </a:r>
-            <a:r>
-              <a:rPr lang="hr-HR" dirty="0" err="1"/>
-              <a:t>by</a:t>
-            </a:r>
-            <a:r>
-              <a:rPr lang="hr-HR" dirty="0"/>
-              <a:t> Steve </a:t>
-            </a:r>
-            <a:r>
-              <a:rPr lang="hr-HR" dirty="0" err="1"/>
-              <a:t>McConnell</a:t>
-            </a:r>
-            <a:endParaRPr lang="hr-HR" dirty="0"/>
-          </a:p>
-          <a:p>
-            <a:pPr>
-              <a:buFont typeface="Arial" panose="020B0604020202020204" pitchFamily="34" charset="0"/>
-              <a:buChar char="•"/>
-            </a:pPr>
-            <a:r>
-              <a:rPr lang="hr-HR" i="1" dirty="0"/>
-              <a:t>Project Management for </a:t>
-            </a:r>
-            <a:r>
-              <a:rPr lang="hr-HR" i="1" dirty="0" err="1"/>
-              <a:t>the</a:t>
-            </a:r>
-            <a:r>
-              <a:rPr lang="hr-HR" i="1" dirty="0"/>
-              <a:t> </a:t>
-            </a:r>
-            <a:r>
-              <a:rPr lang="hr-HR" i="1" dirty="0" err="1"/>
-              <a:t>Unofficial</a:t>
-            </a:r>
-            <a:r>
-              <a:rPr lang="hr-HR" i="1" dirty="0"/>
-              <a:t> Project Manager</a:t>
-            </a:r>
-            <a:r>
-              <a:rPr lang="hr-HR" dirty="0"/>
-              <a:t> </a:t>
-            </a:r>
-            <a:r>
-              <a:rPr lang="hr-HR" dirty="0" err="1"/>
-              <a:t>by</a:t>
-            </a:r>
-            <a:r>
-              <a:rPr lang="hr-HR" dirty="0"/>
-              <a:t> </a:t>
-            </a:r>
-            <a:r>
-              <a:rPr lang="hr-HR" dirty="0" err="1"/>
-              <a:t>Kory</a:t>
-            </a:r>
-            <a:r>
-              <a:rPr lang="hr-HR" dirty="0"/>
-              <a:t> </a:t>
-            </a:r>
-            <a:r>
-              <a:rPr lang="hr-HR" dirty="0" err="1"/>
-              <a:t>Kogon</a:t>
-            </a:r>
-            <a:r>
-              <a:rPr lang="hr-HR" dirty="0"/>
-              <a:t>, </a:t>
-            </a:r>
-            <a:r>
-              <a:rPr lang="hr-HR" dirty="0" err="1"/>
-              <a:t>Suzette</a:t>
-            </a:r>
-            <a:r>
-              <a:rPr lang="hr-HR" dirty="0"/>
-              <a:t> </a:t>
-            </a:r>
-            <a:r>
-              <a:rPr lang="hr-HR" dirty="0" err="1"/>
-              <a:t>Blakemore</a:t>
-            </a:r>
-            <a:r>
-              <a:rPr lang="hr-HR" dirty="0"/>
-              <a:t>, </a:t>
-            </a:r>
-            <a:r>
-              <a:rPr lang="hr-HR" dirty="0" err="1"/>
-              <a:t>and</a:t>
-            </a:r>
-            <a:r>
-              <a:rPr lang="hr-HR" dirty="0"/>
-              <a:t> James Wood</a:t>
+            <a:endParaRPr lang="en-US" dirty="0"/>
+          </a:p>
+          <a:p>
+            <a:pPr>
+              <a:buFont typeface="Arial" panose="020B0604020202020204" pitchFamily="34" charset="0"/>
+              <a:buChar char="•"/>
+            </a:pPr>
+            <a:r>
+              <a:rPr lang="en-US" dirty="0"/>
+              <a:t>“Google Site Reliability Engineering” (</a:t>
+            </a:r>
+            <a:r>
+              <a:rPr lang="en-US" dirty="0" err="1"/>
+              <a:t>sre.google</a:t>
+            </a:r>
+            <a:r>
+              <a:rPr lang="en-US" dirty="0"/>
+              <a:t>) – Chapters on monitoring and incident response</a:t>
+            </a:r>
+          </a:p>
+          <a:p>
+            <a:pPr>
+              <a:buFont typeface="Arial" panose="020B0604020202020204" pitchFamily="34" charset="0"/>
+              <a:buChar char="•"/>
+            </a:pPr>
+            <a:r>
+              <a:rPr lang="en-US" dirty="0"/>
+              <a:t>Atlassian article “Managing Technical Debt”</a:t>
             </a:r>
           </a:p>
           <a:p>
@@ -1155,7 +797,7 @@
           <a:p>
             <a:fld id="{90A064B2-EFF6-4760-BE09-0DEDA56827BE}" type="slidenum">
               <a:rPr lang="hr-HR" smtClean="0"/>
-              <a:t>3</a:t>
+              <a:t>12</a:t>
             </a:fld>
             <a:endParaRPr lang="hr-HR"/>
           </a:p>
@@ -1164,7 +806,1039 @@
     </p:spTree>
     <p:extLst>
       <p:ext uri="{BB962C8B-B14F-4D97-AF65-F5344CB8AC3E}">
-        <p14:creationId xmlns:p14="http://schemas.microsoft.com/office/powerpoint/2010/main" val="842109836"/>
+        <p14:creationId xmlns:p14="http://schemas.microsoft.com/office/powerpoint/2010/main" val="1571598448"/>
+      </p:ext>
+    </p:extLst>
+  </p:cSld>
+  <p:clrMapOvr>
+    <a:masterClrMapping/>
+  </p:clrMapOvr>
+</p:notes>
+</file>
+
+<file path=ppt/notesSlides/notesSlide11.xml><?xml version="1.0" encoding="utf-8"?>
+<p:notes xmlns:a="http://schemas.openxmlformats.org/drawingml/2006/main" xmlns:r="http://schemas.openxmlformats.org/officeDocument/2006/relationships" xmlns:p="http://schemas.openxmlformats.org/presentationml/2006/main">
+  <p:cSld>
+    <p:spTree>
+      <p:nvGrpSpPr>
+        <p:cNvPr id="1" name=""/>
+        <p:cNvGrpSpPr/>
+        <p:nvPr/>
+      </p:nvGrpSpPr>
+      <p:grpSpPr>
+        <a:xfrm>
+          <a:off x="0" y="0"/>
+          <a:ext cx="0" cy="0"/>
+          <a:chOff x="0" y="0"/>
+          <a:chExt cx="0" cy="0"/>
+        </a:xfrm>
+      </p:grpSpPr>
+      <p:sp>
+        <p:nvSpPr>
+          <p:cNvPr id="2" name="Slide Image Placeholder 1"/>
+          <p:cNvSpPr>
+            <a:spLocks noGrp="1" noRot="1" noChangeAspect="1"/>
+          </p:cNvSpPr>
+          <p:nvPr>
+            <p:ph type="sldImg"/>
+          </p:nvPr>
+        </p:nvSpPr>
+        <p:spPr/>
+      </p:sp>
+      <p:sp>
+        <p:nvSpPr>
+          <p:cNvPr id="3" name="Notes Placeholder 2"/>
+          <p:cNvSpPr>
+            <a:spLocks noGrp="1"/>
+          </p:cNvSpPr>
+          <p:nvPr>
+            <p:ph type="body" idx="1"/>
+          </p:nvPr>
+        </p:nvSpPr>
+        <p:spPr/>
+        <p:txBody>
+          <a:bodyPr/>
+          <a:lstStyle/>
+          <a:p>
+            <a:pPr>
+              <a:buNone/>
+            </a:pPr>
+            <a:r>
+              <a:rPr lang="hr-HR" b="1" dirty="0" err="1"/>
+              <a:t>Teacher</a:t>
+            </a:r>
+            <a:r>
+              <a:rPr lang="hr-HR" b="1" dirty="0"/>
+              <a:t> Notes:</a:t>
+            </a:r>
+            <a:endParaRPr lang="hr-HR" dirty="0"/>
+          </a:p>
+          <a:p>
+            <a:pPr>
+              <a:buFont typeface="Arial" panose="020B0604020202020204" pitchFamily="34" charset="0"/>
+              <a:buChar char="•"/>
+            </a:pPr>
+            <a:r>
+              <a:rPr lang="hr-HR" dirty="0" err="1"/>
+              <a:t>Contrast</a:t>
+            </a:r>
+            <a:r>
+              <a:rPr lang="hr-HR" dirty="0"/>
+              <a:t> </a:t>
+            </a:r>
+            <a:r>
+              <a:rPr lang="hr-HR" dirty="0" err="1"/>
+              <a:t>Waterfall</a:t>
+            </a:r>
+            <a:r>
+              <a:rPr lang="hr-HR" dirty="0"/>
+              <a:t> vs. </a:t>
+            </a:r>
+            <a:r>
+              <a:rPr lang="hr-HR" dirty="0" err="1"/>
+              <a:t>Agile</a:t>
+            </a:r>
+            <a:r>
+              <a:rPr lang="hr-HR" dirty="0"/>
+              <a:t> </a:t>
+            </a:r>
+            <a:r>
+              <a:rPr lang="hr-HR" dirty="0" err="1"/>
+              <a:t>through</a:t>
+            </a:r>
+            <a:r>
+              <a:rPr lang="hr-HR" dirty="0"/>
+              <a:t> a role‑</a:t>
+            </a:r>
+            <a:r>
+              <a:rPr lang="hr-HR" dirty="0" err="1"/>
+              <a:t>play</a:t>
+            </a:r>
+            <a:r>
+              <a:rPr lang="hr-HR" dirty="0"/>
+              <a:t>: one </a:t>
+            </a:r>
+            <a:r>
+              <a:rPr lang="hr-HR" dirty="0" err="1"/>
+              <a:t>group</a:t>
+            </a:r>
+            <a:r>
+              <a:rPr lang="hr-HR" dirty="0"/>
+              <a:t> </a:t>
+            </a:r>
+            <a:r>
+              <a:rPr lang="hr-HR" dirty="0" err="1"/>
+              <a:t>follows</a:t>
+            </a:r>
+            <a:r>
+              <a:rPr lang="hr-HR" dirty="0"/>
+              <a:t> a </a:t>
+            </a:r>
+            <a:r>
+              <a:rPr lang="hr-HR" dirty="0" err="1"/>
+              <a:t>sequential</a:t>
+            </a:r>
+            <a:r>
+              <a:rPr lang="hr-HR" dirty="0"/>
+              <a:t> plan, </a:t>
+            </a:r>
+            <a:r>
+              <a:rPr lang="hr-HR" dirty="0" err="1"/>
+              <a:t>another</a:t>
+            </a:r>
+            <a:r>
+              <a:rPr lang="hr-HR" dirty="0"/>
+              <a:t> </a:t>
+            </a:r>
+            <a:r>
+              <a:rPr lang="hr-HR" dirty="0" err="1"/>
+              <a:t>uses</a:t>
+            </a:r>
+            <a:r>
+              <a:rPr lang="hr-HR" dirty="0"/>
+              <a:t> </a:t>
+            </a:r>
+            <a:r>
+              <a:rPr lang="hr-HR" dirty="0" err="1"/>
+              <a:t>Scrum</a:t>
+            </a:r>
+            <a:r>
+              <a:rPr lang="hr-HR" dirty="0"/>
+              <a:t> </a:t>
+            </a:r>
+            <a:r>
+              <a:rPr lang="hr-HR" dirty="0" err="1"/>
+              <a:t>sprints</a:t>
+            </a:r>
+            <a:r>
+              <a:rPr lang="hr-HR" dirty="0"/>
+              <a:t>.</a:t>
+            </a:r>
+          </a:p>
+          <a:p>
+            <a:pPr>
+              <a:buFont typeface="Arial" panose="020B0604020202020204" pitchFamily="34" charset="0"/>
+              <a:buChar char="•"/>
+            </a:pPr>
+            <a:r>
+              <a:rPr lang="hr-HR" dirty="0" err="1"/>
+              <a:t>Discuss</a:t>
+            </a:r>
+            <a:r>
+              <a:rPr lang="hr-HR" dirty="0"/>
+              <a:t> </a:t>
+            </a:r>
+            <a:r>
+              <a:rPr lang="hr-HR" dirty="0" err="1"/>
+              <a:t>the</a:t>
+            </a:r>
+            <a:r>
+              <a:rPr lang="hr-HR" dirty="0"/>
+              <a:t> </a:t>
+            </a:r>
+            <a:r>
+              <a:rPr lang="hr-HR" dirty="0" err="1"/>
+              <a:t>Hybrid</a:t>
+            </a:r>
+            <a:r>
+              <a:rPr lang="hr-HR" dirty="0"/>
+              <a:t> model—how some </a:t>
+            </a:r>
+            <a:r>
+              <a:rPr lang="hr-HR" dirty="0" err="1"/>
+              <a:t>teams</a:t>
+            </a:r>
+            <a:r>
+              <a:rPr lang="hr-HR" dirty="0"/>
+              <a:t> use </a:t>
+            </a:r>
+            <a:r>
+              <a:rPr lang="hr-HR" dirty="0" err="1"/>
+              <a:t>fixed‑scope</a:t>
+            </a:r>
+            <a:r>
+              <a:rPr lang="hr-HR" dirty="0"/>
+              <a:t> </a:t>
+            </a:r>
+            <a:r>
+              <a:rPr lang="hr-HR" dirty="0" err="1"/>
+              <a:t>backend</a:t>
+            </a:r>
+            <a:r>
+              <a:rPr lang="hr-HR" dirty="0"/>
+              <a:t> </a:t>
+            </a:r>
+            <a:r>
+              <a:rPr lang="hr-HR" dirty="0" err="1"/>
+              <a:t>cycles</a:t>
+            </a:r>
+            <a:r>
+              <a:rPr lang="hr-HR" dirty="0"/>
+              <a:t> </a:t>
+            </a:r>
+            <a:r>
+              <a:rPr lang="hr-HR" dirty="0" err="1"/>
+              <a:t>and</a:t>
+            </a:r>
+            <a:r>
+              <a:rPr lang="hr-HR" dirty="0"/>
+              <a:t> </a:t>
+            </a:r>
+            <a:r>
+              <a:rPr lang="hr-HR" dirty="0" err="1"/>
+              <a:t>iterative</a:t>
+            </a:r>
+            <a:r>
+              <a:rPr lang="hr-HR" dirty="0"/>
+              <a:t> </a:t>
+            </a:r>
+            <a:r>
+              <a:rPr lang="hr-HR" dirty="0" err="1"/>
+              <a:t>frontend</a:t>
+            </a:r>
+            <a:r>
+              <a:rPr lang="hr-HR" dirty="0"/>
+              <a:t> </a:t>
+            </a:r>
+            <a:r>
+              <a:rPr lang="hr-HR" dirty="0" err="1"/>
+              <a:t>sprints</a:t>
+            </a:r>
+            <a:r>
+              <a:rPr lang="hr-HR" dirty="0"/>
+              <a:t>.</a:t>
+            </a:r>
+          </a:p>
+          <a:p>
+            <a:pPr>
+              <a:buNone/>
+            </a:pPr>
+            <a:r>
+              <a:rPr lang="hr-HR" b="1" dirty="0"/>
+              <a:t>Resources:</a:t>
+            </a:r>
+            <a:endParaRPr lang="hr-HR" dirty="0"/>
+          </a:p>
+          <a:p>
+            <a:pPr>
+              <a:buFont typeface="Arial" panose="020B0604020202020204" pitchFamily="34" charset="0"/>
+              <a:buChar char="•"/>
+            </a:pPr>
+            <a:r>
+              <a:rPr lang="hr-HR" dirty="0" err="1"/>
+              <a:t>The</a:t>
+            </a:r>
+            <a:r>
+              <a:rPr lang="hr-HR" dirty="0"/>
+              <a:t> Scrum.org </a:t>
+            </a:r>
+            <a:r>
+              <a:rPr lang="hr-HR" b="1" dirty="0" err="1"/>
+              <a:t>Scrum</a:t>
+            </a:r>
+            <a:r>
+              <a:rPr lang="hr-HR" b="1" dirty="0"/>
+              <a:t> </a:t>
+            </a:r>
+            <a:r>
+              <a:rPr lang="hr-HR" b="1" dirty="0" err="1"/>
+              <a:t>Guide</a:t>
+            </a:r>
+            <a:r>
+              <a:rPr lang="hr-HR" dirty="0"/>
+              <a:t> </a:t>
+            </a:r>
+            <a:r>
+              <a:rPr lang="hr-HR" dirty="0" err="1"/>
+              <a:t>by</a:t>
+            </a:r>
+            <a:r>
+              <a:rPr lang="hr-HR" dirty="0"/>
+              <a:t> Ken </a:t>
+            </a:r>
+            <a:r>
+              <a:rPr lang="hr-HR" dirty="0" err="1"/>
+              <a:t>Schwaber</a:t>
+            </a:r>
+            <a:r>
+              <a:rPr lang="hr-HR" dirty="0"/>
+              <a:t> &amp; Jeff </a:t>
+            </a:r>
+            <a:r>
+              <a:rPr lang="hr-HR" dirty="0" err="1"/>
+              <a:t>Sutherland</a:t>
+            </a:r>
+            <a:endParaRPr lang="hr-HR" dirty="0"/>
+          </a:p>
+          <a:p>
+            <a:pPr>
+              <a:buFont typeface="Arial" panose="020B0604020202020204" pitchFamily="34" charset="0"/>
+              <a:buChar char="•"/>
+            </a:pPr>
+            <a:r>
+              <a:rPr lang="hr-HR" dirty="0" err="1"/>
+              <a:t>Atlassian’s</a:t>
+            </a:r>
+            <a:r>
+              <a:rPr lang="hr-HR" dirty="0"/>
+              <a:t> “</a:t>
+            </a:r>
+            <a:r>
+              <a:rPr lang="hr-HR" dirty="0" err="1"/>
+              <a:t>Waterfall</a:t>
+            </a:r>
+            <a:r>
+              <a:rPr lang="hr-HR" dirty="0"/>
+              <a:t> vs. </a:t>
+            </a:r>
+            <a:r>
+              <a:rPr lang="hr-HR" dirty="0" err="1"/>
+              <a:t>Agile</a:t>
+            </a:r>
+            <a:r>
+              <a:rPr lang="hr-HR" dirty="0"/>
+              <a:t> vs. </a:t>
+            </a:r>
+            <a:r>
+              <a:rPr lang="hr-HR" dirty="0" err="1"/>
+              <a:t>Scrum</a:t>
+            </a:r>
+            <a:r>
+              <a:rPr lang="hr-HR" dirty="0"/>
+              <a:t>” </a:t>
+            </a:r>
+            <a:r>
+              <a:rPr lang="hr-HR" dirty="0" err="1"/>
+              <a:t>comparison</a:t>
+            </a:r>
+            <a:endParaRPr lang="hr-HR" dirty="0"/>
+          </a:p>
+          <a:p>
+            <a:pPr>
+              <a:buNone/>
+            </a:pPr>
+            <a:r>
+              <a:rPr lang="hr-HR" b="1" dirty="0" err="1"/>
+              <a:t>Additional</a:t>
+            </a:r>
+            <a:r>
+              <a:rPr lang="hr-HR" b="1" dirty="0"/>
+              <a:t> </a:t>
+            </a:r>
+            <a:r>
+              <a:rPr lang="hr-HR" b="1" dirty="0" err="1"/>
+              <a:t>Reading</a:t>
+            </a:r>
+            <a:r>
+              <a:rPr lang="hr-HR" b="1" dirty="0"/>
+              <a:t>:</a:t>
+            </a:r>
+            <a:endParaRPr lang="hr-HR" dirty="0"/>
+          </a:p>
+          <a:p>
+            <a:pPr>
+              <a:buFont typeface="Arial" panose="020B0604020202020204" pitchFamily="34" charset="0"/>
+              <a:buChar char="•"/>
+            </a:pPr>
+            <a:r>
+              <a:rPr lang="hr-HR" i="1" dirty="0" err="1"/>
+              <a:t>Agile</a:t>
+            </a:r>
+            <a:r>
+              <a:rPr lang="hr-HR" i="1" dirty="0"/>
+              <a:t> Software Development </a:t>
+            </a:r>
+            <a:r>
+              <a:rPr lang="hr-HR" i="1" dirty="0" err="1"/>
+              <a:t>with</a:t>
+            </a:r>
+            <a:r>
+              <a:rPr lang="hr-HR" i="1" dirty="0"/>
+              <a:t> </a:t>
+            </a:r>
+            <a:r>
+              <a:rPr lang="hr-HR" i="1" dirty="0" err="1"/>
+              <a:t>Scrum</a:t>
+            </a:r>
+            <a:r>
+              <a:rPr lang="hr-HR" dirty="0"/>
+              <a:t> </a:t>
+            </a:r>
+            <a:r>
+              <a:rPr lang="hr-HR" dirty="0" err="1"/>
+              <a:t>by</a:t>
+            </a:r>
+            <a:r>
+              <a:rPr lang="hr-HR" dirty="0"/>
+              <a:t> Ken </a:t>
+            </a:r>
+            <a:r>
+              <a:rPr lang="hr-HR" dirty="0" err="1"/>
+              <a:t>Schwaber</a:t>
+            </a:r>
+            <a:r>
+              <a:rPr lang="hr-HR" dirty="0"/>
+              <a:t> </a:t>
+            </a:r>
+            <a:r>
+              <a:rPr lang="hr-HR" dirty="0" err="1"/>
+              <a:t>and</a:t>
+            </a:r>
+            <a:r>
+              <a:rPr lang="hr-HR" dirty="0"/>
+              <a:t> Mike </a:t>
+            </a:r>
+            <a:r>
+              <a:rPr lang="hr-HR" dirty="0" err="1"/>
+              <a:t>Beedle</a:t>
+            </a:r>
+            <a:endParaRPr lang="hr-HR" dirty="0"/>
+          </a:p>
+          <a:p>
+            <a:pPr>
+              <a:buFont typeface="Arial" panose="020B0604020202020204" pitchFamily="34" charset="0"/>
+              <a:buChar char="•"/>
+            </a:pPr>
+            <a:r>
+              <a:rPr lang="hr-HR" i="1" dirty="0"/>
+              <a:t>Succeeding with Agile</a:t>
+            </a:r>
+            <a:r>
+              <a:rPr lang="hr-HR" dirty="0"/>
+              <a:t> by Mike Cohn</a:t>
+            </a:r>
+          </a:p>
+          <a:p>
+            <a:endParaRPr lang="hr-HR" dirty="0"/>
+          </a:p>
+        </p:txBody>
+      </p:sp>
+      <p:sp>
+        <p:nvSpPr>
+          <p:cNvPr id="4" name="Slide Number Placeholder 3"/>
+          <p:cNvSpPr>
+            <a:spLocks noGrp="1"/>
+          </p:cNvSpPr>
+          <p:nvPr>
+            <p:ph type="sldNum" sz="quarter" idx="5"/>
+          </p:nvPr>
+        </p:nvSpPr>
+        <p:spPr/>
+        <p:txBody>
+          <a:bodyPr/>
+          <a:lstStyle/>
+          <a:p>
+            <a:fld id="{90A064B2-EFF6-4760-BE09-0DEDA56827BE}" type="slidenum">
+              <a:rPr lang="hr-HR" smtClean="0"/>
+              <a:t>14</a:t>
+            </a:fld>
+            <a:endParaRPr lang="hr-HR"/>
+          </a:p>
+        </p:txBody>
+      </p:sp>
+    </p:spTree>
+    <p:extLst>
+      <p:ext uri="{BB962C8B-B14F-4D97-AF65-F5344CB8AC3E}">
+        <p14:creationId xmlns:p14="http://schemas.microsoft.com/office/powerpoint/2010/main" val="4221856933"/>
+      </p:ext>
+    </p:extLst>
+  </p:cSld>
+  <p:clrMapOvr>
+    <a:masterClrMapping/>
+  </p:clrMapOvr>
+</p:notes>
+</file>
+
+<file path=ppt/notesSlides/notesSlide2.xml><?xml version="1.0" encoding="utf-8"?>
+<p:notes xmlns:a="http://schemas.openxmlformats.org/drawingml/2006/main" xmlns:r="http://schemas.openxmlformats.org/officeDocument/2006/relationships" xmlns:p="http://schemas.openxmlformats.org/presentationml/2006/main">
+  <p:cSld>
+    <p:spTree>
+      <p:nvGrpSpPr>
+        <p:cNvPr id="1" name="">
+          <a:extLst>
+            <a:ext uri="{FF2B5EF4-FFF2-40B4-BE49-F238E27FC236}">
+              <a16:creationId xmlns:a16="http://schemas.microsoft.com/office/drawing/2014/main" id="{238E47ED-13DC-5AD1-46CA-23A432021645}"/>
+            </a:ext>
+          </a:extLst>
+        </p:cNvPr>
+        <p:cNvGrpSpPr/>
+        <p:nvPr/>
+      </p:nvGrpSpPr>
+      <p:grpSpPr>
+        <a:xfrm>
+          <a:off x="0" y="0"/>
+          <a:ext cx="0" cy="0"/>
+          <a:chOff x="0" y="0"/>
+          <a:chExt cx="0" cy="0"/>
+        </a:xfrm>
+      </p:grpSpPr>
+      <p:sp>
+        <p:nvSpPr>
+          <p:cNvPr id="2" name="Slide Image Placeholder 1">
+            <a:extLst>
+              <a:ext uri="{FF2B5EF4-FFF2-40B4-BE49-F238E27FC236}">
+                <a16:creationId xmlns:a16="http://schemas.microsoft.com/office/drawing/2014/main" id="{03B20D66-DBCB-565A-7B5E-62150CFB082D}"/>
+              </a:ext>
+            </a:extLst>
+          </p:cNvPr>
+          <p:cNvSpPr>
+            <a:spLocks noGrp="1" noRot="1" noChangeAspect="1"/>
+          </p:cNvSpPr>
+          <p:nvPr>
+            <p:ph type="sldImg"/>
+          </p:nvPr>
+        </p:nvSpPr>
+        <p:spPr/>
+      </p:sp>
+      <p:sp>
+        <p:nvSpPr>
+          <p:cNvPr id="3" name="Notes Placeholder 2">
+            <a:extLst>
+              <a:ext uri="{FF2B5EF4-FFF2-40B4-BE49-F238E27FC236}">
+                <a16:creationId xmlns:a16="http://schemas.microsoft.com/office/drawing/2014/main" id="{107D7482-093E-E293-C982-DC7C9D0C6686}"/>
+              </a:ext>
+            </a:extLst>
+          </p:cNvPr>
+          <p:cNvSpPr>
+            <a:spLocks noGrp="1"/>
+          </p:cNvSpPr>
+          <p:nvPr>
+            <p:ph type="body" idx="1"/>
+          </p:nvPr>
+        </p:nvSpPr>
+        <p:spPr/>
+        <p:txBody>
+          <a:bodyPr/>
+          <a:lstStyle/>
+          <a:p>
+            <a:pPr>
+              <a:buNone/>
+            </a:pPr>
+            <a:r>
+              <a:rPr lang="hr-HR" b="1" dirty="0" err="1"/>
+              <a:t>Teacher</a:t>
+            </a:r>
+            <a:r>
+              <a:rPr lang="hr-HR" b="1" dirty="0"/>
+              <a:t> Notes:</a:t>
+            </a:r>
+            <a:endParaRPr lang="hr-HR" dirty="0"/>
+          </a:p>
+          <a:p>
+            <a:pPr>
+              <a:buFont typeface="Arial" panose="020B0604020202020204" pitchFamily="34" charset="0"/>
+              <a:buChar char="•"/>
+            </a:pPr>
+            <a:r>
+              <a:rPr lang="hr-HR" dirty="0" err="1"/>
+              <a:t>Walk</a:t>
+            </a:r>
+            <a:r>
+              <a:rPr lang="hr-HR" dirty="0"/>
+              <a:t> </a:t>
+            </a:r>
+            <a:r>
+              <a:rPr lang="hr-HR" dirty="0" err="1"/>
+              <a:t>through</a:t>
+            </a:r>
+            <a:r>
+              <a:rPr lang="hr-HR" dirty="0"/>
+              <a:t> a live </a:t>
+            </a:r>
+            <a:r>
+              <a:rPr lang="hr-HR" dirty="0" err="1"/>
+              <a:t>exercise</a:t>
+            </a:r>
+            <a:r>
+              <a:rPr lang="hr-HR" dirty="0"/>
+              <a:t> </a:t>
+            </a:r>
+            <a:r>
+              <a:rPr lang="hr-HR" dirty="0" err="1"/>
+              <a:t>defining</a:t>
+            </a:r>
+            <a:r>
+              <a:rPr lang="hr-HR" dirty="0"/>
+              <a:t> </a:t>
+            </a:r>
+            <a:r>
+              <a:rPr lang="hr-HR" dirty="0" err="1"/>
+              <a:t>scope</a:t>
+            </a:r>
+            <a:r>
+              <a:rPr lang="hr-HR" dirty="0"/>
+              <a:t>, </a:t>
+            </a:r>
+            <a:r>
+              <a:rPr lang="hr-HR" dirty="0" err="1"/>
+              <a:t>goals</a:t>
+            </a:r>
+            <a:r>
+              <a:rPr lang="hr-HR" dirty="0"/>
+              <a:t>, </a:t>
+            </a:r>
+            <a:r>
+              <a:rPr lang="hr-HR" dirty="0" err="1"/>
+              <a:t>and</a:t>
+            </a:r>
+            <a:r>
+              <a:rPr lang="hr-HR" dirty="0"/>
+              <a:t> </a:t>
+            </a:r>
+            <a:r>
+              <a:rPr lang="hr-HR" dirty="0" err="1"/>
+              <a:t>timelines</a:t>
+            </a:r>
+            <a:r>
+              <a:rPr lang="hr-HR" dirty="0"/>
+              <a:t> for a </a:t>
+            </a:r>
+            <a:r>
+              <a:rPr lang="hr-HR" dirty="0" err="1"/>
+              <a:t>mock</a:t>
+            </a:r>
+            <a:r>
+              <a:rPr lang="hr-HR" dirty="0"/>
+              <a:t> </a:t>
+            </a:r>
+            <a:r>
+              <a:rPr lang="hr-HR" dirty="0" err="1"/>
+              <a:t>project</a:t>
+            </a:r>
+            <a:r>
+              <a:rPr lang="hr-HR" dirty="0"/>
+              <a:t>.</a:t>
+            </a:r>
+          </a:p>
+          <a:p>
+            <a:pPr>
+              <a:buFont typeface="Arial" panose="020B0604020202020204" pitchFamily="34" charset="0"/>
+              <a:buChar char="•"/>
+            </a:pPr>
+            <a:r>
+              <a:rPr lang="hr-HR" dirty="0" err="1"/>
+              <a:t>Emphasize</a:t>
+            </a:r>
+            <a:r>
+              <a:rPr lang="hr-HR" dirty="0"/>
+              <a:t> </a:t>
+            </a:r>
+            <a:r>
+              <a:rPr lang="hr-HR" dirty="0" err="1"/>
+              <a:t>stakeholder</a:t>
+            </a:r>
+            <a:r>
+              <a:rPr lang="hr-HR" dirty="0"/>
+              <a:t> </a:t>
+            </a:r>
+            <a:r>
+              <a:rPr lang="hr-HR" dirty="0" err="1"/>
+              <a:t>identification</a:t>
+            </a:r>
+            <a:r>
+              <a:rPr lang="hr-HR" dirty="0"/>
+              <a:t> </a:t>
+            </a:r>
+            <a:r>
+              <a:rPr lang="hr-HR" dirty="0" err="1"/>
+              <a:t>and</a:t>
+            </a:r>
+            <a:r>
+              <a:rPr lang="hr-HR" dirty="0"/>
+              <a:t> </a:t>
+            </a:r>
+            <a:r>
+              <a:rPr lang="hr-HR" dirty="0" err="1"/>
+              <a:t>the</a:t>
+            </a:r>
+            <a:r>
+              <a:rPr lang="hr-HR" dirty="0"/>
+              <a:t> </a:t>
+            </a:r>
+            <a:r>
+              <a:rPr lang="hr-HR" dirty="0" err="1"/>
+              <a:t>importance</a:t>
+            </a:r>
+            <a:r>
+              <a:rPr lang="hr-HR" dirty="0"/>
+              <a:t> </a:t>
+            </a:r>
+            <a:r>
+              <a:rPr lang="hr-HR" dirty="0" err="1"/>
+              <a:t>of</a:t>
+            </a:r>
+            <a:r>
+              <a:rPr lang="hr-HR" dirty="0"/>
+              <a:t> a </a:t>
+            </a:r>
+            <a:r>
+              <a:rPr lang="hr-HR" dirty="0" err="1"/>
+              <a:t>clear</a:t>
+            </a:r>
+            <a:r>
+              <a:rPr lang="hr-HR" dirty="0"/>
+              <a:t> </a:t>
+            </a:r>
+            <a:r>
+              <a:rPr lang="hr-HR" dirty="0" err="1"/>
+              <a:t>project</a:t>
+            </a:r>
+            <a:r>
+              <a:rPr lang="hr-HR" dirty="0"/>
+              <a:t> charter.</a:t>
+            </a:r>
+          </a:p>
+          <a:p>
+            <a:pPr>
+              <a:buNone/>
+            </a:pPr>
+            <a:r>
+              <a:rPr lang="hr-HR" b="1" dirty="0"/>
+              <a:t>Resources:</a:t>
+            </a:r>
+            <a:endParaRPr lang="hr-HR" dirty="0"/>
+          </a:p>
+          <a:p>
+            <a:pPr>
+              <a:buFont typeface="Arial" panose="020B0604020202020204" pitchFamily="34" charset="0"/>
+              <a:buChar char="•"/>
+            </a:pPr>
+            <a:r>
+              <a:rPr lang="hr-HR" dirty="0" err="1"/>
+              <a:t>PMI’s</a:t>
+            </a:r>
+            <a:r>
+              <a:rPr lang="hr-HR" dirty="0"/>
+              <a:t> </a:t>
+            </a:r>
+            <a:r>
+              <a:rPr lang="hr-HR" b="1" dirty="0"/>
+              <a:t>PMBOK® </a:t>
+            </a:r>
+            <a:r>
+              <a:rPr lang="hr-HR" b="1" dirty="0" err="1"/>
+              <a:t>Guide</a:t>
+            </a:r>
+            <a:r>
+              <a:rPr lang="hr-HR" dirty="0"/>
+              <a:t> (Project Management Institute) – </a:t>
+            </a:r>
+            <a:r>
+              <a:rPr lang="hr-HR" dirty="0" err="1"/>
+              <a:t>Chapter</a:t>
+            </a:r>
+            <a:r>
+              <a:rPr lang="hr-HR" dirty="0"/>
+              <a:t> on </a:t>
+            </a:r>
+            <a:r>
+              <a:rPr lang="hr-HR" dirty="0" err="1"/>
+              <a:t>project</a:t>
+            </a:r>
+            <a:r>
+              <a:rPr lang="hr-HR" dirty="0"/>
+              <a:t> </a:t>
+            </a:r>
+            <a:r>
+              <a:rPr lang="hr-HR" dirty="0" err="1"/>
+              <a:t>integration</a:t>
+            </a:r>
+            <a:r>
+              <a:rPr lang="hr-HR" dirty="0"/>
+              <a:t> </a:t>
+            </a:r>
+            <a:r>
+              <a:rPr lang="hr-HR" dirty="0" err="1"/>
+              <a:t>and</a:t>
+            </a:r>
+            <a:r>
+              <a:rPr lang="hr-HR" dirty="0"/>
+              <a:t> </a:t>
+            </a:r>
+            <a:r>
+              <a:rPr lang="hr-HR" dirty="0" err="1"/>
+              <a:t>scope</a:t>
+            </a:r>
+            <a:r>
+              <a:rPr lang="hr-HR" dirty="0"/>
+              <a:t> management</a:t>
+            </a:r>
+          </a:p>
+          <a:p>
+            <a:pPr>
+              <a:buFont typeface="Arial" panose="020B0604020202020204" pitchFamily="34" charset="0"/>
+              <a:buChar char="•"/>
+            </a:pPr>
+            <a:r>
+              <a:rPr lang="hr-HR" dirty="0" err="1"/>
+              <a:t>GeeksforGeeks</a:t>
+            </a:r>
+            <a:r>
+              <a:rPr lang="hr-HR" dirty="0"/>
+              <a:t> </a:t>
+            </a:r>
+            <a:r>
+              <a:rPr lang="hr-HR" dirty="0" err="1"/>
+              <a:t>article</a:t>
+            </a:r>
+            <a:r>
+              <a:rPr lang="hr-HR" dirty="0"/>
+              <a:t> “Software Project </a:t>
+            </a:r>
+            <a:r>
+              <a:rPr lang="hr-HR" dirty="0" err="1"/>
+              <a:t>Planning</a:t>
+            </a:r>
+            <a:r>
+              <a:rPr lang="hr-HR" dirty="0"/>
+              <a:t> </a:t>
+            </a:r>
+            <a:r>
+              <a:rPr lang="hr-HR" dirty="0" err="1"/>
+              <a:t>in</a:t>
+            </a:r>
+            <a:r>
+              <a:rPr lang="hr-HR" dirty="0"/>
+              <a:t> SDLC”</a:t>
+            </a:r>
+          </a:p>
+          <a:p>
+            <a:pPr>
+              <a:buNone/>
+            </a:pPr>
+            <a:r>
+              <a:rPr lang="hr-HR" b="1" dirty="0" err="1"/>
+              <a:t>Additional</a:t>
+            </a:r>
+            <a:r>
+              <a:rPr lang="hr-HR" b="1" dirty="0"/>
+              <a:t> </a:t>
+            </a:r>
+            <a:r>
+              <a:rPr lang="hr-HR" b="1" dirty="0" err="1"/>
+              <a:t>Reading</a:t>
+            </a:r>
+            <a:r>
+              <a:rPr lang="hr-HR" b="1" dirty="0"/>
+              <a:t>:</a:t>
+            </a:r>
+            <a:endParaRPr lang="hr-HR" dirty="0"/>
+          </a:p>
+          <a:p>
+            <a:pPr>
+              <a:buFont typeface="Arial" panose="020B0604020202020204" pitchFamily="34" charset="0"/>
+              <a:buChar char="•"/>
+            </a:pPr>
+            <a:r>
+              <a:rPr lang="hr-HR" i="1" dirty="0"/>
+              <a:t>Software Project </a:t>
+            </a:r>
+            <a:r>
+              <a:rPr lang="hr-HR" i="1" dirty="0" err="1"/>
+              <a:t>Survival</a:t>
+            </a:r>
+            <a:r>
+              <a:rPr lang="hr-HR" i="1" dirty="0"/>
+              <a:t> </a:t>
+            </a:r>
+            <a:r>
+              <a:rPr lang="hr-HR" i="1" dirty="0" err="1"/>
+              <a:t>Guide</a:t>
+            </a:r>
+            <a:r>
+              <a:rPr lang="hr-HR" dirty="0"/>
+              <a:t> </a:t>
+            </a:r>
+            <a:r>
+              <a:rPr lang="hr-HR" dirty="0" err="1"/>
+              <a:t>by</a:t>
+            </a:r>
+            <a:r>
+              <a:rPr lang="hr-HR" dirty="0"/>
+              <a:t> Steve </a:t>
+            </a:r>
+            <a:r>
+              <a:rPr lang="hr-HR" dirty="0" err="1"/>
+              <a:t>McConnell</a:t>
+            </a:r>
+            <a:endParaRPr lang="hr-HR" dirty="0"/>
+          </a:p>
+          <a:p>
+            <a:pPr>
+              <a:buFont typeface="Arial" panose="020B0604020202020204" pitchFamily="34" charset="0"/>
+              <a:buChar char="•"/>
+            </a:pPr>
+            <a:r>
+              <a:rPr lang="hr-HR" i="1" dirty="0"/>
+              <a:t>Project Management for </a:t>
+            </a:r>
+            <a:r>
+              <a:rPr lang="hr-HR" i="1" dirty="0" err="1"/>
+              <a:t>the</a:t>
+            </a:r>
+            <a:r>
+              <a:rPr lang="hr-HR" i="1" dirty="0"/>
+              <a:t> </a:t>
+            </a:r>
+            <a:r>
+              <a:rPr lang="hr-HR" i="1" dirty="0" err="1"/>
+              <a:t>Unofficial</a:t>
+            </a:r>
+            <a:r>
+              <a:rPr lang="hr-HR" i="1" dirty="0"/>
+              <a:t> Project Manager</a:t>
+            </a:r>
+            <a:r>
+              <a:rPr lang="hr-HR" dirty="0"/>
+              <a:t> </a:t>
+            </a:r>
+            <a:r>
+              <a:rPr lang="hr-HR" dirty="0" err="1"/>
+              <a:t>by</a:t>
+            </a:r>
+            <a:r>
+              <a:rPr lang="hr-HR" dirty="0"/>
+              <a:t> </a:t>
+            </a:r>
+            <a:r>
+              <a:rPr lang="hr-HR" dirty="0" err="1"/>
+              <a:t>Kory</a:t>
+            </a:r>
+            <a:r>
+              <a:rPr lang="hr-HR" dirty="0"/>
+              <a:t> </a:t>
+            </a:r>
+            <a:r>
+              <a:rPr lang="hr-HR" dirty="0" err="1"/>
+              <a:t>Kogon</a:t>
+            </a:r>
+            <a:r>
+              <a:rPr lang="hr-HR" dirty="0"/>
+              <a:t>, </a:t>
+            </a:r>
+            <a:r>
+              <a:rPr lang="hr-HR" dirty="0" err="1"/>
+              <a:t>Suzette</a:t>
+            </a:r>
+            <a:r>
+              <a:rPr lang="hr-HR" dirty="0"/>
+              <a:t> </a:t>
+            </a:r>
+            <a:r>
+              <a:rPr lang="hr-HR" dirty="0" err="1"/>
+              <a:t>Blakemore</a:t>
+            </a:r>
+            <a:r>
+              <a:rPr lang="hr-HR" dirty="0"/>
+              <a:t>, </a:t>
+            </a:r>
+            <a:r>
+              <a:rPr lang="hr-HR" dirty="0" err="1"/>
+              <a:t>and</a:t>
+            </a:r>
+            <a:r>
+              <a:rPr lang="hr-HR" dirty="0"/>
+              <a:t> James Wood</a:t>
+            </a:r>
+          </a:p>
+          <a:p>
+            <a:endParaRPr lang="hr-HR" dirty="0"/>
+          </a:p>
+        </p:txBody>
+      </p:sp>
+      <p:sp>
+        <p:nvSpPr>
+          <p:cNvPr id="4" name="Slide Number Placeholder 3">
+            <a:extLst>
+              <a:ext uri="{FF2B5EF4-FFF2-40B4-BE49-F238E27FC236}">
+                <a16:creationId xmlns:a16="http://schemas.microsoft.com/office/drawing/2014/main" id="{3D44FCF6-4700-BDD4-A0D4-D71270CD0F84}"/>
+              </a:ext>
+            </a:extLst>
+          </p:cNvPr>
+          <p:cNvSpPr>
+            <a:spLocks noGrp="1"/>
+          </p:cNvSpPr>
+          <p:nvPr>
+            <p:ph type="sldNum" sz="quarter" idx="5"/>
+          </p:nvPr>
+        </p:nvSpPr>
+        <p:spPr/>
+        <p:txBody>
+          <a:bodyPr/>
+          <a:lstStyle/>
+          <a:p>
+            <a:fld id="{90A064B2-EFF6-4760-BE09-0DEDA56827BE}" type="slidenum">
+              <a:rPr lang="hr-HR" smtClean="0"/>
+              <a:t>4</a:t>
+            </a:fld>
+            <a:endParaRPr lang="hr-HR"/>
+          </a:p>
+        </p:txBody>
+      </p:sp>
+    </p:spTree>
+    <p:extLst>
+      <p:ext uri="{BB962C8B-B14F-4D97-AF65-F5344CB8AC3E}">
+        <p14:creationId xmlns:p14="http://schemas.microsoft.com/office/powerpoint/2010/main" val="676590922"/>
       </p:ext>
     </p:extLst>
   </p:cSld>
@@ -1222,29 +1896,177 @@
               <a:buNone/>
             </a:pPr>
             <a:r>
-              <a:rPr lang="en-US" b="1" dirty="0"/>
-              <a:t>Teacher Notes:</a:t>
-            </a:r>
-            <a:endParaRPr lang="en-US" dirty="0"/>
-          </a:p>
-          <a:p>
-            <a:pPr>
-              <a:buFont typeface="Arial" panose="020B0604020202020204" pitchFamily="34" charset="0"/>
-              <a:buChar char="•"/>
-            </a:pPr>
-            <a:r>
-              <a:rPr lang="en-US" dirty="0"/>
-              <a:t>Illustrate writing functional vs. non‑functional requirements using real examples (e.g., “system shall handle 10,000 concurrent users”).</a:t>
-            </a:r>
-          </a:p>
-          <a:p>
-            <a:pPr>
-              <a:buFont typeface="Arial" panose="020B0604020202020204" pitchFamily="34" charset="0"/>
-              <a:buChar char="•"/>
-            </a:pPr>
-            <a:r>
-              <a:rPr lang="en-US" dirty="0"/>
-              <a:t>Demonstrate stakeholder interviews or use‑case workshops in class.</a:t>
+              <a:rPr lang="hr-HR" b="1" dirty="0" err="1"/>
+              <a:t>Teacher</a:t>
+            </a:r>
+            <a:r>
+              <a:rPr lang="hr-HR" b="1" dirty="0"/>
+              <a:t> Notes:</a:t>
+            </a:r>
+            <a:endParaRPr lang="hr-HR" dirty="0"/>
+          </a:p>
+          <a:p>
+            <a:pPr>
+              <a:buFont typeface="Arial" panose="020B0604020202020204" pitchFamily="34" charset="0"/>
+              <a:buChar char="•"/>
+            </a:pPr>
+            <a:r>
+              <a:rPr lang="hr-HR" dirty="0" err="1"/>
+              <a:t>Walk</a:t>
+            </a:r>
+            <a:r>
+              <a:rPr lang="hr-HR" dirty="0"/>
+              <a:t> </a:t>
+            </a:r>
+            <a:r>
+              <a:rPr lang="hr-HR" dirty="0" err="1"/>
+              <a:t>through</a:t>
+            </a:r>
+            <a:r>
+              <a:rPr lang="hr-HR" dirty="0"/>
+              <a:t> a live </a:t>
+            </a:r>
+            <a:r>
+              <a:rPr lang="hr-HR" dirty="0" err="1"/>
+              <a:t>exercise</a:t>
+            </a:r>
+            <a:r>
+              <a:rPr lang="hr-HR" dirty="0"/>
+              <a:t> </a:t>
+            </a:r>
+            <a:r>
+              <a:rPr lang="hr-HR" dirty="0" err="1"/>
+              <a:t>defining</a:t>
+            </a:r>
+            <a:r>
+              <a:rPr lang="hr-HR" dirty="0"/>
+              <a:t> </a:t>
+            </a:r>
+            <a:r>
+              <a:rPr lang="hr-HR" dirty="0" err="1"/>
+              <a:t>scope</a:t>
+            </a:r>
+            <a:r>
+              <a:rPr lang="hr-HR" dirty="0"/>
+              <a:t>, </a:t>
+            </a:r>
+            <a:r>
+              <a:rPr lang="hr-HR" dirty="0" err="1"/>
+              <a:t>goals</a:t>
+            </a:r>
+            <a:r>
+              <a:rPr lang="hr-HR" dirty="0"/>
+              <a:t>, </a:t>
+            </a:r>
+            <a:r>
+              <a:rPr lang="hr-HR" dirty="0" err="1"/>
+              <a:t>and</a:t>
+            </a:r>
+            <a:r>
+              <a:rPr lang="hr-HR" dirty="0"/>
+              <a:t> </a:t>
+            </a:r>
+            <a:r>
+              <a:rPr lang="hr-HR" dirty="0" err="1"/>
+              <a:t>timelines</a:t>
+            </a:r>
+            <a:r>
+              <a:rPr lang="hr-HR" dirty="0"/>
+              <a:t> for a </a:t>
+            </a:r>
+            <a:r>
+              <a:rPr lang="hr-HR" dirty="0" err="1"/>
+              <a:t>mock</a:t>
+            </a:r>
+            <a:r>
+              <a:rPr lang="hr-HR" dirty="0"/>
+              <a:t> </a:t>
+            </a:r>
+            <a:r>
+              <a:rPr lang="hr-HR" dirty="0" err="1"/>
+              <a:t>project</a:t>
+            </a:r>
+            <a:r>
+              <a:rPr lang="hr-HR" dirty="0"/>
+              <a:t>.</a:t>
+            </a:r>
+          </a:p>
+          <a:p>
+            <a:pPr>
+              <a:buFont typeface="Arial" panose="020B0604020202020204" pitchFamily="34" charset="0"/>
+              <a:buChar char="•"/>
+            </a:pPr>
+            <a:r>
+              <a:rPr lang="hr-HR" dirty="0" err="1"/>
+              <a:t>Emphasize</a:t>
+            </a:r>
+            <a:r>
+              <a:rPr lang="hr-HR" dirty="0"/>
+              <a:t> </a:t>
+            </a:r>
+            <a:r>
+              <a:rPr lang="hr-HR" dirty="0" err="1"/>
+              <a:t>stakeholder</a:t>
+            </a:r>
+            <a:r>
+              <a:rPr lang="hr-HR" dirty="0"/>
+              <a:t> </a:t>
+            </a:r>
+            <a:r>
+              <a:rPr lang="hr-HR" dirty="0" err="1"/>
+              <a:t>identification</a:t>
+            </a:r>
+            <a:r>
+              <a:rPr lang="hr-HR" dirty="0"/>
+              <a:t> </a:t>
+            </a:r>
+            <a:r>
+              <a:rPr lang="hr-HR" dirty="0" err="1"/>
+              <a:t>and</a:t>
+            </a:r>
+            <a:r>
+              <a:rPr lang="hr-HR" dirty="0"/>
+              <a:t> </a:t>
+            </a:r>
+            <a:r>
+              <a:rPr lang="hr-HR" dirty="0" err="1"/>
+              <a:t>the</a:t>
+            </a:r>
+            <a:r>
+              <a:rPr lang="hr-HR" dirty="0"/>
+              <a:t> </a:t>
+            </a:r>
+            <a:r>
+              <a:rPr lang="hr-HR" dirty="0" err="1"/>
+              <a:t>importance</a:t>
+            </a:r>
+            <a:r>
+              <a:rPr lang="hr-HR" dirty="0"/>
+              <a:t> </a:t>
+            </a:r>
+            <a:r>
+              <a:rPr lang="hr-HR" dirty="0" err="1"/>
+              <a:t>of</a:t>
+            </a:r>
+            <a:r>
+              <a:rPr lang="hr-HR" dirty="0"/>
+              <a:t> a </a:t>
+            </a:r>
+            <a:r>
+              <a:rPr lang="hr-HR" dirty="0" err="1"/>
+              <a:t>clear</a:t>
+            </a:r>
+            <a:r>
+              <a:rPr lang="hr-HR" dirty="0"/>
+              <a:t> </a:t>
+            </a:r>
+            <a:r>
+              <a:rPr lang="hr-HR" dirty="0" err="1"/>
+              <a:t>project</a:t>
+            </a:r>
+            <a:r>
+              <a:rPr lang="hr-HR" dirty="0"/>
+              <a:t> charter.</a:t>
             </a:r>
           </a:p>
           <a:p>
@@ -1252,37 +2074,252 @@
               <a:buNone/>
             </a:pPr>
             <a:r>
-              <a:rPr lang="en-US" b="1" dirty="0"/>
+              <a:rPr lang="hr-HR" b="1" dirty="0"/>
               <a:t>Resources:</a:t>
             </a:r>
-            <a:endParaRPr lang="en-US" dirty="0"/>
-          </a:p>
-          <a:p>
-            <a:pPr>
-              <a:buFont typeface="Arial" panose="020B0604020202020204" pitchFamily="34" charset="0"/>
-              <a:buChar char="•"/>
-            </a:pPr>
-            <a:r>
-              <a:rPr lang="en-US" dirty="0"/>
-              <a:t>IIBA’s </a:t>
-            </a:r>
-            <a:r>
-              <a:rPr lang="en-US" b="1" dirty="0"/>
-              <a:t>BABOK® Guide</a:t>
-            </a:r>
-            <a:r>
-              <a:rPr lang="en-US" dirty="0"/>
-              <a:t> – Chapter on Requirements Elicitation</a:t>
-            </a:r>
-          </a:p>
-          <a:p>
-            <a:pPr>
-              <a:buFont typeface="Arial" panose="020B0604020202020204" pitchFamily="34" charset="0"/>
-              <a:buChar char="•"/>
-            </a:pPr>
-            <a:r>
-              <a:rPr lang="en-US" dirty="0"/>
-              <a:t>IBM Developer article “Requirements Analysis and Definition in SDLC”</a:t>
+            <a:endParaRPr lang="hr-HR" dirty="0"/>
+          </a:p>
+          <a:p>
+            <a:pPr>
+              <a:buFont typeface="Arial" panose="020B0604020202020204" pitchFamily="34" charset="0"/>
+              <a:buChar char="•"/>
+            </a:pPr>
+            <a:r>
+              <a:rPr lang="hr-HR" dirty="0" err="1"/>
+              <a:t>PMI’s</a:t>
+            </a:r>
+            <a:r>
+              <a:rPr lang="hr-HR" dirty="0"/>
+              <a:t> </a:t>
+            </a:r>
+            <a:r>
+              <a:rPr lang="hr-HR" b="1" dirty="0"/>
+              <a:t>PMBOK® </a:t>
+            </a:r>
+            <a:r>
+              <a:rPr lang="hr-HR" b="1" dirty="0" err="1"/>
+              <a:t>Guide</a:t>
+            </a:r>
+            <a:r>
+              <a:rPr lang="hr-HR" dirty="0"/>
+              <a:t> (Project Management Institute) – </a:t>
+            </a:r>
+            <a:r>
+              <a:rPr lang="hr-HR" dirty="0" err="1"/>
+              <a:t>Chapter</a:t>
+            </a:r>
+            <a:r>
+              <a:rPr lang="hr-HR" dirty="0"/>
+              <a:t> on </a:t>
+            </a:r>
+            <a:r>
+              <a:rPr lang="hr-HR" dirty="0" err="1"/>
+              <a:t>project</a:t>
+            </a:r>
+            <a:r>
+              <a:rPr lang="hr-HR" dirty="0"/>
+              <a:t> </a:t>
+            </a:r>
+            <a:r>
+              <a:rPr lang="hr-HR" dirty="0" err="1"/>
+              <a:t>integration</a:t>
+            </a:r>
+            <a:r>
+              <a:rPr lang="hr-HR" dirty="0"/>
+              <a:t> </a:t>
+            </a:r>
+            <a:r>
+              <a:rPr lang="hr-HR" dirty="0" err="1"/>
+              <a:t>and</a:t>
+            </a:r>
+            <a:r>
+              <a:rPr lang="hr-HR" dirty="0"/>
+              <a:t> </a:t>
+            </a:r>
+            <a:r>
+              <a:rPr lang="hr-HR" dirty="0" err="1"/>
+              <a:t>scope</a:t>
+            </a:r>
+            <a:r>
+              <a:rPr lang="hr-HR" dirty="0"/>
+              <a:t> management</a:t>
+            </a:r>
+          </a:p>
+          <a:p>
+            <a:pPr>
+              <a:buFont typeface="Arial" panose="020B0604020202020204" pitchFamily="34" charset="0"/>
+              <a:buChar char="•"/>
+            </a:pPr>
+            <a:r>
+              <a:rPr lang="hr-HR" dirty="0" err="1"/>
+              <a:t>GeeksforGeeks</a:t>
+            </a:r>
+            <a:r>
+              <a:rPr lang="hr-HR" dirty="0"/>
+              <a:t> </a:t>
+            </a:r>
+            <a:r>
+              <a:rPr lang="hr-HR" dirty="0" err="1"/>
+              <a:t>article</a:t>
+            </a:r>
+            <a:r>
+              <a:rPr lang="hr-HR" dirty="0"/>
+              <a:t> “Software Project </a:t>
+            </a:r>
+            <a:r>
+              <a:rPr lang="hr-HR" dirty="0" err="1"/>
+              <a:t>Planning</a:t>
+            </a:r>
+            <a:r>
+              <a:rPr lang="hr-HR" dirty="0"/>
+              <a:t> </a:t>
+            </a:r>
+            <a:r>
+              <a:rPr lang="hr-HR" dirty="0" err="1"/>
+              <a:t>in</a:t>
+            </a:r>
+            <a:r>
+              <a:rPr lang="hr-HR" dirty="0"/>
+              <a:t> SDLC”</a:t>
+            </a:r>
+          </a:p>
+          <a:p>
+            <a:pPr>
+              <a:buNone/>
+            </a:pPr>
+            <a:r>
+              <a:rPr lang="hr-HR" b="1" dirty="0" err="1"/>
+              <a:t>Additional</a:t>
+            </a:r>
+            <a:r>
+              <a:rPr lang="hr-HR" b="1" dirty="0"/>
+              <a:t> </a:t>
+            </a:r>
+            <a:r>
+              <a:rPr lang="hr-HR" b="1" dirty="0" err="1"/>
+              <a:t>Reading</a:t>
+            </a:r>
+            <a:r>
+              <a:rPr lang="hr-HR" b="1" dirty="0"/>
+              <a:t>:</a:t>
+            </a:r>
+            <a:endParaRPr lang="hr-HR" dirty="0"/>
+          </a:p>
+          <a:p>
+            <a:pPr>
+              <a:buFont typeface="Arial" panose="020B0604020202020204" pitchFamily="34" charset="0"/>
+              <a:buChar char="•"/>
+            </a:pPr>
+            <a:r>
+              <a:rPr lang="hr-HR" i="1" dirty="0"/>
+              <a:t>Software Project </a:t>
+            </a:r>
+            <a:r>
+              <a:rPr lang="hr-HR" i="1" dirty="0" err="1"/>
+              <a:t>Survival</a:t>
+            </a:r>
+            <a:r>
+              <a:rPr lang="hr-HR" i="1" dirty="0"/>
+              <a:t> </a:t>
+            </a:r>
+            <a:r>
+              <a:rPr lang="hr-HR" i="1" dirty="0" err="1"/>
+              <a:t>Guide</a:t>
+            </a:r>
+            <a:r>
+              <a:rPr lang="hr-HR" dirty="0"/>
+              <a:t> </a:t>
+            </a:r>
+            <a:r>
+              <a:rPr lang="hr-HR" dirty="0" err="1"/>
+              <a:t>by</a:t>
+            </a:r>
+            <a:r>
+              <a:rPr lang="hr-HR" dirty="0"/>
+              <a:t> Steve </a:t>
+            </a:r>
+            <a:r>
+              <a:rPr lang="hr-HR" dirty="0" err="1"/>
+              <a:t>McConnell</a:t>
+            </a:r>
+            <a:endParaRPr lang="hr-HR" dirty="0"/>
+          </a:p>
+          <a:p>
+            <a:pPr>
+              <a:buFont typeface="Arial" panose="020B0604020202020204" pitchFamily="34" charset="0"/>
+              <a:buChar char="•"/>
+            </a:pPr>
+            <a:r>
+              <a:rPr lang="hr-HR" i="1" dirty="0"/>
+              <a:t>Project Management for </a:t>
+            </a:r>
+            <a:r>
+              <a:rPr lang="hr-HR" i="1" dirty="0" err="1"/>
+              <a:t>the</a:t>
+            </a:r>
+            <a:r>
+              <a:rPr lang="hr-HR" i="1" dirty="0"/>
+              <a:t> </a:t>
+            </a:r>
+            <a:r>
+              <a:rPr lang="hr-HR" i="1" dirty="0" err="1"/>
+              <a:t>Unofficial</a:t>
+            </a:r>
+            <a:r>
+              <a:rPr lang="hr-HR" i="1" dirty="0"/>
+              <a:t> Project Manager</a:t>
+            </a:r>
+            <a:r>
+              <a:rPr lang="hr-HR" dirty="0"/>
+              <a:t> </a:t>
+            </a:r>
+            <a:r>
+              <a:rPr lang="hr-HR" dirty="0" err="1"/>
+              <a:t>by</a:t>
+            </a:r>
+            <a:r>
+              <a:rPr lang="hr-HR" dirty="0"/>
+              <a:t> </a:t>
+            </a:r>
+            <a:r>
+              <a:rPr lang="hr-HR" dirty="0" err="1"/>
+              <a:t>Kory</a:t>
+            </a:r>
+            <a:r>
+              <a:rPr lang="hr-HR" dirty="0"/>
+              <a:t> </a:t>
+            </a:r>
+            <a:r>
+              <a:rPr lang="hr-HR" dirty="0" err="1"/>
+              <a:t>Kogon</a:t>
+            </a:r>
+            <a:r>
+              <a:rPr lang="hr-HR" dirty="0"/>
+              <a:t>, </a:t>
+            </a:r>
+            <a:r>
+              <a:rPr lang="hr-HR" dirty="0" err="1"/>
+              <a:t>Suzette</a:t>
+            </a:r>
+            <a:r>
+              <a:rPr lang="hr-HR" dirty="0"/>
+              <a:t> </a:t>
+            </a:r>
+            <a:r>
+              <a:rPr lang="hr-HR" dirty="0" err="1"/>
+              <a:t>Blakemore</a:t>
+            </a:r>
+            <a:r>
+              <a:rPr lang="hr-HR" dirty="0"/>
+              <a:t>, </a:t>
+            </a:r>
+            <a:r>
+              <a:rPr lang="hr-HR" dirty="0" err="1"/>
+              <a:t>and</a:t>
+            </a:r>
+            <a:r>
+              <a:rPr lang="hr-HR" dirty="0"/>
+              <a:t> James Wood</a:t>
             </a:r>
           </a:p>
           <a:p>
@@ -1307,7 +2344,7 @@
           <a:p>
             <a:fld id="{90A064B2-EFF6-4760-BE09-0DEDA56827BE}" type="slidenum">
               <a:rPr lang="hr-HR" smtClean="0"/>
-              <a:t>4</a:t>
+              <a:t>5</a:t>
             </a:fld>
             <a:endParaRPr lang="hr-HR"/>
           </a:p>
@@ -1316,7 +2353,7 @@
     </p:spTree>
     <p:extLst>
       <p:ext uri="{BB962C8B-B14F-4D97-AF65-F5344CB8AC3E}">
-        <p14:creationId xmlns:p14="http://schemas.microsoft.com/office/powerpoint/2010/main" val="2518850493"/>
+        <p14:creationId xmlns:p14="http://schemas.microsoft.com/office/powerpoint/2010/main" val="842109836"/>
       </p:ext>
     </p:extLst>
   </p:cSld>
@@ -1374,155 +2411,29 @@
               <a:buNone/>
             </a:pPr>
             <a:r>
-              <a:rPr lang="hr-HR" b="1" dirty="0" err="1"/>
-              <a:t>Teacher</a:t>
-            </a:r>
-            <a:r>
-              <a:rPr lang="hr-HR" b="1" dirty="0"/>
-              <a:t> Notes:</a:t>
-            </a:r>
-            <a:endParaRPr lang="hr-HR" dirty="0"/>
-          </a:p>
-          <a:p>
-            <a:pPr>
-              <a:buFont typeface="Arial" panose="020B0604020202020204" pitchFamily="34" charset="0"/>
-              <a:buChar char="•"/>
-            </a:pPr>
-            <a:r>
-              <a:rPr lang="hr-HR" dirty="0"/>
-              <a:t>Show a </a:t>
-            </a:r>
-            <a:r>
-              <a:rPr lang="hr-HR" dirty="0" err="1"/>
-              <a:t>sample</a:t>
-            </a:r>
-            <a:r>
-              <a:rPr lang="hr-HR" dirty="0"/>
-              <a:t> UML </a:t>
-            </a:r>
-            <a:r>
-              <a:rPr lang="hr-HR" dirty="0" err="1"/>
-              <a:t>diagram</a:t>
-            </a:r>
-            <a:r>
-              <a:rPr lang="hr-HR" dirty="0"/>
-              <a:t> for </a:t>
-            </a:r>
-            <a:r>
-              <a:rPr lang="hr-HR" dirty="0" err="1"/>
-              <a:t>the</a:t>
-            </a:r>
-            <a:r>
-              <a:rPr lang="hr-HR" dirty="0"/>
-              <a:t> </a:t>
-            </a:r>
-            <a:r>
-              <a:rPr lang="hr-HR" dirty="0" err="1"/>
-              <a:t>Eduhance</a:t>
-            </a:r>
-            <a:r>
-              <a:rPr lang="hr-HR" dirty="0"/>
-              <a:t> data model.</a:t>
-            </a:r>
-          </a:p>
-          <a:p>
-            <a:pPr>
-              <a:buFont typeface="Arial" panose="020B0604020202020204" pitchFamily="34" charset="0"/>
-              <a:buChar char="•"/>
-            </a:pPr>
-            <a:r>
-              <a:rPr lang="hr-HR" dirty="0" err="1"/>
-              <a:t>Compare</a:t>
-            </a:r>
-            <a:r>
-              <a:rPr lang="hr-HR" dirty="0"/>
-              <a:t> </a:t>
-            </a:r>
-            <a:r>
-              <a:rPr lang="hr-HR" dirty="0" err="1"/>
-              <a:t>monolithic</a:t>
-            </a:r>
-            <a:r>
-              <a:rPr lang="hr-HR" dirty="0"/>
-              <a:t> vs. </a:t>
-            </a:r>
-            <a:r>
-              <a:rPr lang="hr-HR" dirty="0" err="1"/>
-              <a:t>microservices</a:t>
-            </a:r>
-            <a:r>
-              <a:rPr lang="hr-HR" dirty="0"/>
-              <a:t> </a:t>
-            </a:r>
-            <a:r>
-              <a:rPr lang="hr-HR" dirty="0" err="1"/>
-              <a:t>architectures</a:t>
-            </a:r>
-            <a:r>
-              <a:rPr lang="hr-HR" dirty="0"/>
-              <a:t> </a:t>
-            </a:r>
-            <a:r>
-              <a:rPr lang="hr-HR" dirty="0" err="1"/>
-              <a:t>with</a:t>
-            </a:r>
-            <a:r>
-              <a:rPr lang="hr-HR" dirty="0"/>
-              <a:t> </a:t>
-            </a:r>
-            <a:r>
-              <a:rPr lang="hr-HR" dirty="0" err="1"/>
-              <a:t>diagrams</a:t>
-            </a:r>
-            <a:r>
-              <a:rPr lang="hr-HR" dirty="0"/>
-              <a:t> on </a:t>
-            </a:r>
-            <a:r>
-              <a:rPr lang="hr-HR" dirty="0" err="1"/>
-              <a:t>the</a:t>
-            </a:r>
-            <a:r>
-              <a:rPr lang="hr-HR" dirty="0"/>
-              <a:t> </a:t>
-            </a:r>
-            <a:r>
-              <a:rPr lang="hr-HR" dirty="0" err="1"/>
-              <a:t>board</a:t>
-            </a:r>
-            <a:r>
-              <a:rPr lang="hr-HR" dirty="0"/>
-              <a:t>.</a:t>
-            </a:r>
-          </a:p>
-          <a:p>
-            <a:pPr>
-              <a:buFont typeface="Arial" panose="020B0604020202020204" pitchFamily="34" charset="0"/>
-              <a:buChar char="•"/>
-            </a:pPr>
-            <a:r>
-              <a:rPr lang="hr-HR" dirty="0" err="1"/>
-              <a:t>Discuss</a:t>
-            </a:r>
-            <a:r>
-              <a:rPr lang="hr-HR" dirty="0"/>
-              <a:t> </a:t>
-            </a:r>
-            <a:r>
-              <a:rPr lang="hr-HR" dirty="0" err="1"/>
-              <a:t>mobile‑first</a:t>
-            </a:r>
-            <a:r>
-              <a:rPr lang="hr-HR" dirty="0"/>
-              <a:t> UI/UX </a:t>
-            </a:r>
-            <a:r>
-              <a:rPr lang="hr-HR" dirty="0" err="1"/>
-              <a:t>principles</a:t>
-            </a:r>
-            <a:r>
-              <a:rPr lang="hr-HR" dirty="0"/>
-              <a:t>.</a:t>
+              <a:rPr lang="en-US" b="1" dirty="0"/>
+              <a:t>Teacher Notes:</a:t>
+            </a:r>
+            <a:endParaRPr lang="en-US" dirty="0"/>
+          </a:p>
+          <a:p>
+            <a:pPr>
+              <a:buFont typeface="Arial" panose="020B0604020202020204" pitchFamily="34" charset="0"/>
+              <a:buChar char="•"/>
+            </a:pPr>
+            <a:r>
+              <a:rPr lang="en-US" dirty="0"/>
+              <a:t>Illustrate writing functional vs. non‑functional requirements using real examples (e.g., “system shall handle 10,000 concurrent users”).</a:t>
+            </a:r>
+          </a:p>
+          <a:p>
+            <a:pPr>
+              <a:buFont typeface="Arial" panose="020B0604020202020204" pitchFamily="34" charset="0"/>
+              <a:buChar char="•"/>
+            </a:pPr>
+            <a:r>
+              <a:rPr lang="en-US" dirty="0"/>
+              <a:t>Demonstrate stakeholder interviews or use‑case workshops in class.</a:t>
             </a:r>
           </a:p>
           <a:p>
@@ -1530,77 +2441,37 @@
               <a:buNone/>
             </a:pPr>
             <a:r>
-              <a:rPr lang="hr-HR" b="1" dirty="0"/>
+              <a:rPr lang="en-US" b="1" dirty="0"/>
               <a:t>Resources:</a:t>
             </a:r>
-            <a:endParaRPr lang="hr-HR" dirty="0"/>
-          </a:p>
-          <a:p>
-            <a:pPr>
-              <a:buFont typeface="Arial" panose="020B0604020202020204" pitchFamily="34" charset="0"/>
-              <a:buChar char="•"/>
-            </a:pPr>
-            <a:r>
-              <a:rPr lang="hr-HR" dirty="0"/>
-              <a:t>“12‑Factor App” </a:t>
-            </a:r>
-            <a:r>
-              <a:rPr lang="hr-HR" dirty="0" err="1"/>
-              <a:t>methodology</a:t>
-            </a:r>
-            <a:r>
-              <a:rPr lang="hr-HR" dirty="0"/>
-              <a:t> (twelvefactor.net) for cloud‑</a:t>
-            </a:r>
-            <a:r>
-              <a:rPr lang="hr-HR" dirty="0" err="1"/>
-              <a:t>native</a:t>
-            </a:r>
-            <a:r>
-              <a:rPr lang="hr-HR" dirty="0"/>
-              <a:t> design</a:t>
-            </a:r>
-          </a:p>
-          <a:p>
-            <a:pPr>
-              <a:buFont typeface="Arial" panose="020B0604020202020204" pitchFamily="34" charset="0"/>
-              <a:buChar char="•"/>
-            </a:pPr>
-            <a:r>
-              <a:rPr lang="hr-HR" dirty="0"/>
-              <a:t>Microsoft Azure </a:t>
-            </a:r>
-            <a:r>
-              <a:rPr lang="hr-HR" dirty="0" err="1"/>
-              <a:t>Architecture</a:t>
-            </a:r>
-            <a:r>
-              <a:rPr lang="hr-HR" dirty="0"/>
-              <a:t> </a:t>
-            </a:r>
-            <a:r>
-              <a:rPr lang="hr-HR" dirty="0" err="1"/>
-              <a:t>Center</a:t>
-            </a:r>
-            <a:r>
-              <a:rPr lang="hr-HR" dirty="0"/>
-              <a:t> – </a:t>
-            </a:r>
-            <a:r>
-              <a:rPr lang="hr-HR" dirty="0" err="1"/>
-              <a:t>Guides</a:t>
-            </a:r>
-            <a:r>
-              <a:rPr lang="hr-HR" dirty="0"/>
-              <a:t> on </a:t>
-            </a:r>
-            <a:r>
-              <a:rPr lang="hr-HR" dirty="0" err="1"/>
-              <a:t>microservices</a:t>
-            </a:r>
-            <a:r>
-              <a:rPr lang="hr-HR" dirty="0"/>
-              <a:t> design</a:t>
+            <a:endParaRPr lang="en-US" dirty="0"/>
+          </a:p>
+          <a:p>
+            <a:pPr>
+              <a:buFont typeface="Arial" panose="020B0604020202020204" pitchFamily="34" charset="0"/>
+              <a:buChar char="•"/>
+            </a:pPr>
+            <a:r>
+              <a:rPr lang="en-US" dirty="0"/>
+              <a:t>IIBA’s </a:t>
+            </a:r>
+            <a:r>
+              <a:rPr lang="en-US" b="1" dirty="0"/>
+              <a:t>BABOK® Guide</a:t>
+            </a:r>
+            <a:r>
+              <a:rPr lang="en-US" dirty="0"/>
+              <a:t> – Chapter on Requirements Elicitation</a:t>
+            </a:r>
+          </a:p>
+          <a:p>
+            <a:pPr>
+              <a:buFont typeface="Arial" panose="020B0604020202020204" pitchFamily="34" charset="0"/>
+              <a:buChar char="•"/>
+            </a:pPr>
+            <a:r>
+              <a:rPr lang="en-US" dirty="0"/>
+              <a:t>IBM Developer article “Requirements Analysis and Definition in SDLC”</a:t>
             </a:r>
           </a:p>
           <a:p>
@@ -1625,7 +2496,7 @@
           <a:p>
             <a:fld id="{90A064B2-EFF6-4760-BE09-0DEDA56827BE}" type="slidenum">
               <a:rPr lang="hr-HR" smtClean="0"/>
-              <a:t>5</a:t>
+              <a:t>6</a:t>
             </a:fld>
             <a:endParaRPr lang="hr-HR"/>
           </a:p>
@@ -1634,7 +2505,7 @@
     </p:spTree>
     <p:extLst>
       <p:ext uri="{BB962C8B-B14F-4D97-AF65-F5344CB8AC3E}">
-        <p14:creationId xmlns:p14="http://schemas.microsoft.com/office/powerpoint/2010/main" val="2517077182"/>
+        <p14:creationId xmlns:p14="http://schemas.microsoft.com/office/powerpoint/2010/main" val="2518850493"/>
       </p:ext>
     </p:extLst>
   </p:cSld>
@@ -1649,7 +2520,13 @@
   <p:cSld>
     <p:spTree>
       <p:nvGrpSpPr>
-        <p:cNvPr id="1" name=""/>
+        <p:cNvPr id="1" name="">
+          <a:extLst>
+            <a:ext uri="{FF2B5EF4-FFF2-40B4-BE49-F238E27FC236}">
+              <a16:creationId xmlns:a16="http://schemas.microsoft.com/office/drawing/2014/main" id="{34ADFF6B-C860-30CB-0E48-35205E6E53AF}"/>
+            </a:ext>
+          </a:extLst>
+        </p:cNvPr>
         <p:cNvGrpSpPr/>
         <p:nvPr/>
       </p:nvGrpSpPr>
@@ -1663,7 +2540,13 @@
       </p:grpSpPr>
       <p:sp>
         <p:nvSpPr>
-          <p:cNvPr id="2" name="Slide Image Placeholder 1"/>
+          <p:cNvPr id="2" name="Slide Image Placeholder 1">
+            <a:extLst>
+              <a:ext uri="{FF2B5EF4-FFF2-40B4-BE49-F238E27FC236}">
+                <a16:creationId xmlns:a16="http://schemas.microsoft.com/office/drawing/2014/main" id="{9F341303-D2D8-AD34-BF66-382DEE996A20}"/>
+              </a:ext>
+            </a:extLst>
+          </p:cNvPr>
           <p:cNvSpPr>
             <a:spLocks noGrp="1" noRot="1" noChangeAspect="1"/>
           </p:cNvSpPr>
@@ -1675,7 +2558,13 @@
       </p:sp>
       <p:sp>
         <p:nvSpPr>
-          <p:cNvPr id="3" name="Notes Placeholder 2"/>
+          <p:cNvPr id="3" name="Notes Placeholder 2">
+            <a:extLst>
+              <a:ext uri="{FF2B5EF4-FFF2-40B4-BE49-F238E27FC236}">
+                <a16:creationId xmlns:a16="http://schemas.microsoft.com/office/drawing/2014/main" id="{E218AA53-4924-046C-5ED2-A1CC95F3AC6C}"/>
+              </a:ext>
+            </a:extLst>
+          </p:cNvPr>
           <p:cNvSpPr>
             <a:spLocks noGrp="1"/>
           </p:cNvSpPr>
@@ -1704,7 +2593,7 @@
             </a:pPr>
             <a:r>
               <a:rPr lang="en-US" dirty="0"/>
-              <a:t>Break students into backend and frontend groups; have them scaffold a Node.js/Express API and a React component.</a:t>
+              <a:t>Illustrate writing functional vs. non‑functional requirements using real examples (e.g., “system shall handle 10,000 concurrent users”).</a:t>
             </a:r>
           </a:p>
           <a:p>
@@ -1714,25 +2603,7 @@
             </a:pPr>
             <a:r>
               <a:rPr lang="en-US" dirty="0"/>
-              <a:t>Discuss how OAuth and JWT work together to secure endpoints.</a:t>
-            </a:r>
-          </a:p>
-          <a:p>
-            <a:pPr>
-              <a:buFont typeface="Arial" panose="020B0604020202020204" pitchFamily="34" charset="0"/>
-              <a:buChar char="•"/>
-            </a:pPr>
-            <a:r>
-              <a:rPr lang="en-US" dirty="0"/>
-              <a:t>Show a </a:t>
-            </a:r>
-            <a:r>
-              <a:rPr lang="en-US" dirty="0" err="1"/>
-              <a:t>Dockerfile</a:t>
-            </a:r>
-            <a:r>
-              <a:rPr lang="en-US" dirty="0"/>
-              <a:t> example and explain container orchestration via Kubernetes.</a:t>
+              <a:t>Demonstrate stakeholder interviews or use‑case workshops in class.</a:t>
             </a:r>
           </a:p>
           <a:p>
@@ -1752,15 +2623,15 @@
             </a:pPr>
             <a:r>
               <a:rPr lang="en-US" dirty="0"/>
-              <a:t>Node.js official “Best Practices” guide (</a:t>
-            </a:r>
-            <a:r>
-              <a:rPr lang="en-US" dirty="0" err="1"/>
-              <a:t>nodejs.dev</a:t>
+              <a:t>IIBA’s </a:t>
+            </a:r>
+            <a:r>
+              <a:rPr lang="en-US" b="1" dirty="0"/>
+              <a:t>BABOK® Guide</a:t>
             </a:r>
             <a:r>
               <a:rPr lang="en-US" dirty="0"/>
-              <a:t>/learn)</a:t>
+              <a:t> – Chapter on Requirements Elicitation</a:t>
             </a:r>
           </a:p>
           <a:p>
@@ -1770,24 +2641,23 @@
             </a:pPr>
             <a:r>
               <a:rPr lang="en-US" dirty="0"/>
-              <a:t>React documentation “Getting Started” (reactjs.org)</a:t>
-            </a:r>
-          </a:p>
-          <a:p>
-            <a:pPr>
-              <a:buFont typeface="Arial" panose="020B0604020202020204" pitchFamily="34" charset="0"/>
-              <a:buChar char="•"/>
-            </a:pPr>
-            <a:r>
-              <a:rPr lang="en-US" dirty="0"/>
-              <a:t>Docker “Get Started” tutorial (docker.com/get-started)</a:t>
-            </a:r>
+              <a:t>IBM Developer article “Requirements Analysis and Definition in SDLC”</a:t>
+            </a:r>
+          </a:p>
+          <a:p>
+            <a:endParaRPr lang="hr-HR" dirty="0"/>
           </a:p>
         </p:txBody>
       </p:sp>
       <p:sp>
         <p:nvSpPr>
-          <p:cNvPr id="4" name="Slide Number Placeholder 3"/>
+          <p:cNvPr id="4" name="Slide Number Placeholder 3">
+            <a:extLst>
+              <a:ext uri="{FF2B5EF4-FFF2-40B4-BE49-F238E27FC236}">
+                <a16:creationId xmlns:a16="http://schemas.microsoft.com/office/drawing/2014/main" id="{B5739E59-301A-64B6-526F-D4591EC69290}"/>
+              </a:ext>
+            </a:extLst>
+          </p:cNvPr>
           <p:cNvSpPr>
             <a:spLocks noGrp="1"/>
           </p:cNvSpPr>
@@ -1802,7 +2672,7 @@
           <a:p>
             <a:fld id="{90A064B2-EFF6-4760-BE09-0DEDA56827BE}" type="slidenum">
               <a:rPr lang="hr-HR" smtClean="0"/>
-              <a:t>6</a:t>
+              <a:t>7</a:t>
             </a:fld>
             <a:endParaRPr lang="hr-HR"/>
           </a:p>
@@ -1811,7 +2681,7 @@
     </p:spTree>
     <p:extLst>
       <p:ext uri="{BB962C8B-B14F-4D97-AF65-F5344CB8AC3E}">
-        <p14:creationId xmlns:p14="http://schemas.microsoft.com/office/powerpoint/2010/main" val="1662091386"/>
+        <p14:creationId xmlns:p14="http://schemas.microsoft.com/office/powerpoint/2010/main" val="1768944067"/>
       </p:ext>
     </p:extLst>
   </p:cSld>
@@ -1869,39 +2739,155 @@
               <a:buNone/>
             </a:pPr>
             <a:r>
-              <a:rPr lang="en-US" b="1" dirty="0"/>
-              <a:t>Teacher Notes:</a:t>
-            </a:r>
-            <a:endParaRPr lang="en-US" dirty="0"/>
-          </a:p>
-          <a:p>
-            <a:pPr>
-              <a:buFont typeface="Arial" panose="020B0604020202020204" pitchFamily="34" charset="0"/>
-              <a:buChar char="•"/>
-            </a:pPr>
-            <a:r>
-              <a:rPr lang="en-US" dirty="0"/>
-              <a:t>Demonstrate writing a simple unit test with Jest or Mocha.</a:t>
-            </a:r>
-          </a:p>
-          <a:p>
-            <a:pPr>
-              <a:buFont typeface="Arial" panose="020B0604020202020204" pitchFamily="34" charset="0"/>
-              <a:buChar char="•"/>
-            </a:pPr>
-            <a:r>
-              <a:rPr lang="en-US" dirty="0"/>
-              <a:t>Show how to run a load test using a tool like Apache JMeter or k6.</a:t>
-            </a:r>
-          </a:p>
-          <a:p>
-            <a:pPr>
-              <a:buFont typeface="Arial" panose="020B0604020202020204" pitchFamily="34" charset="0"/>
-              <a:buChar char="•"/>
-            </a:pPr>
-            <a:r>
-              <a:rPr lang="en-US" dirty="0"/>
-              <a:t>Introduce OWASP ZAP for basic security scanning.</a:t>
+              <a:rPr lang="hr-HR" b="1" dirty="0" err="1"/>
+              <a:t>Teacher</a:t>
+            </a:r>
+            <a:r>
+              <a:rPr lang="hr-HR" b="1" dirty="0"/>
+              <a:t> Notes:</a:t>
+            </a:r>
+            <a:endParaRPr lang="hr-HR" dirty="0"/>
+          </a:p>
+          <a:p>
+            <a:pPr>
+              <a:buFont typeface="Arial" panose="020B0604020202020204" pitchFamily="34" charset="0"/>
+              <a:buChar char="•"/>
+            </a:pPr>
+            <a:r>
+              <a:rPr lang="hr-HR" dirty="0"/>
+              <a:t>Show a </a:t>
+            </a:r>
+            <a:r>
+              <a:rPr lang="hr-HR" dirty="0" err="1"/>
+              <a:t>sample</a:t>
+            </a:r>
+            <a:r>
+              <a:rPr lang="hr-HR" dirty="0"/>
+              <a:t> UML </a:t>
+            </a:r>
+            <a:r>
+              <a:rPr lang="hr-HR" dirty="0" err="1"/>
+              <a:t>diagram</a:t>
+            </a:r>
+            <a:r>
+              <a:rPr lang="hr-HR" dirty="0"/>
+              <a:t> for </a:t>
+            </a:r>
+            <a:r>
+              <a:rPr lang="hr-HR" dirty="0" err="1"/>
+              <a:t>the</a:t>
+            </a:r>
+            <a:r>
+              <a:rPr lang="hr-HR" dirty="0"/>
+              <a:t> </a:t>
+            </a:r>
+            <a:r>
+              <a:rPr lang="hr-HR" dirty="0" err="1"/>
+              <a:t>Eduhance</a:t>
+            </a:r>
+            <a:r>
+              <a:rPr lang="hr-HR" dirty="0"/>
+              <a:t> data model.</a:t>
+            </a:r>
+          </a:p>
+          <a:p>
+            <a:pPr>
+              <a:buFont typeface="Arial" panose="020B0604020202020204" pitchFamily="34" charset="0"/>
+              <a:buChar char="•"/>
+            </a:pPr>
+            <a:r>
+              <a:rPr lang="hr-HR" dirty="0" err="1"/>
+              <a:t>Compare</a:t>
+            </a:r>
+            <a:r>
+              <a:rPr lang="hr-HR" dirty="0"/>
+              <a:t> </a:t>
+            </a:r>
+            <a:r>
+              <a:rPr lang="hr-HR" dirty="0" err="1"/>
+              <a:t>monolithic</a:t>
+            </a:r>
+            <a:r>
+              <a:rPr lang="hr-HR" dirty="0"/>
+              <a:t> vs. </a:t>
+            </a:r>
+            <a:r>
+              <a:rPr lang="hr-HR" dirty="0" err="1"/>
+              <a:t>microservices</a:t>
+            </a:r>
+            <a:r>
+              <a:rPr lang="hr-HR" dirty="0"/>
+              <a:t> </a:t>
+            </a:r>
+            <a:r>
+              <a:rPr lang="hr-HR" dirty="0" err="1"/>
+              <a:t>architectures</a:t>
+            </a:r>
+            <a:r>
+              <a:rPr lang="hr-HR" dirty="0"/>
+              <a:t> </a:t>
+            </a:r>
+            <a:r>
+              <a:rPr lang="hr-HR" dirty="0" err="1"/>
+              <a:t>with</a:t>
+            </a:r>
+            <a:r>
+              <a:rPr lang="hr-HR" dirty="0"/>
+              <a:t> </a:t>
+            </a:r>
+            <a:r>
+              <a:rPr lang="hr-HR" dirty="0" err="1"/>
+              <a:t>diagrams</a:t>
+            </a:r>
+            <a:r>
+              <a:rPr lang="hr-HR" dirty="0"/>
+              <a:t> on </a:t>
+            </a:r>
+            <a:r>
+              <a:rPr lang="hr-HR" dirty="0" err="1"/>
+              <a:t>the</a:t>
+            </a:r>
+            <a:r>
+              <a:rPr lang="hr-HR" dirty="0"/>
+              <a:t> </a:t>
+            </a:r>
+            <a:r>
+              <a:rPr lang="hr-HR" dirty="0" err="1"/>
+              <a:t>board</a:t>
+            </a:r>
+            <a:r>
+              <a:rPr lang="hr-HR" dirty="0"/>
+              <a:t>.</a:t>
+            </a:r>
+          </a:p>
+          <a:p>
+            <a:pPr>
+              <a:buFont typeface="Arial" panose="020B0604020202020204" pitchFamily="34" charset="0"/>
+              <a:buChar char="•"/>
+            </a:pPr>
+            <a:r>
+              <a:rPr lang="hr-HR" dirty="0" err="1"/>
+              <a:t>Discuss</a:t>
+            </a:r>
+            <a:r>
+              <a:rPr lang="hr-HR" dirty="0"/>
+              <a:t> </a:t>
+            </a:r>
+            <a:r>
+              <a:rPr lang="hr-HR" dirty="0" err="1"/>
+              <a:t>mobile‑first</a:t>
+            </a:r>
+            <a:r>
+              <a:rPr lang="hr-HR" dirty="0"/>
+              <a:t> UI/UX </a:t>
+            </a:r>
+            <a:r>
+              <a:rPr lang="hr-HR" dirty="0" err="1"/>
+              <a:t>principles</a:t>
+            </a:r>
+            <a:r>
+              <a:rPr lang="hr-HR" dirty="0"/>
+              <a:t>.</a:t>
             </a:r>
           </a:p>
           <a:p>
@@ -1909,82 +2895,78 @@
               <a:buNone/>
             </a:pPr>
             <a:r>
-              <a:rPr lang="en-US" b="1" dirty="0"/>
+              <a:rPr lang="hr-HR" b="1" dirty="0"/>
               <a:t>Resources:</a:t>
             </a:r>
-            <a:endParaRPr lang="en-US" dirty="0"/>
-          </a:p>
-          <a:p>
-            <a:pPr>
-              <a:buFont typeface="Arial" panose="020B0604020202020204" pitchFamily="34" charset="0"/>
-              <a:buChar char="•"/>
-            </a:pPr>
-            <a:r>
-              <a:rPr lang="en-US" dirty="0"/>
-              <a:t>“Test Automation University” free courses by </a:t>
-            </a:r>
-            <a:r>
-              <a:rPr lang="en-US" dirty="0" err="1"/>
-              <a:t>Applitools</a:t>
-            </a:r>
-            <a:endParaRPr lang="en-US" dirty="0"/>
-          </a:p>
-          <a:p>
-            <a:pPr>
-              <a:buFont typeface="Arial" panose="020B0604020202020204" pitchFamily="34" charset="0"/>
-              <a:buChar char="•"/>
-            </a:pPr>
-            <a:r>
-              <a:rPr lang="en-US" dirty="0"/>
-              <a:t>OWASP Testing Guide v4 (owasp.org)</a:t>
-            </a:r>
-          </a:p>
-          <a:p>
-            <a:pPr>
-              <a:buNone/>
-            </a:pPr>
-            <a:r>
-              <a:rPr lang="en-US" b="1" dirty="0"/>
-              <a:t>Additional Reading:</a:t>
-            </a:r>
-            <a:endParaRPr lang="en-US" dirty="0"/>
-          </a:p>
-          <a:p>
-            <a:pPr>
-              <a:buFont typeface="Arial" panose="020B0604020202020204" pitchFamily="34" charset="0"/>
-              <a:buChar char="•"/>
-            </a:pPr>
-            <a:r>
-              <a:rPr lang="en-US" i="1" dirty="0" err="1"/>
-              <a:t>xUnit</a:t>
-            </a:r>
-            <a:r>
-              <a:rPr lang="en-US" i="1" dirty="0"/>
-              <a:t> Test Patterns</a:t>
-            </a:r>
-            <a:r>
-              <a:rPr lang="en-US" dirty="0"/>
-              <a:t> by Gerard Meszaros</a:t>
-            </a:r>
-          </a:p>
-          <a:p>
-            <a:pPr>
-              <a:buFont typeface="Arial" panose="020B0604020202020204" pitchFamily="34" charset="0"/>
-              <a:buChar char="•"/>
-            </a:pPr>
-            <a:r>
-              <a:rPr lang="en-US" i="1" dirty="0"/>
-              <a:t>Continuous Testing for DevOps Professionals</a:t>
-            </a:r>
-            <a:r>
-              <a:rPr lang="en-US" dirty="0"/>
-              <a:t> by Eran </a:t>
-            </a:r>
-            <a:r>
-              <a:rPr lang="en-US" dirty="0" err="1"/>
-              <a:t>Kinsbruner</a:t>
-            </a:r>
-            <a:endParaRPr lang="en-US" dirty="0"/>
+            <a:endParaRPr lang="hr-HR" dirty="0"/>
+          </a:p>
+          <a:p>
+            <a:pPr>
+              <a:buFont typeface="Arial" panose="020B0604020202020204" pitchFamily="34" charset="0"/>
+              <a:buChar char="•"/>
+            </a:pPr>
+            <a:r>
+              <a:rPr lang="hr-HR" dirty="0"/>
+              <a:t>“12‑Factor App” </a:t>
+            </a:r>
+            <a:r>
+              <a:rPr lang="hr-HR" dirty="0" err="1"/>
+              <a:t>methodology</a:t>
+            </a:r>
+            <a:r>
+              <a:rPr lang="hr-HR" dirty="0"/>
+              <a:t> (twelvefactor.net) for cloud‑</a:t>
+            </a:r>
+            <a:r>
+              <a:rPr lang="hr-HR" dirty="0" err="1"/>
+              <a:t>native</a:t>
+            </a:r>
+            <a:r>
+              <a:rPr lang="hr-HR" dirty="0"/>
+              <a:t> design</a:t>
+            </a:r>
+          </a:p>
+          <a:p>
+            <a:pPr>
+              <a:buFont typeface="Arial" panose="020B0604020202020204" pitchFamily="34" charset="0"/>
+              <a:buChar char="•"/>
+            </a:pPr>
+            <a:r>
+              <a:rPr lang="hr-HR" dirty="0"/>
+              <a:t>Microsoft Azure </a:t>
+            </a:r>
+            <a:r>
+              <a:rPr lang="hr-HR" dirty="0" err="1"/>
+              <a:t>Architecture</a:t>
+            </a:r>
+            <a:r>
+              <a:rPr lang="hr-HR" dirty="0"/>
+              <a:t> </a:t>
+            </a:r>
+            <a:r>
+              <a:rPr lang="hr-HR" dirty="0" err="1"/>
+              <a:t>Center</a:t>
+            </a:r>
+            <a:r>
+              <a:rPr lang="hr-HR" dirty="0"/>
+              <a:t> – </a:t>
+            </a:r>
+            <a:r>
+              <a:rPr lang="hr-HR" dirty="0" err="1"/>
+              <a:t>Guides</a:t>
+            </a:r>
+            <a:r>
+              <a:rPr lang="hr-HR" dirty="0"/>
+              <a:t> on </a:t>
+            </a:r>
+            <a:r>
+              <a:rPr lang="hr-HR" dirty="0" err="1"/>
+              <a:t>microservices</a:t>
+            </a:r>
+            <a:r>
+              <a:rPr lang="hr-HR" dirty="0"/>
+              <a:t> design</a:t>
+            </a:r>
           </a:p>
           <a:p>
             <a:endParaRPr lang="hr-HR" dirty="0"/>
@@ -2008,7 +2990,7 @@
           <a:p>
             <a:fld id="{90A064B2-EFF6-4760-BE09-0DEDA56827BE}" type="slidenum">
               <a:rPr lang="hr-HR" smtClean="0"/>
-              <a:t>7</a:t>
+              <a:t>8</a:t>
             </a:fld>
             <a:endParaRPr lang="hr-HR"/>
           </a:p>
@@ -2017,7 +2999,7 @@
     </p:spTree>
     <p:extLst>
       <p:ext uri="{BB962C8B-B14F-4D97-AF65-F5344CB8AC3E}">
-        <p14:creationId xmlns:p14="http://schemas.microsoft.com/office/powerpoint/2010/main" val="93367901"/>
+        <p14:creationId xmlns:p14="http://schemas.microsoft.com/office/powerpoint/2010/main" val="2517077182"/>
       </p:ext>
     </p:extLst>
   </p:cSld>
@@ -2075,109 +3057,47 @@
               <a:buNone/>
             </a:pPr>
             <a:r>
-              <a:rPr lang="hr-HR" b="1" dirty="0" err="1"/>
-              <a:t>Teacher</a:t>
-            </a:r>
-            <a:r>
-              <a:rPr lang="hr-HR" b="1" dirty="0"/>
-              <a:t> Notes:</a:t>
-            </a:r>
-            <a:endParaRPr lang="hr-HR" dirty="0"/>
-          </a:p>
-          <a:p>
-            <a:pPr>
-              <a:buFont typeface="Arial" panose="020B0604020202020204" pitchFamily="34" charset="0"/>
-              <a:buChar char="•"/>
-            </a:pPr>
-            <a:r>
-              <a:rPr lang="hr-HR" dirty="0"/>
-              <a:t>Live‑demo a </a:t>
-            </a:r>
-            <a:r>
-              <a:rPr lang="hr-HR" dirty="0" err="1"/>
-              <a:t>simple</a:t>
-            </a:r>
-            <a:r>
-              <a:rPr lang="hr-HR" dirty="0"/>
-              <a:t> Blue/Green </a:t>
-            </a:r>
-            <a:r>
-              <a:rPr lang="hr-HR" dirty="0" err="1"/>
-              <a:t>deployment</a:t>
-            </a:r>
-            <a:r>
-              <a:rPr lang="hr-HR" dirty="0"/>
-              <a:t> on AWS </a:t>
-            </a:r>
-            <a:r>
-              <a:rPr lang="hr-HR" dirty="0" err="1"/>
-              <a:t>Elastic</a:t>
-            </a:r>
-            <a:r>
-              <a:rPr lang="hr-HR" dirty="0"/>
-              <a:t> </a:t>
-            </a:r>
-            <a:r>
-              <a:rPr lang="hr-HR" dirty="0" err="1"/>
-              <a:t>Beanstalk</a:t>
-            </a:r>
-            <a:r>
-              <a:rPr lang="hr-HR" dirty="0"/>
-              <a:t>.</a:t>
-            </a:r>
-          </a:p>
-          <a:p>
-            <a:pPr>
-              <a:buFont typeface="Arial" panose="020B0604020202020204" pitchFamily="34" charset="0"/>
-              <a:buChar char="•"/>
-            </a:pPr>
-            <a:r>
-              <a:rPr lang="hr-HR" dirty="0" err="1"/>
-              <a:t>Explain</a:t>
-            </a:r>
-            <a:r>
-              <a:rPr lang="hr-HR" dirty="0"/>
-              <a:t> </a:t>
-            </a:r>
-            <a:r>
-              <a:rPr lang="hr-HR" dirty="0" err="1"/>
-              <a:t>load</a:t>
-            </a:r>
-            <a:r>
-              <a:rPr lang="hr-HR" dirty="0"/>
-              <a:t> </a:t>
-            </a:r>
-            <a:r>
-              <a:rPr lang="hr-HR" dirty="0" err="1"/>
-              <a:t>balancing</a:t>
-            </a:r>
-            <a:r>
-              <a:rPr lang="hr-HR" dirty="0"/>
-              <a:t> </a:t>
-            </a:r>
-            <a:r>
-              <a:rPr lang="hr-HR" dirty="0" err="1"/>
-              <a:t>and</a:t>
-            </a:r>
-            <a:r>
-              <a:rPr lang="hr-HR" dirty="0"/>
-              <a:t> auto‑</a:t>
-            </a:r>
-            <a:r>
-              <a:rPr lang="hr-HR" dirty="0" err="1"/>
-              <a:t>scaling</a:t>
-            </a:r>
-            <a:r>
-              <a:rPr lang="hr-HR" dirty="0"/>
-              <a:t> </a:t>
-            </a:r>
-            <a:r>
-              <a:rPr lang="hr-HR" dirty="0" err="1"/>
-              <a:t>policies</a:t>
-            </a:r>
-            <a:r>
-              <a:rPr lang="hr-HR" dirty="0"/>
-              <a:t>.</a:t>
+              <a:rPr lang="en-US" b="1" dirty="0"/>
+              <a:t>Teacher Notes:</a:t>
+            </a:r>
+            <a:endParaRPr lang="en-US" dirty="0"/>
+          </a:p>
+          <a:p>
+            <a:pPr>
+              <a:buFont typeface="Arial" panose="020B0604020202020204" pitchFamily="34" charset="0"/>
+              <a:buChar char="•"/>
+            </a:pPr>
+            <a:r>
+              <a:rPr lang="en-US" dirty="0"/>
+              <a:t>Break students into backend and frontend groups; have them scaffold a Node.js/Express API and a React component.</a:t>
+            </a:r>
+          </a:p>
+          <a:p>
+            <a:pPr>
+              <a:buFont typeface="Arial" panose="020B0604020202020204" pitchFamily="34" charset="0"/>
+              <a:buChar char="•"/>
+            </a:pPr>
+            <a:r>
+              <a:rPr lang="en-US" dirty="0"/>
+              <a:t>Discuss how OAuth and JWT work together to secure endpoints.</a:t>
+            </a:r>
+          </a:p>
+          <a:p>
+            <a:pPr>
+              <a:buFont typeface="Arial" panose="020B0604020202020204" pitchFamily="34" charset="0"/>
+              <a:buChar char="•"/>
+            </a:pPr>
+            <a:r>
+              <a:rPr lang="en-US" dirty="0"/>
+              <a:t>Show a </a:t>
+            </a:r>
+            <a:r>
+              <a:rPr lang="en-US" dirty="0" err="1"/>
+              <a:t>Dockerfile</a:t>
+            </a:r>
+            <a:r>
+              <a:rPr lang="en-US" dirty="0"/>
+              <a:t> example and explain container orchestration via Kubernetes.</a:t>
             </a:r>
           </a:p>
           <a:p>
@@ -2185,105 +3105,48 @@
               <a:buNone/>
             </a:pPr>
             <a:r>
-              <a:rPr lang="hr-HR" b="1" dirty="0"/>
+              <a:rPr lang="en-US" b="1" dirty="0"/>
               <a:t>Resources:</a:t>
             </a:r>
-            <a:endParaRPr lang="hr-HR" dirty="0"/>
-          </a:p>
-          <a:p>
-            <a:pPr>
-              <a:buFont typeface="Arial" panose="020B0604020202020204" pitchFamily="34" charset="0"/>
-              <a:buChar char="•"/>
-            </a:pPr>
-            <a:r>
-              <a:rPr lang="hr-HR" dirty="0"/>
-              <a:t>AWS </a:t>
-            </a:r>
-            <a:r>
-              <a:rPr lang="hr-HR" dirty="0" err="1"/>
-              <a:t>Elastic</a:t>
-            </a:r>
-            <a:r>
-              <a:rPr lang="hr-HR" dirty="0"/>
-              <a:t> </a:t>
-            </a:r>
-            <a:r>
-              <a:rPr lang="hr-HR" dirty="0" err="1"/>
-              <a:t>Beanstalk</a:t>
-            </a:r>
-            <a:r>
-              <a:rPr lang="hr-HR" dirty="0"/>
-              <a:t> </a:t>
-            </a:r>
-            <a:r>
-              <a:rPr lang="hr-HR" dirty="0" err="1"/>
-              <a:t>documentation</a:t>
-            </a:r>
-            <a:r>
-              <a:rPr lang="hr-HR" dirty="0"/>
-              <a:t> (docs.aws.amazon.com/</a:t>
-            </a:r>
-            <a:r>
-              <a:rPr lang="hr-HR" dirty="0" err="1"/>
-              <a:t>elasticbeanstalk</a:t>
-            </a:r>
-            <a:r>
-              <a:rPr lang="hr-HR" dirty="0"/>
-              <a:t>)</a:t>
-            </a:r>
-          </a:p>
-          <a:p>
-            <a:pPr>
-              <a:buFont typeface="Arial" panose="020B0604020202020204" pitchFamily="34" charset="0"/>
-              <a:buChar char="•"/>
-            </a:pPr>
-            <a:r>
-              <a:rPr lang="hr-HR" dirty="0"/>
-              <a:t>“</a:t>
-            </a:r>
-            <a:r>
-              <a:rPr lang="hr-HR" dirty="0" err="1"/>
-              <a:t>The</a:t>
-            </a:r>
-            <a:r>
-              <a:rPr lang="hr-HR" dirty="0"/>
-              <a:t> </a:t>
-            </a:r>
-            <a:r>
-              <a:rPr lang="hr-HR" dirty="0" err="1"/>
-              <a:t>Twelve-Factor</a:t>
-            </a:r>
-            <a:r>
-              <a:rPr lang="hr-HR" dirty="0"/>
-              <a:t> App” </a:t>
-            </a:r>
-            <a:r>
-              <a:rPr lang="hr-HR" dirty="0" err="1"/>
-              <a:t>section</a:t>
-            </a:r>
-            <a:r>
-              <a:rPr lang="hr-HR" dirty="0"/>
-              <a:t> on </a:t>
-            </a:r>
-            <a:r>
-              <a:rPr lang="hr-HR" dirty="0" err="1"/>
-              <a:t>deployment</a:t>
-            </a:r>
-            <a:r>
-              <a:rPr lang="hr-HR" dirty="0"/>
-              <a:t> (twelvefactor.net/</a:t>
-            </a:r>
-            <a:r>
-              <a:rPr lang="hr-HR" dirty="0" err="1"/>
-              <a:t>dev‑prod‑parity</a:t>
-            </a:r>
-            <a:r>
-              <a:rPr lang="hr-HR" dirty="0"/>
-              <a:t>)</a:t>
-            </a:r>
-          </a:p>
-          <a:p>
-            <a:endParaRPr lang="hr-HR" dirty="0"/>
+            <a:endParaRPr lang="en-US" dirty="0"/>
+          </a:p>
+          <a:p>
+            <a:pPr>
+              <a:buFont typeface="Arial" panose="020B0604020202020204" pitchFamily="34" charset="0"/>
+              <a:buChar char="•"/>
+            </a:pPr>
+            <a:r>
+              <a:rPr lang="en-US" dirty="0"/>
+              <a:t>Node.js official “Best Practices” guide (</a:t>
+            </a:r>
+            <a:r>
+              <a:rPr lang="en-US" dirty="0" err="1"/>
+              <a:t>nodejs.dev</a:t>
+            </a:r>
+            <a:r>
+              <a:rPr lang="en-US" dirty="0"/>
+              <a:t>/learn)</a:t>
+            </a:r>
+          </a:p>
+          <a:p>
+            <a:pPr>
+              <a:buFont typeface="Arial" panose="020B0604020202020204" pitchFamily="34" charset="0"/>
+              <a:buChar char="•"/>
+            </a:pPr>
+            <a:r>
+              <a:rPr lang="en-US" dirty="0"/>
+              <a:t>React documentation “Getting Started” (reactjs.org)</a:t>
+            </a:r>
+          </a:p>
+          <a:p>
+            <a:pPr>
+              <a:buFont typeface="Arial" panose="020B0604020202020204" pitchFamily="34" charset="0"/>
+              <a:buChar char="•"/>
+            </a:pPr>
+            <a:r>
+              <a:rPr lang="en-US" dirty="0"/>
+              <a:t>Docker “Get Started” tutorial (docker.com/get-started)</a:t>
+            </a:r>
           </a:p>
         </p:txBody>
       </p:sp>
@@ -2304,7 +3167,7 @@
           <a:p>
             <a:fld id="{90A064B2-EFF6-4760-BE09-0DEDA56827BE}" type="slidenum">
               <a:rPr lang="hr-HR" smtClean="0"/>
-              <a:t>8</a:t>
+              <a:t>9</a:t>
             </a:fld>
             <a:endParaRPr lang="hr-HR"/>
           </a:p>
@@ -2313,7 +3176,7 @@
     </p:spTree>
     <p:extLst>
       <p:ext uri="{BB962C8B-B14F-4D97-AF65-F5344CB8AC3E}">
-        <p14:creationId xmlns:p14="http://schemas.microsoft.com/office/powerpoint/2010/main" val="2938183595"/>
+        <p14:creationId xmlns:p14="http://schemas.microsoft.com/office/powerpoint/2010/main" val="1662091386"/>
       </p:ext>
     </p:extLst>
   </p:cSld>
@@ -2383,7 +3246,7 @@
             </a:pPr>
             <a:r>
               <a:rPr lang="en-US" dirty="0"/>
-              <a:t>Discuss monitoring tools (e.g., Prometheus, Grafana) and alerting strategies.</a:t>
+              <a:t>Demonstrate writing a simple unit test with Jest or Mocha.</a:t>
             </a:r>
           </a:p>
           <a:p>
@@ -2393,7 +3256,17 @@
             </a:pPr>
             <a:r>
               <a:rPr lang="en-US" dirty="0"/>
-              <a:t>Introduce the concept of technical debt and how to plan for refactoring sprints.</a:t>
+              <a:t>Show how to run a load test using a tool like Apache JMeter or k6.</a:t>
+            </a:r>
+          </a:p>
+          <a:p>
+            <a:pPr>
+              <a:buFont typeface="Arial" panose="020B0604020202020204" pitchFamily="34" charset="0"/>
+              <a:buChar char="•"/>
+            </a:pPr>
+            <a:r>
+              <a:rPr lang="en-US" dirty="0"/>
+              <a:t>Introduce OWASP ZAP for basic security scanning.</a:t>
             </a:r>
           </a:p>
           <a:p>
@@ -2413,26 +3286,70 @@
             </a:pPr>
             <a:r>
               <a:rPr lang="en-US" dirty="0"/>
-              <a:t>“Google Site Reliability Engineering” (</a:t>
+              <a:t>“Test Automation University” free courses by </a:t>
             </a:r>
             <a:r>
               <a:rPr lang="en-US" dirty="0" err="1"/>
-              <a:t>sre.google</a:t>
-            </a:r>
+              <a:t>Applitools</a:t>
+            </a:r>
+            <a:endParaRPr lang="en-US" dirty="0"/>
+          </a:p>
+          <a:p>
+            <a:pPr>
+              <a:buFont typeface="Arial" panose="020B0604020202020204" pitchFamily="34" charset="0"/>
+              <a:buChar char="•"/>
+            </a:pPr>
             <a:r>
               <a:rPr lang="en-US" dirty="0"/>
-              <a:t>) – Chapters on monitoring and incident response</a:t>
-            </a:r>
-          </a:p>
-          <a:p>
-            <a:pPr>
-              <a:buFont typeface="Arial" panose="020B0604020202020204" pitchFamily="34" charset="0"/>
-              <a:buChar char="•"/>
-            </a:pPr>
+              <a:t>OWASP Testing Guide v4 (owasp.org)</a:t>
+            </a:r>
+          </a:p>
+          <a:p>
+            <a:pPr>
+              <a:buNone/>
+            </a:pPr>
+            <a:r>
+              <a:rPr lang="en-US" b="1" dirty="0"/>
+              <a:t>Additional Reading:</a:t>
+            </a:r>
+            <a:endParaRPr lang="en-US" dirty="0"/>
+          </a:p>
+          <a:p>
+            <a:pPr>
+              <a:buFont typeface="Arial" panose="020B0604020202020204" pitchFamily="34" charset="0"/>
+              <a:buChar char="•"/>
+            </a:pPr>
+            <a:r>
+              <a:rPr lang="en-US" i="1" dirty="0" err="1"/>
+              <a:t>xUnit</a:t>
+            </a:r>
+            <a:r>
+              <a:rPr lang="en-US" i="1" dirty="0"/>
+              <a:t> Test Patterns</a:t>
+            </a:r>
             <a:r>
               <a:rPr lang="en-US" dirty="0"/>
-              <a:t>Atlassian article “Managing Technical Debt”</a:t>
-            </a:r>
+              <a:t> by Gerard Meszaros</a:t>
+            </a:r>
+          </a:p>
+          <a:p>
+            <a:pPr>
+              <a:buFont typeface="Arial" panose="020B0604020202020204" pitchFamily="34" charset="0"/>
+              <a:buChar char="•"/>
+            </a:pPr>
+            <a:r>
+              <a:rPr lang="en-US" i="1" dirty="0"/>
+              <a:t>Continuous Testing for DevOps Professionals</a:t>
+            </a:r>
+            <a:r>
+              <a:rPr lang="en-US" dirty="0"/>
+              <a:t> by Eran </a:t>
+            </a:r>
+            <a:r>
+              <a:rPr lang="en-US" dirty="0" err="1"/>
+              <a:t>Kinsbruner</a:t>
+            </a:r>
+            <a:endParaRPr lang="en-US" dirty="0"/>
           </a:p>
           <a:p>
             <a:endParaRPr lang="hr-HR" dirty="0"/>
@@ -2456,7 +3373,7 @@
           <a:p>
             <a:fld id="{90A064B2-EFF6-4760-BE09-0DEDA56827BE}" type="slidenum">
               <a:rPr lang="hr-HR" smtClean="0"/>
-              <a:t>9</a:t>
+              <a:t>10</a:t>
             </a:fld>
             <a:endParaRPr lang="hr-HR"/>
           </a:p>
@@ -2465,7 +3382,7 @@
     </p:spTree>
     <p:extLst>
       <p:ext uri="{BB962C8B-B14F-4D97-AF65-F5344CB8AC3E}">
-        <p14:creationId xmlns:p14="http://schemas.microsoft.com/office/powerpoint/2010/main" val="1571598448"/>
+        <p14:creationId xmlns:p14="http://schemas.microsoft.com/office/powerpoint/2010/main" val="93367901"/>
       </p:ext>
     </p:extLst>
   </p:cSld>
@@ -2538,8 +3455,28 @@
               <a:buChar char="•"/>
             </a:pPr>
             <a:r>
-              <a:rPr lang="hr-HR" dirty="0" err="1"/>
-              <a:t>Contrast</a:t>
+              <a:rPr lang="hr-HR" dirty="0"/>
+              <a:t>Live‑demo a </a:t>
+            </a:r>
+            <a:r>
+              <a:rPr lang="hr-HR" dirty="0" err="1"/>
+              <a:t>simple</a:t>
+            </a:r>
+            <a:r>
+              <a:rPr lang="hr-HR" dirty="0"/>
+              <a:t> Blue/Green </a:t>
+            </a:r>
+            <a:r>
+              <a:rPr lang="hr-HR" dirty="0" err="1"/>
+              <a:t>deployment</a:t>
+            </a:r>
+            <a:r>
+              <a:rPr lang="hr-HR" dirty="0"/>
+              <a:t> on AWS </a:t>
+            </a:r>
+            <a:r>
+              <a:rPr lang="hr-HR" dirty="0" err="1"/>
+              <a:t>Elastic</a:t>
             </a:r>
             <a:r>
               <a:rPr lang="hr-HR" dirty="0"/>
@@ -2547,15 +3484,21 @@
             </a:r>
             <a:r>
               <a:rPr lang="hr-HR" dirty="0" err="1"/>
-              <a:t>Waterfall</a:t>
-            </a:r>
-            <a:r>
-              <a:rPr lang="hr-HR" dirty="0"/>
-              <a:t> vs. </a:t>
-            </a:r>
-            <a:r>
-              <a:rPr lang="hr-HR" dirty="0" err="1"/>
-              <a:t>Agile</a:t>
+              <a:t>Beanstalk</a:t>
+            </a:r>
+            <a:r>
+              <a:rPr lang="hr-HR" dirty="0"/>
+              <a:t>.</a:t>
+            </a:r>
+          </a:p>
+          <a:p>
+            <a:pPr>
+              <a:buFont typeface="Arial" panose="020B0604020202020204" pitchFamily="34" charset="0"/>
+              <a:buChar char="•"/>
+            </a:pPr>
+            <a:r>
+              <a:rPr lang="hr-HR" dirty="0" err="1"/>
+              <a:t>Explain</a:t>
             </a:r>
             <a:r>
               <a:rPr lang="hr-HR" dirty="0"/>
@@ -2563,23 +3506,7 @@
             </a:r>
             <a:r>
               <a:rPr lang="hr-HR" dirty="0" err="1"/>
-              <a:t>through</a:t>
-            </a:r>
-            <a:r>
-              <a:rPr lang="hr-HR" dirty="0"/>
-              <a:t> a role‑</a:t>
-            </a:r>
-            <a:r>
-              <a:rPr lang="hr-HR" dirty="0" err="1"/>
-              <a:t>play</a:t>
-            </a:r>
-            <a:r>
-              <a:rPr lang="hr-HR" dirty="0"/>
-              <a:t>: one </a:t>
-            </a:r>
-            <a:r>
-              <a:rPr lang="hr-HR" dirty="0" err="1"/>
-              <a:t>group</a:t>
+              <a:t>load</a:t>
             </a:r>
             <a:r>
               <a:rPr lang="hr-HR" dirty="0"/>
@@ -2587,23 +3514,7 @@
             </a:r>
             <a:r>
               <a:rPr lang="hr-HR" dirty="0" err="1"/>
-              <a:t>follows</a:t>
-            </a:r>
-            <a:r>
-              <a:rPr lang="hr-HR" dirty="0"/>
-              <a:t> a </a:t>
-            </a:r>
-            <a:r>
-              <a:rPr lang="hr-HR" dirty="0" err="1"/>
-              <a:t>sequential</a:t>
-            </a:r>
-            <a:r>
-              <a:rPr lang="hr-HR" dirty="0"/>
-              <a:t> plan, </a:t>
-            </a:r>
-            <a:r>
-              <a:rPr lang="hr-HR" dirty="0" err="1"/>
-              <a:t>another</a:t>
+              <a:t>balancing</a:t>
             </a:r>
             <a:r>
               <a:rPr lang="hr-HR" dirty="0"/>
@@ -2611,7 +3522,15 @@
             </a:r>
             <a:r>
               <a:rPr lang="hr-HR" dirty="0" err="1"/>
-              <a:t>uses</a:t>
+              <a:t>and</a:t>
+            </a:r>
+            <a:r>
+              <a:rPr lang="hr-HR" dirty="0"/>
+              <a:t> auto‑</a:t>
+            </a:r>
+            <a:r>
+              <a:rPr lang="hr-HR" dirty="0" err="1"/>
+              <a:t>scaling</a:t>
             </a:r>
             <a:r>
               <a:rPr lang="hr-HR" dirty="0"/>
@@ -2619,109 +3538,7 @@
             </a:r>
             <a:r>
               <a:rPr lang="hr-HR" dirty="0" err="1"/>
-              <a:t>Scrum</a:t>
-            </a:r>
-            <a:r>
-              <a:rPr lang="hr-HR" dirty="0"/>
-              <a:t> </a:t>
-            </a:r>
-            <a:r>
-              <a:rPr lang="hr-HR" dirty="0" err="1"/>
-              <a:t>sprints</a:t>
-            </a:r>
-            <a:r>
-              <a:rPr lang="hr-HR" dirty="0"/>
-              <a:t>.</a:t>
-            </a:r>
-          </a:p>
-          <a:p>
-            <a:pPr>
-              <a:buFont typeface="Arial" panose="020B0604020202020204" pitchFamily="34" charset="0"/>
-              <a:buChar char="•"/>
-            </a:pPr>
-            <a:r>
-              <a:rPr lang="hr-HR" dirty="0" err="1"/>
-              <a:t>Discuss</a:t>
-            </a:r>
-            <a:r>
-              <a:rPr lang="hr-HR" dirty="0"/>
-              <a:t> </a:t>
-            </a:r>
-            <a:r>
-              <a:rPr lang="hr-HR" dirty="0" err="1"/>
-              <a:t>the</a:t>
-            </a:r>
-            <a:r>
-              <a:rPr lang="hr-HR" dirty="0"/>
-              <a:t> </a:t>
-            </a:r>
-            <a:r>
-              <a:rPr lang="hr-HR" dirty="0" err="1"/>
-              <a:t>Hybrid</a:t>
-            </a:r>
-            <a:r>
-              <a:rPr lang="hr-HR" dirty="0"/>
-              <a:t> model—how some </a:t>
-            </a:r>
-            <a:r>
-              <a:rPr lang="hr-HR" dirty="0" err="1"/>
-              <a:t>teams</a:t>
-            </a:r>
-            <a:r>
-              <a:rPr lang="hr-HR" dirty="0"/>
-              <a:t> use </a:t>
-            </a:r>
-            <a:r>
-              <a:rPr lang="hr-HR" dirty="0" err="1"/>
-              <a:t>fixed‑scope</a:t>
-            </a:r>
-            <a:r>
-              <a:rPr lang="hr-HR" dirty="0"/>
-              <a:t> </a:t>
-            </a:r>
-            <a:r>
-              <a:rPr lang="hr-HR" dirty="0" err="1"/>
-              <a:t>backend</a:t>
-            </a:r>
-            <a:r>
-              <a:rPr lang="hr-HR" dirty="0"/>
-              <a:t> </a:t>
-            </a:r>
-            <a:r>
-              <a:rPr lang="hr-HR" dirty="0" err="1"/>
-              <a:t>cycles</a:t>
-            </a:r>
-            <a:r>
-              <a:rPr lang="hr-HR" dirty="0"/>
-              <a:t> </a:t>
-            </a:r>
-            <a:r>
-              <a:rPr lang="hr-HR" dirty="0" err="1"/>
-              <a:t>and</a:t>
-            </a:r>
-            <a:r>
-              <a:rPr lang="hr-HR" dirty="0"/>
-              <a:t> </a:t>
-            </a:r>
-            <a:r>
-              <a:rPr lang="hr-HR" dirty="0" err="1"/>
-              <a:t>iterative</a:t>
-            </a:r>
-            <a:r>
-              <a:rPr lang="hr-HR" dirty="0"/>
-              <a:t> </a:t>
-            </a:r>
-            <a:r>
-              <a:rPr lang="hr-HR" dirty="0" err="1"/>
-              <a:t>frontend</a:t>
-            </a:r>
-            <a:r>
-              <a:rPr lang="hr-HR" dirty="0"/>
-              <a:t> </a:t>
-            </a:r>
-            <a:r>
-              <a:rPr lang="hr-HR" dirty="0" err="1"/>
-              <a:t>sprints</a:t>
+              <a:t>policies</a:t>
             </a:r>
             <a:r>
               <a:rPr lang="hr-HR" dirty="0"/>
@@ -2744,220 +3561,94 @@
               <a:buChar char="•"/>
             </a:pPr>
             <a:r>
+              <a:rPr lang="hr-HR" dirty="0"/>
+              <a:t>AWS </a:t>
+            </a:r>
+            <a:r>
+              <a:rPr lang="hr-HR" dirty="0" err="1"/>
+              <a:t>Elastic</a:t>
+            </a:r>
+            <a:r>
+              <a:rPr lang="hr-HR" dirty="0"/>
+              <a:t> </a:t>
+            </a:r>
+            <a:r>
+              <a:rPr lang="hr-HR" dirty="0" err="1"/>
+              <a:t>Beanstalk</a:t>
+            </a:r>
+            <a:r>
+              <a:rPr lang="hr-HR" dirty="0"/>
+              <a:t> </a:t>
+            </a:r>
+            <a:r>
+              <a:rPr lang="hr-HR" dirty="0" err="1"/>
+              <a:t>documentation</a:t>
+            </a:r>
+            <a:r>
+              <a:rPr lang="hr-HR" dirty="0"/>
+              <a:t> (docs.aws.amazon.com/</a:t>
+            </a:r>
+            <a:r>
+              <a:rPr lang="hr-HR" dirty="0" err="1"/>
+              <a:t>elasticbeanstalk</a:t>
+            </a:r>
+            <a:r>
+              <a:rPr lang="hr-HR" dirty="0"/>
+              <a:t>)</a:t>
+            </a:r>
+          </a:p>
+          <a:p>
+            <a:pPr>
+              <a:buFont typeface="Arial" panose="020B0604020202020204" pitchFamily="34" charset="0"/>
+              <a:buChar char="•"/>
+            </a:pPr>
+            <a:r>
+              <a:rPr lang="hr-HR" dirty="0"/>
+              <a:t>“</a:t>
+            </a:r>
+            <a:r>
               <a:rPr lang="hr-HR" dirty="0" err="1"/>
               <a:t>The</a:t>
             </a:r>
             <a:r>
               <a:rPr lang="hr-HR" dirty="0"/>
-              <a:t> Scrum.org </a:t>
-            </a:r>
-            <a:r>
-              <a:rPr lang="hr-HR" b="1" dirty="0" err="1"/>
-              <a:t>Scrum</a:t>
-            </a:r>
-            <a:r>
-              <a:rPr lang="hr-HR" b="1" dirty="0"/>
               <a:t> </a:t>
             </a:r>
             <a:r>
-              <a:rPr lang="hr-HR" b="1" dirty="0" err="1"/>
-              <a:t>Guide</a:t>
-            </a:r>
-            <a:r>
-              <a:rPr lang="hr-HR" dirty="0"/>
-              <a:t> </a:t>
-            </a:r>
-            <a:r>
-              <a:rPr lang="hr-HR" dirty="0" err="1"/>
-              <a:t>by</a:t>
-            </a:r>
-            <a:r>
-              <a:rPr lang="hr-HR" dirty="0"/>
-              <a:t> Ken </a:t>
-            </a:r>
-            <a:r>
-              <a:rPr lang="hr-HR" dirty="0" err="1"/>
-              <a:t>Schwaber</a:t>
-            </a:r>
-            <a:r>
-              <a:rPr lang="hr-HR" dirty="0"/>
-              <a:t> &amp; Jeff </a:t>
-            </a:r>
-            <a:r>
-              <a:rPr lang="hr-HR" dirty="0" err="1"/>
-              <a:t>Sutherland</a:t>
-            </a:r>
+              <a:rPr lang="hr-HR" dirty="0" err="1"/>
+              <a:t>Twelve-Factor</a:t>
+            </a:r>
+            <a:r>
+              <a:rPr lang="hr-HR" dirty="0"/>
+              <a:t> App” </a:t>
+            </a:r>
+            <a:r>
+              <a:rPr lang="hr-HR" dirty="0" err="1"/>
+              <a:t>section</a:t>
+            </a:r>
+            <a:r>
+              <a:rPr lang="hr-HR" dirty="0"/>
+              <a:t> on </a:t>
+            </a:r>
+            <a:r>
+              <a:rPr lang="hr-HR" dirty="0" err="1"/>
+              <a:t>deployment</a:t>
+            </a:r>
+            <a:r>
+              <a:rPr lang="hr-HR" dirty="0"/>
+              <a:t> (twelvefactor.net/</a:t>
+            </a:r>
+            <a:r>
+              <a:rPr lang="hr-HR" dirty="0" err="1"/>
+              <a:t>dev‑prod‑parity</a:t>
+            </a:r>
+            <a:r>
+              <a:rPr lang="hr-HR" dirty="0"/>
+              <a:t>)</a:t>
+            </a:r>
+          </a:p>
+          <a:p>
             <a:endParaRPr lang="hr-HR" dirty="0"/>
-          </a:p>
-          <a:p>
-            <a:pPr>
-              <a:buFont typeface="Arial" panose="020B0604020202020204" pitchFamily="34" charset="0"/>
-              <a:buChar char="•"/>
-            </a:pPr>
-            <a:r>
-              <a:rPr lang="hr-HR" dirty="0" err="1"/>
-              <a:t>Atlassian’s</a:t>
-            </a:r>
-            <a:r>
-              <a:rPr lang="hr-HR" dirty="0"/>
-              <a:t> “</a:t>
-            </a:r>
-            <a:r>
-              <a:rPr lang="hr-HR" dirty="0" err="1"/>
-              <a:t>Waterfall</a:t>
-            </a:r>
-            <a:r>
-              <a:rPr lang="hr-HR" dirty="0"/>
-              <a:t> vs. </a:t>
-            </a:r>
-            <a:r>
-              <a:rPr lang="hr-HR" dirty="0" err="1"/>
-              <a:t>Agile</a:t>
-            </a:r>
-            <a:r>
-              <a:rPr lang="hr-HR" dirty="0"/>
-              <a:t> vs. </a:t>
-            </a:r>
-            <a:r>
-              <a:rPr lang="hr-HR" dirty="0" err="1"/>
-              <a:t>Scrum</a:t>
-            </a:r>
-            <a:r>
-              <a:rPr lang="hr-HR" dirty="0"/>
-              <a:t>” </a:t>
-            </a:r>
-            <a:r>
-              <a:rPr lang="hr-HR" dirty="0" err="1"/>
-              <a:t>comparison</a:t>
-            </a:r>
-            <a:endParaRPr lang="hr-HR" dirty="0"/>
-          </a:p>
-          <a:p>
-            <a:pPr>
-              <a:buNone/>
-            </a:pPr>
-            <a:r>
-              <a:rPr lang="hr-HR" b="1" dirty="0" err="1"/>
-              <a:t>Additional</a:t>
-            </a:r>
-            <a:r>
-              <a:rPr lang="hr-HR" b="1" dirty="0"/>
-              <a:t> </a:t>
-            </a:r>
-            <a:r>
-              <a:rPr lang="hr-HR" b="1" dirty="0" err="1"/>
-              <a:t>Reading</a:t>
-            </a:r>
-            <a:r>
-              <a:rPr lang="hr-HR" b="1" dirty="0"/>
-              <a:t>:</a:t>
-            </a:r>
-            <a:endParaRPr lang="hr-HR" dirty="0"/>
-          </a:p>
-          <a:p>
-            <a:pPr>
-              <a:buFont typeface="Arial" panose="020B0604020202020204" pitchFamily="34" charset="0"/>
-              <a:buChar char="•"/>
-            </a:pPr>
-            <a:r>
-              <a:rPr lang="hr-HR" i="1" dirty="0" err="1"/>
-              <a:t>Agile</a:t>
-            </a:r>
-            <a:r>
-              <a:rPr lang="hr-HR" i="1" dirty="0"/>
-              <a:t> Software Development </a:t>
-            </a:r>
-            <a:r>
-              <a:rPr lang="hr-HR" i="1" dirty="0" err="1"/>
-              <a:t>with</a:t>
-            </a:r>
-            <a:r>
-              <a:rPr lang="hr-HR" i="1" dirty="0"/>
-              <a:t> </a:t>
-            </a:r>
-            <a:r>
-              <a:rPr lang="hr-HR" i="1" dirty="0" err="1"/>
-              <a:t>Scrum</a:t>
-            </a:r>
-            <a:r>
-              <a:rPr lang="hr-HR" dirty="0"/>
-              <a:t> </a:t>
-            </a:r>
-            <a:r>
-              <a:rPr lang="hr-HR" dirty="0" err="1"/>
-              <a:t>by</a:t>
-            </a:r>
-            <a:r>
-              <a:rPr lang="hr-HR" dirty="0"/>
-              <a:t> Ken </a:t>
-            </a:r>
-            <a:r>
-              <a:rPr lang="hr-HR" dirty="0" err="1"/>
-              <a:t>Schwaber</a:t>
-            </a:r>
-            <a:r>
-              <a:rPr lang="hr-HR" dirty="0"/>
-              <a:t> </a:t>
-            </a:r>
-            <a:r>
-              <a:rPr lang="hr-HR" dirty="0" err="1"/>
-              <a:t>and</a:t>
-            </a:r>
-            <a:r>
-              <a:rPr lang="hr-HR" dirty="0"/>
-              <a:t> Mike </a:t>
-            </a:r>
-            <a:r>
-              <a:rPr lang="hr-HR" dirty="0" err="1"/>
-              <a:t>Beedle</a:t>
-            </a:r>
-            <a:endParaRPr lang="hr-HR" dirty="0"/>
-          </a:p>
-          <a:p>
-            <a:pPr>
-              <a:buFont typeface="Arial" panose="020B0604020202020204" pitchFamily="34" charset="0"/>
-              <a:buChar char="•"/>
-            </a:pPr>
-            <a:r>
-              <a:rPr lang="hr-HR" i="1" dirty="0" err="1"/>
-              <a:t>Succeeding</a:t>
-            </a:r>
-            <a:r>
-              <a:rPr lang="hr-HR" i="1" dirty="0"/>
-              <a:t> </a:t>
-            </a:r>
-            <a:r>
-              <a:rPr lang="hr-HR" i="1" dirty="0" err="1"/>
-              <a:t>with</a:t>
-            </a:r>
-            <a:r>
-              <a:rPr lang="hr-HR" i="1" dirty="0"/>
-              <a:t> </a:t>
-            </a:r>
-            <a:r>
-              <a:rPr lang="hr-HR" i="1" dirty="0" err="1"/>
-              <a:t>Agile</a:t>
-            </a:r>
-            <a:r>
-              <a:rPr lang="hr-HR" dirty="0"/>
-              <a:t> </a:t>
-            </a:r>
-            <a:r>
-              <a:rPr lang="hr-HR" dirty="0" err="1"/>
-              <a:t>by</a:t>
-            </a:r>
-            <a:r>
-              <a:rPr lang="hr-HR" dirty="0"/>
-              <a:t> Mike </a:t>
-            </a:r>
-            <a:r>
-              <a:rPr lang="hr-HR" dirty="0" err="1"/>
-              <a:t>Cohn</a:t>
-            </a:r>
-            <a:endParaRPr lang="hr-HR"/>
-          </a:p>
-          <a:p>
-            <a:endParaRPr lang="hr-HR"/>
           </a:p>
         </p:txBody>
       </p:sp>
@@ -2978,7 +3669,7 @@
           <a:p>
             <a:fld id="{90A064B2-EFF6-4760-BE09-0DEDA56827BE}" type="slidenum">
               <a:rPr lang="hr-HR" smtClean="0"/>
-              <a:t>10</a:t>
+              <a:t>11</a:t>
             </a:fld>
             <a:endParaRPr lang="hr-HR"/>
           </a:p>
@@ -2987,7 +3678,7 @@
     </p:spTree>
     <p:extLst>
       <p:ext uri="{BB962C8B-B14F-4D97-AF65-F5344CB8AC3E}">
-        <p14:creationId xmlns:p14="http://schemas.microsoft.com/office/powerpoint/2010/main" val="4221856933"/>
+        <p14:creationId xmlns:p14="http://schemas.microsoft.com/office/powerpoint/2010/main" val="2938183595"/>
       </p:ext>
     </p:extLst>
   </p:cSld>
@@ -5220,7 +5911,7 @@
           <a:p>
             <a:fld id="{6963B997-549E-41F4-A1E4-B0CF42B49EF1}" type="datetimeFigureOut">
               <a:rPr lang="hr-HR" smtClean="0"/>
-              <a:t>17.4.2025.</a:t>
+              <a:t>19.5.2025.</a:t>
             </a:fld>
             <a:endParaRPr lang="hr-HR"/>
           </a:p>
@@ -5664,7 +6355,9 @@
           <a:lstStyle/>
           <a:p>
             <a:r>
-              <a:rPr lang="hr-HR" dirty="0"/>
+              <a:rPr lang="hr-HR" dirty="0">
+                <a:latin typeface="Bahnschrift SemiLight" panose="020B0502040204020203" pitchFamily="34" charset="0"/>
+              </a:rPr>
               <a:t>SOFTWARE DEVELOPMENT LIFE CYCLE</a:t>
             </a:r>
           </a:p>
@@ -5692,18 +6385,26 @@
           <a:lstStyle/>
           <a:p>
             <a:r>
-              <a:rPr lang="hr-HR" dirty="0"/>
+              <a:rPr lang="hr-HR" dirty="0">
+                <a:latin typeface="Bahnschrift SemiLight" panose="020B0502040204020203" pitchFamily="34" charset="0"/>
+              </a:rPr>
               <a:t>SDLC </a:t>
             </a:r>
             <a:r>
-              <a:rPr lang="hr-HR" dirty="0" err="1"/>
+              <a:rPr lang="hr-HR" dirty="0" err="1">
+                <a:latin typeface="Bahnschrift SemiLight" panose="020B0502040204020203" pitchFamily="34" charset="0"/>
+              </a:rPr>
               <a:t>in</a:t>
             </a:r>
             <a:r>
-              <a:rPr lang="hr-HR" dirty="0"/>
+              <a:rPr lang="hr-HR" dirty="0">
+                <a:latin typeface="Bahnschrift SemiLight" panose="020B0502040204020203" pitchFamily="34" charset="0"/>
+              </a:rPr>
               <a:t> Project Management</a:t>
             </a:r>
-            <a:endParaRPr lang="en-US" dirty="0"/>
+            <a:endParaRPr lang="en-US" dirty="0">
+              <a:latin typeface="Bahnschrift SemiLight" panose="020B0502040204020203" pitchFamily="34" charset="0"/>
+            </a:endParaRPr>
           </a:p>
         </p:txBody>
       </p:sp>
@@ -5721,6 +6422,1341 @@
 </file>
 
 <file path=ppt/slides/slide10.xml><?xml version="1.0" encoding="utf-8"?>
+<p:sld xmlns:a="http://schemas.openxmlformats.org/drawingml/2006/main" xmlns:r="http://schemas.openxmlformats.org/officeDocument/2006/relationships" xmlns:p="http://schemas.openxmlformats.org/presentationml/2006/main">
+  <p:cSld>
+    <p:spTree>
+      <p:nvGrpSpPr>
+        <p:cNvPr id="1" name="">
+          <a:extLst>
+            <a:ext uri="{FF2B5EF4-FFF2-40B4-BE49-F238E27FC236}">
+              <a16:creationId xmlns:a16="http://schemas.microsoft.com/office/drawing/2014/main" id="{AB73A378-C4BB-BEAD-FD0E-B04F8A6E9048}"/>
+            </a:ext>
+          </a:extLst>
+        </p:cNvPr>
+        <p:cNvGrpSpPr/>
+        <p:nvPr/>
+      </p:nvGrpSpPr>
+      <p:grpSpPr>
+        <a:xfrm>
+          <a:off x="0" y="0"/>
+          <a:ext cx="0" cy="0"/>
+          <a:chOff x="0" y="0"/>
+          <a:chExt cx="0" cy="0"/>
+        </a:xfrm>
+      </p:grpSpPr>
+      <p:sp>
+        <p:nvSpPr>
+          <p:cNvPr id="3" name="Title 2">
+            <a:extLst>
+              <a:ext uri="{FF2B5EF4-FFF2-40B4-BE49-F238E27FC236}">
+                <a16:creationId xmlns:a16="http://schemas.microsoft.com/office/drawing/2014/main" id="{5A04C6D2-2899-8080-5F48-7E6EFABAF635}"/>
+              </a:ext>
+            </a:extLst>
+          </p:cNvPr>
+          <p:cNvSpPr>
+            <a:spLocks noGrp="1"/>
+          </p:cNvSpPr>
+          <p:nvPr>
+            <p:ph type="title"/>
+          </p:nvPr>
+        </p:nvSpPr>
+        <p:spPr/>
+        <p:txBody>
+          <a:bodyPr/>
+          <a:lstStyle/>
+          <a:p>
+            <a:r>
+              <a:rPr lang="en-US" dirty="0"/>
+              <a:t>SDLC – PHASES</a:t>
+            </a:r>
+            <a:endParaRPr lang="hr-HR" dirty="0"/>
+          </a:p>
+        </p:txBody>
+      </p:sp>
+      <p:sp>
+        <p:nvSpPr>
+          <p:cNvPr id="5" name="Content Placeholder 2">
+            <a:extLst>
+              <a:ext uri="{FF2B5EF4-FFF2-40B4-BE49-F238E27FC236}">
+                <a16:creationId xmlns:a16="http://schemas.microsoft.com/office/drawing/2014/main" id="{41DE0CAE-ADE9-D8B7-CA6E-3CD90A168CCB}"/>
+              </a:ext>
+            </a:extLst>
+          </p:cNvPr>
+          <p:cNvSpPr txBox="1">
+            <a:spLocks/>
+          </p:cNvSpPr>
+          <p:nvPr/>
+        </p:nvSpPr>
+        <p:spPr>
+          <a:xfrm>
+            <a:off x="946946" y="2241551"/>
+            <a:ext cx="10457654" cy="4448174"/>
+          </a:xfrm>
+          <a:prstGeom prst="rect">
+            <a:avLst/>
+          </a:prstGeom>
+        </p:spPr>
+        <p:txBody>
+          <a:bodyPr vert="horz" lIns="91440" tIns="45720" rIns="91440" bIns="45720" rtlCol="0">
+            <a:normAutofit lnSpcReduction="10000"/>
+          </a:bodyPr>
+          <a:lstStyle>
+            <a:lvl1pPr marL="368300" indent="-352425" algn="l" defTabSz="914400" rtl="0" eaLnBrk="1" latinLnBrk="0" hangingPunct="1">
+              <a:lnSpc>
+                <a:spcPct val="90000"/>
+              </a:lnSpc>
+              <a:spcBef>
+                <a:spcPts val="600"/>
+              </a:spcBef>
+              <a:spcAft>
+                <a:spcPts val="600"/>
+              </a:spcAft>
+              <a:buClr>
+                <a:schemeClr val="accent2"/>
+              </a:buClr>
+              <a:buFont typeface="Wingdings" pitchFamily="2" charset="2"/>
+              <a:buChar char="§"/>
+              <a:tabLst/>
+              <a:defRPr sz="2400" kern="1200">
+                <a:solidFill>
+                  <a:schemeClr val="tx1"/>
+                </a:solidFill>
+                <a:latin typeface="+mn-lt"/>
+                <a:ea typeface="Open Sans" panose="020B0606030504020204" pitchFamily="34" charset="0"/>
+                <a:cs typeface="Open Sans" panose="020B0606030504020204" pitchFamily="34" charset="0"/>
+              </a:defRPr>
+            </a:lvl1pPr>
+            <a:lvl2pPr marL="771525" indent="-274638" algn="l" defTabSz="914400" rtl="0" eaLnBrk="1" latinLnBrk="0" hangingPunct="1">
+              <a:lnSpc>
+                <a:spcPct val="90000"/>
+              </a:lnSpc>
+              <a:spcBef>
+                <a:spcPts val="600"/>
+              </a:spcBef>
+              <a:spcAft>
+                <a:spcPts val="600"/>
+              </a:spcAft>
+              <a:buClr>
+                <a:schemeClr val="accent2"/>
+              </a:buClr>
+              <a:buFont typeface="Wingdings" pitchFamily="2" charset="2"/>
+              <a:buChar char="§"/>
+              <a:tabLst/>
+              <a:defRPr sz="2200" kern="1200">
+                <a:solidFill>
+                  <a:schemeClr val="tx1"/>
+                </a:solidFill>
+                <a:latin typeface="+mn-lt"/>
+                <a:ea typeface="Open Sans" panose="020B0606030504020204" pitchFamily="34" charset="0"/>
+                <a:cs typeface="Open Sans" panose="020B0606030504020204" pitchFamily="34" charset="0"/>
+              </a:defRPr>
+            </a:lvl2pPr>
+            <a:lvl3pPr marL="1143000" indent="-228600" algn="l" defTabSz="914400" rtl="0" eaLnBrk="1" latinLnBrk="0" hangingPunct="1">
+              <a:lnSpc>
+                <a:spcPct val="90000"/>
+              </a:lnSpc>
+              <a:spcBef>
+                <a:spcPts val="600"/>
+              </a:spcBef>
+              <a:spcAft>
+                <a:spcPts val="600"/>
+              </a:spcAft>
+              <a:buClr>
+                <a:schemeClr val="accent2"/>
+              </a:buClr>
+              <a:buFont typeface="Wingdings" pitchFamily="2" charset="2"/>
+              <a:buChar char="§"/>
+              <a:defRPr sz="2000" kern="1200">
+                <a:solidFill>
+                  <a:schemeClr val="tx1"/>
+                </a:solidFill>
+                <a:latin typeface="+mn-lt"/>
+                <a:ea typeface="Open Sans" panose="020B0606030504020204" pitchFamily="34" charset="0"/>
+                <a:cs typeface="Open Sans" panose="020B0606030504020204" pitchFamily="34" charset="0"/>
+              </a:defRPr>
+            </a:lvl3pPr>
+            <a:lvl4pPr marL="1600200" indent="-228600" algn="l" defTabSz="914400" rtl="0" eaLnBrk="1" latinLnBrk="0" hangingPunct="1">
+              <a:lnSpc>
+                <a:spcPct val="90000"/>
+              </a:lnSpc>
+              <a:spcBef>
+                <a:spcPts val="600"/>
+              </a:spcBef>
+              <a:spcAft>
+                <a:spcPts val="600"/>
+              </a:spcAft>
+              <a:buClr>
+                <a:schemeClr val="accent2"/>
+              </a:buClr>
+              <a:buFont typeface="Wingdings" pitchFamily="2" charset="2"/>
+              <a:buChar char="§"/>
+              <a:defRPr sz="1800" kern="1200">
+                <a:solidFill>
+                  <a:schemeClr val="tx1"/>
+                </a:solidFill>
+                <a:latin typeface="+mn-lt"/>
+                <a:ea typeface="Open Sans" panose="020B0606030504020204" pitchFamily="34" charset="0"/>
+                <a:cs typeface="Open Sans" panose="020B0606030504020204" pitchFamily="34" charset="0"/>
+              </a:defRPr>
+            </a:lvl4pPr>
+            <a:lvl5pPr marL="1960563" indent="-225425" algn="l" defTabSz="914400" rtl="0" eaLnBrk="1" latinLnBrk="0" hangingPunct="1">
+              <a:lnSpc>
+                <a:spcPct val="90000"/>
+              </a:lnSpc>
+              <a:spcBef>
+                <a:spcPts val="600"/>
+              </a:spcBef>
+              <a:spcAft>
+                <a:spcPts val="600"/>
+              </a:spcAft>
+              <a:buClr>
+                <a:schemeClr val="accent2"/>
+              </a:buClr>
+              <a:buFont typeface="Wingdings" pitchFamily="2" charset="2"/>
+              <a:buChar char="§"/>
+              <a:tabLst/>
+              <a:defRPr sz="1600" kern="1200">
+                <a:solidFill>
+                  <a:schemeClr val="tx1"/>
+                </a:solidFill>
+                <a:latin typeface="+mn-lt"/>
+                <a:ea typeface="Open Sans" panose="020B0606030504020204" pitchFamily="34" charset="0"/>
+                <a:cs typeface="Open Sans" panose="020B0606030504020204" pitchFamily="34" charset="0"/>
+              </a:defRPr>
+            </a:lvl5pPr>
+            <a:lvl6pPr marL="2514600" indent="-228600" algn="l" defTabSz="914400" rtl="0" eaLnBrk="1" latinLnBrk="0" hangingPunct="1">
+              <a:lnSpc>
+                <a:spcPct val="90000"/>
+              </a:lnSpc>
+              <a:spcBef>
+                <a:spcPts val="500"/>
+              </a:spcBef>
+              <a:buFont typeface="Arial" panose="020B0604020202020204" pitchFamily="34" charset="0"/>
+              <a:buChar char="•"/>
+              <a:defRPr sz="1800" kern="1200">
+                <a:solidFill>
+                  <a:schemeClr val="tx1"/>
+                </a:solidFill>
+                <a:latin typeface="+mn-lt"/>
+                <a:ea typeface="+mn-ea"/>
+                <a:cs typeface="+mn-cs"/>
+              </a:defRPr>
+            </a:lvl6pPr>
+            <a:lvl7pPr marL="2971800" indent="-228600" algn="l" defTabSz="914400" rtl="0" eaLnBrk="1" latinLnBrk="0" hangingPunct="1">
+              <a:lnSpc>
+                <a:spcPct val="90000"/>
+              </a:lnSpc>
+              <a:spcBef>
+                <a:spcPts val="500"/>
+              </a:spcBef>
+              <a:buFont typeface="Arial" panose="020B0604020202020204" pitchFamily="34" charset="0"/>
+              <a:buChar char="•"/>
+              <a:defRPr sz="1800" kern="1200">
+                <a:solidFill>
+                  <a:schemeClr val="tx1"/>
+                </a:solidFill>
+                <a:latin typeface="+mn-lt"/>
+                <a:ea typeface="+mn-ea"/>
+                <a:cs typeface="+mn-cs"/>
+              </a:defRPr>
+            </a:lvl7pPr>
+            <a:lvl8pPr marL="3429000" indent="-228600" algn="l" defTabSz="914400" rtl="0" eaLnBrk="1" latinLnBrk="0" hangingPunct="1">
+              <a:lnSpc>
+                <a:spcPct val="90000"/>
+              </a:lnSpc>
+              <a:spcBef>
+                <a:spcPts val="500"/>
+              </a:spcBef>
+              <a:buFont typeface="Arial" panose="020B0604020202020204" pitchFamily="34" charset="0"/>
+              <a:buChar char="•"/>
+              <a:defRPr sz="1800" kern="1200">
+                <a:solidFill>
+                  <a:schemeClr val="tx1"/>
+                </a:solidFill>
+                <a:latin typeface="+mn-lt"/>
+                <a:ea typeface="+mn-ea"/>
+                <a:cs typeface="+mn-cs"/>
+              </a:defRPr>
+            </a:lvl8pPr>
+            <a:lvl9pPr marL="3886200" indent="-228600" algn="l" defTabSz="914400" rtl="0" eaLnBrk="1" latinLnBrk="0" hangingPunct="1">
+              <a:lnSpc>
+                <a:spcPct val="90000"/>
+              </a:lnSpc>
+              <a:spcBef>
+                <a:spcPts val="500"/>
+              </a:spcBef>
+              <a:buFont typeface="Arial" panose="020B0604020202020204" pitchFamily="34" charset="0"/>
+              <a:buChar char="•"/>
+              <a:defRPr sz="1800" kern="1200">
+                <a:solidFill>
+                  <a:schemeClr val="tx1"/>
+                </a:solidFill>
+                <a:latin typeface="+mn-lt"/>
+                <a:ea typeface="+mn-ea"/>
+                <a:cs typeface="+mn-cs"/>
+              </a:defRPr>
+            </a:lvl9pPr>
+          </a:lstStyle>
+          <a:p>
+            <a:pPr>
+              <a:buNone/>
+            </a:pPr>
+            <a:r>
+              <a:rPr lang="en-US" b="1" dirty="0">
+                <a:latin typeface="Bahnschrift SemiLight" panose="020B0502040204020203" pitchFamily="34" charset="0"/>
+              </a:rPr>
+              <a:t>Testing</a:t>
+            </a:r>
+          </a:p>
+          <a:p>
+            <a:pPr>
+              <a:buNone/>
+            </a:pPr>
+            <a:r>
+              <a:rPr lang="en-US" b="1" dirty="0">
+                <a:latin typeface="Bahnschrift SemiLight" panose="020B0502040204020203" pitchFamily="34" charset="0"/>
+              </a:rPr>
+              <a:t>Ensure that the system works as expected through rigorous testing.</a:t>
+            </a:r>
+          </a:p>
+          <a:p>
+            <a:pPr>
+              <a:buNone/>
+            </a:pPr>
+            <a:endParaRPr lang="en-US" dirty="0">
+              <a:latin typeface="Bahnschrift SemiLight" panose="020B0502040204020203" pitchFamily="34" charset="0"/>
+            </a:endParaRPr>
+          </a:p>
+          <a:p>
+            <a:pPr>
+              <a:buFont typeface="Arial" panose="020B0604020202020204" pitchFamily="34" charset="0"/>
+              <a:buChar char="•"/>
+            </a:pPr>
+            <a:r>
+              <a:rPr lang="en-US" b="1" dirty="0">
+                <a:latin typeface="Bahnschrift SemiLight" panose="020B0502040204020203" pitchFamily="34" charset="0"/>
+              </a:rPr>
+              <a:t>Unit Testing:</a:t>
+            </a:r>
+            <a:r>
+              <a:rPr lang="en-US" dirty="0">
+                <a:latin typeface="Bahnschrift SemiLight" panose="020B0502040204020203" pitchFamily="34" charset="0"/>
+              </a:rPr>
+              <a:t> Test individual modules (chat, login).</a:t>
+            </a:r>
+          </a:p>
+          <a:p>
+            <a:pPr>
+              <a:buFont typeface="Arial" panose="020B0604020202020204" pitchFamily="34" charset="0"/>
+              <a:buChar char="•"/>
+            </a:pPr>
+            <a:r>
+              <a:rPr lang="en-US" b="1" dirty="0">
+                <a:latin typeface="Bahnschrift SemiLight" panose="020B0502040204020203" pitchFamily="34" charset="0"/>
+              </a:rPr>
+              <a:t>Integration Testing:</a:t>
+            </a:r>
+            <a:r>
+              <a:rPr lang="en-US" dirty="0">
+                <a:latin typeface="Bahnschrift SemiLight" panose="020B0502040204020203" pitchFamily="34" charset="0"/>
+              </a:rPr>
+              <a:t> Test API connections between front-end and back-end.</a:t>
+            </a:r>
+          </a:p>
+          <a:p>
+            <a:pPr>
+              <a:buFont typeface="Arial" panose="020B0604020202020204" pitchFamily="34" charset="0"/>
+              <a:buChar char="•"/>
+            </a:pPr>
+            <a:r>
+              <a:rPr lang="en-US" b="1" dirty="0">
+                <a:latin typeface="Bahnschrift SemiLight" panose="020B0502040204020203" pitchFamily="34" charset="0"/>
+              </a:rPr>
+              <a:t>Performance Testing:</a:t>
+            </a:r>
+            <a:r>
+              <a:rPr lang="en-US" dirty="0">
+                <a:latin typeface="Bahnschrift SemiLight" panose="020B0502040204020203" pitchFamily="34" charset="0"/>
+              </a:rPr>
+              <a:t> Ensure platform can handle 100,000+ concurrent users.</a:t>
+            </a:r>
+          </a:p>
+          <a:p>
+            <a:pPr>
+              <a:buFont typeface="Arial" panose="020B0604020202020204" pitchFamily="34" charset="0"/>
+              <a:buChar char="•"/>
+            </a:pPr>
+            <a:r>
+              <a:rPr lang="en-US" b="1" dirty="0">
+                <a:latin typeface="Bahnschrift SemiLight" panose="020B0502040204020203" pitchFamily="34" charset="0"/>
+              </a:rPr>
+              <a:t>Security Testing:</a:t>
+            </a:r>
+            <a:r>
+              <a:rPr lang="en-US" dirty="0">
+                <a:latin typeface="Bahnschrift SemiLight" panose="020B0502040204020203" pitchFamily="34" charset="0"/>
+              </a:rPr>
+              <a:t> Test for SQL injection, CSRF, and XSS vulnerabilities.</a:t>
+            </a:r>
+          </a:p>
+          <a:p>
+            <a:pPr>
+              <a:buFont typeface="Arial" panose="020B0604020202020204" pitchFamily="34" charset="0"/>
+              <a:buChar char="•"/>
+            </a:pPr>
+            <a:r>
+              <a:rPr lang="en-US" b="1" dirty="0">
+                <a:latin typeface="Bahnschrift SemiLight" panose="020B0502040204020203" pitchFamily="34" charset="0"/>
+              </a:rPr>
+              <a:t>User Acceptance Testing (UAT):</a:t>
+            </a:r>
+            <a:r>
+              <a:rPr lang="en-US" dirty="0">
+                <a:latin typeface="Bahnschrift SemiLight" panose="020B0502040204020203" pitchFamily="34" charset="0"/>
+              </a:rPr>
+              <a:t> Gather teacher and student feedback.</a:t>
+            </a:r>
+          </a:p>
+        </p:txBody>
+      </p:sp>
+    </p:spTree>
+    <p:extLst>
+      <p:ext uri="{BB962C8B-B14F-4D97-AF65-F5344CB8AC3E}">
+        <p14:creationId xmlns:p14="http://schemas.microsoft.com/office/powerpoint/2010/main" val="1604863949"/>
+      </p:ext>
+    </p:extLst>
+  </p:cSld>
+  <p:clrMapOvr>
+    <a:masterClrMapping/>
+  </p:clrMapOvr>
+</p:sld>
+</file>
+
+<file path=ppt/slides/slide11.xml><?xml version="1.0" encoding="utf-8"?>
+<p:sld xmlns:a="http://schemas.openxmlformats.org/drawingml/2006/main" xmlns:r="http://schemas.openxmlformats.org/officeDocument/2006/relationships" xmlns:p="http://schemas.openxmlformats.org/presentationml/2006/main">
+  <p:cSld>
+    <p:spTree>
+      <p:nvGrpSpPr>
+        <p:cNvPr id="1" name="">
+          <a:extLst>
+            <a:ext uri="{FF2B5EF4-FFF2-40B4-BE49-F238E27FC236}">
+              <a16:creationId xmlns:a16="http://schemas.microsoft.com/office/drawing/2014/main" id="{61C7238E-D07E-4D76-84A4-E59DCE01499A}"/>
+            </a:ext>
+          </a:extLst>
+        </p:cNvPr>
+        <p:cNvGrpSpPr/>
+        <p:nvPr/>
+      </p:nvGrpSpPr>
+      <p:grpSpPr>
+        <a:xfrm>
+          <a:off x="0" y="0"/>
+          <a:ext cx="0" cy="0"/>
+          <a:chOff x="0" y="0"/>
+          <a:chExt cx="0" cy="0"/>
+        </a:xfrm>
+      </p:grpSpPr>
+      <p:sp>
+        <p:nvSpPr>
+          <p:cNvPr id="3" name="Title 2">
+            <a:extLst>
+              <a:ext uri="{FF2B5EF4-FFF2-40B4-BE49-F238E27FC236}">
+                <a16:creationId xmlns:a16="http://schemas.microsoft.com/office/drawing/2014/main" id="{ADF74856-710E-3220-F0D3-2C4FCD7A4786}"/>
+              </a:ext>
+            </a:extLst>
+          </p:cNvPr>
+          <p:cNvSpPr>
+            <a:spLocks noGrp="1"/>
+          </p:cNvSpPr>
+          <p:nvPr>
+            <p:ph type="title"/>
+          </p:nvPr>
+        </p:nvSpPr>
+        <p:spPr/>
+        <p:txBody>
+          <a:bodyPr/>
+          <a:lstStyle/>
+          <a:p>
+            <a:r>
+              <a:rPr lang="en-US" dirty="0"/>
+              <a:t>SDLC – PHASES</a:t>
+            </a:r>
+            <a:endParaRPr lang="hr-HR" dirty="0"/>
+          </a:p>
+        </p:txBody>
+      </p:sp>
+      <p:sp>
+        <p:nvSpPr>
+          <p:cNvPr id="5" name="Content Placeholder 2">
+            <a:extLst>
+              <a:ext uri="{FF2B5EF4-FFF2-40B4-BE49-F238E27FC236}">
+                <a16:creationId xmlns:a16="http://schemas.microsoft.com/office/drawing/2014/main" id="{495680E4-BA12-5C3A-9CF7-F201523FC631}"/>
+              </a:ext>
+            </a:extLst>
+          </p:cNvPr>
+          <p:cNvSpPr txBox="1">
+            <a:spLocks/>
+          </p:cNvSpPr>
+          <p:nvPr/>
+        </p:nvSpPr>
+        <p:spPr>
+          <a:xfrm>
+            <a:off x="946946" y="2241551"/>
+            <a:ext cx="10457654" cy="4448174"/>
+          </a:xfrm>
+          <a:prstGeom prst="rect">
+            <a:avLst/>
+          </a:prstGeom>
+        </p:spPr>
+        <p:txBody>
+          <a:bodyPr vert="horz" lIns="91440" tIns="45720" rIns="91440" bIns="45720" rtlCol="0">
+            <a:normAutofit/>
+          </a:bodyPr>
+          <a:lstStyle>
+            <a:lvl1pPr marL="368300" indent="-352425" algn="l" defTabSz="914400" rtl="0" eaLnBrk="1" latinLnBrk="0" hangingPunct="1">
+              <a:lnSpc>
+                <a:spcPct val="90000"/>
+              </a:lnSpc>
+              <a:spcBef>
+                <a:spcPts val="600"/>
+              </a:spcBef>
+              <a:spcAft>
+                <a:spcPts val="600"/>
+              </a:spcAft>
+              <a:buClr>
+                <a:schemeClr val="accent2"/>
+              </a:buClr>
+              <a:buFont typeface="Wingdings" pitchFamily="2" charset="2"/>
+              <a:buChar char="§"/>
+              <a:tabLst/>
+              <a:defRPr sz="2400" kern="1200">
+                <a:solidFill>
+                  <a:schemeClr val="tx1"/>
+                </a:solidFill>
+                <a:latin typeface="+mn-lt"/>
+                <a:ea typeface="Open Sans" panose="020B0606030504020204" pitchFamily="34" charset="0"/>
+                <a:cs typeface="Open Sans" panose="020B0606030504020204" pitchFamily="34" charset="0"/>
+              </a:defRPr>
+            </a:lvl1pPr>
+            <a:lvl2pPr marL="771525" indent="-274638" algn="l" defTabSz="914400" rtl="0" eaLnBrk="1" latinLnBrk="0" hangingPunct="1">
+              <a:lnSpc>
+                <a:spcPct val="90000"/>
+              </a:lnSpc>
+              <a:spcBef>
+                <a:spcPts val="600"/>
+              </a:spcBef>
+              <a:spcAft>
+                <a:spcPts val="600"/>
+              </a:spcAft>
+              <a:buClr>
+                <a:schemeClr val="accent2"/>
+              </a:buClr>
+              <a:buFont typeface="Wingdings" pitchFamily="2" charset="2"/>
+              <a:buChar char="§"/>
+              <a:tabLst/>
+              <a:defRPr sz="2200" kern="1200">
+                <a:solidFill>
+                  <a:schemeClr val="tx1"/>
+                </a:solidFill>
+                <a:latin typeface="+mn-lt"/>
+                <a:ea typeface="Open Sans" panose="020B0606030504020204" pitchFamily="34" charset="0"/>
+                <a:cs typeface="Open Sans" panose="020B0606030504020204" pitchFamily="34" charset="0"/>
+              </a:defRPr>
+            </a:lvl2pPr>
+            <a:lvl3pPr marL="1143000" indent="-228600" algn="l" defTabSz="914400" rtl="0" eaLnBrk="1" latinLnBrk="0" hangingPunct="1">
+              <a:lnSpc>
+                <a:spcPct val="90000"/>
+              </a:lnSpc>
+              <a:spcBef>
+                <a:spcPts val="600"/>
+              </a:spcBef>
+              <a:spcAft>
+                <a:spcPts val="600"/>
+              </a:spcAft>
+              <a:buClr>
+                <a:schemeClr val="accent2"/>
+              </a:buClr>
+              <a:buFont typeface="Wingdings" pitchFamily="2" charset="2"/>
+              <a:buChar char="§"/>
+              <a:defRPr sz="2000" kern="1200">
+                <a:solidFill>
+                  <a:schemeClr val="tx1"/>
+                </a:solidFill>
+                <a:latin typeface="+mn-lt"/>
+                <a:ea typeface="Open Sans" panose="020B0606030504020204" pitchFamily="34" charset="0"/>
+                <a:cs typeface="Open Sans" panose="020B0606030504020204" pitchFamily="34" charset="0"/>
+              </a:defRPr>
+            </a:lvl3pPr>
+            <a:lvl4pPr marL="1600200" indent="-228600" algn="l" defTabSz="914400" rtl="0" eaLnBrk="1" latinLnBrk="0" hangingPunct="1">
+              <a:lnSpc>
+                <a:spcPct val="90000"/>
+              </a:lnSpc>
+              <a:spcBef>
+                <a:spcPts val="600"/>
+              </a:spcBef>
+              <a:spcAft>
+                <a:spcPts val="600"/>
+              </a:spcAft>
+              <a:buClr>
+                <a:schemeClr val="accent2"/>
+              </a:buClr>
+              <a:buFont typeface="Wingdings" pitchFamily="2" charset="2"/>
+              <a:buChar char="§"/>
+              <a:defRPr sz="1800" kern="1200">
+                <a:solidFill>
+                  <a:schemeClr val="tx1"/>
+                </a:solidFill>
+                <a:latin typeface="+mn-lt"/>
+                <a:ea typeface="Open Sans" panose="020B0606030504020204" pitchFamily="34" charset="0"/>
+                <a:cs typeface="Open Sans" panose="020B0606030504020204" pitchFamily="34" charset="0"/>
+              </a:defRPr>
+            </a:lvl4pPr>
+            <a:lvl5pPr marL="1960563" indent="-225425" algn="l" defTabSz="914400" rtl="0" eaLnBrk="1" latinLnBrk="0" hangingPunct="1">
+              <a:lnSpc>
+                <a:spcPct val="90000"/>
+              </a:lnSpc>
+              <a:spcBef>
+                <a:spcPts val="600"/>
+              </a:spcBef>
+              <a:spcAft>
+                <a:spcPts val="600"/>
+              </a:spcAft>
+              <a:buClr>
+                <a:schemeClr val="accent2"/>
+              </a:buClr>
+              <a:buFont typeface="Wingdings" pitchFamily="2" charset="2"/>
+              <a:buChar char="§"/>
+              <a:tabLst/>
+              <a:defRPr sz="1600" kern="1200">
+                <a:solidFill>
+                  <a:schemeClr val="tx1"/>
+                </a:solidFill>
+                <a:latin typeface="+mn-lt"/>
+                <a:ea typeface="Open Sans" panose="020B0606030504020204" pitchFamily="34" charset="0"/>
+                <a:cs typeface="Open Sans" panose="020B0606030504020204" pitchFamily="34" charset="0"/>
+              </a:defRPr>
+            </a:lvl5pPr>
+            <a:lvl6pPr marL="2514600" indent="-228600" algn="l" defTabSz="914400" rtl="0" eaLnBrk="1" latinLnBrk="0" hangingPunct="1">
+              <a:lnSpc>
+                <a:spcPct val="90000"/>
+              </a:lnSpc>
+              <a:spcBef>
+                <a:spcPts val="500"/>
+              </a:spcBef>
+              <a:buFont typeface="Arial" panose="020B0604020202020204" pitchFamily="34" charset="0"/>
+              <a:buChar char="•"/>
+              <a:defRPr sz="1800" kern="1200">
+                <a:solidFill>
+                  <a:schemeClr val="tx1"/>
+                </a:solidFill>
+                <a:latin typeface="+mn-lt"/>
+                <a:ea typeface="+mn-ea"/>
+                <a:cs typeface="+mn-cs"/>
+              </a:defRPr>
+            </a:lvl6pPr>
+            <a:lvl7pPr marL="2971800" indent="-228600" algn="l" defTabSz="914400" rtl="0" eaLnBrk="1" latinLnBrk="0" hangingPunct="1">
+              <a:lnSpc>
+                <a:spcPct val="90000"/>
+              </a:lnSpc>
+              <a:spcBef>
+                <a:spcPts val="500"/>
+              </a:spcBef>
+              <a:buFont typeface="Arial" panose="020B0604020202020204" pitchFamily="34" charset="0"/>
+              <a:buChar char="•"/>
+              <a:defRPr sz="1800" kern="1200">
+                <a:solidFill>
+                  <a:schemeClr val="tx1"/>
+                </a:solidFill>
+                <a:latin typeface="+mn-lt"/>
+                <a:ea typeface="+mn-ea"/>
+                <a:cs typeface="+mn-cs"/>
+              </a:defRPr>
+            </a:lvl7pPr>
+            <a:lvl8pPr marL="3429000" indent="-228600" algn="l" defTabSz="914400" rtl="0" eaLnBrk="1" latinLnBrk="0" hangingPunct="1">
+              <a:lnSpc>
+                <a:spcPct val="90000"/>
+              </a:lnSpc>
+              <a:spcBef>
+                <a:spcPts val="500"/>
+              </a:spcBef>
+              <a:buFont typeface="Arial" panose="020B0604020202020204" pitchFamily="34" charset="0"/>
+              <a:buChar char="•"/>
+              <a:defRPr sz="1800" kern="1200">
+                <a:solidFill>
+                  <a:schemeClr val="tx1"/>
+                </a:solidFill>
+                <a:latin typeface="+mn-lt"/>
+                <a:ea typeface="+mn-ea"/>
+                <a:cs typeface="+mn-cs"/>
+              </a:defRPr>
+            </a:lvl8pPr>
+            <a:lvl9pPr marL="3886200" indent="-228600" algn="l" defTabSz="914400" rtl="0" eaLnBrk="1" latinLnBrk="0" hangingPunct="1">
+              <a:lnSpc>
+                <a:spcPct val="90000"/>
+              </a:lnSpc>
+              <a:spcBef>
+                <a:spcPts val="500"/>
+              </a:spcBef>
+              <a:buFont typeface="Arial" panose="020B0604020202020204" pitchFamily="34" charset="0"/>
+              <a:buChar char="•"/>
+              <a:defRPr sz="1800" kern="1200">
+                <a:solidFill>
+                  <a:schemeClr val="tx1"/>
+                </a:solidFill>
+                <a:latin typeface="+mn-lt"/>
+                <a:ea typeface="+mn-ea"/>
+                <a:cs typeface="+mn-cs"/>
+              </a:defRPr>
+            </a:lvl9pPr>
+          </a:lstStyle>
+          <a:p>
+            <a:pPr>
+              <a:buNone/>
+            </a:pPr>
+            <a:r>
+              <a:rPr lang="en-US" b="1" dirty="0">
+                <a:latin typeface="Bahnschrift SemiLight" panose="020B0502040204020203" pitchFamily="34" charset="0"/>
+              </a:rPr>
+              <a:t>Deployment</a:t>
+            </a:r>
+          </a:p>
+          <a:p>
+            <a:pPr>
+              <a:buNone/>
+            </a:pPr>
+            <a:r>
+              <a:rPr lang="en-US" b="1" dirty="0">
+                <a:latin typeface="Bahnschrift SemiLight" panose="020B0502040204020203" pitchFamily="34" charset="0"/>
+              </a:rPr>
+              <a:t>Release the product into a live environment.</a:t>
+            </a:r>
+          </a:p>
+          <a:p>
+            <a:pPr>
+              <a:buNone/>
+            </a:pPr>
+            <a:endParaRPr lang="en-US" dirty="0">
+              <a:latin typeface="Bahnschrift SemiLight" panose="020B0502040204020203" pitchFamily="34" charset="0"/>
+            </a:endParaRPr>
+          </a:p>
+          <a:p>
+            <a:pPr>
+              <a:buFont typeface="Arial" panose="020B0604020202020204" pitchFamily="34" charset="0"/>
+              <a:buChar char="•"/>
+            </a:pPr>
+            <a:r>
+              <a:rPr lang="en-US" dirty="0">
+                <a:latin typeface="Bahnschrift SemiLight" panose="020B0502040204020203" pitchFamily="34" charset="0"/>
+              </a:rPr>
+              <a:t>Deploy using AWS Elastic Beanstalk for scalability.</a:t>
+            </a:r>
+          </a:p>
+          <a:p>
+            <a:pPr>
+              <a:buFont typeface="Arial" panose="020B0604020202020204" pitchFamily="34" charset="0"/>
+              <a:buChar char="•"/>
+            </a:pPr>
+            <a:r>
+              <a:rPr lang="en-US" dirty="0">
+                <a:latin typeface="Bahnschrift SemiLight" panose="020B0502040204020203" pitchFamily="34" charset="0"/>
+              </a:rPr>
+              <a:t>Set up automatic failover and load balancing.</a:t>
+            </a:r>
+          </a:p>
+          <a:p>
+            <a:pPr>
+              <a:buFont typeface="Arial" panose="020B0604020202020204" pitchFamily="34" charset="0"/>
+              <a:buChar char="•"/>
+            </a:pPr>
+            <a:r>
+              <a:rPr lang="en-US" dirty="0">
+                <a:latin typeface="Bahnschrift SemiLight" panose="020B0502040204020203" pitchFamily="34" charset="0"/>
+              </a:rPr>
+              <a:t>Blue/Green deployment to minimize downtime.</a:t>
+            </a:r>
+          </a:p>
+        </p:txBody>
+      </p:sp>
+    </p:spTree>
+    <p:extLst>
+      <p:ext uri="{BB962C8B-B14F-4D97-AF65-F5344CB8AC3E}">
+        <p14:creationId xmlns:p14="http://schemas.microsoft.com/office/powerpoint/2010/main" val="2236961435"/>
+      </p:ext>
+    </p:extLst>
+  </p:cSld>
+  <p:clrMapOvr>
+    <a:masterClrMapping/>
+  </p:clrMapOvr>
+</p:sld>
+</file>
+
+<file path=ppt/slides/slide12.xml><?xml version="1.0" encoding="utf-8"?>
+<p:sld xmlns:a="http://schemas.openxmlformats.org/drawingml/2006/main" xmlns:r="http://schemas.openxmlformats.org/officeDocument/2006/relationships" xmlns:p="http://schemas.openxmlformats.org/presentationml/2006/main">
+  <p:cSld>
+    <p:spTree>
+      <p:nvGrpSpPr>
+        <p:cNvPr id="1" name="">
+          <a:extLst>
+            <a:ext uri="{FF2B5EF4-FFF2-40B4-BE49-F238E27FC236}">
+              <a16:creationId xmlns:a16="http://schemas.microsoft.com/office/drawing/2014/main" id="{526DA093-3749-5D95-BBB3-867179CAD742}"/>
+            </a:ext>
+          </a:extLst>
+        </p:cNvPr>
+        <p:cNvGrpSpPr/>
+        <p:nvPr/>
+      </p:nvGrpSpPr>
+      <p:grpSpPr>
+        <a:xfrm>
+          <a:off x="0" y="0"/>
+          <a:ext cx="0" cy="0"/>
+          <a:chOff x="0" y="0"/>
+          <a:chExt cx="0" cy="0"/>
+        </a:xfrm>
+      </p:grpSpPr>
+      <p:sp>
+        <p:nvSpPr>
+          <p:cNvPr id="3" name="Title 2">
+            <a:extLst>
+              <a:ext uri="{FF2B5EF4-FFF2-40B4-BE49-F238E27FC236}">
+                <a16:creationId xmlns:a16="http://schemas.microsoft.com/office/drawing/2014/main" id="{F3AD0203-062C-F8B4-D001-9A2522F2B5FF}"/>
+              </a:ext>
+            </a:extLst>
+          </p:cNvPr>
+          <p:cNvSpPr>
+            <a:spLocks noGrp="1"/>
+          </p:cNvSpPr>
+          <p:nvPr>
+            <p:ph type="title"/>
+          </p:nvPr>
+        </p:nvSpPr>
+        <p:spPr/>
+        <p:txBody>
+          <a:bodyPr/>
+          <a:lstStyle/>
+          <a:p>
+            <a:r>
+              <a:rPr lang="en-US" dirty="0"/>
+              <a:t>SDLC – PHASES</a:t>
+            </a:r>
+            <a:endParaRPr lang="hr-HR" dirty="0"/>
+          </a:p>
+        </p:txBody>
+      </p:sp>
+      <p:sp>
+        <p:nvSpPr>
+          <p:cNvPr id="5" name="Content Placeholder 2">
+            <a:extLst>
+              <a:ext uri="{FF2B5EF4-FFF2-40B4-BE49-F238E27FC236}">
+                <a16:creationId xmlns:a16="http://schemas.microsoft.com/office/drawing/2014/main" id="{375BEC68-195F-7F82-8AC6-08C4E519A8DB}"/>
+              </a:ext>
+            </a:extLst>
+          </p:cNvPr>
+          <p:cNvSpPr txBox="1">
+            <a:spLocks/>
+          </p:cNvSpPr>
+          <p:nvPr/>
+        </p:nvSpPr>
+        <p:spPr>
+          <a:xfrm>
+            <a:off x="946946" y="2241551"/>
+            <a:ext cx="10457654" cy="4448174"/>
+          </a:xfrm>
+          <a:prstGeom prst="rect">
+            <a:avLst/>
+          </a:prstGeom>
+        </p:spPr>
+        <p:txBody>
+          <a:bodyPr vert="horz" lIns="91440" tIns="45720" rIns="91440" bIns="45720" rtlCol="0">
+            <a:normAutofit/>
+          </a:bodyPr>
+          <a:lstStyle>
+            <a:lvl1pPr marL="368300" indent="-352425" algn="l" defTabSz="914400" rtl="0" eaLnBrk="1" latinLnBrk="0" hangingPunct="1">
+              <a:lnSpc>
+                <a:spcPct val="90000"/>
+              </a:lnSpc>
+              <a:spcBef>
+                <a:spcPts val="600"/>
+              </a:spcBef>
+              <a:spcAft>
+                <a:spcPts val="600"/>
+              </a:spcAft>
+              <a:buClr>
+                <a:schemeClr val="accent2"/>
+              </a:buClr>
+              <a:buFont typeface="Wingdings" pitchFamily="2" charset="2"/>
+              <a:buChar char="§"/>
+              <a:tabLst/>
+              <a:defRPr sz="2400" kern="1200">
+                <a:solidFill>
+                  <a:schemeClr val="tx1"/>
+                </a:solidFill>
+                <a:latin typeface="+mn-lt"/>
+                <a:ea typeface="Open Sans" panose="020B0606030504020204" pitchFamily="34" charset="0"/>
+                <a:cs typeface="Open Sans" panose="020B0606030504020204" pitchFamily="34" charset="0"/>
+              </a:defRPr>
+            </a:lvl1pPr>
+            <a:lvl2pPr marL="771525" indent="-274638" algn="l" defTabSz="914400" rtl="0" eaLnBrk="1" latinLnBrk="0" hangingPunct="1">
+              <a:lnSpc>
+                <a:spcPct val="90000"/>
+              </a:lnSpc>
+              <a:spcBef>
+                <a:spcPts val="600"/>
+              </a:spcBef>
+              <a:spcAft>
+                <a:spcPts val="600"/>
+              </a:spcAft>
+              <a:buClr>
+                <a:schemeClr val="accent2"/>
+              </a:buClr>
+              <a:buFont typeface="Wingdings" pitchFamily="2" charset="2"/>
+              <a:buChar char="§"/>
+              <a:tabLst/>
+              <a:defRPr sz="2200" kern="1200">
+                <a:solidFill>
+                  <a:schemeClr val="tx1"/>
+                </a:solidFill>
+                <a:latin typeface="+mn-lt"/>
+                <a:ea typeface="Open Sans" panose="020B0606030504020204" pitchFamily="34" charset="0"/>
+                <a:cs typeface="Open Sans" panose="020B0606030504020204" pitchFamily="34" charset="0"/>
+              </a:defRPr>
+            </a:lvl2pPr>
+            <a:lvl3pPr marL="1143000" indent="-228600" algn="l" defTabSz="914400" rtl="0" eaLnBrk="1" latinLnBrk="0" hangingPunct="1">
+              <a:lnSpc>
+                <a:spcPct val="90000"/>
+              </a:lnSpc>
+              <a:spcBef>
+                <a:spcPts val="600"/>
+              </a:spcBef>
+              <a:spcAft>
+                <a:spcPts val="600"/>
+              </a:spcAft>
+              <a:buClr>
+                <a:schemeClr val="accent2"/>
+              </a:buClr>
+              <a:buFont typeface="Wingdings" pitchFamily="2" charset="2"/>
+              <a:buChar char="§"/>
+              <a:defRPr sz="2000" kern="1200">
+                <a:solidFill>
+                  <a:schemeClr val="tx1"/>
+                </a:solidFill>
+                <a:latin typeface="+mn-lt"/>
+                <a:ea typeface="Open Sans" panose="020B0606030504020204" pitchFamily="34" charset="0"/>
+                <a:cs typeface="Open Sans" panose="020B0606030504020204" pitchFamily="34" charset="0"/>
+              </a:defRPr>
+            </a:lvl3pPr>
+            <a:lvl4pPr marL="1600200" indent="-228600" algn="l" defTabSz="914400" rtl="0" eaLnBrk="1" latinLnBrk="0" hangingPunct="1">
+              <a:lnSpc>
+                <a:spcPct val="90000"/>
+              </a:lnSpc>
+              <a:spcBef>
+                <a:spcPts val="600"/>
+              </a:spcBef>
+              <a:spcAft>
+                <a:spcPts val="600"/>
+              </a:spcAft>
+              <a:buClr>
+                <a:schemeClr val="accent2"/>
+              </a:buClr>
+              <a:buFont typeface="Wingdings" pitchFamily="2" charset="2"/>
+              <a:buChar char="§"/>
+              <a:defRPr sz="1800" kern="1200">
+                <a:solidFill>
+                  <a:schemeClr val="tx1"/>
+                </a:solidFill>
+                <a:latin typeface="+mn-lt"/>
+                <a:ea typeface="Open Sans" panose="020B0606030504020204" pitchFamily="34" charset="0"/>
+                <a:cs typeface="Open Sans" panose="020B0606030504020204" pitchFamily="34" charset="0"/>
+              </a:defRPr>
+            </a:lvl4pPr>
+            <a:lvl5pPr marL="1960563" indent="-225425" algn="l" defTabSz="914400" rtl="0" eaLnBrk="1" latinLnBrk="0" hangingPunct="1">
+              <a:lnSpc>
+                <a:spcPct val="90000"/>
+              </a:lnSpc>
+              <a:spcBef>
+                <a:spcPts val="600"/>
+              </a:spcBef>
+              <a:spcAft>
+                <a:spcPts val="600"/>
+              </a:spcAft>
+              <a:buClr>
+                <a:schemeClr val="accent2"/>
+              </a:buClr>
+              <a:buFont typeface="Wingdings" pitchFamily="2" charset="2"/>
+              <a:buChar char="§"/>
+              <a:tabLst/>
+              <a:defRPr sz="1600" kern="1200">
+                <a:solidFill>
+                  <a:schemeClr val="tx1"/>
+                </a:solidFill>
+                <a:latin typeface="+mn-lt"/>
+                <a:ea typeface="Open Sans" panose="020B0606030504020204" pitchFamily="34" charset="0"/>
+                <a:cs typeface="Open Sans" panose="020B0606030504020204" pitchFamily="34" charset="0"/>
+              </a:defRPr>
+            </a:lvl5pPr>
+            <a:lvl6pPr marL="2514600" indent="-228600" algn="l" defTabSz="914400" rtl="0" eaLnBrk="1" latinLnBrk="0" hangingPunct="1">
+              <a:lnSpc>
+                <a:spcPct val="90000"/>
+              </a:lnSpc>
+              <a:spcBef>
+                <a:spcPts val="500"/>
+              </a:spcBef>
+              <a:buFont typeface="Arial" panose="020B0604020202020204" pitchFamily="34" charset="0"/>
+              <a:buChar char="•"/>
+              <a:defRPr sz="1800" kern="1200">
+                <a:solidFill>
+                  <a:schemeClr val="tx1"/>
+                </a:solidFill>
+                <a:latin typeface="+mn-lt"/>
+                <a:ea typeface="+mn-ea"/>
+                <a:cs typeface="+mn-cs"/>
+              </a:defRPr>
+            </a:lvl6pPr>
+            <a:lvl7pPr marL="2971800" indent="-228600" algn="l" defTabSz="914400" rtl="0" eaLnBrk="1" latinLnBrk="0" hangingPunct="1">
+              <a:lnSpc>
+                <a:spcPct val="90000"/>
+              </a:lnSpc>
+              <a:spcBef>
+                <a:spcPts val="500"/>
+              </a:spcBef>
+              <a:buFont typeface="Arial" panose="020B0604020202020204" pitchFamily="34" charset="0"/>
+              <a:buChar char="•"/>
+              <a:defRPr sz="1800" kern="1200">
+                <a:solidFill>
+                  <a:schemeClr val="tx1"/>
+                </a:solidFill>
+                <a:latin typeface="+mn-lt"/>
+                <a:ea typeface="+mn-ea"/>
+                <a:cs typeface="+mn-cs"/>
+              </a:defRPr>
+            </a:lvl7pPr>
+            <a:lvl8pPr marL="3429000" indent="-228600" algn="l" defTabSz="914400" rtl="0" eaLnBrk="1" latinLnBrk="0" hangingPunct="1">
+              <a:lnSpc>
+                <a:spcPct val="90000"/>
+              </a:lnSpc>
+              <a:spcBef>
+                <a:spcPts val="500"/>
+              </a:spcBef>
+              <a:buFont typeface="Arial" panose="020B0604020202020204" pitchFamily="34" charset="0"/>
+              <a:buChar char="•"/>
+              <a:defRPr sz="1800" kern="1200">
+                <a:solidFill>
+                  <a:schemeClr val="tx1"/>
+                </a:solidFill>
+                <a:latin typeface="+mn-lt"/>
+                <a:ea typeface="+mn-ea"/>
+                <a:cs typeface="+mn-cs"/>
+              </a:defRPr>
+            </a:lvl8pPr>
+            <a:lvl9pPr marL="3886200" indent="-228600" algn="l" defTabSz="914400" rtl="0" eaLnBrk="1" latinLnBrk="0" hangingPunct="1">
+              <a:lnSpc>
+                <a:spcPct val="90000"/>
+              </a:lnSpc>
+              <a:spcBef>
+                <a:spcPts val="500"/>
+              </a:spcBef>
+              <a:buFont typeface="Arial" panose="020B0604020202020204" pitchFamily="34" charset="0"/>
+              <a:buChar char="•"/>
+              <a:defRPr sz="1800" kern="1200">
+                <a:solidFill>
+                  <a:schemeClr val="tx1"/>
+                </a:solidFill>
+                <a:latin typeface="+mn-lt"/>
+                <a:ea typeface="+mn-ea"/>
+                <a:cs typeface="+mn-cs"/>
+              </a:defRPr>
+            </a:lvl9pPr>
+          </a:lstStyle>
+          <a:p>
+            <a:pPr>
+              <a:buNone/>
+            </a:pPr>
+            <a:r>
+              <a:rPr lang="en-US" b="1" dirty="0">
+                <a:latin typeface="Bahnschrift SemiLight" panose="020B0502040204020203" pitchFamily="34" charset="0"/>
+              </a:rPr>
+              <a:t>Maintenance</a:t>
+            </a:r>
+          </a:p>
+          <a:p>
+            <a:pPr>
+              <a:buNone/>
+            </a:pPr>
+            <a:r>
+              <a:rPr lang="en-US" b="1" dirty="0">
+                <a:latin typeface="Bahnschrift SemiLight" panose="020B0502040204020203" pitchFamily="34" charset="0"/>
+              </a:rPr>
+              <a:t>Monitor system performance and apply updates as needed.</a:t>
+            </a:r>
+          </a:p>
+          <a:p>
+            <a:pPr>
+              <a:buNone/>
+            </a:pPr>
+            <a:endParaRPr lang="en-US" dirty="0">
+              <a:latin typeface="Bahnschrift SemiLight" panose="020B0502040204020203" pitchFamily="34" charset="0"/>
+            </a:endParaRPr>
+          </a:p>
+          <a:p>
+            <a:pPr>
+              <a:buFont typeface="Arial" panose="020B0604020202020204" pitchFamily="34" charset="0"/>
+              <a:buChar char="•"/>
+            </a:pPr>
+            <a:r>
+              <a:rPr lang="en-US" dirty="0">
+                <a:latin typeface="Bahnschrift SemiLight" panose="020B0502040204020203" pitchFamily="34" charset="0"/>
+              </a:rPr>
+              <a:t>Monitor server load and response times.</a:t>
+            </a:r>
+          </a:p>
+          <a:p>
+            <a:pPr>
+              <a:buFont typeface="Arial" panose="020B0604020202020204" pitchFamily="34" charset="0"/>
+              <a:buChar char="•"/>
+            </a:pPr>
+            <a:r>
+              <a:rPr lang="en-US" dirty="0">
+                <a:latin typeface="Bahnschrift SemiLight" panose="020B0502040204020203" pitchFamily="34" charset="0"/>
+              </a:rPr>
+              <a:t>Roll out feature updates based on feedback.</a:t>
+            </a:r>
+          </a:p>
+          <a:p>
+            <a:pPr>
+              <a:buFont typeface="Arial" panose="020B0604020202020204" pitchFamily="34" charset="0"/>
+              <a:buChar char="•"/>
+            </a:pPr>
+            <a:r>
+              <a:rPr lang="en-US" dirty="0">
+                <a:latin typeface="Bahnschrift SemiLight" panose="020B0502040204020203" pitchFamily="34" charset="0"/>
+              </a:rPr>
+              <a:t>Improve security as new threats emerge.</a:t>
+            </a:r>
+          </a:p>
+        </p:txBody>
+      </p:sp>
+    </p:spTree>
+    <p:extLst>
+      <p:ext uri="{BB962C8B-B14F-4D97-AF65-F5344CB8AC3E}">
+        <p14:creationId xmlns:p14="http://schemas.microsoft.com/office/powerpoint/2010/main" val="1460343922"/>
+      </p:ext>
+    </p:extLst>
+  </p:cSld>
+  <p:clrMapOvr>
+    <a:masterClrMapping/>
+  </p:clrMapOvr>
+</p:sld>
+</file>
+
+<file path=ppt/slides/slide13.xml><?xml version="1.0" encoding="utf-8"?>
+<p:sld xmlns:a="http://schemas.openxmlformats.org/drawingml/2006/main" xmlns:r="http://schemas.openxmlformats.org/officeDocument/2006/relationships" xmlns:p="http://schemas.openxmlformats.org/presentationml/2006/main">
+  <p:cSld>
+    <p:spTree>
+      <p:nvGrpSpPr>
+        <p:cNvPr id="1" name="">
+          <a:extLst>
+            <a:ext uri="{FF2B5EF4-FFF2-40B4-BE49-F238E27FC236}">
+              <a16:creationId xmlns:a16="http://schemas.microsoft.com/office/drawing/2014/main" id="{3621C7A3-535C-5F6C-0003-BB2C925AB3A1}"/>
+            </a:ext>
+          </a:extLst>
+        </p:cNvPr>
+        <p:cNvGrpSpPr/>
+        <p:nvPr/>
+      </p:nvGrpSpPr>
+      <p:grpSpPr>
+        <a:xfrm>
+          <a:off x="0" y="0"/>
+          <a:ext cx="0" cy="0"/>
+          <a:chOff x="0" y="0"/>
+          <a:chExt cx="0" cy="0"/>
+        </a:xfrm>
+      </p:grpSpPr>
+      <p:sp>
+        <p:nvSpPr>
+          <p:cNvPr id="4" name="Title 3">
+            <a:extLst>
+              <a:ext uri="{FF2B5EF4-FFF2-40B4-BE49-F238E27FC236}">
+                <a16:creationId xmlns:a16="http://schemas.microsoft.com/office/drawing/2014/main" id="{0630CD93-44F0-BD84-F49C-050C25401111}"/>
+              </a:ext>
+            </a:extLst>
+          </p:cNvPr>
+          <p:cNvSpPr>
+            <a:spLocks noGrp="1"/>
+          </p:cNvSpPr>
+          <p:nvPr>
+            <p:ph type="title"/>
+          </p:nvPr>
+        </p:nvSpPr>
+        <p:spPr/>
+        <p:txBody>
+          <a:bodyPr/>
+          <a:lstStyle/>
+          <a:p>
+            <a:endParaRPr lang="hr-HR"/>
+          </a:p>
+        </p:txBody>
+      </p:sp>
+      <p:sp>
+        <p:nvSpPr>
+          <p:cNvPr id="5" name="Content Placeholder 4">
+            <a:extLst>
+              <a:ext uri="{FF2B5EF4-FFF2-40B4-BE49-F238E27FC236}">
+                <a16:creationId xmlns:a16="http://schemas.microsoft.com/office/drawing/2014/main" id="{FE059877-D1FB-3045-0C66-B83F65075F13}"/>
+              </a:ext>
+            </a:extLst>
+          </p:cNvPr>
+          <p:cNvSpPr>
+            <a:spLocks noGrp="1"/>
+          </p:cNvSpPr>
+          <p:nvPr>
+            <p:ph idx="1"/>
+          </p:nvPr>
+        </p:nvSpPr>
+        <p:spPr/>
+        <p:txBody>
+          <a:bodyPr>
+            <a:normAutofit fontScale="92500" lnSpcReduction="20000"/>
+          </a:bodyPr>
+          <a:lstStyle/>
+          <a:p>
+            <a:pPr>
+              <a:buFont typeface="Arial" panose="020B0604020202020204" pitchFamily="34" charset="0"/>
+              <a:buChar char="•"/>
+            </a:pPr>
+            <a:r>
+              <a:rPr lang="en-US" dirty="0"/>
+              <a:t>“Google Site Reliability Engineering” (</a:t>
+            </a:r>
+            <a:r>
+              <a:rPr lang="en-US" dirty="0" err="1"/>
+              <a:t>sre.google</a:t>
+            </a:r>
+            <a:r>
+              <a:rPr lang="en-US" dirty="0"/>
+              <a:t>) – Chapters on monitoring and incident response</a:t>
+            </a:r>
+          </a:p>
+          <a:p>
+            <a:pPr>
+              <a:buFont typeface="Arial" panose="020B0604020202020204" pitchFamily="34" charset="0"/>
+              <a:buChar char="•"/>
+            </a:pPr>
+            <a:r>
+              <a:rPr lang="en-US" dirty="0"/>
+              <a:t>Atlassian article “Managing Technical Debt”</a:t>
+            </a:r>
+          </a:p>
+          <a:p>
+            <a:pPr>
+              <a:buFont typeface="Arial" panose="020B0604020202020204" pitchFamily="34" charset="0"/>
+              <a:buChar char="•"/>
+            </a:pPr>
+            <a:r>
+              <a:rPr lang="hr-HR" dirty="0"/>
+              <a:t>AWS Elastic Beanstalk documentation (docs.aws.amazon.com/elasticbeanstalk)</a:t>
+            </a:r>
+          </a:p>
+          <a:p>
+            <a:pPr>
+              <a:buFont typeface="Arial" panose="020B0604020202020204" pitchFamily="34" charset="0"/>
+              <a:buChar char="•"/>
+            </a:pPr>
+            <a:r>
+              <a:rPr lang="hr-HR" dirty="0"/>
+              <a:t>“The Twelve-Factor App” section on deployment (twelvefactor.net/dev‑prod‑parity)</a:t>
+            </a:r>
+            <a:endParaRPr lang="en-US" dirty="0"/>
+          </a:p>
+          <a:p>
+            <a:pPr>
+              <a:buFont typeface="Arial" panose="020B0604020202020204" pitchFamily="34" charset="0"/>
+              <a:buChar char="•"/>
+            </a:pPr>
+            <a:r>
+              <a:rPr lang="en-US" dirty="0"/>
+              <a:t>“Test Automation University” free courses by </a:t>
+            </a:r>
+            <a:r>
+              <a:rPr lang="en-US" dirty="0" err="1"/>
+              <a:t>Applitools</a:t>
+            </a:r>
+            <a:endParaRPr lang="en-US" dirty="0"/>
+          </a:p>
+          <a:p>
+            <a:pPr>
+              <a:buFont typeface="Arial" panose="020B0604020202020204" pitchFamily="34" charset="0"/>
+              <a:buChar char="•"/>
+            </a:pPr>
+            <a:r>
+              <a:rPr lang="en-US" dirty="0"/>
+              <a:t>OWASP Testing Guide v4 (owasp.org)</a:t>
+            </a:r>
+          </a:p>
+          <a:p>
+            <a:pPr>
+              <a:buFont typeface="Arial" panose="020B0604020202020204" pitchFamily="34" charset="0"/>
+              <a:buChar char="•"/>
+            </a:pPr>
+            <a:r>
+              <a:rPr lang="en-US" i="1" dirty="0" err="1"/>
+              <a:t>xUnit</a:t>
+            </a:r>
+            <a:r>
+              <a:rPr lang="en-US" i="1" dirty="0"/>
+              <a:t> Test Patterns</a:t>
+            </a:r>
+            <a:r>
+              <a:rPr lang="en-US" dirty="0"/>
+              <a:t> by Gerard Meszaros</a:t>
+            </a:r>
+          </a:p>
+          <a:p>
+            <a:pPr>
+              <a:buFont typeface="Arial" panose="020B0604020202020204" pitchFamily="34" charset="0"/>
+              <a:buChar char="•"/>
+            </a:pPr>
+            <a:r>
+              <a:rPr lang="en-US" i="1" dirty="0"/>
+              <a:t>Continuous Testing for DevOps Professionals</a:t>
+            </a:r>
+            <a:r>
+              <a:rPr lang="en-US" dirty="0"/>
+              <a:t> by Eran </a:t>
+            </a:r>
+            <a:r>
+              <a:rPr lang="en-US" dirty="0" err="1"/>
+              <a:t>Kinsbruner</a:t>
+            </a:r>
+            <a:endParaRPr lang="en-US" dirty="0"/>
+          </a:p>
+          <a:p>
+            <a:pPr>
+              <a:buFont typeface="Arial" panose="020B0604020202020204" pitchFamily="34" charset="0"/>
+              <a:buChar char="•"/>
+            </a:pPr>
+            <a:endParaRPr lang="hr-HR" dirty="0"/>
+          </a:p>
+          <a:p>
+            <a:pPr>
+              <a:buFont typeface="Arial" panose="020B0604020202020204" pitchFamily="34" charset="0"/>
+              <a:buChar char="•"/>
+            </a:pPr>
+            <a:endParaRPr lang="en-US" dirty="0"/>
+          </a:p>
+        </p:txBody>
+      </p:sp>
+    </p:spTree>
+    <p:extLst>
+      <p:ext uri="{BB962C8B-B14F-4D97-AF65-F5344CB8AC3E}">
+        <p14:creationId xmlns:p14="http://schemas.microsoft.com/office/powerpoint/2010/main" val="2712036188"/>
+      </p:ext>
+    </p:extLst>
+  </p:cSld>
+  <p:clrMapOvr>
+    <a:masterClrMapping/>
+  </p:clrMapOvr>
+</p:sld>
+</file>
+
+<file path=ppt/slides/slide14.xml><?xml version="1.0" encoding="utf-8"?>
 <p:sld xmlns:a="http://schemas.openxmlformats.org/drawingml/2006/main" xmlns:r="http://schemas.openxmlformats.org/officeDocument/2006/relationships" xmlns:p="http://schemas.openxmlformats.org/presentationml/2006/main">
   <p:cSld>
     <p:spTree>
@@ -5797,8 +7833,8 @@
         </p:blipFill>
         <p:spPr>
           <a:xfrm>
-            <a:off x="654050" y="2856315"/>
-            <a:ext cx="4508500" cy="1856441"/>
+            <a:off x="205316" y="2887133"/>
+            <a:ext cx="5358942" cy="2206623"/>
           </a:xfrm>
           <a:prstGeom prst="rect">
             <a:avLst/>
@@ -5821,7 +7857,7 @@
         </p:nvSpPr>
         <p:spPr>
           <a:xfrm>
-            <a:off x="5652296" y="2139950"/>
+            <a:off x="5643829" y="1894416"/>
             <a:ext cx="6146004" cy="3606799"/>
           </a:xfrm>
           <a:prstGeom prst="rect">
@@ -5830,7 +7866,7 @@
         </p:spPr>
         <p:txBody>
           <a:bodyPr vert="horz" lIns="91440" tIns="45720" rIns="91440" bIns="45720" rtlCol="0">
-            <a:normAutofit fontScale="77500" lnSpcReduction="20000"/>
+            <a:noAutofit/>
           </a:bodyPr>
           <a:lstStyle>
             <a:lvl1pPr marL="368300" indent="-352425" algn="l" defTabSz="914400" rtl="0" eaLnBrk="1" latinLnBrk="0" hangingPunct="1">
@@ -6034,7 +8070,9 @@
               <a:buNone/>
             </a:pPr>
             <a:r>
-              <a:rPr lang="en-US" b="1" dirty="0"/>
+              <a:rPr lang="en-US" sz="2000" b="1" dirty="0">
+                <a:latin typeface="Bahnschrift SemiLight" panose="020B0502040204020203" pitchFamily="34" charset="0"/>
+              </a:rPr>
               <a:t>Project Methodologies</a:t>
             </a:r>
           </a:p>
@@ -6044,10 +8082,14 @@
               <a:buAutoNum type="arabicPeriod"/>
             </a:pPr>
             <a:r>
-              <a:rPr lang="en-US" b="1" dirty="0"/>
+              <a:rPr lang="en-US" sz="2000" b="1" dirty="0">
+                <a:latin typeface="Bahnschrift SemiLight" panose="020B0502040204020203" pitchFamily="34" charset="0"/>
+              </a:rPr>
               <a:t>Waterfall:</a:t>
             </a:r>
-            <a:endParaRPr lang="en-US" dirty="0"/>
+            <a:endParaRPr lang="en-US" sz="2000" dirty="0">
+              <a:latin typeface="Bahnschrift SemiLight" panose="020B0502040204020203" pitchFamily="34" charset="0"/>
+            </a:endParaRPr>
           </a:p>
           <a:p>
             <a:pPr marL="742950" lvl="1" indent="-285750">
@@ -6055,7 +8097,9 @@
               <a:buAutoNum type="arabicPeriod"/>
             </a:pPr>
             <a:r>
-              <a:rPr lang="en-US" dirty="0"/>
+              <a:rPr lang="en-US" sz="2000" dirty="0">
+                <a:latin typeface="Bahnschrift SemiLight" panose="020B0502040204020203" pitchFamily="34" charset="0"/>
+              </a:rPr>
               <a:t>Fixed scope, sequential phases.</a:t>
             </a:r>
           </a:p>
@@ -6065,7 +8109,9 @@
               <a:buAutoNum type="arabicPeriod"/>
             </a:pPr>
             <a:r>
-              <a:rPr lang="en-US" dirty="0"/>
+              <a:rPr lang="en-US" sz="2000" dirty="0">
+                <a:latin typeface="Bahnschrift SemiLight" panose="020B0502040204020203" pitchFamily="34" charset="0"/>
+              </a:rPr>
               <a:t>Used for backend architecture development.</a:t>
             </a:r>
           </a:p>
@@ -6075,10 +8121,14 @@
               <a:buAutoNum type="arabicPeriod"/>
             </a:pPr>
             <a:r>
-              <a:rPr lang="en-US" b="1" dirty="0"/>
+              <a:rPr lang="en-US" sz="2000" b="1" dirty="0">
+                <a:latin typeface="Bahnschrift SemiLight" panose="020B0502040204020203" pitchFamily="34" charset="0"/>
+              </a:rPr>
               <a:t>Agile:</a:t>
             </a:r>
-            <a:endParaRPr lang="en-US" dirty="0"/>
+            <a:endParaRPr lang="en-US" sz="2000" dirty="0">
+              <a:latin typeface="Bahnschrift SemiLight" panose="020B0502040204020203" pitchFamily="34" charset="0"/>
+            </a:endParaRPr>
           </a:p>
           <a:p>
             <a:pPr marL="742950" lvl="1" indent="-285750">
@@ -6086,7 +8136,9 @@
               <a:buAutoNum type="arabicPeriod"/>
             </a:pPr>
             <a:r>
-              <a:rPr lang="en-US" dirty="0"/>
+              <a:rPr lang="en-US" sz="2000" dirty="0">
+                <a:latin typeface="Bahnschrift SemiLight" panose="020B0502040204020203" pitchFamily="34" charset="0"/>
+              </a:rPr>
               <a:t>Flexible, iterative cycles.</a:t>
             </a:r>
           </a:p>
@@ -6096,7 +8148,9 @@
               <a:buAutoNum type="arabicPeriod"/>
             </a:pPr>
             <a:r>
-              <a:rPr lang="en-US" dirty="0"/>
+              <a:rPr lang="en-US" sz="2000" dirty="0">
+                <a:latin typeface="Bahnschrift SemiLight" panose="020B0502040204020203" pitchFamily="34" charset="0"/>
+              </a:rPr>
               <a:t>Used for frontend development and user feedback loops.</a:t>
             </a:r>
           </a:p>
@@ -6106,10 +8160,14 @@
               <a:buAutoNum type="arabicPeriod"/>
             </a:pPr>
             <a:r>
-              <a:rPr lang="en-US" b="1" dirty="0"/>
+              <a:rPr lang="en-US" sz="2000" b="1" dirty="0">
+                <a:latin typeface="Bahnschrift SemiLight" panose="020B0502040204020203" pitchFamily="34" charset="0"/>
+              </a:rPr>
               <a:t>Hybrid:</a:t>
             </a:r>
-            <a:endParaRPr lang="en-US" dirty="0"/>
+            <a:endParaRPr lang="en-US" sz="2000" dirty="0">
+              <a:latin typeface="Bahnschrift SemiLight" panose="020B0502040204020203" pitchFamily="34" charset="0"/>
+            </a:endParaRPr>
           </a:p>
           <a:p>
             <a:pPr marL="742950" lvl="1" indent="-285750">
@@ -6117,7 +8175,9 @@
               <a:buAutoNum type="arabicPeriod"/>
             </a:pPr>
             <a:r>
-              <a:rPr lang="en-US" dirty="0"/>
+              <a:rPr lang="en-US" sz="2000" dirty="0">
+                <a:latin typeface="Bahnschrift SemiLight" panose="020B0502040204020203" pitchFamily="34" charset="0"/>
+              </a:rPr>
               <a:t>Combination of Agile and Waterfall.</a:t>
             </a:r>
           </a:p>
@@ -6127,7 +8187,9 @@
               <a:buAutoNum type="arabicPeriod"/>
             </a:pPr>
             <a:r>
-              <a:rPr lang="en-US" dirty="0"/>
+              <a:rPr lang="en-US" sz="2000" dirty="0">
+                <a:latin typeface="Bahnschrift SemiLight" panose="020B0502040204020203" pitchFamily="34" charset="0"/>
+              </a:rPr>
               <a:t>Used for balancing flexibility and structure.</a:t>
             </a:r>
           </a:p>
@@ -6137,6 +8199,147 @@
     <p:extLst>
       <p:ext uri="{BB962C8B-B14F-4D97-AF65-F5344CB8AC3E}">
         <p14:creationId xmlns:p14="http://schemas.microsoft.com/office/powerpoint/2010/main" val="1226979043"/>
+      </p:ext>
+    </p:extLst>
+  </p:cSld>
+  <p:clrMapOvr>
+    <a:masterClrMapping/>
+  </p:clrMapOvr>
+</p:sld>
+</file>
+
+<file path=ppt/slides/slide15.xml><?xml version="1.0" encoding="utf-8"?>
+<p:sld xmlns:a="http://schemas.openxmlformats.org/drawingml/2006/main" xmlns:r="http://schemas.openxmlformats.org/officeDocument/2006/relationships" xmlns:p="http://schemas.openxmlformats.org/presentationml/2006/main">
+  <p:cSld>
+    <p:spTree>
+      <p:nvGrpSpPr>
+        <p:cNvPr id="1" name="">
+          <a:extLst>
+            <a:ext uri="{FF2B5EF4-FFF2-40B4-BE49-F238E27FC236}">
+              <a16:creationId xmlns:a16="http://schemas.microsoft.com/office/drawing/2014/main" id="{C8E909F3-124B-8EFF-9FA8-8E95AB0EB4DF}"/>
+            </a:ext>
+          </a:extLst>
+        </p:cNvPr>
+        <p:cNvGrpSpPr/>
+        <p:nvPr/>
+      </p:nvGrpSpPr>
+      <p:grpSpPr>
+        <a:xfrm>
+          <a:off x="0" y="0"/>
+          <a:ext cx="0" cy="0"/>
+          <a:chOff x="0" y="0"/>
+          <a:chExt cx="0" cy="0"/>
+        </a:xfrm>
+      </p:grpSpPr>
+      <p:sp>
+        <p:nvSpPr>
+          <p:cNvPr id="4" name="Title 3">
+            <a:extLst>
+              <a:ext uri="{FF2B5EF4-FFF2-40B4-BE49-F238E27FC236}">
+                <a16:creationId xmlns:a16="http://schemas.microsoft.com/office/drawing/2014/main" id="{BF7F3E1E-434E-A7A2-D5E1-95DF0ACA1B4B}"/>
+              </a:ext>
+            </a:extLst>
+          </p:cNvPr>
+          <p:cNvSpPr>
+            <a:spLocks noGrp="1"/>
+          </p:cNvSpPr>
+          <p:nvPr>
+            <p:ph type="title"/>
+          </p:nvPr>
+        </p:nvSpPr>
+        <p:spPr/>
+        <p:txBody>
+          <a:bodyPr/>
+          <a:lstStyle/>
+          <a:p>
+            <a:endParaRPr lang="hr-HR"/>
+          </a:p>
+        </p:txBody>
+      </p:sp>
+      <p:sp>
+        <p:nvSpPr>
+          <p:cNvPr id="5" name="Content Placeholder 4">
+            <a:extLst>
+              <a:ext uri="{FF2B5EF4-FFF2-40B4-BE49-F238E27FC236}">
+                <a16:creationId xmlns:a16="http://schemas.microsoft.com/office/drawing/2014/main" id="{7BB345ED-9459-AAA1-EAC3-EEFBE2CE9318}"/>
+              </a:ext>
+            </a:extLst>
+          </p:cNvPr>
+          <p:cNvSpPr>
+            <a:spLocks noGrp="1"/>
+          </p:cNvSpPr>
+          <p:nvPr>
+            <p:ph idx="1"/>
+          </p:nvPr>
+        </p:nvSpPr>
+        <p:spPr/>
+        <p:txBody>
+          <a:bodyPr>
+            <a:normAutofit/>
+          </a:bodyPr>
+          <a:lstStyle/>
+          <a:p>
+            <a:pPr>
+              <a:buFont typeface="Arial" panose="020B0604020202020204" pitchFamily="34" charset="0"/>
+              <a:buChar char="•"/>
+            </a:pPr>
+            <a:r>
+              <a:rPr lang="hr-HR" dirty="0"/>
+              <a:t>The Scrum.org </a:t>
+            </a:r>
+            <a:r>
+              <a:rPr lang="hr-HR" b="1" dirty="0"/>
+              <a:t>Scrum Guide</a:t>
+            </a:r>
+            <a:r>
+              <a:rPr lang="hr-HR" dirty="0"/>
+              <a:t> by Ken Schwaber &amp; Jeff Sutherland</a:t>
+            </a:r>
+          </a:p>
+          <a:p>
+            <a:pPr>
+              <a:buFont typeface="Arial" panose="020B0604020202020204" pitchFamily="34" charset="0"/>
+              <a:buChar char="•"/>
+            </a:pPr>
+            <a:r>
+              <a:rPr lang="hr-HR" dirty="0"/>
+              <a:t>Atlassian’s “Waterfall vs. Agile vs. Scrum” comparison</a:t>
+            </a:r>
+          </a:p>
+          <a:p>
+            <a:pPr>
+              <a:buFont typeface="Arial" panose="020B0604020202020204" pitchFamily="34" charset="0"/>
+              <a:buChar char="•"/>
+            </a:pPr>
+            <a:r>
+              <a:rPr lang="hr-HR" i="1" dirty="0"/>
+              <a:t>Agile Software Development with Scrum</a:t>
+            </a:r>
+            <a:r>
+              <a:rPr lang="hr-HR" dirty="0"/>
+              <a:t> by Ken Schwaber and Mike Beedle</a:t>
+            </a:r>
+          </a:p>
+          <a:p>
+            <a:pPr>
+              <a:buFont typeface="Arial" panose="020B0604020202020204" pitchFamily="34" charset="0"/>
+              <a:buChar char="•"/>
+            </a:pPr>
+            <a:r>
+              <a:rPr lang="hr-HR" i="1" dirty="0"/>
+              <a:t>Succeeding with Agile</a:t>
+            </a:r>
+            <a:r>
+              <a:rPr lang="hr-HR" dirty="0"/>
+              <a:t> by Mike Cohn</a:t>
+            </a:r>
+          </a:p>
+        </p:txBody>
+      </p:sp>
+    </p:spTree>
+    <p:extLst>
+      <p:ext uri="{BB962C8B-B14F-4D97-AF65-F5344CB8AC3E}">
+        <p14:creationId xmlns:p14="http://schemas.microsoft.com/office/powerpoint/2010/main" val="758395701"/>
       </p:ext>
     </p:extLst>
   </p:cSld>
@@ -6223,7 +8426,7 @@
         </p:spPr>
         <p:txBody>
           <a:bodyPr vert="horz" lIns="91440" tIns="45720" rIns="91440" bIns="45720" rtlCol="0">
-            <a:normAutofit fontScale="92500" lnSpcReduction="20000"/>
+            <a:normAutofit fontScale="85000" lnSpcReduction="10000"/>
           </a:bodyPr>
           <a:lstStyle>
             <a:lvl1pPr marL="368300" indent="-352425" algn="l" defTabSz="914400" rtl="0" eaLnBrk="1" latinLnBrk="0" hangingPunct="1">
@@ -6427,10 +8630,14 @@
               <a:buNone/>
             </a:pPr>
             <a:r>
-              <a:rPr lang="en-US" dirty="0"/>
+              <a:rPr lang="en-US" dirty="0">
+                <a:latin typeface="Bahnschrift SemiLight" panose="020B0502040204020203" pitchFamily="34" charset="0"/>
+              </a:rPr>
               <a:t>🔹 SDLC provides a systematic framework for planning, building, testing, and deploying software while aligning with business goals and user needs. By integrating SDLC into project management practices, teams can minimize risks, optimize resource allocation, and ensure the delivery of high-quality products on time and within budget.</a:t>
             </a:r>
-            <a:endParaRPr lang="pt-BR" dirty="0"/>
+            <a:endParaRPr lang="pt-BR" dirty="0">
+              <a:latin typeface="Bahnschrift SemiLight" panose="020B0502040204020203" pitchFamily="34" charset="0"/>
+            </a:endParaRPr>
           </a:p>
         </p:txBody>
       </p:sp>
@@ -6663,42 +8870,64 @@
               <a:buNone/>
             </a:pPr>
             <a:r>
-              <a:rPr lang="en-US" dirty="0"/>
+              <a:rPr lang="en-US" dirty="0">
+                <a:latin typeface="Bahnschrift SemiLight" panose="020B0502040204020203" pitchFamily="34" charset="0"/>
+              </a:rPr>
               <a:t>Software development is complex, involving multiple stakeholders, dynamic requirements, and tight deadlines. A structured approach like SDLC helps to:</a:t>
             </a:r>
             <a:br>
-              <a:rPr lang="en-US" dirty="0"/>
+              <a:rPr lang="en-US" dirty="0">
+                <a:latin typeface="Bahnschrift SemiLight" panose="020B0502040204020203" pitchFamily="34" charset="0"/>
+              </a:rPr>
             </a:br>
             <a:r>
-              <a:rPr lang="en-US" dirty="0"/>
+              <a:rPr lang="en-US" dirty="0">
+                <a:latin typeface="Bahnschrift SemiLight" panose="020B0502040204020203" pitchFamily="34" charset="0"/>
+              </a:rPr>
               <a:t>✅ Reduce development risks</a:t>
             </a:r>
             <a:br>
-              <a:rPr lang="en-US" dirty="0"/>
+              <a:rPr lang="en-US" dirty="0">
+                <a:latin typeface="Bahnschrift SemiLight" panose="020B0502040204020203" pitchFamily="34" charset="0"/>
+              </a:rPr>
             </a:br>
             <a:r>
-              <a:rPr lang="en-US" dirty="0"/>
+              <a:rPr lang="en-US" dirty="0">
+                <a:latin typeface="Bahnschrift SemiLight" panose="020B0502040204020203" pitchFamily="34" charset="0"/>
+              </a:rPr>
               <a:t>✅ Improve product quality</a:t>
             </a:r>
             <a:br>
-              <a:rPr lang="en-US" dirty="0"/>
+              <a:rPr lang="en-US" dirty="0">
+                <a:latin typeface="Bahnschrift SemiLight" panose="020B0502040204020203" pitchFamily="34" charset="0"/>
+              </a:rPr>
             </a:br>
             <a:r>
-              <a:rPr lang="en-US" dirty="0"/>
+              <a:rPr lang="en-US" dirty="0">
+                <a:latin typeface="Bahnschrift SemiLight" panose="020B0502040204020203" pitchFamily="34" charset="0"/>
+              </a:rPr>
               <a:t>✅ Increase customer satisfaction</a:t>
             </a:r>
             <a:br>
-              <a:rPr lang="en-US" dirty="0"/>
+              <a:rPr lang="en-US" dirty="0">
+                <a:latin typeface="Bahnschrift SemiLight" panose="020B0502040204020203" pitchFamily="34" charset="0"/>
+              </a:rPr>
             </a:br>
             <a:r>
-              <a:rPr lang="en-US" dirty="0"/>
+              <a:rPr lang="en-US" dirty="0">
+                <a:latin typeface="Bahnschrift SemiLight" panose="020B0502040204020203" pitchFamily="34" charset="0"/>
+              </a:rPr>
               <a:t>✅ Ensure better cost and time management</a:t>
             </a:r>
             <a:br>
-              <a:rPr lang="en-US" dirty="0"/>
+              <a:rPr lang="en-US" dirty="0">
+                <a:latin typeface="Bahnschrift SemiLight" panose="020B0502040204020203" pitchFamily="34" charset="0"/>
+              </a:rPr>
             </a:br>
             <a:r>
-              <a:rPr lang="en-US" dirty="0"/>
+              <a:rPr lang="en-US" dirty="0">
+                <a:latin typeface="Bahnschrift SemiLight" panose="020B0502040204020203" pitchFamily="34" charset="0"/>
+              </a:rPr>
               <a:t>✅ Align business goals with technical execution</a:t>
             </a:r>
           </a:p>
@@ -6718,6 +8947,573 @@
 </file>
 
 <file path=ppt/slides/slide3.xml><?xml version="1.0" encoding="utf-8"?>
+<p:sld xmlns:a="http://schemas.openxmlformats.org/drawingml/2006/main" xmlns:r="http://schemas.openxmlformats.org/officeDocument/2006/relationships" xmlns:p="http://schemas.openxmlformats.org/presentationml/2006/main">
+  <p:cSld>
+    <p:spTree>
+      <p:nvGrpSpPr>
+        <p:cNvPr id="1" name=""/>
+        <p:cNvGrpSpPr/>
+        <p:nvPr/>
+      </p:nvGrpSpPr>
+      <p:grpSpPr>
+        <a:xfrm>
+          <a:off x="0" y="0"/>
+          <a:ext cx="0" cy="0"/>
+          <a:chOff x="0" y="0"/>
+          <a:chExt cx="0" cy="0"/>
+        </a:xfrm>
+      </p:grpSpPr>
+      <p:sp>
+        <p:nvSpPr>
+          <p:cNvPr id="4" name="Title 3">
+            <a:extLst>
+              <a:ext uri="{FF2B5EF4-FFF2-40B4-BE49-F238E27FC236}">
+                <a16:creationId xmlns:a16="http://schemas.microsoft.com/office/drawing/2014/main" id="{41A0574F-A3D1-3014-087E-84BC7BA34463}"/>
+              </a:ext>
+            </a:extLst>
+          </p:cNvPr>
+          <p:cNvSpPr>
+            <a:spLocks noGrp="1"/>
+          </p:cNvSpPr>
+          <p:nvPr>
+            <p:ph type="title"/>
+          </p:nvPr>
+        </p:nvSpPr>
+        <p:spPr/>
+        <p:txBody>
+          <a:bodyPr/>
+          <a:lstStyle/>
+          <a:p>
+            <a:endParaRPr lang="hr-HR"/>
+          </a:p>
+        </p:txBody>
+      </p:sp>
+      <p:sp>
+        <p:nvSpPr>
+          <p:cNvPr id="5" name="Content Placeholder 4">
+            <a:extLst>
+              <a:ext uri="{FF2B5EF4-FFF2-40B4-BE49-F238E27FC236}">
+                <a16:creationId xmlns:a16="http://schemas.microsoft.com/office/drawing/2014/main" id="{653ADD98-E3B0-FF5F-14D3-FC1C99745CF0}"/>
+              </a:ext>
+            </a:extLst>
+          </p:cNvPr>
+          <p:cNvSpPr>
+            <a:spLocks noGrp="1"/>
+          </p:cNvSpPr>
+          <p:nvPr>
+            <p:ph idx="1"/>
+          </p:nvPr>
+        </p:nvSpPr>
+        <p:spPr/>
+        <p:txBody>
+          <a:bodyPr/>
+          <a:lstStyle/>
+          <a:p>
+            <a:pPr>
+              <a:buFont typeface="Arial" panose="020B0604020202020204" pitchFamily="34" charset="0"/>
+              <a:buChar char="•"/>
+            </a:pPr>
+            <a:r>
+              <a:rPr lang="en-US" dirty="0"/>
+              <a:t>IBM Developer article “What Is the Software Development Life Cycle (SDLC)?”</a:t>
+            </a:r>
+          </a:p>
+          <a:p>
+            <a:pPr>
+              <a:buFont typeface="Arial" panose="020B0604020202020204" pitchFamily="34" charset="0"/>
+              <a:buChar char="•"/>
+            </a:pPr>
+            <a:r>
+              <a:rPr lang="en-US" dirty="0"/>
+              <a:t>Atlassian’s guide “SDLC: Stages and Methodologies”</a:t>
+            </a:r>
+          </a:p>
+          <a:p>
+            <a:pPr>
+              <a:buFont typeface="Arial" panose="020B0604020202020204" pitchFamily="34" charset="0"/>
+              <a:buChar char="•"/>
+            </a:pPr>
+            <a:r>
+              <a:rPr lang="en-US" i="1" dirty="0"/>
+              <a:t>Software Engineering</a:t>
+            </a:r>
+            <a:r>
+              <a:rPr lang="en-US" dirty="0"/>
+              <a:t> by Ian Sommerville</a:t>
+            </a:r>
+          </a:p>
+          <a:p>
+            <a:pPr>
+              <a:buFont typeface="Arial" panose="020B0604020202020204" pitchFamily="34" charset="0"/>
+              <a:buChar char="•"/>
+            </a:pPr>
+            <a:r>
+              <a:rPr lang="en-US" i="1" dirty="0"/>
+              <a:t>The Pragmatic Programmer</a:t>
+            </a:r>
+            <a:r>
+              <a:rPr lang="en-US" dirty="0"/>
+              <a:t> by Andrew Hunt &amp; David Thomas</a:t>
+            </a:r>
+          </a:p>
+          <a:p>
+            <a:endParaRPr lang="hr-HR" dirty="0"/>
+          </a:p>
+        </p:txBody>
+      </p:sp>
+    </p:spTree>
+    <p:extLst>
+      <p:ext uri="{BB962C8B-B14F-4D97-AF65-F5344CB8AC3E}">
+        <p14:creationId xmlns:p14="http://schemas.microsoft.com/office/powerpoint/2010/main" val="3155540236"/>
+      </p:ext>
+    </p:extLst>
+  </p:cSld>
+  <p:clrMapOvr>
+    <a:masterClrMapping/>
+  </p:clrMapOvr>
+</p:sld>
+</file>
+
+<file path=ppt/slides/slide4.xml><?xml version="1.0" encoding="utf-8"?>
+<p:sld xmlns:a="http://schemas.openxmlformats.org/drawingml/2006/main" xmlns:r="http://schemas.openxmlformats.org/officeDocument/2006/relationships" xmlns:p="http://schemas.openxmlformats.org/presentationml/2006/main">
+  <p:cSld>
+    <p:spTree>
+      <p:nvGrpSpPr>
+        <p:cNvPr id="1" name="">
+          <a:extLst>
+            <a:ext uri="{FF2B5EF4-FFF2-40B4-BE49-F238E27FC236}">
+              <a16:creationId xmlns:a16="http://schemas.microsoft.com/office/drawing/2014/main" id="{407B42C8-14B1-5406-4ED3-35AF8CB3BAE8}"/>
+            </a:ext>
+          </a:extLst>
+        </p:cNvPr>
+        <p:cNvGrpSpPr/>
+        <p:nvPr/>
+      </p:nvGrpSpPr>
+      <p:grpSpPr>
+        <a:xfrm>
+          <a:off x="0" y="0"/>
+          <a:ext cx="0" cy="0"/>
+          <a:chOff x="0" y="0"/>
+          <a:chExt cx="0" cy="0"/>
+        </a:xfrm>
+      </p:grpSpPr>
+      <p:sp>
+        <p:nvSpPr>
+          <p:cNvPr id="3" name="Title 2">
+            <a:extLst>
+              <a:ext uri="{FF2B5EF4-FFF2-40B4-BE49-F238E27FC236}">
+                <a16:creationId xmlns:a16="http://schemas.microsoft.com/office/drawing/2014/main" id="{3B9E3BB7-95F1-1961-3BD2-A345FC9B7747}"/>
+              </a:ext>
+            </a:extLst>
+          </p:cNvPr>
+          <p:cNvSpPr>
+            <a:spLocks noGrp="1"/>
+          </p:cNvSpPr>
+          <p:nvPr>
+            <p:ph type="title"/>
+          </p:nvPr>
+        </p:nvSpPr>
+        <p:spPr/>
+        <p:txBody>
+          <a:bodyPr/>
+          <a:lstStyle/>
+          <a:p>
+            <a:r>
+              <a:rPr lang="en-US" dirty="0"/>
+              <a:t>SDLC – PHASES</a:t>
+            </a:r>
+            <a:endParaRPr lang="hr-HR" dirty="0"/>
+          </a:p>
+        </p:txBody>
+      </p:sp>
+      <p:sp>
+        <p:nvSpPr>
+          <p:cNvPr id="5" name="Content Placeholder 2">
+            <a:extLst>
+              <a:ext uri="{FF2B5EF4-FFF2-40B4-BE49-F238E27FC236}">
+                <a16:creationId xmlns:a16="http://schemas.microsoft.com/office/drawing/2014/main" id="{DE41A903-0BCE-5C2B-A4E7-7A6705025022}"/>
+              </a:ext>
+            </a:extLst>
+          </p:cNvPr>
+          <p:cNvSpPr txBox="1">
+            <a:spLocks/>
+          </p:cNvSpPr>
+          <p:nvPr/>
+        </p:nvSpPr>
+        <p:spPr>
+          <a:xfrm>
+            <a:off x="778626" y="1690688"/>
+            <a:ext cx="10457654" cy="3981450"/>
+          </a:xfrm>
+          <a:prstGeom prst="rect">
+            <a:avLst/>
+          </a:prstGeom>
+        </p:spPr>
+        <p:txBody>
+          <a:bodyPr vert="horz" lIns="91440" tIns="45720" rIns="91440" bIns="45720" rtlCol="0">
+            <a:noAutofit/>
+          </a:bodyPr>
+          <a:lstStyle>
+            <a:lvl1pPr marL="368300" indent="-352425" algn="l" defTabSz="914400" rtl="0" eaLnBrk="1" latinLnBrk="0" hangingPunct="1">
+              <a:lnSpc>
+                <a:spcPct val="90000"/>
+              </a:lnSpc>
+              <a:spcBef>
+                <a:spcPts val="600"/>
+              </a:spcBef>
+              <a:spcAft>
+                <a:spcPts val="600"/>
+              </a:spcAft>
+              <a:buClr>
+                <a:schemeClr val="accent2"/>
+              </a:buClr>
+              <a:buFont typeface="Wingdings" pitchFamily="2" charset="2"/>
+              <a:buChar char="§"/>
+              <a:tabLst/>
+              <a:defRPr sz="2400" kern="1200">
+                <a:solidFill>
+                  <a:schemeClr val="tx1"/>
+                </a:solidFill>
+                <a:latin typeface="+mn-lt"/>
+                <a:ea typeface="Open Sans" panose="020B0606030504020204" pitchFamily="34" charset="0"/>
+                <a:cs typeface="Open Sans" panose="020B0606030504020204" pitchFamily="34" charset="0"/>
+              </a:defRPr>
+            </a:lvl1pPr>
+            <a:lvl2pPr marL="771525" indent="-274638" algn="l" defTabSz="914400" rtl="0" eaLnBrk="1" latinLnBrk="0" hangingPunct="1">
+              <a:lnSpc>
+                <a:spcPct val="90000"/>
+              </a:lnSpc>
+              <a:spcBef>
+                <a:spcPts val="600"/>
+              </a:spcBef>
+              <a:spcAft>
+                <a:spcPts val="600"/>
+              </a:spcAft>
+              <a:buClr>
+                <a:schemeClr val="accent2"/>
+              </a:buClr>
+              <a:buFont typeface="Wingdings" pitchFamily="2" charset="2"/>
+              <a:buChar char="§"/>
+              <a:tabLst/>
+              <a:defRPr sz="2200" kern="1200">
+                <a:solidFill>
+                  <a:schemeClr val="tx1"/>
+                </a:solidFill>
+                <a:latin typeface="+mn-lt"/>
+                <a:ea typeface="Open Sans" panose="020B0606030504020204" pitchFamily="34" charset="0"/>
+                <a:cs typeface="Open Sans" panose="020B0606030504020204" pitchFamily="34" charset="0"/>
+              </a:defRPr>
+            </a:lvl2pPr>
+            <a:lvl3pPr marL="1143000" indent="-228600" algn="l" defTabSz="914400" rtl="0" eaLnBrk="1" latinLnBrk="0" hangingPunct="1">
+              <a:lnSpc>
+                <a:spcPct val="90000"/>
+              </a:lnSpc>
+              <a:spcBef>
+                <a:spcPts val="600"/>
+              </a:spcBef>
+              <a:spcAft>
+                <a:spcPts val="600"/>
+              </a:spcAft>
+              <a:buClr>
+                <a:schemeClr val="accent2"/>
+              </a:buClr>
+              <a:buFont typeface="Wingdings" pitchFamily="2" charset="2"/>
+              <a:buChar char="§"/>
+              <a:defRPr sz="2000" kern="1200">
+                <a:solidFill>
+                  <a:schemeClr val="tx1"/>
+                </a:solidFill>
+                <a:latin typeface="+mn-lt"/>
+                <a:ea typeface="Open Sans" panose="020B0606030504020204" pitchFamily="34" charset="0"/>
+                <a:cs typeface="Open Sans" panose="020B0606030504020204" pitchFamily="34" charset="0"/>
+              </a:defRPr>
+            </a:lvl3pPr>
+            <a:lvl4pPr marL="1600200" indent="-228600" algn="l" defTabSz="914400" rtl="0" eaLnBrk="1" latinLnBrk="0" hangingPunct="1">
+              <a:lnSpc>
+                <a:spcPct val="90000"/>
+              </a:lnSpc>
+              <a:spcBef>
+                <a:spcPts val="600"/>
+              </a:spcBef>
+              <a:spcAft>
+                <a:spcPts val="600"/>
+              </a:spcAft>
+              <a:buClr>
+                <a:schemeClr val="accent2"/>
+              </a:buClr>
+              <a:buFont typeface="Wingdings" pitchFamily="2" charset="2"/>
+              <a:buChar char="§"/>
+              <a:defRPr sz="1800" kern="1200">
+                <a:solidFill>
+                  <a:schemeClr val="tx1"/>
+                </a:solidFill>
+                <a:latin typeface="+mn-lt"/>
+                <a:ea typeface="Open Sans" panose="020B0606030504020204" pitchFamily="34" charset="0"/>
+                <a:cs typeface="Open Sans" panose="020B0606030504020204" pitchFamily="34" charset="0"/>
+              </a:defRPr>
+            </a:lvl4pPr>
+            <a:lvl5pPr marL="1960563" indent="-225425" algn="l" defTabSz="914400" rtl="0" eaLnBrk="1" latinLnBrk="0" hangingPunct="1">
+              <a:lnSpc>
+                <a:spcPct val="90000"/>
+              </a:lnSpc>
+              <a:spcBef>
+                <a:spcPts val="600"/>
+              </a:spcBef>
+              <a:spcAft>
+                <a:spcPts val="600"/>
+              </a:spcAft>
+              <a:buClr>
+                <a:schemeClr val="accent2"/>
+              </a:buClr>
+              <a:buFont typeface="Wingdings" pitchFamily="2" charset="2"/>
+              <a:buChar char="§"/>
+              <a:tabLst/>
+              <a:defRPr sz="1600" kern="1200">
+                <a:solidFill>
+                  <a:schemeClr val="tx1"/>
+                </a:solidFill>
+                <a:latin typeface="+mn-lt"/>
+                <a:ea typeface="Open Sans" panose="020B0606030504020204" pitchFamily="34" charset="0"/>
+                <a:cs typeface="Open Sans" panose="020B0606030504020204" pitchFamily="34" charset="0"/>
+              </a:defRPr>
+            </a:lvl5pPr>
+            <a:lvl6pPr marL="2514600" indent="-228600" algn="l" defTabSz="914400" rtl="0" eaLnBrk="1" latinLnBrk="0" hangingPunct="1">
+              <a:lnSpc>
+                <a:spcPct val="90000"/>
+              </a:lnSpc>
+              <a:spcBef>
+                <a:spcPts val="500"/>
+              </a:spcBef>
+              <a:buFont typeface="Arial" panose="020B0604020202020204" pitchFamily="34" charset="0"/>
+              <a:buChar char="•"/>
+              <a:defRPr sz="1800" kern="1200">
+                <a:solidFill>
+                  <a:schemeClr val="tx1"/>
+                </a:solidFill>
+                <a:latin typeface="+mn-lt"/>
+                <a:ea typeface="+mn-ea"/>
+                <a:cs typeface="+mn-cs"/>
+              </a:defRPr>
+            </a:lvl6pPr>
+            <a:lvl7pPr marL="2971800" indent="-228600" algn="l" defTabSz="914400" rtl="0" eaLnBrk="1" latinLnBrk="0" hangingPunct="1">
+              <a:lnSpc>
+                <a:spcPct val="90000"/>
+              </a:lnSpc>
+              <a:spcBef>
+                <a:spcPts val="500"/>
+              </a:spcBef>
+              <a:buFont typeface="Arial" panose="020B0604020202020204" pitchFamily="34" charset="0"/>
+              <a:buChar char="•"/>
+              <a:defRPr sz="1800" kern="1200">
+                <a:solidFill>
+                  <a:schemeClr val="tx1"/>
+                </a:solidFill>
+                <a:latin typeface="+mn-lt"/>
+                <a:ea typeface="+mn-ea"/>
+                <a:cs typeface="+mn-cs"/>
+              </a:defRPr>
+            </a:lvl7pPr>
+            <a:lvl8pPr marL="3429000" indent="-228600" algn="l" defTabSz="914400" rtl="0" eaLnBrk="1" latinLnBrk="0" hangingPunct="1">
+              <a:lnSpc>
+                <a:spcPct val="90000"/>
+              </a:lnSpc>
+              <a:spcBef>
+                <a:spcPts val="500"/>
+              </a:spcBef>
+              <a:buFont typeface="Arial" panose="020B0604020202020204" pitchFamily="34" charset="0"/>
+              <a:buChar char="•"/>
+              <a:defRPr sz="1800" kern="1200">
+                <a:solidFill>
+                  <a:schemeClr val="tx1"/>
+                </a:solidFill>
+                <a:latin typeface="+mn-lt"/>
+                <a:ea typeface="+mn-ea"/>
+                <a:cs typeface="+mn-cs"/>
+              </a:defRPr>
+            </a:lvl8pPr>
+            <a:lvl9pPr marL="3886200" indent="-228600" algn="l" defTabSz="914400" rtl="0" eaLnBrk="1" latinLnBrk="0" hangingPunct="1">
+              <a:lnSpc>
+                <a:spcPct val="90000"/>
+              </a:lnSpc>
+              <a:spcBef>
+                <a:spcPts val="500"/>
+              </a:spcBef>
+              <a:buFont typeface="Arial" panose="020B0604020202020204" pitchFamily="34" charset="0"/>
+              <a:buChar char="•"/>
+              <a:defRPr sz="1800" kern="1200">
+                <a:solidFill>
+                  <a:schemeClr val="tx1"/>
+                </a:solidFill>
+                <a:latin typeface="+mn-lt"/>
+                <a:ea typeface="+mn-ea"/>
+                <a:cs typeface="+mn-cs"/>
+              </a:defRPr>
+            </a:lvl9pPr>
+          </a:lstStyle>
+          <a:p>
+            <a:pPr marL="473075" indent="-457200">
+              <a:buAutoNum type="arabicPeriod"/>
+            </a:pPr>
+            <a:r>
+              <a:rPr lang="en-US" sz="2000" b="1" dirty="0">
+                <a:latin typeface="Bahnschrift SemiLight" panose="020B0502040204020203" pitchFamily="34" charset="0"/>
+              </a:rPr>
+              <a:t>Planning</a:t>
+            </a:r>
+          </a:p>
+          <a:p>
+            <a:pPr marL="15875" indent="0">
+              <a:buNone/>
+            </a:pPr>
+            <a:r>
+              <a:rPr lang="en-US" sz="2000" b="1" dirty="0">
+                <a:latin typeface="Bahnschrift SemiLight" panose="020B0502040204020203" pitchFamily="34" charset="0"/>
+              </a:rPr>
+              <a:t>In the planning phase, the goal is to define the project’s goals, scope, and resource requirements.</a:t>
+            </a:r>
+          </a:p>
+          <a:p>
+            <a:pPr>
+              <a:buFont typeface="Arial" panose="020B0604020202020204" pitchFamily="34" charset="0"/>
+              <a:buChar char="•"/>
+            </a:pPr>
+            <a:r>
+              <a:rPr lang="en-US" sz="2000" b="1" dirty="0">
+                <a:latin typeface="Bahnschrift SemiLight" panose="020B0502040204020203" pitchFamily="34" charset="0"/>
+              </a:rPr>
+              <a:t>Goal:</a:t>
+            </a:r>
+            <a:r>
+              <a:rPr lang="en-US" sz="2000" dirty="0">
+                <a:latin typeface="Bahnschrift SemiLight" panose="020B0502040204020203" pitchFamily="34" charset="0"/>
+              </a:rPr>
+              <a:t> Create an intuitive, scalable collaborative learning platform.</a:t>
+            </a:r>
+          </a:p>
+          <a:p>
+            <a:pPr>
+              <a:buFont typeface="Arial" panose="020B0604020202020204" pitchFamily="34" charset="0"/>
+              <a:buChar char="•"/>
+            </a:pPr>
+            <a:r>
+              <a:rPr lang="en-US" sz="2000" b="1" dirty="0">
+                <a:latin typeface="Bahnschrift SemiLight" panose="020B0502040204020203" pitchFamily="34" charset="0"/>
+              </a:rPr>
+              <a:t>Scope:</a:t>
+            </a:r>
+            <a:r>
+              <a:rPr lang="en-US" sz="2000" dirty="0">
+                <a:latin typeface="Bahnschrift SemiLight" panose="020B0502040204020203" pitchFamily="34" charset="0"/>
+              </a:rPr>
+              <a:t> </a:t>
+            </a:r>
+          </a:p>
+          <a:p>
+            <a:pPr marL="742950" lvl="1" indent="-285750">
+              <a:buFont typeface="Arial" panose="020B0604020202020204" pitchFamily="34" charset="0"/>
+              <a:buChar char="•"/>
+            </a:pPr>
+            <a:r>
+              <a:rPr lang="en-US" sz="2000" dirty="0">
+                <a:latin typeface="Bahnschrift SemiLight" panose="020B0502040204020203" pitchFamily="34" charset="0"/>
+              </a:rPr>
+              <a:t>Develop student-teacher collaboration tools (chat, video calls, file sharing).</a:t>
+            </a:r>
+          </a:p>
+          <a:p>
+            <a:pPr marL="742950" lvl="1" indent="-285750">
+              <a:buFont typeface="Arial" panose="020B0604020202020204" pitchFamily="34" charset="0"/>
+              <a:buChar char="•"/>
+            </a:pPr>
+            <a:r>
+              <a:rPr lang="en-US" sz="2000" dirty="0">
+                <a:latin typeface="Bahnschrift SemiLight" panose="020B0502040204020203" pitchFamily="34" charset="0"/>
+              </a:rPr>
+              <a:t>Create interactive learning modules.</a:t>
+            </a:r>
+          </a:p>
+          <a:p>
+            <a:pPr marL="742950" lvl="1" indent="-285750">
+              <a:buFont typeface="Arial" panose="020B0604020202020204" pitchFamily="34" charset="0"/>
+              <a:buChar char="•"/>
+            </a:pPr>
+            <a:r>
+              <a:rPr lang="en-US" sz="2000" dirty="0">
+                <a:latin typeface="Bahnschrift SemiLight" panose="020B0502040204020203" pitchFamily="34" charset="0"/>
+              </a:rPr>
+              <a:t>Implement data privacy and secure login features.</a:t>
+            </a:r>
+          </a:p>
+          <a:p>
+            <a:pPr>
+              <a:buFont typeface="Arial" panose="020B0604020202020204" pitchFamily="34" charset="0"/>
+              <a:buChar char="•"/>
+            </a:pPr>
+            <a:r>
+              <a:rPr lang="en-US" sz="2000" b="1" dirty="0">
+                <a:latin typeface="Bahnschrift SemiLight" panose="020B0502040204020203" pitchFamily="34" charset="0"/>
+              </a:rPr>
+              <a:t>Resources:</a:t>
+            </a:r>
+            <a:r>
+              <a:rPr lang="en-US" sz="2000" dirty="0">
+                <a:latin typeface="Bahnschrift SemiLight" panose="020B0502040204020203" pitchFamily="34" charset="0"/>
+              </a:rPr>
+              <a:t> </a:t>
+            </a:r>
+          </a:p>
+          <a:p>
+            <a:pPr marL="742950" lvl="1" indent="-285750">
+              <a:buFont typeface="Arial" panose="020B0604020202020204" pitchFamily="34" charset="0"/>
+              <a:buChar char="•"/>
+            </a:pPr>
+            <a:r>
+              <a:rPr lang="en-US" sz="2000" dirty="0">
+                <a:latin typeface="Bahnschrift SemiLight" panose="020B0502040204020203" pitchFamily="34" charset="0"/>
+              </a:rPr>
+              <a:t>Development Team (Front-end, Back-end, QA)</a:t>
+            </a:r>
+          </a:p>
+          <a:p>
+            <a:pPr marL="742950" lvl="1" indent="-285750">
+              <a:buFont typeface="Arial" panose="020B0604020202020204" pitchFamily="34" charset="0"/>
+              <a:buChar char="•"/>
+            </a:pPr>
+            <a:r>
+              <a:rPr lang="en-US" sz="2000" dirty="0">
+                <a:latin typeface="Bahnschrift SemiLight" panose="020B0502040204020203" pitchFamily="34" charset="0"/>
+              </a:rPr>
+              <a:t>Cloud Infrastructure</a:t>
+            </a:r>
+          </a:p>
+          <a:p>
+            <a:pPr marL="742950" lvl="1" indent="-285750">
+              <a:buFont typeface="Arial" panose="020B0604020202020204" pitchFamily="34" charset="0"/>
+              <a:buChar char="•"/>
+            </a:pPr>
+            <a:r>
+              <a:rPr lang="en-US" sz="2000" dirty="0">
+                <a:latin typeface="Bahnschrift SemiLight" panose="020B0502040204020203" pitchFamily="34" charset="0"/>
+              </a:rPr>
+              <a:t>Data Security Consultant</a:t>
+            </a:r>
+          </a:p>
+        </p:txBody>
+      </p:sp>
+    </p:spTree>
+    <p:extLst>
+      <p:ext uri="{BB962C8B-B14F-4D97-AF65-F5344CB8AC3E}">
+        <p14:creationId xmlns:p14="http://schemas.microsoft.com/office/powerpoint/2010/main" val="512440218"/>
+      </p:ext>
+    </p:extLst>
+  </p:cSld>
+  <p:clrMapOvr>
+    <a:masterClrMapping/>
+  </p:clrMapOvr>
+</p:sld>
+</file>
+
+<file path=ppt/slides/slide5.xml><?xml version="1.0" encoding="utf-8"?>
 <p:sld xmlns:a="http://schemas.openxmlformats.org/drawingml/2006/main" xmlns:r="http://schemas.openxmlformats.org/officeDocument/2006/relationships" xmlns:p="http://schemas.openxmlformats.org/presentationml/2006/main">
   <p:cSld>
     <p:spTree>
@@ -6785,7 +9581,7 @@
         </p:nvSpPr>
         <p:spPr>
           <a:xfrm>
-            <a:off x="1010446" y="2044701"/>
+            <a:off x="744759" y="1970088"/>
             <a:ext cx="10457654" cy="3981450"/>
           </a:xfrm>
           <a:prstGeom prst="rect">
@@ -6794,7 +9590,7 @@
         </p:spPr>
         <p:txBody>
           <a:bodyPr vert="horz" lIns="91440" tIns="45720" rIns="91440" bIns="45720" rtlCol="0">
-            <a:normAutofit fontScale="55000" lnSpcReduction="20000"/>
+            <a:noAutofit/>
           </a:bodyPr>
           <a:lstStyle>
             <a:lvl1pPr marL="368300" indent="-352425" algn="l" defTabSz="914400" rtl="0" eaLnBrk="1" latinLnBrk="0" hangingPunct="1">
@@ -6998,44 +9794,27 @@
               <a:buAutoNum type="arabicPeriod"/>
             </a:pPr>
             <a:r>
-              <a:rPr lang="en-US" b="1" dirty="0"/>
+              <a:rPr lang="en-US" sz="2000" b="1" dirty="0">
+                <a:latin typeface="Bahnschrift SemiLight" panose="020B0502040204020203" pitchFamily="34" charset="0"/>
+              </a:rPr>
               <a:t>Planning</a:t>
             </a:r>
           </a:p>
           <a:p>
-            <a:pPr marL="15875" indent="0">
-              <a:buNone/>
-            </a:pPr>
-            <a:r>
-              <a:rPr lang="en-US" b="1" dirty="0"/>
-              <a:t>In the planning phase, the goal is to define the project’s goals, scope, and resource requirements.</a:t>
-            </a:r>
-          </a:p>
-          <a:p>
-            <a:pPr>
-              <a:buFont typeface="Arial" panose="020B0604020202020204" pitchFamily="34" charset="0"/>
-              <a:buChar char="•"/>
-            </a:pPr>
-            <a:r>
-              <a:rPr lang="en-US" b="1" dirty="0"/>
-              <a:t>Goal:</a:t>
-            </a:r>
-            <a:r>
-              <a:rPr lang="en-US" dirty="0"/>
-              <a:t> Create an intuitive, scalable collaborative learning platform.</a:t>
-            </a:r>
-          </a:p>
-          <a:p>
-            <a:pPr>
-              <a:buFont typeface="Arial" panose="020B0604020202020204" pitchFamily="34" charset="0"/>
-              <a:buChar char="•"/>
-            </a:pPr>
-            <a:r>
-              <a:rPr lang="en-US" b="1" dirty="0"/>
-              <a:t>Scope:</a:t>
-            </a:r>
-            <a:r>
-              <a:rPr lang="en-US" dirty="0"/>
+            <a:pPr>
+              <a:buFont typeface="Arial" panose="020B0604020202020204" pitchFamily="34" charset="0"/>
+              <a:buChar char="•"/>
+            </a:pPr>
+            <a:r>
+              <a:rPr lang="en-US" sz="2000" b="1" dirty="0">
+                <a:latin typeface="Bahnschrift SemiLight" panose="020B0502040204020203" pitchFamily="34" charset="0"/>
+              </a:rPr>
+              <a:t>Timeline:</a:t>
+            </a:r>
+            <a:r>
+              <a:rPr lang="en-US" sz="2000" dirty="0">
+                <a:latin typeface="Bahnschrift SemiLight" panose="020B0502040204020203" pitchFamily="34" charset="0"/>
+              </a:rPr>
               <a:t> </a:t>
             </a:r>
           </a:p>
@@ -7045,8 +9824,10 @@
               <a:buChar char="•"/>
             </a:pPr>
             <a:r>
-              <a:rPr lang="en-US" dirty="0"/>
-              <a:t>Develop student-teacher collaboration tools (chat, video calls, file sharing).</a:t>
+              <a:rPr lang="en-US" sz="2000" dirty="0">
+                <a:latin typeface="Bahnschrift SemiLight" panose="020B0502040204020203" pitchFamily="34" charset="0"/>
+              </a:rPr>
+              <a:t>MVP within 4 months</a:t>
             </a:r>
           </a:p>
           <a:p>
@@ -7055,95 +9836,9 @@
               <a:buChar char="•"/>
             </a:pPr>
             <a:r>
-              <a:rPr lang="en-US" dirty="0"/>
-              <a:t>Create interactive learning modules.</a:t>
-            </a:r>
-          </a:p>
-          <a:p>
-            <a:pPr marL="742950" lvl="1" indent="-285750">
-              <a:buFont typeface="Arial" panose="020B0604020202020204" pitchFamily="34" charset="0"/>
-              <a:buChar char="•"/>
-            </a:pPr>
-            <a:r>
-              <a:rPr lang="en-US" dirty="0"/>
-              <a:t>Implement data privacy and secure login features.</a:t>
-            </a:r>
-          </a:p>
-          <a:p>
-            <a:pPr>
-              <a:buFont typeface="Arial" panose="020B0604020202020204" pitchFamily="34" charset="0"/>
-              <a:buChar char="•"/>
-            </a:pPr>
-            <a:r>
-              <a:rPr lang="en-US" b="1" dirty="0"/>
-              <a:t>Resources:</a:t>
-            </a:r>
-            <a:r>
-              <a:rPr lang="en-US" dirty="0"/>
-              <a:t> </a:t>
-            </a:r>
-          </a:p>
-          <a:p>
-            <a:pPr marL="742950" lvl="1" indent="-285750">
-              <a:buFont typeface="Arial" panose="020B0604020202020204" pitchFamily="34" charset="0"/>
-              <a:buChar char="•"/>
-            </a:pPr>
-            <a:r>
-              <a:rPr lang="en-US" dirty="0"/>
-              <a:t>Development Team (Front-end, Back-end, QA)</a:t>
-            </a:r>
-          </a:p>
-          <a:p>
-            <a:pPr marL="742950" lvl="1" indent="-285750">
-              <a:buFont typeface="Arial" panose="020B0604020202020204" pitchFamily="34" charset="0"/>
-              <a:buChar char="•"/>
-            </a:pPr>
-            <a:r>
-              <a:rPr lang="en-US" dirty="0"/>
-              <a:t>Cloud Infrastructure</a:t>
-            </a:r>
-          </a:p>
-          <a:p>
-            <a:pPr marL="742950" lvl="1" indent="-285750">
-              <a:buFont typeface="Arial" panose="020B0604020202020204" pitchFamily="34" charset="0"/>
-              <a:buChar char="•"/>
-            </a:pPr>
-            <a:r>
-              <a:rPr lang="en-US" dirty="0"/>
-              <a:t>Data Security Consultants</a:t>
-            </a:r>
-          </a:p>
-          <a:p>
-            <a:pPr>
-              <a:buFont typeface="Arial" panose="020B0604020202020204" pitchFamily="34" charset="0"/>
-              <a:buChar char="•"/>
-            </a:pPr>
-            <a:r>
-              <a:rPr lang="en-US" b="1" dirty="0"/>
-              <a:t>Timeline:</a:t>
-            </a:r>
-            <a:r>
-              <a:rPr lang="en-US" dirty="0"/>
-              <a:t> </a:t>
-            </a:r>
-          </a:p>
-          <a:p>
-            <a:pPr marL="742950" lvl="1" indent="-285750">
-              <a:buFont typeface="Arial" panose="020B0604020202020204" pitchFamily="34" charset="0"/>
-              <a:buChar char="•"/>
-            </a:pPr>
-            <a:r>
-              <a:rPr lang="en-US" dirty="0"/>
-              <a:t>MVP within 4 months</a:t>
-            </a:r>
-          </a:p>
-          <a:p>
-            <a:pPr marL="742950" lvl="1" indent="-285750">
-              <a:buFont typeface="Arial" panose="020B0604020202020204" pitchFamily="34" charset="0"/>
-              <a:buChar char="•"/>
-            </a:pPr>
-            <a:r>
-              <a:rPr lang="en-US" dirty="0"/>
+              <a:rPr lang="en-US" sz="2000" dirty="0">
+                <a:latin typeface="Bahnschrift SemiLight" panose="020B0502040204020203" pitchFamily="34" charset="0"/>
+              </a:rPr>
               <a:t>Full-featured product within 12 months</a:t>
             </a:r>
           </a:p>
@@ -7162,7 +9857,7 @@
 </p:sld>
 </file>
 
-<file path=ppt/slides/slide4.xml><?xml version="1.0" encoding="utf-8"?>
+<file path=ppt/slides/slide6.xml><?xml version="1.0" encoding="utf-8"?>
 <p:sld xmlns:a="http://schemas.openxmlformats.org/drawingml/2006/main" xmlns:r="http://schemas.openxmlformats.org/officeDocument/2006/relationships" xmlns:p="http://schemas.openxmlformats.org/presentationml/2006/main">
   <p:cSld>
     <p:spTree>
@@ -7239,7 +9934,7 @@
         </p:spPr>
         <p:txBody>
           <a:bodyPr vert="horz" lIns="91440" tIns="45720" rIns="91440" bIns="45720" rtlCol="0">
-            <a:normAutofit fontScale="55000" lnSpcReduction="20000"/>
+            <a:noAutofit/>
           </a:bodyPr>
           <a:lstStyle>
             <a:lvl1pPr marL="368300" indent="-352425" algn="l" defTabSz="914400" rtl="0" eaLnBrk="1" latinLnBrk="0" hangingPunct="1">
@@ -7443,7 +10138,9 @@
               <a:buNone/>
             </a:pPr>
             <a:r>
-              <a:rPr lang="en-US" b="1" dirty="0"/>
+              <a:rPr lang="en-US" sz="2000" b="1" dirty="0">
+                <a:latin typeface="Bahnschrift SemiLight" panose="020B0502040204020203" pitchFamily="34" charset="0"/>
+              </a:rPr>
               <a:t>Requirements Analysis</a:t>
             </a:r>
           </a:p>
@@ -7452,7 +10149,9 @@
               <a:buNone/>
             </a:pPr>
             <a:r>
-              <a:rPr lang="en-US" b="1" dirty="0"/>
+              <a:rPr lang="en-US" sz="2000" b="1" dirty="0">
+                <a:latin typeface="Bahnschrift SemiLight" panose="020B0502040204020203" pitchFamily="34" charset="0"/>
+              </a:rPr>
               <a:t>Identify the functional and non-functional requirements based on stakeholder needs.</a:t>
             </a:r>
           </a:p>
@@ -7462,10 +10161,14 @@
               <a:buChar char="•"/>
             </a:pPr>
             <a:r>
-              <a:rPr lang="en-US" b="1" dirty="0"/>
+              <a:rPr lang="en-US" sz="2000" b="1" dirty="0">
+                <a:latin typeface="Bahnschrift SemiLight" panose="020B0502040204020203" pitchFamily="34" charset="0"/>
+              </a:rPr>
               <a:t>Functional Requirements:</a:t>
             </a:r>
-            <a:endParaRPr lang="en-US" dirty="0"/>
+            <a:endParaRPr lang="en-US" sz="2000" dirty="0">
+              <a:latin typeface="Bahnschrift SemiLight" panose="020B0502040204020203" pitchFamily="34" charset="0"/>
+            </a:endParaRPr>
           </a:p>
           <a:p>
             <a:pPr marL="742950" lvl="1" indent="-285750">
@@ -7473,7 +10176,9 @@
               <a:buChar char="•"/>
             </a:pPr>
             <a:r>
-              <a:rPr lang="en-US" dirty="0"/>
+              <a:rPr lang="en-US" sz="2000" dirty="0">
+                <a:latin typeface="Bahnschrift SemiLight" panose="020B0502040204020203" pitchFamily="34" charset="0"/>
+              </a:rPr>
               <a:t>Real-time chat and video call support.</a:t>
             </a:r>
           </a:p>
@@ -7483,7 +10188,9 @@
               <a:buChar char="•"/>
             </a:pPr>
             <a:r>
-              <a:rPr lang="en-US" dirty="0"/>
+              <a:rPr lang="en-US" sz="2000" dirty="0">
+                <a:latin typeface="Bahnschrift SemiLight" panose="020B0502040204020203" pitchFamily="34" charset="0"/>
+              </a:rPr>
               <a:t>Secure login for students, teachers, and administrators.</a:t>
             </a:r>
           </a:p>
@@ -7493,7 +10200,9 @@
               <a:buChar char="•"/>
             </a:pPr>
             <a:r>
-              <a:rPr lang="en-US" dirty="0"/>
+              <a:rPr lang="en-US" sz="2000" dirty="0">
+                <a:latin typeface="Bahnschrift SemiLight" panose="020B0502040204020203" pitchFamily="34" charset="0"/>
+              </a:rPr>
               <a:t>Assignment submission and grading system.</a:t>
             </a:r>
           </a:p>
@@ -7503,10 +10212,14 @@
               <a:buChar char="•"/>
             </a:pPr>
             <a:r>
-              <a:rPr lang="en-US" b="1" dirty="0"/>
+              <a:rPr lang="en-US" sz="2000" b="1" dirty="0">
+                <a:latin typeface="Bahnschrift SemiLight" panose="020B0502040204020203" pitchFamily="34" charset="0"/>
+              </a:rPr>
               <a:t>Non-Functional Requirements:</a:t>
             </a:r>
-            <a:endParaRPr lang="en-US" dirty="0"/>
+            <a:endParaRPr lang="en-US" sz="2000" dirty="0">
+              <a:latin typeface="Bahnschrift SemiLight" panose="020B0502040204020203" pitchFamily="34" charset="0"/>
+            </a:endParaRPr>
           </a:p>
           <a:p>
             <a:pPr marL="742950" lvl="1" indent="-285750">
@@ -7514,7 +10227,9 @@
               <a:buChar char="•"/>
             </a:pPr>
             <a:r>
-              <a:rPr lang="en-US" dirty="0"/>
+              <a:rPr lang="en-US" sz="2000" dirty="0">
+                <a:latin typeface="Bahnschrift SemiLight" panose="020B0502040204020203" pitchFamily="34" charset="0"/>
+              </a:rPr>
               <a:t>Scalability – Must support 100,000+ simultaneous users.</a:t>
             </a:r>
           </a:p>
@@ -7524,7 +10239,9 @@
               <a:buChar char="•"/>
             </a:pPr>
             <a:r>
-              <a:rPr lang="en-US" dirty="0"/>
+              <a:rPr lang="en-US" sz="2000" dirty="0">
+                <a:latin typeface="Bahnschrift SemiLight" panose="020B0502040204020203" pitchFamily="34" charset="0"/>
+              </a:rPr>
               <a:t>Data privacy – Must comply with GDPR.</a:t>
             </a:r>
           </a:p>
@@ -7534,63 +10251,11 @@
               <a:buChar char="•"/>
             </a:pPr>
             <a:r>
-              <a:rPr lang="en-US" dirty="0"/>
+              <a:rPr lang="en-US" sz="2000" dirty="0">
+                <a:latin typeface="Bahnschrift SemiLight" panose="020B0502040204020203" pitchFamily="34" charset="0"/>
+              </a:rPr>
               <a:t>99.9% uptime.</a:t>
             </a:r>
-          </a:p>
-          <a:p>
-            <a:pPr marL="742950" lvl="1" indent="-285750">
-              <a:buFont typeface="Arial" panose="020B0604020202020204" pitchFamily="34" charset="0"/>
-              <a:buChar char="•"/>
-            </a:pPr>
-            <a:endParaRPr lang="en-US" dirty="0"/>
-          </a:p>
-          <a:p>
-            <a:pPr>
-              <a:buNone/>
-            </a:pPr>
-            <a:r>
-              <a:rPr lang="en-US" b="1" dirty="0"/>
-              <a:t>Stakeholders:</a:t>
-            </a:r>
-            <a:endParaRPr lang="en-US" dirty="0"/>
-          </a:p>
-          <a:p>
-            <a:pPr>
-              <a:buFont typeface="Arial" panose="020B0604020202020204" pitchFamily="34" charset="0"/>
-              <a:buChar char="•"/>
-            </a:pPr>
-            <a:r>
-              <a:rPr lang="en-US" dirty="0"/>
-              <a:t>Students – Ease of use, quick navigation.</a:t>
-            </a:r>
-          </a:p>
-          <a:p>
-            <a:pPr>
-              <a:buFont typeface="Arial" panose="020B0604020202020204" pitchFamily="34" charset="0"/>
-              <a:buChar char="•"/>
-            </a:pPr>
-            <a:r>
-              <a:rPr lang="en-US" dirty="0"/>
-              <a:t>Teachers – Gradebook, assignment tracking.</a:t>
-            </a:r>
-          </a:p>
-          <a:p>
-            <a:pPr>
-              <a:buFont typeface="Arial" panose="020B0604020202020204" pitchFamily="34" charset="0"/>
-              <a:buChar char="•"/>
-            </a:pPr>
-            <a:r>
-              <a:rPr lang="en-US" dirty="0"/>
-              <a:t>Admins – User management and system reporting.</a:t>
-            </a:r>
-          </a:p>
-          <a:p>
-            <a:pPr marL="742950" lvl="1" indent="-285750">
-              <a:buFont typeface="Arial" panose="020B0604020202020204" pitchFamily="34" charset="0"/>
-              <a:buChar char="•"/>
-            </a:pPr>
-            <a:endParaRPr lang="en-US" dirty="0"/>
           </a:p>
         </p:txBody>
       </p:sp>
@@ -7607,7 +10272,371 @@
 </p:sld>
 </file>
 
-<file path=ppt/slides/slide5.xml><?xml version="1.0" encoding="utf-8"?>
+<file path=ppt/slides/slide7.xml><?xml version="1.0" encoding="utf-8"?>
+<p:sld xmlns:a="http://schemas.openxmlformats.org/drawingml/2006/main" xmlns:r="http://schemas.openxmlformats.org/officeDocument/2006/relationships" xmlns:p="http://schemas.openxmlformats.org/presentationml/2006/main">
+  <p:cSld>
+    <p:spTree>
+      <p:nvGrpSpPr>
+        <p:cNvPr id="1" name="">
+          <a:extLst>
+            <a:ext uri="{FF2B5EF4-FFF2-40B4-BE49-F238E27FC236}">
+              <a16:creationId xmlns:a16="http://schemas.microsoft.com/office/drawing/2014/main" id="{04C08C43-C4E4-325E-12D6-C338B1BF8E5F}"/>
+            </a:ext>
+          </a:extLst>
+        </p:cNvPr>
+        <p:cNvGrpSpPr/>
+        <p:nvPr/>
+      </p:nvGrpSpPr>
+      <p:grpSpPr>
+        <a:xfrm>
+          <a:off x="0" y="0"/>
+          <a:ext cx="0" cy="0"/>
+          <a:chOff x="0" y="0"/>
+          <a:chExt cx="0" cy="0"/>
+        </a:xfrm>
+      </p:grpSpPr>
+      <p:sp>
+        <p:nvSpPr>
+          <p:cNvPr id="3" name="Title 2">
+            <a:extLst>
+              <a:ext uri="{FF2B5EF4-FFF2-40B4-BE49-F238E27FC236}">
+                <a16:creationId xmlns:a16="http://schemas.microsoft.com/office/drawing/2014/main" id="{9B36D451-5BF9-A208-3F24-6C289FAA540B}"/>
+              </a:ext>
+            </a:extLst>
+          </p:cNvPr>
+          <p:cNvSpPr>
+            <a:spLocks noGrp="1"/>
+          </p:cNvSpPr>
+          <p:nvPr>
+            <p:ph type="title"/>
+          </p:nvPr>
+        </p:nvSpPr>
+        <p:spPr/>
+        <p:txBody>
+          <a:bodyPr/>
+          <a:lstStyle/>
+          <a:p>
+            <a:r>
+              <a:rPr lang="en-US" dirty="0"/>
+              <a:t>SDLC – PHASES</a:t>
+            </a:r>
+            <a:endParaRPr lang="hr-HR" dirty="0"/>
+          </a:p>
+        </p:txBody>
+      </p:sp>
+      <p:sp>
+        <p:nvSpPr>
+          <p:cNvPr id="5" name="Content Placeholder 2">
+            <a:extLst>
+              <a:ext uri="{FF2B5EF4-FFF2-40B4-BE49-F238E27FC236}">
+                <a16:creationId xmlns:a16="http://schemas.microsoft.com/office/drawing/2014/main" id="{517550DD-E8AD-1AAC-0F87-B46B6F36C9B6}"/>
+              </a:ext>
+            </a:extLst>
+          </p:cNvPr>
+          <p:cNvSpPr txBox="1">
+            <a:spLocks/>
+          </p:cNvSpPr>
+          <p:nvPr/>
+        </p:nvSpPr>
+        <p:spPr>
+          <a:xfrm>
+            <a:off x="1010446" y="2044701"/>
+            <a:ext cx="10457654" cy="4448174"/>
+          </a:xfrm>
+          <a:prstGeom prst="rect">
+            <a:avLst/>
+          </a:prstGeom>
+        </p:spPr>
+        <p:txBody>
+          <a:bodyPr vert="horz" lIns="91440" tIns="45720" rIns="91440" bIns="45720" rtlCol="0">
+            <a:noAutofit/>
+          </a:bodyPr>
+          <a:lstStyle>
+            <a:lvl1pPr marL="368300" indent="-352425" algn="l" defTabSz="914400" rtl="0" eaLnBrk="1" latinLnBrk="0" hangingPunct="1">
+              <a:lnSpc>
+                <a:spcPct val="90000"/>
+              </a:lnSpc>
+              <a:spcBef>
+                <a:spcPts val="600"/>
+              </a:spcBef>
+              <a:spcAft>
+                <a:spcPts val="600"/>
+              </a:spcAft>
+              <a:buClr>
+                <a:schemeClr val="accent2"/>
+              </a:buClr>
+              <a:buFont typeface="Wingdings" pitchFamily="2" charset="2"/>
+              <a:buChar char="§"/>
+              <a:tabLst/>
+              <a:defRPr sz="2400" kern="1200">
+                <a:solidFill>
+                  <a:schemeClr val="tx1"/>
+                </a:solidFill>
+                <a:latin typeface="+mn-lt"/>
+                <a:ea typeface="Open Sans" panose="020B0606030504020204" pitchFamily="34" charset="0"/>
+                <a:cs typeface="Open Sans" panose="020B0606030504020204" pitchFamily="34" charset="0"/>
+              </a:defRPr>
+            </a:lvl1pPr>
+            <a:lvl2pPr marL="771525" indent="-274638" algn="l" defTabSz="914400" rtl="0" eaLnBrk="1" latinLnBrk="0" hangingPunct="1">
+              <a:lnSpc>
+                <a:spcPct val="90000"/>
+              </a:lnSpc>
+              <a:spcBef>
+                <a:spcPts val="600"/>
+              </a:spcBef>
+              <a:spcAft>
+                <a:spcPts val="600"/>
+              </a:spcAft>
+              <a:buClr>
+                <a:schemeClr val="accent2"/>
+              </a:buClr>
+              <a:buFont typeface="Wingdings" pitchFamily="2" charset="2"/>
+              <a:buChar char="§"/>
+              <a:tabLst/>
+              <a:defRPr sz="2200" kern="1200">
+                <a:solidFill>
+                  <a:schemeClr val="tx1"/>
+                </a:solidFill>
+                <a:latin typeface="+mn-lt"/>
+                <a:ea typeface="Open Sans" panose="020B0606030504020204" pitchFamily="34" charset="0"/>
+                <a:cs typeface="Open Sans" panose="020B0606030504020204" pitchFamily="34" charset="0"/>
+              </a:defRPr>
+            </a:lvl2pPr>
+            <a:lvl3pPr marL="1143000" indent="-228600" algn="l" defTabSz="914400" rtl="0" eaLnBrk="1" latinLnBrk="0" hangingPunct="1">
+              <a:lnSpc>
+                <a:spcPct val="90000"/>
+              </a:lnSpc>
+              <a:spcBef>
+                <a:spcPts val="600"/>
+              </a:spcBef>
+              <a:spcAft>
+                <a:spcPts val="600"/>
+              </a:spcAft>
+              <a:buClr>
+                <a:schemeClr val="accent2"/>
+              </a:buClr>
+              <a:buFont typeface="Wingdings" pitchFamily="2" charset="2"/>
+              <a:buChar char="§"/>
+              <a:defRPr sz="2000" kern="1200">
+                <a:solidFill>
+                  <a:schemeClr val="tx1"/>
+                </a:solidFill>
+                <a:latin typeface="+mn-lt"/>
+                <a:ea typeface="Open Sans" panose="020B0606030504020204" pitchFamily="34" charset="0"/>
+                <a:cs typeface="Open Sans" panose="020B0606030504020204" pitchFamily="34" charset="0"/>
+              </a:defRPr>
+            </a:lvl3pPr>
+            <a:lvl4pPr marL="1600200" indent="-228600" algn="l" defTabSz="914400" rtl="0" eaLnBrk="1" latinLnBrk="0" hangingPunct="1">
+              <a:lnSpc>
+                <a:spcPct val="90000"/>
+              </a:lnSpc>
+              <a:spcBef>
+                <a:spcPts val="600"/>
+              </a:spcBef>
+              <a:spcAft>
+                <a:spcPts val="600"/>
+              </a:spcAft>
+              <a:buClr>
+                <a:schemeClr val="accent2"/>
+              </a:buClr>
+              <a:buFont typeface="Wingdings" pitchFamily="2" charset="2"/>
+              <a:buChar char="§"/>
+              <a:defRPr sz="1800" kern="1200">
+                <a:solidFill>
+                  <a:schemeClr val="tx1"/>
+                </a:solidFill>
+                <a:latin typeface="+mn-lt"/>
+                <a:ea typeface="Open Sans" panose="020B0606030504020204" pitchFamily="34" charset="0"/>
+                <a:cs typeface="Open Sans" panose="020B0606030504020204" pitchFamily="34" charset="0"/>
+              </a:defRPr>
+            </a:lvl4pPr>
+            <a:lvl5pPr marL="1960563" indent="-225425" algn="l" defTabSz="914400" rtl="0" eaLnBrk="1" latinLnBrk="0" hangingPunct="1">
+              <a:lnSpc>
+                <a:spcPct val="90000"/>
+              </a:lnSpc>
+              <a:spcBef>
+                <a:spcPts val="600"/>
+              </a:spcBef>
+              <a:spcAft>
+                <a:spcPts val="600"/>
+              </a:spcAft>
+              <a:buClr>
+                <a:schemeClr val="accent2"/>
+              </a:buClr>
+              <a:buFont typeface="Wingdings" pitchFamily="2" charset="2"/>
+              <a:buChar char="§"/>
+              <a:tabLst/>
+              <a:defRPr sz="1600" kern="1200">
+                <a:solidFill>
+                  <a:schemeClr val="tx1"/>
+                </a:solidFill>
+                <a:latin typeface="+mn-lt"/>
+                <a:ea typeface="Open Sans" panose="020B0606030504020204" pitchFamily="34" charset="0"/>
+                <a:cs typeface="Open Sans" panose="020B0606030504020204" pitchFamily="34" charset="0"/>
+              </a:defRPr>
+            </a:lvl5pPr>
+            <a:lvl6pPr marL="2514600" indent="-228600" algn="l" defTabSz="914400" rtl="0" eaLnBrk="1" latinLnBrk="0" hangingPunct="1">
+              <a:lnSpc>
+                <a:spcPct val="90000"/>
+              </a:lnSpc>
+              <a:spcBef>
+                <a:spcPts val="500"/>
+              </a:spcBef>
+              <a:buFont typeface="Arial" panose="020B0604020202020204" pitchFamily="34" charset="0"/>
+              <a:buChar char="•"/>
+              <a:defRPr sz="1800" kern="1200">
+                <a:solidFill>
+                  <a:schemeClr val="tx1"/>
+                </a:solidFill>
+                <a:latin typeface="+mn-lt"/>
+                <a:ea typeface="+mn-ea"/>
+                <a:cs typeface="+mn-cs"/>
+              </a:defRPr>
+            </a:lvl6pPr>
+            <a:lvl7pPr marL="2971800" indent="-228600" algn="l" defTabSz="914400" rtl="0" eaLnBrk="1" latinLnBrk="0" hangingPunct="1">
+              <a:lnSpc>
+                <a:spcPct val="90000"/>
+              </a:lnSpc>
+              <a:spcBef>
+                <a:spcPts val="500"/>
+              </a:spcBef>
+              <a:buFont typeface="Arial" panose="020B0604020202020204" pitchFamily="34" charset="0"/>
+              <a:buChar char="•"/>
+              <a:defRPr sz="1800" kern="1200">
+                <a:solidFill>
+                  <a:schemeClr val="tx1"/>
+                </a:solidFill>
+                <a:latin typeface="+mn-lt"/>
+                <a:ea typeface="+mn-ea"/>
+                <a:cs typeface="+mn-cs"/>
+              </a:defRPr>
+            </a:lvl7pPr>
+            <a:lvl8pPr marL="3429000" indent="-228600" algn="l" defTabSz="914400" rtl="0" eaLnBrk="1" latinLnBrk="0" hangingPunct="1">
+              <a:lnSpc>
+                <a:spcPct val="90000"/>
+              </a:lnSpc>
+              <a:spcBef>
+                <a:spcPts val="500"/>
+              </a:spcBef>
+              <a:buFont typeface="Arial" panose="020B0604020202020204" pitchFamily="34" charset="0"/>
+              <a:buChar char="•"/>
+              <a:defRPr sz="1800" kern="1200">
+                <a:solidFill>
+                  <a:schemeClr val="tx1"/>
+                </a:solidFill>
+                <a:latin typeface="+mn-lt"/>
+                <a:ea typeface="+mn-ea"/>
+                <a:cs typeface="+mn-cs"/>
+              </a:defRPr>
+            </a:lvl8pPr>
+            <a:lvl9pPr marL="3886200" indent="-228600" algn="l" defTabSz="914400" rtl="0" eaLnBrk="1" latinLnBrk="0" hangingPunct="1">
+              <a:lnSpc>
+                <a:spcPct val="90000"/>
+              </a:lnSpc>
+              <a:spcBef>
+                <a:spcPts val="500"/>
+              </a:spcBef>
+              <a:buFont typeface="Arial" panose="020B0604020202020204" pitchFamily="34" charset="0"/>
+              <a:buChar char="•"/>
+              <a:defRPr sz="1800" kern="1200">
+                <a:solidFill>
+                  <a:schemeClr val="tx1"/>
+                </a:solidFill>
+                <a:latin typeface="+mn-lt"/>
+                <a:ea typeface="+mn-ea"/>
+                <a:cs typeface="+mn-cs"/>
+              </a:defRPr>
+            </a:lvl9pPr>
+          </a:lstStyle>
+          <a:p>
+            <a:pPr>
+              <a:buNone/>
+            </a:pPr>
+            <a:r>
+              <a:rPr lang="en-US" sz="2000" b="1" dirty="0">
+                <a:latin typeface="Bahnschrift SemiLight" panose="020B0502040204020203" pitchFamily="34" charset="0"/>
+              </a:rPr>
+              <a:t>Requirements Analysis</a:t>
+            </a:r>
+            <a:endParaRPr lang="en-US" sz="2000" dirty="0">
+              <a:latin typeface="Bahnschrift SemiLight" panose="020B0502040204020203" pitchFamily="34" charset="0"/>
+            </a:endParaRPr>
+          </a:p>
+          <a:p>
+            <a:pPr>
+              <a:buNone/>
+            </a:pPr>
+            <a:r>
+              <a:rPr lang="en-US" sz="2000" b="1" dirty="0">
+                <a:latin typeface="Bahnschrift SemiLight" panose="020B0502040204020203" pitchFamily="34" charset="0"/>
+              </a:rPr>
+              <a:t>Stakeholders:</a:t>
+            </a:r>
+            <a:endParaRPr lang="en-US" sz="2000" dirty="0">
+              <a:latin typeface="Bahnschrift SemiLight" panose="020B0502040204020203" pitchFamily="34" charset="0"/>
+            </a:endParaRPr>
+          </a:p>
+          <a:p>
+            <a:pPr>
+              <a:buFont typeface="Arial" panose="020B0604020202020204" pitchFamily="34" charset="0"/>
+              <a:buChar char="•"/>
+            </a:pPr>
+            <a:r>
+              <a:rPr lang="en-US" sz="2000" dirty="0">
+                <a:latin typeface="Bahnschrift SemiLight" panose="020B0502040204020203" pitchFamily="34" charset="0"/>
+              </a:rPr>
+              <a:t>Students – Ease of use, quick navigation.</a:t>
+            </a:r>
+          </a:p>
+          <a:p>
+            <a:pPr>
+              <a:buFont typeface="Arial" panose="020B0604020202020204" pitchFamily="34" charset="0"/>
+              <a:buChar char="•"/>
+            </a:pPr>
+            <a:r>
+              <a:rPr lang="en-US" sz="2000" dirty="0">
+                <a:latin typeface="Bahnschrift SemiLight" panose="020B0502040204020203" pitchFamily="34" charset="0"/>
+              </a:rPr>
+              <a:t>Teachers – Gradebook, assignment tracking.</a:t>
+            </a:r>
+          </a:p>
+          <a:p>
+            <a:pPr>
+              <a:buFont typeface="Arial" panose="020B0604020202020204" pitchFamily="34" charset="0"/>
+              <a:buChar char="•"/>
+            </a:pPr>
+            <a:r>
+              <a:rPr lang="en-US" sz="2000" dirty="0">
+                <a:latin typeface="Bahnschrift SemiLight" panose="020B0502040204020203" pitchFamily="34" charset="0"/>
+              </a:rPr>
+              <a:t>Admins – User management and system reporting.</a:t>
+            </a:r>
+          </a:p>
+          <a:p>
+            <a:pPr marL="742950" lvl="1" indent="-285750">
+              <a:buFont typeface="Arial" panose="020B0604020202020204" pitchFamily="34" charset="0"/>
+              <a:buChar char="•"/>
+            </a:pPr>
+            <a:endParaRPr lang="en-US" sz="2000" dirty="0">
+              <a:latin typeface="Bahnschrift SemiLight" panose="020B0502040204020203" pitchFamily="34" charset="0"/>
+            </a:endParaRPr>
+          </a:p>
+        </p:txBody>
+      </p:sp>
+    </p:spTree>
+    <p:extLst>
+      <p:ext uri="{BB962C8B-B14F-4D97-AF65-F5344CB8AC3E}">
+        <p14:creationId xmlns:p14="http://schemas.microsoft.com/office/powerpoint/2010/main" val="316082493"/>
+      </p:ext>
+    </p:extLst>
+  </p:cSld>
+  <p:clrMapOvr>
+    <a:masterClrMapping/>
+  </p:clrMapOvr>
+</p:sld>
+</file>
+
+<file path=ppt/slides/slide8.xml><?xml version="1.0" encoding="utf-8"?>
 <p:sld xmlns:a="http://schemas.openxmlformats.org/drawingml/2006/main" xmlns:r="http://schemas.openxmlformats.org/officeDocument/2006/relationships" xmlns:p="http://schemas.openxmlformats.org/presentationml/2006/main">
   <p:cSld>
     <p:spTree>
@@ -7675,7 +10704,7 @@
         </p:nvSpPr>
         <p:spPr>
           <a:xfrm>
-            <a:off x="1010446" y="2044701"/>
+            <a:off x="867173" y="1690688"/>
             <a:ext cx="10457654" cy="4448174"/>
           </a:xfrm>
           <a:prstGeom prst="rect">
@@ -7684,7 +10713,7 @@
         </p:spPr>
         <p:txBody>
           <a:bodyPr vert="horz" lIns="91440" tIns="45720" rIns="91440" bIns="45720" rtlCol="0">
-            <a:normAutofit fontScale="85000" lnSpcReduction="20000"/>
+            <a:noAutofit/>
           </a:bodyPr>
           <a:lstStyle>
             <a:lvl1pPr marL="368300" indent="-352425" algn="l" defTabSz="914400" rtl="0" eaLnBrk="1" latinLnBrk="0" hangingPunct="1">
@@ -7888,28 +10917,40 @@
               <a:buNone/>
             </a:pPr>
             <a:r>
-              <a:rPr lang="hr-HR" b="1" dirty="0"/>
+              <a:rPr lang="hr-HR" sz="2000" b="1" dirty="0">
+                <a:latin typeface="Bahnschrift SemiLight" panose="020B0502040204020203" pitchFamily="34" charset="0"/>
+              </a:rPr>
               <a:t>Design</a:t>
             </a:r>
-            <a:endParaRPr lang="en-US" b="1" dirty="0"/>
+            <a:endParaRPr lang="en-US" sz="2000" b="1" dirty="0">
+              <a:latin typeface="Bahnschrift SemiLight" panose="020B0502040204020203" pitchFamily="34" charset="0"/>
+            </a:endParaRPr>
           </a:p>
           <a:p>
             <a:pPr>
               <a:buNone/>
             </a:pPr>
             <a:r>
-              <a:rPr lang="en-US" b="1" dirty="0"/>
+              <a:rPr lang="en-US" sz="2000" b="1" dirty="0">
+                <a:latin typeface="Bahnschrift SemiLight" panose="020B0502040204020203" pitchFamily="34" charset="0"/>
+              </a:rPr>
               <a:t>Design the architecture, data models, and user interfaces for </a:t>
             </a:r>
             <a:r>
-              <a:rPr lang="en-US" b="1" dirty="0" err="1"/>
+              <a:rPr lang="en-US" sz="2000" b="1" dirty="0" err="1">
+                <a:latin typeface="Bahnschrift SemiLight" panose="020B0502040204020203" pitchFamily="34" charset="0"/>
+              </a:rPr>
               <a:t>Eduhance</a:t>
             </a:r>
             <a:r>
-              <a:rPr lang="en-US" b="1" dirty="0"/>
+              <a:rPr lang="en-US" sz="2000" b="1" dirty="0">
+                <a:latin typeface="Bahnschrift SemiLight" panose="020B0502040204020203" pitchFamily="34" charset="0"/>
+              </a:rPr>
               <a:t>.</a:t>
             </a:r>
-            <a:endParaRPr lang="hr-HR" b="1" dirty="0"/>
+            <a:endParaRPr lang="hr-HR" sz="2000" b="1" dirty="0">
+              <a:latin typeface="Bahnschrift SemiLight" panose="020B0502040204020203" pitchFamily="34" charset="0"/>
+            </a:endParaRPr>
           </a:p>
           <a:p>
             <a:pPr>
@@ -7917,10 +10958,14 @@
               <a:buAutoNum type="arabicPeriod"/>
             </a:pPr>
             <a:r>
-              <a:rPr lang="hr-HR" b="1" dirty="0"/>
+              <a:rPr lang="hr-HR" sz="2000" b="1" dirty="0">
+                <a:latin typeface="Bahnschrift SemiLight" panose="020B0502040204020203" pitchFamily="34" charset="0"/>
+              </a:rPr>
               <a:t>Data Model:</a:t>
             </a:r>
-            <a:endParaRPr lang="hr-HR" dirty="0"/>
+            <a:endParaRPr lang="hr-HR" sz="2000" dirty="0">
+              <a:latin typeface="Bahnschrift SemiLight" panose="020B0502040204020203" pitchFamily="34" charset="0"/>
+            </a:endParaRPr>
           </a:p>
           <a:p>
             <a:pPr marL="742950" lvl="1" indent="-285750">
@@ -7928,27 +10973,39 @@
               <a:buAutoNum type="arabicPeriod"/>
             </a:pPr>
             <a:r>
-              <a:rPr lang="hr-HR" dirty="0" err="1"/>
+              <a:rPr lang="hr-HR" sz="2000" dirty="0" err="1">
+                <a:latin typeface="Bahnschrift SemiLight" panose="020B0502040204020203" pitchFamily="34" charset="0"/>
+              </a:rPr>
               <a:t>User</a:t>
             </a:r>
             <a:r>
-              <a:rPr lang="hr-HR" dirty="0"/>
+              <a:rPr lang="hr-HR" sz="2000" dirty="0">
+                <a:latin typeface="Bahnschrift SemiLight" panose="020B0502040204020203" pitchFamily="34" charset="0"/>
+              </a:rPr>
               <a:t> Table (</a:t>
             </a:r>
             <a:r>
-              <a:rPr lang="hr-HR" dirty="0" err="1"/>
+              <a:rPr lang="hr-HR" sz="2000" dirty="0" err="1">
+                <a:latin typeface="Bahnschrift SemiLight" panose="020B0502040204020203" pitchFamily="34" charset="0"/>
+              </a:rPr>
               <a:t>id</a:t>
             </a:r>
             <a:r>
-              <a:rPr lang="hr-HR" dirty="0"/>
+              <a:rPr lang="hr-HR" sz="2000" dirty="0">
+                <a:latin typeface="Bahnschrift SemiLight" panose="020B0502040204020203" pitchFamily="34" charset="0"/>
+              </a:rPr>
               <a:t>, </a:t>
             </a:r>
             <a:r>
-              <a:rPr lang="hr-HR" dirty="0" err="1"/>
+              <a:rPr lang="hr-HR" sz="2000" dirty="0" err="1">
+                <a:latin typeface="Bahnschrift SemiLight" panose="020B0502040204020203" pitchFamily="34" charset="0"/>
+              </a:rPr>
               <a:t>name</a:t>
             </a:r>
             <a:r>
-              <a:rPr lang="hr-HR" dirty="0"/>
+              <a:rPr lang="hr-HR" sz="2000" dirty="0">
+                <a:latin typeface="Bahnschrift SemiLight" panose="020B0502040204020203" pitchFamily="34" charset="0"/>
+              </a:rPr>
               <a:t>, role, email)</a:t>
             </a:r>
           </a:p>
@@ -7958,51 +11015,75 @@
               <a:buAutoNum type="arabicPeriod"/>
             </a:pPr>
             <a:r>
-              <a:rPr lang="hr-HR" dirty="0" err="1"/>
+              <a:rPr lang="hr-HR" sz="2000" dirty="0" err="1">
+                <a:latin typeface="Bahnschrift SemiLight" panose="020B0502040204020203" pitchFamily="34" charset="0"/>
+              </a:rPr>
               <a:t>Course</a:t>
             </a:r>
             <a:r>
-              <a:rPr lang="hr-HR" dirty="0"/>
+              <a:rPr lang="hr-HR" sz="2000" dirty="0">
+                <a:latin typeface="Bahnschrift SemiLight" panose="020B0502040204020203" pitchFamily="34" charset="0"/>
+              </a:rPr>
               <a:t> Table (</a:t>
             </a:r>
             <a:r>
-              <a:rPr lang="hr-HR" dirty="0" err="1"/>
+              <a:rPr lang="hr-HR" sz="2000" dirty="0" err="1">
+                <a:latin typeface="Bahnschrift SemiLight" panose="020B0502040204020203" pitchFamily="34" charset="0"/>
+              </a:rPr>
               <a:t>course</a:t>
             </a:r>
             <a:r>
-              <a:rPr lang="hr-HR" dirty="0"/>
+              <a:rPr lang="hr-HR" sz="2000" dirty="0">
+                <a:latin typeface="Bahnschrift SemiLight" panose="020B0502040204020203" pitchFamily="34" charset="0"/>
+              </a:rPr>
               <a:t> </a:t>
             </a:r>
             <a:r>
-              <a:rPr lang="hr-HR" dirty="0" err="1"/>
+              <a:rPr lang="hr-HR" sz="2000" dirty="0" err="1">
+                <a:latin typeface="Bahnschrift SemiLight" panose="020B0502040204020203" pitchFamily="34" charset="0"/>
+              </a:rPr>
               <a:t>id</a:t>
             </a:r>
             <a:r>
-              <a:rPr lang="hr-HR" dirty="0"/>
+              <a:rPr lang="hr-HR" sz="2000" dirty="0">
+                <a:latin typeface="Bahnschrift SemiLight" panose="020B0502040204020203" pitchFamily="34" charset="0"/>
+              </a:rPr>
               <a:t>, </a:t>
             </a:r>
             <a:r>
-              <a:rPr lang="hr-HR" dirty="0" err="1"/>
+              <a:rPr lang="hr-HR" sz="2000" dirty="0" err="1">
+                <a:latin typeface="Bahnschrift SemiLight" panose="020B0502040204020203" pitchFamily="34" charset="0"/>
+              </a:rPr>
               <a:t>name</a:t>
             </a:r>
             <a:r>
-              <a:rPr lang="hr-HR" dirty="0"/>
+              <a:rPr lang="hr-HR" sz="2000" dirty="0">
+                <a:latin typeface="Bahnschrift SemiLight" panose="020B0502040204020203" pitchFamily="34" charset="0"/>
+              </a:rPr>
               <a:t>, </a:t>
             </a:r>
             <a:r>
-              <a:rPr lang="hr-HR" dirty="0" err="1"/>
+              <a:rPr lang="hr-HR" sz="2000" dirty="0" err="1">
+                <a:latin typeface="Bahnschrift SemiLight" panose="020B0502040204020203" pitchFamily="34" charset="0"/>
+              </a:rPr>
               <a:t>teacher</a:t>
             </a:r>
             <a:r>
-              <a:rPr lang="hr-HR" dirty="0"/>
+              <a:rPr lang="hr-HR" sz="2000" dirty="0">
+                <a:latin typeface="Bahnschrift SemiLight" panose="020B0502040204020203" pitchFamily="34" charset="0"/>
+              </a:rPr>
               <a:t> </a:t>
             </a:r>
             <a:r>
-              <a:rPr lang="hr-HR" dirty="0" err="1"/>
+              <a:rPr lang="hr-HR" sz="2000" dirty="0" err="1">
+                <a:latin typeface="Bahnschrift SemiLight" panose="020B0502040204020203" pitchFamily="34" charset="0"/>
+              </a:rPr>
               <a:t>id</a:t>
             </a:r>
             <a:r>
-              <a:rPr lang="hr-HR" dirty="0"/>
+              <a:rPr lang="hr-HR" sz="2000" dirty="0">
+                <a:latin typeface="Bahnschrift SemiLight" panose="020B0502040204020203" pitchFamily="34" charset="0"/>
+              </a:rPr>
               <a:t>)</a:t>
             </a:r>
           </a:p>
@@ -8012,39 +11093,57 @@
               <a:buAutoNum type="arabicPeriod"/>
             </a:pPr>
             <a:r>
-              <a:rPr lang="hr-HR" dirty="0"/>
+              <a:rPr lang="hr-HR" sz="2000" dirty="0">
+                <a:latin typeface="Bahnschrift SemiLight" panose="020B0502040204020203" pitchFamily="34" charset="0"/>
+              </a:rPr>
               <a:t>Chat Table (chat </a:t>
             </a:r>
             <a:r>
-              <a:rPr lang="hr-HR" dirty="0" err="1"/>
+              <a:rPr lang="hr-HR" sz="2000" dirty="0" err="1">
+                <a:latin typeface="Bahnschrift SemiLight" panose="020B0502040204020203" pitchFamily="34" charset="0"/>
+              </a:rPr>
               <a:t>id</a:t>
             </a:r>
             <a:r>
-              <a:rPr lang="hr-HR" dirty="0"/>
+              <a:rPr lang="hr-HR" sz="2000" dirty="0">
+                <a:latin typeface="Bahnschrift SemiLight" panose="020B0502040204020203" pitchFamily="34" charset="0"/>
+              </a:rPr>
               <a:t>, </a:t>
             </a:r>
             <a:r>
-              <a:rPr lang="hr-HR" dirty="0" err="1"/>
+              <a:rPr lang="hr-HR" sz="2000" dirty="0" err="1">
+                <a:latin typeface="Bahnschrift SemiLight" panose="020B0502040204020203" pitchFamily="34" charset="0"/>
+              </a:rPr>
               <a:t>user</a:t>
             </a:r>
             <a:r>
-              <a:rPr lang="hr-HR" dirty="0"/>
+              <a:rPr lang="hr-HR" sz="2000" dirty="0">
+                <a:latin typeface="Bahnschrift SemiLight" panose="020B0502040204020203" pitchFamily="34" charset="0"/>
+              </a:rPr>
               <a:t> </a:t>
             </a:r>
             <a:r>
-              <a:rPr lang="hr-HR" dirty="0" err="1"/>
+              <a:rPr lang="hr-HR" sz="2000" dirty="0" err="1">
+                <a:latin typeface="Bahnschrift SemiLight" panose="020B0502040204020203" pitchFamily="34" charset="0"/>
+              </a:rPr>
               <a:t>id</a:t>
             </a:r>
             <a:r>
-              <a:rPr lang="hr-HR" dirty="0"/>
+              <a:rPr lang="hr-HR" sz="2000" dirty="0">
+                <a:latin typeface="Bahnschrift SemiLight" panose="020B0502040204020203" pitchFamily="34" charset="0"/>
+              </a:rPr>
               <a:t>, </a:t>
             </a:r>
             <a:r>
-              <a:rPr lang="hr-HR" dirty="0" err="1"/>
+              <a:rPr lang="hr-HR" sz="2000" dirty="0" err="1">
+                <a:latin typeface="Bahnschrift SemiLight" panose="020B0502040204020203" pitchFamily="34" charset="0"/>
+              </a:rPr>
               <a:t>message</a:t>
             </a:r>
             <a:r>
-              <a:rPr lang="hr-HR" dirty="0"/>
+              <a:rPr lang="hr-HR" sz="2000" dirty="0">
+                <a:latin typeface="Bahnschrift SemiLight" panose="020B0502040204020203" pitchFamily="34" charset="0"/>
+              </a:rPr>
               <a:t>)</a:t>
             </a:r>
           </a:p>
@@ -8054,18 +11153,26 @@
               <a:buAutoNum type="arabicPeriod"/>
             </a:pPr>
             <a:r>
-              <a:rPr lang="hr-HR" b="1" dirty="0"/>
+              <a:rPr lang="hr-HR" sz="2000" b="1" dirty="0">
+                <a:latin typeface="Bahnschrift SemiLight" panose="020B0502040204020203" pitchFamily="34" charset="0"/>
+              </a:rPr>
               <a:t>System </a:t>
             </a:r>
             <a:r>
-              <a:rPr lang="hr-HR" b="1" dirty="0" err="1"/>
+              <a:rPr lang="hr-HR" sz="2000" b="1" dirty="0" err="1">
+                <a:latin typeface="Bahnschrift SemiLight" panose="020B0502040204020203" pitchFamily="34" charset="0"/>
+              </a:rPr>
               <a:t>Architecture</a:t>
             </a:r>
             <a:r>
-              <a:rPr lang="hr-HR" b="1" dirty="0"/>
+              <a:rPr lang="hr-HR" sz="2000" b="1" dirty="0">
+                <a:latin typeface="Bahnschrift SemiLight" panose="020B0502040204020203" pitchFamily="34" charset="0"/>
+              </a:rPr>
               <a:t>:</a:t>
             </a:r>
-            <a:endParaRPr lang="hr-HR" dirty="0"/>
+            <a:endParaRPr lang="hr-HR" sz="2000" dirty="0">
+              <a:latin typeface="Bahnschrift SemiLight" panose="020B0502040204020203" pitchFamily="34" charset="0"/>
+            </a:endParaRPr>
           </a:p>
           <a:p>
             <a:pPr marL="742950" lvl="1" indent="-285750">
@@ -8073,43 +11180,63 @@
               <a:buAutoNum type="arabicPeriod"/>
             </a:pPr>
             <a:r>
-              <a:rPr lang="hr-HR" dirty="0" err="1"/>
+              <a:rPr lang="hr-HR" sz="2000" dirty="0" err="1">
+                <a:latin typeface="Bahnschrift SemiLight" panose="020B0502040204020203" pitchFamily="34" charset="0"/>
+              </a:rPr>
               <a:t>Microservices</a:t>
             </a:r>
             <a:r>
-              <a:rPr lang="hr-HR" dirty="0"/>
+              <a:rPr lang="hr-HR" sz="2000" dirty="0">
+                <a:latin typeface="Bahnschrift SemiLight" panose="020B0502040204020203" pitchFamily="34" charset="0"/>
+              </a:rPr>
               <a:t> </a:t>
             </a:r>
             <a:r>
-              <a:rPr lang="hr-HR" dirty="0" err="1"/>
+              <a:rPr lang="hr-HR" sz="2000" dirty="0" err="1">
+                <a:latin typeface="Bahnschrift SemiLight" panose="020B0502040204020203" pitchFamily="34" charset="0"/>
+              </a:rPr>
               <a:t>architecture</a:t>
             </a:r>
             <a:r>
-              <a:rPr lang="hr-HR" dirty="0"/>
+              <a:rPr lang="hr-HR" sz="2000" dirty="0">
+                <a:latin typeface="Bahnschrift SemiLight" panose="020B0502040204020203" pitchFamily="34" charset="0"/>
+              </a:rPr>
               <a:t> – Separate </a:t>
             </a:r>
             <a:r>
-              <a:rPr lang="hr-HR" dirty="0" err="1"/>
+              <a:rPr lang="hr-HR" sz="2000" dirty="0" err="1">
+                <a:latin typeface="Bahnschrift SemiLight" panose="020B0502040204020203" pitchFamily="34" charset="0"/>
+              </a:rPr>
               <a:t>modules</a:t>
             </a:r>
             <a:r>
-              <a:rPr lang="hr-HR" dirty="0"/>
+              <a:rPr lang="hr-HR" sz="2000" dirty="0">
+                <a:latin typeface="Bahnschrift SemiLight" panose="020B0502040204020203" pitchFamily="34" charset="0"/>
+              </a:rPr>
               <a:t> for chat, </a:t>
             </a:r>
             <a:r>
-              <a:rPr lang="hr-HR" dirty="0" err="1"/>
+              <a:rPr lang="hr-HR" sz="2000" dirty="0" err="1">
+                <a:latin typeface="Bahnschrift SemiLight" panose="020B0502040204020203" pitchFamily="34" charset="0"/>
+              </a:rPr>
               <a:t>grading</a:t>
             </a:r>
             <a:r>
-              <a:rPr lang="hr-HR" dirty="0"/>
+              <a:rPr lang="hr-HR" sz="2000" dirty="0">
+                <a:latin typeface="Bahnschrift SemiLight" panose="020B0502040204020203" pitchFamily="34" charset="0"/>
+              </a:rPr>
               <a:t>, </a:t>
             </a:r>
             <a:r>
-              <a:rPr lang="hr-HR" dirty="0" err="1"/>
+              <a:rPr lang="hr-HR" sz="2000" dirty="0" err="1">
+                <a:latin typeface="Bahnschrift SemiLight" panose="020B0502040204020203" pitchFamily="34" charset="0"/>
+              </a:rPr>
               <a:t>and</a:t>
             </a:r>
             <a:r>
-              <a:rPr lang="hr-HR" dirty="0"/>
+              <a:rPr lang="hr-HR" sz="2000" dirty="0">
+                <a:latin typeface="Bahnschrift SemiLight" panose="020B0502040204020203" pitchFamily="34" charset="0"/>
+              </a:rPr>
               <a:t> login.</a:t>
             </a:r>
           </a:p>
@@ -8119,31 +11246,45 @@
               <a:buAutoNum type="arabicPeriod"/>
             </a:pPr>
             <a:r>
-              <a:rPr lang="hr-HR" dirty="0"/>
+              <a:rPr lang="hr-HR" sz="2000" dirty="0">
+                <a:latin typeface="Bahnschrift SemiLight" panose="020B0502040204020203" pitchFamily="34" charset="0"/>
+              </a:rPr>
               <a:t>Cloud-</a:t>
             </a:r>
             <a:r>
-              <a:rPr lang="hr-HR" dirty="0" err="1"/>
+              <a:rPr lang="hr-HR" sz="2000" dirty="0" err="1">
+                <a:latin typeface="Bahnschrift SemiLight" panose="020B0502040204020203" pitchFamily="34" charset="0"/>
+              </a:rPr>
               <a:t>based</a:t>
             </a:r>
             <a:r>
-              <a:rPr lang="hr-HR" dirty="0"/>
+              <a:rPr lang="hr-HR" sz="2000" dirty="0">
+                <a:latin typeface="Bahnschrift SemiLight" panose="020B0502040204020203" pitchFamily="34" charset="0"/>
+              </a:rPr>
               <a:t> </a:t>
             </a:r>
             <a:r>
-              <a:rPr lang="hr-HR" dirty="0" err="1"/>
+              <a:rPr lang="hr-HR" sz="2000" dirty="0" err="1">
+                <a:latin typeface="Bahnschrift SemiLight" panose="020B0502040204020203" pitchFamily="34" charset="0"/>
+              </a:rPr>
               <a:t>infrastructure</a:t>
             </a:r>
             <a:r>
-              <a:rPr lang="hr-HR" dirty="0"/>
+              <a:rPr lang="hr-HR" sz="2000" dirty="0">
+                <a:latin typeface="Bahnschrift SemiLight" panose="020B0502040204020203" pitchFamily="34" charset="0"/>
+              </a:rPr>
               <a:t> (AWS </a:t>
             </a:r>
             <a:r>
-              <a:rPr lang="hr-HR" dirty="0" err="1"/>
+              <a:rPr lang="hr-HR" sz="2000" dirty="0" err="1">
+                <a:latin typeface="Bahnschrift SemiLight" panose="020B0502040204020203" pitchFamily="34" charset="0"/>
+              </a:rPr>
               <a:t>or</a:t>
             </a:r>
             <a:r>
-              <a:rPr lang="hr-HR" dirty="0"/>
+              <a:rPr lang="hr-HR" sz="2000" dirty="0">
+                <a:latin typeface="Bahnschrift SemiLight" panose="020B0502040204020203" pitchFamily="34" charset="0"/>
+              </a:rPr>
               <a:t> Azure).</a:t>
             </a:r>
           </a:p>
@@ -8153,10 +11294,14 @@
               <a:buAutoNum type="arabicPeriod"/>
             </a:pPr>
             <a:r>
-              <a:rPr lang="hr-HR" b="1" dirty="0"/>
+              <a:rPr lang="hr-HR" sz="2000" b="1" dirty="0">
+                <a:latin typeface="Bahnschrift SemiLight" panose="020B0502040204020203" pitchFamily="34" charset="0"/>
+              </a:rPr>
               <a:t>UI/UX Design:</a:t>
             </a:r>
-            <a:endParaRPr lang="hr-HR" dirty="0"/>
+            <a:endParaRPr lang="hr-HR" sz="2000" dirty="0">
+              <a:latin typeface="Bahnschrift SemiLight" panose="020B0502040204020203" pitchFamily="34" charset="0"/>
+            </a:endParaRPr>
           </a:p>
           <a:p>
             <a:pPr marL="742950" lvl="1" indent="-285750">
@@ -8164,19 +11309,27 @@
               <a:buAutoNum type="arabicPeriod"/>
             </a:pPr>
             <a:r>
-              <a:rPr lang="hr-HR" dirty="0" err="1"/>
+              <a:rPr lang="hr-HR" sz="2000" dirty="0" err="1">
+                <a:latin typeface="Bahnschrift SemiLight" panose="020B0502040204020203" pitchFamily="34" charset="0"/>
+              </a:rPr>
               <a:t>Clean</a:t>
             </a:r>
             <a:r>
-              <a:rPr lang="hr-HR" dirty="0"/>
+              <a:rPr lang="hr-HR" sz="2000" dirty="0">
+                <a:latin typeface="Bahnschrift SemiLight" panose="020B0502040204020203" pitchFamily="34" charset="0"/>
+              </a:rPr>
               <a:t>, </a:t>
             </a:r>
             <a:r>
-              <a:rPr lang="hr-HR" dirty="0" err="1"/>
+              <a:rPr lang="hr-HR" sz="2000" dirty="0" err="1">
+                <a:latin typeface="Bahnschrift SemiLight" panose="020B0502040204020203" pitchFamily="34" charset="0"/>
+              </a:rPr>
               <a:t>responsive</a:t>
             </a:r>
             <a:r>
-              <a:rPr lang="hr-HR" dirty="0"/>
+              <a:rPr lang="hr-HR" sz="2000" dirty="0">
+                <a:latin typeface="Bahnschrift SemiLight" panose="020B0502040204020203" pitchFamily="34" charset="0"/>
+              </a:rPr>
               <a:t> design.</a:t>
             </a:r>
           </a:p>
@@ -8186,31 +11339,45 @@
               <a:buAutoNum type="arabicPeriod"/>
             </a:pPr>
             <a:r>
-              <a:rPr lang="hr-HR" dirty="0"/>
+              <a:rPr lang="hr-HR" sz="2000" dirty="0">
+                <a:latin typeface="Bahnschrift SemiLight" panose="020B0502040204020203" pitchFamily="34" charset="0"/>
+              </a:rPr>
               <a:t>Mobile-</a:t>
             </a:r>
             <a:r>
-              <a:rPr lang="hr-HR" dirty="0" err="1"/>
+              <a:rPr lang="hr-HR" sz="2000" dirty="0" err="1">
+                <a:latin typeface="Bahnschrift SemiLight" panose="020B0502040204020203" pitchFamily="34" charset="0"/>
+              </a:rPr>
               <a:t>first</a:t>
             </a:r>
             <a:r>
-              <a:rPr lang="hr-HR" dirty="0"/>
+              <a:rPr lang="hr-HR" sz="2000" dirty="0">
+                <a:latin typeface="Bahnschrift SemiLight" panose="020B0502040204020203" pitchFamily="34" charset="0"/>
+              </a:rPr>
               <a:t> </a:t>
             </a:r>
             <a:r>
-              <a:rPr lang="hr-HR" dirty="0" err="1"/>
+              <a:rPr lang="hr-HR" sz="2000" dirty="0" err="1">
+                <a:latin typeface="Bahnschrift SemiLight" panose="020B0502040204020203" pitchFamily="34" charset="0"/>
+              </a:rPr>
               <a:t>approach</a:t>
             </a:r>
             <a:r>
-              <a:rPr lang="hr-HR" dirty="0"/>
+              <a:rPr lang="hr-HR" sz="2000" dirty="0">
+                <a:latin typeface="Bahnschrift SemiLight" panose="020B0502040204020203" pitchFamily="34" charset="0"/>
+              </a:rPr>
               <a:t> for </a:t>
             </a:r>
             <a:r>
-              <a:rPr lang="hr-HR" dirty="0" err="1"/>
+              <a:rPr lang="hr-HR" sz="2000" dirty="0" err="1">
+                <a:latin typeface="Bahnschrift SemiLight" panose="020B0502040204020203" pitchFamily="34" charset="0"/>
+              </a:rPr>
               <a:t>accessibility</a:t>
             </a:r>
             <a:r>
-              <a:rPr lang="hr-HR" dirty="0"/>
+              <a:rPr lang="hr-HR" sz="2000" dirty="0">
+                <a:latin typeface="Bahnschrift SemiLight" panose="020B0502040204020203" pitchFamily="34" charset="0"/>
+              </a:rPr>
               <a:t>.</a:t>
             </a:r>
           </a:p>
@@ -8229,7 +11396,7 @@
 </p:sld>
 </file>
 
-<file path=ppt/slides/slide6.xml><?xml version="1.0" encoding="utf-8"?>
+<file path=ppt/slides/slide9.xml><?xml version="1.0" encoding="utf-8"?>
 <p:sld xmlns:a="http://schemas.openxmlformats.org/drawingml/2006/main" xmlns:r="http://schemas.openxmlformats.org/officeDocument/2006/relationships" xmlns:p="http://schemas.openxmlformats.org/presentationml/2006/main">
   <p:cSld>
     <p:spTree>
@@ -8297,7 +11464,7 @@
         </p:nvSpPr>
         <p:spPr>
           <a:xfrm>
-            <a:off x="991396" y="2565401"/>
+            <a:off x="982930" y="2311401"/>
             <a:ext cx="10457654" cy="4448174"/>
           </a:xfrm>
           <a:prstGeom prst="rect">
@@ -8510,53 +11677,77 @@
               <a:buNone/>
             </a:pPr>
             <a:r>
-              <a:rPr lang="hr-HR" b="1" dirty="0" err="1"/>
+              <a:rPr lang="hr-HR" b="1" dirty="0" err="1">
+                <a:latin typeface="Bahnschrift SemiLight" panose="020B0502040204020203" pitchFamily="34" charset="0"/>
+              </a:rPr>
               <a:t>Implementation</a:t>
             </a:r>
-            <a:endParaRPr lang="hr-HR" b="1" dirty="0"/>
+            <a:endParaRPr lang="hr-HR" b="1" dirty="0">
+              <a:latin typeface="Bahnschrift SemiLight" panose="020B0502040204020203" pitchFamily="34" charset="0"/>
+            </a:endParaRPr>
           </a:p>
           <a:p>
             <a:pPr>
               <a:buNone/>
             </a:pPr>
             <a:r>
-              <a:rPr lang="hr-HR" b="1" dirty="0" err="1"/>
+              <a:rPr lang="hr-HR" b="1" dirty="0" err="1">
+                <a:latin typeface="Bahnschrift SemiLight" panose="020B0502040204020203" pitchFamily="34" charset="0"/>
+              </a:rPr>
               <a:t>Convert</a:t>
             </a:r>
             <a:r>
-              <a:rPr lang="hr-HR" b="1" dirty="0"/>
+              <a:rPr lang="hr-HR" b="1" dirty="0">
+                <a:latin typeface="Bahnschrift SemiLight" panose="020B0502040204020203" pitchFamily="34" charset="0"/>
+              </a:rPr>
               <a:t> </a:t>
             </a:r>
             <a:r>
-              <a:rPr lang="hr-HR" b="1" dirty="0" err="1"/>
+              <a:rPr lang="hr-HR" b="1" dirty="0" err="1">
+                <a:latin typeface="Bahnschrift SemiLight" panose="020B0502040204020203" pitchFamily="34" charset="0"/>
+              </a:rPr>
               <a:t>the</a:t>
             </a:r>
             <a:r>
-              <a:rPr lang="hr-HR" b="1" dirty="0"/>
+              <a:rPr lang="hr-HR" b="1" dirty="0">
+                <a:latin typeface="Bahnschrift SemiLight" panose="020B0502040204020203" pitchFamily="34" charset="0"/>
+              </a:rPr>
               <a:t> design </a:t>
             </a:r>
             <a:r>
-              <a:rPr lang="hr-HR" b="1" dirty="0" err="1"/>
+              <a:rPr lang="hr-HR" b="1" dirty="0" err="1">
+                <a:latin typeface="Bahnschrift SemiLight" panose="020B0502040204020203" pitchFamily="34" charset="0"/>
+              </a:rPr>
               <a:t>into</a:t>
             </a:r>
             <a:r>
-              <a:rPr lang="hr-HR" b="1" dirty="0"/>
+              <a:rPr lang="hr-HR" b="1" dirty="0">
+                <a:latin typeface="Bahnschrift SemiLight" panose="020B0502040204020203" pitchFamily="34" charset="0"/>
+              </a:rPr>
               <a:t> </a:t>
             </a:r>
             <a:r>
-              <a:rPr lang="hr-HR" b="1" dirty="0" err="1"/>
+              <a:rPr lang="hr-HR" b="1" dirty="0" err="1">
+                <a:latin typeface="Bahnschrift SemiLight" panose="020B0502040204020203" pitchFamily="34" charset="0"/>
+              </a:rPr>
               <a:t>working</a:t>
             </a:r>
             <a:r>
-              <a:rPr lang="hr-HR" b="1" dirty="0"/>
+              <a:rPr lang="hr-HR" b="1" dirty="0">
+                <a:latin typeface="Bahnschrift SemiLight" panose="020B0502040204020203" pitchFamily="34" charset="0"/>
+              </a:rPr>
               <a:t> </a:t>
             </a:r>
             <a:r>
-              <a:rPr lang="hr-HR" b="1" dirty="0" err="1"/>
+              <a:rPr lang="hr-HR" b="1" dirty="0" err="1">
+                <a:latin typeface="Bahnschrift SemiLight" panose="020B0502040204020203" pitchFamily="34" charset="0"/>
+              </a:rPr>
               <a:t>code</a:t>
             </a:r>
             <a:r>
-              <a:rPr lang="hr-HR" b="1" dirty="0"/>
+              <a:rPr lang="hr-HR" b="1" dirty="0">
+                <a:latin typeface="Bahnschrift SemiLight" panose="020B0502040204020203" pitchFamily="34" charset="0"/>
+              </a:rPr>
               <a:t>.</a:t>
             </a:r>
           </a:p>
@@ -8566,69 +11757,99 @@
               <a:buChar char="•"/>
             </a:pPr>
             <a:r>
-              <a:rPr lang="hr-HR" b="1" dirty="0" err="1"/>
+              <a:rPr lang="hr-HR" b="1" dirty="0" err="1">
+                <a:latin typeface="Bahnschrift SemiLight" panose="020B0502040204020203" pitchFamily="34" charset="0"/>
+              </a:rPr>
               <a:t>Backend</a:t>
             </a:r>
             <a:r>
-              <a:rPr lang="hr-HR" b="1" dirty="0"/>
+              <a:rPr lang="hr-HR" b="1" dirty="0">
+                <a:latin typeface="Bahnschrift SemiLight" panose="020B0502040204020203" pitchFamily="34" charset="0"/>
+              </a:rPr>
               <a:t>:</a:t>
             </a:r>
             <a:r>
-              <a:rPr lang="hr-HR" dirty="0"/>
+              <a:rPr lang="hr-HR" dirty="0">
+                <a:latin typeface="Bahnschrift SemiLight" panose="020B0502040204020203" pitchFamily="34" charset="0"/>
+              </a:rPr>
               <a:t> Node.js + Express.js + </a:t>
             </a:r>
             <a:r>
-              <a:rPr lang="hr-HR" dirty="0" err="1"/>
+              <a:rPr lang="hr-HR" dirty="0" err="1">
+                <a:latin typeface="Bahnschrift SemiLight" panose="020B0502040204020203" pitchFamily="34" charset="0"/>
+              </a:rPr>
               <a:t>PostgreSQL</a:t>
             </a:r>
-            <a:endParaRPr lang="hr-HR" dirty="0"/>
-          </a:p>
-          <a:p>
-            <a:pPr>
-              <a:buFont typeface="Arial" panose="020B0604020202020204" pitchFamily="34" charset="0"/>
-              <a:buChar char="•"/>
-            </a:pPr>
-            <a:r>
-              <a:rPr lang="hr-HR" b="1" dirty="0" err="1"/>
+            <a:endParaRPr lang="hr-HR" dirty="0">
+              <a:latin typeface="Bahnschrift SemiLight" panose="020B0502040204020203" pitchFamily="34" charset="0"/>
+            </a:endParaRPr>
+          </a:p>
+          <a:p>
+            <a:pPr>
+              <a:buFont typeface="Arial" panose="020B0604020202020204" pitchFamily="34" charset="0"/>
+              <a:buChar char="•"/>
+            </a:pPr>
+            <a:r>
+              <a:rPr lang="hr-HR" b="1" dirty="0" err="1">
+                <a:latin typeface="Bahnschrift SemiLight" panose="020B0502040204020203" pitchFamily="34" charset="0"/>
+              </a:rPr>
               <a:t>Frontend</a:t>
             </a:r>
             <a:r>
-              <a:rPr lang="hr-HR" b="1" dirty="0"/>
+              <a:rPr lang="hr-HR" b="1" dirty="0">
+                <a:latin typeface="Bahnschrift SemiLight" panose="020B0502040204020203" pitchFamily="34" charset="0"/>
+              </a:rPr>
               <a:t>:</a:t>
             </a:r>
             <a:r>
-              <a:rPr lang="hr-HR" dirty="0"/>
+              <a:rPr lang="hr-HR" dirty="0">
+                <a:latin typeface="Bahnschrift SemiLight" panose="020B0502040204020203" pitchFamily="34" charset="0"/>
+              </a:rPr>
               <a:t> React.js + </a:t>
             </a:r>
             <a:r>
-              <a:rPr lang="hr-HR" dirty="0" err="1"/>
+              <a:rPr lang="hr-HR" dirty="0" err="1">
+                <a:latin typeface="Bahnschrift SemiLight" panose="020B0502040204020203" pitchFamily="34" charset="0"/>
+              </a:rPr>
               <a:t>Redux</a:t>
             </a:r>
-            <a:endParaRPr lang="hr-HR" dirty="0"/>
-          </a:p>
-          <a:p>
-            <a:pPr>
-              <a:buFont typeface="Arial" panose="020B0604020202020204" pitchFamily="34" charset="0"/>
-              <a:buChar char="•"/>
-            </a:pPr>
-            <a:r>
-              <a:rPr lang="hr-HR" b="1" dirty="0" err="1"/>
+            <a:endParaRPr lang="hr-HR" dirty="0">
+              <a:latin typeface="Bahnschrift SemiLight" panose="020B0502040204020203" pitchFamily="34" charset="0"/>
+            </a:endParaRPr>
+          </a:p>
+          <a:p>
+            <a:pPr>
+              <a:buFont typeface="Arial" panose="020B0604020202020204" pitchFamily="34" charset="0"/>
+              <a:buChar char="•"/>
+            </a:pPr>
+            <a:r>
+              <a:rPr lang="hr-HR" b="1" dirty="0" err="1">
+                <a:latin typeface="Bahnschrift SemiLight" panose="020B0502040204020203" pitchFamily="34" charset="0"/>
+              </a:rPr>
               <a:t>Authentication</a:t>
             </a:r>
             <a:r>
-              <a:rPr lang="hr-HR" b="1" dirty="0"/>
+              <a:rPr lang="hr-HR" b="1" dirty="0">
+                <a:latin typeface="Bahnschrift SemiLight" panose="020B0502040204020203" pitchFamily="34" charset="0"/>
+              </a:rPr>
               <a:t>:</a:t>
             </a:r>
             <a:r>
-              <a:rPr lang="hr-HR" dirty="0"/>
+              <a:rPr lang="hr-HR" dirty="0">
+                <a:latin typeface="Bahnschrift SemiLight" panose="020B0502040204020203" pitchFamily="34" charset="0"/>
+              </a:rPr>
               <a:t> </a:t>
             </a:r>
             <a:r>
-              <a:rPr lang="hr-HR" dirty="0" err="1"/>
+              <a:rPr lang="hr-HR" dirty="0" err="1">
+                <a:latin typeface="Bahnschrift SemiLight" panose="020B0502040204020203" pitchFamily="34" charset="0"/>
+              </a:rPr>
               <a:t>OAuth</a:t>
             </a:r>
             <a:r>
-              <a:rPr lang="hr-HR" dirty="0"/>
+              <a:rPr lang="hr-HR" dirty="0">
+                <a:latin typeface="Bahnschrift SemiLight" panose="020B0502040204020203" pitchFamily="34" charset="0"/>
+              </a:rPr>
               <a:t> + JWT</a:t>
             </a:r>
           </a:p>
@@ -8638,65 +11859,95 @@
               <a:buChar char="•"/>
             </a:pPr>
             <a:r>
-              <a:rPr lang="hr-HR" b="1" dirty="0"/>
+              <a:rPr lang="hr-HR" b="1" dirty="0">
+                <a:latin typeface="Bahnschrift SemiLight" panose="020B0502040204020203" pitchFamily="34" charset="0"/>
+              </a:rPr>
               <a:t>Real-time </a:t>
             </a:r>
             <a:r>
-              <a:rPr lang="hr-HR" b="1" dirty="0" err="1"/>
+              <a:rPr lang="hr-HR" b="1" dirty="0" err="1">
+                <a:latin typeface="Bahnschrift SemiLight" panose="020B0502040204020203" pitchFamily="34" charset="0"/>
+              </a:rPr>
               <a:t>communication</a:t>
             </a:r>
             <a:r>
-              <a:rPr lang="hr-HR" b="1" dirty="0"/>
+              <a:rPr lang="hr-HR" b="1" dirty="0">
+                <a:latin typeface="Bahnschrift SemiLight" panose="020B0502040204020203" pitchFamily="34" charset="0"/>
+              </a:rPr>
               <a:t>:</a:t>
             </a:r>
             <a:r>
-              <a:rPr lang="hr-HR" dirty="0"/>
+              <a:rPr lang="hr-HR" dirty="0">
+                <a:latin typeface="Bahnschrift SemiLight" panose="020B0502040204020203" pitchFamily="34" charset="0"/>
+              </a:rPr>
               <a:t> </a:t>
             </a:r>
             <a:r>
-              <a:rPr lang="hr-HR" dirty="0" err="1"/>
+              <a:rPr lang="hr-HR" dirty="0" err="1">
+                <a:latin typeface="Bahnschrift SemiLight" panose="020B0502040204020203" pitchFamily="34" charset="0"/>
+              </a:rPr>
               <a:t>WebSockets</a:t>
             </a:r>
-            <a:endParaRPr lang="hr-HR" dirty="0"/>
-          </a:p>
-          <a:p>
-            <a:pPr>
-              <a:buFont typeface="Arial" panose="020B0604020202020204" pitchFamily="34" charset="0"/>
-              <a:buChar char="•"/>
-            </a:pPr>
-            <a:r>
-              <a:rPr lang="hr-HR" b="1" dirty="0" err="1"/>
+            <a:endParaRPr lang="hr-HR" dirty="0">
+              <a:latin typeface="Bahnschrift SemiLight" panose="020B0502040204020203" pitchFamily="34" charset="0"/>
+            </a:endParaRPr>
+          </a:p>
+          <a:p>
+            <a:pPr>
+              <a:buFont typeface="Arial" panose="020B0604020202020204" pitchFamily="34" charset="0"/>
+              <a:buChar char="•"/>
+            </a:pPr>
+            <a:r>
+              <a:rPr lang="hr-HR" b="1" dirty="0" err="1">
+                <a:latin typeface="Bahnschrift SemiLight" panose="020B0502040204020203" pitchFamily="34" charset="0"/>
+              </a:rPr>
               <a:t>Infrastructure</a:t>
             </a:r>
             <a:r>
-              <a:rPr lang="hr-HR" b="1" dirty="0"/>
+              <a:rPr lang="hr-HR" b="1" dirty="0">
+                <a:latin typeface="Bahnschrift SemiLight" panose="020B0502040204020203" pitchFamily="34" charset="0"/>
+              </a:rPr>
               <a:t>:</a:t>
             </a:r>
             <a:r>
-              <a:rPr lang="hr-HR" dirty="0"/>
+              <a:rPr lang="hr-HR" dirty="0">
+                <a:latin typeface="Bahnschrift SemiLight" panose="020B0502040204020203" pitchFamily="34" charset="0"/>
+              </a:rPr>
               <a:t> </a:t>
             </a:r>
             <a:r>
-              <a:rPr lang="hr-HR" dirty="0" err="1"/>
+              <a:rPr lang="hr-HR" dirty="0" err="1">
+                <a:latin typeface="Bahnschrift SemiLight" panose="020B0502040204020203" pitchFamily="34" charset="0"/>
+              </a:rPr>
               <a:t>Docker</a:t>
             </a:r>
             <a:r>
-              <a:rPr lang="hr-HR" dirty="0"/>
+              <a:rPr lang="hr-HR" dirty="0">
+                <a:latin typeface="Bahnschrift SemiLight" panose="020B0502040204020203" pitchFamily="34" charset="0"/>
+              </a:rPr>
               <a:t> + </a:t>
             </a:r>
             <a:r>
-              <a:rPr lang="hr-HR" dirty="0" err="1"/>
+              <a:rPr lang="hr-HR" dirty="0" err="1">
+                <a:latin typeface="Bahnschrift SemiLight" panose="020B0502040204020203" pitchFamily="34" charset="0"/>
+              </a:rPr>
               <a:t>Kubernetes</a:t>
             </a:r>
             <a:r>
-              <a:rPr lang="hr-HR" dirty="0"/>
+              <a:rPr lang="hr-HR" dirty="0">
+                <a:latin typeface="Bahnschrift SemiLight" panose="020B0502040204020203" pitchFamily="34" charset="0"/>
+              </a:rPr>
               <a:t> for </a:t>
             </a:r>
             <a:r>
-              <a:rPr lang="hr-HR" dirty="0" err="1"/>
+              <a:rPr lang="hr-HR" dirty="0" err="1">
+                <a:latin typeface="Bahnschrift SemiLight" panose="020B0502040204020203" pitchFamily="34" charset="0"/>
+              </a:rPr>
               <a:t>containerization</a:t>
             </a:r>
-            <a:endParaRPr lang="hr-HR" dirty="0"/>
+            <a:endParaRPr lang="hr-HR" dirty="0">
+              <a:latin typeface="Bahnschrift SemiLight" panose="020B0502040204020203" pitchFamily="34" charset="0"/>
+            </a:endParaRPr>
           </a:p>
         </p:txBody>
       </p:sp>
@@ -8704,1081 +11955,6 @@
     <p:extLst>
       <p:ext uri="{BB962C8B-B14F-4D97-AF65-F5344CB8AC3E}">
         <p14:creationId xmlns:p14="http://schemas.microsoft.com/office/powerpoint/2010/main" val="1521514427"/>
-      </p:ext>
-    </p:extLst>
-  </p:cSld>
-  <p:clrMapOvr>
-    <a:masterClrMapping/>
-  </p:clrMapOvr>
-</p:sld>
-</file>
-
-<file path=ppt/slides/slide7.xml><?xml version="1.0" encoding="utf-8"?>
-<p:sld xmlns:a="http://schemas.openxmlformats.org/drawingml/2006/main" xmlns:r="http://schemas.openxmlformats.org/officeDocument/2006/relationships" xmlns:p="http://schemas.openxmlformats.org/presentationml/2006/main">
-  <p:cSld>
-    <p:spTree>
-      <p:nvGrpSpPr>
-        <p:cNvPr id="1" name="">
-          <a:extLst>
-            <a:ext uri="{FF2B5EF4-FFF2-40B4-BE49-F238E27FC236}">
-              <a16:creationId xmlns:a16="http://schemas.microsoft.com/office/drawing/2014/main" id="{AB73A378-C4BB-BEAD-FD0E-B04F8A6E9048}"/>
-            </a:ext>
-          </a:extLst>
-        </p:cNvPr>
-        <p:cNvGrpSpPr/>
-        <p:nvPr/>
-      </p:nvGrpSpPr>
-      <p:grpSpPr>
-        <a:xfrm>
-          <a:off x="0" y="0"/>
-          <a:ext cx="0" cy="0"/>
-          <a:chOff x="0" y="0"/>
-          <a:chExt cx="0" cy="0"/>
-        </a:xfrm>
-      </p:grpSpPr>
-      <p:sp>
-        <p:nvSpPr>
-          <p:cNvPr id="3" name="Title 2">
-            <a:extLst>
-              <a:ext uri="{FF2B5EF4-FFF2-40B4-BE49-F238E27FC236}">
-                <a16:creationId xmlns:a16="http://schemas.microsoft.com/office/drawing/2014/main" id="{5A04C6D2-2899-8080-5F48-7E6EFABAF635}"/>
-              </a:ext>
-            </a:extLst>
-          </p:cNvPr>
-          <p:cNvSpPr>
-            <a:spLocks noGrp="1"/>
-          </p:cNvSpPr>
-          <p:nvPr>
-            <p:ph type="title"/>
-          </p:nvPr>
-        </p:nvSpPr>
-        <p:spPr/>
-        <p:txBody>
-          <a:bodyPr/>
-          <a:lstStyle/>
-          <a:p>
-            <a:r>
-              <a:rPr lang="en-US" dirty="0"/>
-              <a:t>SDLC – PHASES</a:t>
-            </a:r>
-            <a:endParaRPr lang="hr-HR" dirty="0"/>
-          </a:p>
-        </p:txBody>
-      </p:sp>
-      <p:sp>
-        <p:nvSpPr>
-          <p:cNvPr id="5" name="Content Placeholder 2">
-            <a:extLst>
-              <a:ext uri="{FF2B5EF4-FFF2-40B4-BE49-F238E27FC236}">
-                <a16:creationId xmlns:a16="http://schemas.microsoft.com/office/drawing/2014/main" id="{41DE0CAE-ADE9-D8B7-CA6E-3CD90A168CCB}"/>
-              </a:ext>
-            </a:extLst>
-          </p:cNvPr>
-          <p:cNvSpPr txBox="1">
-            <a:spLocks/>
-          </p:cNvSpPr>
-          <p:nvPr/>
-        </p:nvSpPr>
-        <p:spPr>
-          <a:xfrm>
-            <a:off x="946946" y="2241551"/>
-            <a:ext cx="10457654" cy="4448174"/>
-          </a:xfrm>
-          <a:prstGeom prst="rect">
-            <a:avLst/>
-          </a:prstGeom>
-        </p:spPr>
-        <p:txBody>
-          <a:bodyPr vert="horz" lIns="91440" tIns="45720" rIns="91440" bIns="45720" rtlCol="0">
-            <a:normAutofit/>
-          </a:bodyPr>
-          <a:lstStyle>
-            <a:lvl1pPr marL="368300" indent="-352425" algn="l" defTabSz="914400" rtl="0" eaLnBrk="1" latinLnBrk="0" hangingPunct="1">
-              <a:lnSpc>
-                <a:spcPct val="90000"/>
-              </a:lnSpc>
-              <a:spcBef>
-                <a:spcPts val="600"/>
-              </a:spcBef>
-              <a:spcAft>
-                <a:spcPts val="600"/>
-              </a:spcAft>
-              <a:buClr>
-                <a:schemeClr val="accent2"/>
-              </a:buClr>
-              <a:buFont typeface="Wingdings" pitchFamily="2" charset="2"/>
-              <a:buChar char="§"/>
-              <a:tabLst/>
-              <a:defRPr sz="2400" kern="1200">
-                <a:solidFill>
-                  <a:schemeClr val="tx1"/>
-                </a:solidFill>
-                <a:latin typeface="+mn-lt"/>
-                <a:ea typeface="Open Sans" panose="020B0606030504020204" pitchFamily="34" charset="0"/>
-                <a:cs typeface="Open Sans" panose="020B0606030504020204" pitchFamily="34" charset="0"/>
-              </a:defRPr>
-            </a:lvl1pPr>
-            <a:lvl2pPr marL="771525" indent="-274638" algn="l" defTabSz="914400" rtl="0" eaLnBrk="1" latinLnBrk="0" hangingPunct="1">
-              <a:lnSpc>
-                <a:spcPct val="90000"/>
-              </a:lnSpc>
-              <a:spcBef>
-                <a:spcPts val="600"/>
-              </a:spcBef>
-              <a:spcAft>
-                <a:spcPts val="600"/>
-              </a:spcAft>
-              <a:buClr>
-                <a:schemeClr val="accent2"/>
-              </a:buClr>
-              <a:buFont typeface="Wingdings" pitchFamily="2" charset="2"/>
-              <a:buChar char="§"/>
-              <a:tabLst/>
-              <a:defRPr sz="2200" kern="1200">
-                <a:solidFill>
-                  <a:schemeClr val="tx1"/>
-                </a:solidFill>
-                <a:latin typeface="+mn-lt"/>
-                <a:ea typeface="Open Sans" panose="020B0606030504020204" pitchFamily="34" charset="0"/>
-                <a:cs typeface="Open Sans" panose="020B0606030504020204" pitchFamily="34" charset="0"/>
-              </a:defRPr>
-            </a:lvl2pPr>
-            <a:lvl3pPr marL="1143000" indent="-228600" algn="l" defTabSz="914400" rtl="0" eaLnBrk="1" latinLnBrk="0" hangingPunct="1">
-              <a:lnSpc>
-                <a:spcPct val="90000"/>
-              </a:lnSpc>
-              <a:spcBef>
-                <a:spcPts val="600"/>
-              </a:spcBef>
-              <a:spcAft>
-                <a:spcPts val="600"/>
-              </a:spcAft>
-              <a:buClr>
-                <a:schemeClr val="accent2"/>
-              </a:buClr>
-              <a:buFont typeface="Wingdings" pitchFamily="2" charset="2"/>
-              <a:buChar char="§"/>
-              <a:defRPr sz="2000" kern="1200">
-                <a:solidFill>
-                  <a:schemeClr val="tx1"/>
-                </a:solidFill>
-                <a:latin typeface="+mn-lt"/>
-                <a:ea typeface="Open Sans" panose="020B0606030504020204" pitchFamily="34" charset="0"/>
-                <a:cs typeface="Open Sans" panose="020B0606030504020204" pitchFamily="34" charset="0"/>
-              </a:defRPr>
-            </a:lvl3pPr>
-            <a:lvl4pPr marL="1600200" indent="-228600" algn="l" defTabSz="914400" rtl="0" eaLnBrk="1" latinLnBrk="0" hangingPunct="1">
-              <a:lnSpc>
-                <a:spcPct val="90000"/>
-              </a:lnSpc>
-              <a:spcBef>
-                <a:spcPts val="600"/>
-              </a:spcBef>
-              <a:spcAft>
-                <a:spcPts val="600"/>
-              </a:spcAft>
-              <a:buClr>
-                <a:schemeClr val="accent2"/>
-              </a:buClr>
-              <a:buFont typeface="Wingdings" pitchFamily="2" charset="2"/>
-              <a:buChar char="§"/>
-              <a:defRPr sz="1800" kern="1200">
-                <a:solidFill>
-                  <a:schemeClr val="tx1"/>
-                </a:solidFill>
-                <a:latin typeface="+mn-lt"/>
-                <a:ea typeface="Open Sans" panose="020B0606030504020204" pitchFamily="34" charset="0"/>
-                <a:cs typeface="Open Sans" panose="020B0606030504020204" pitchFamily="34" charset="0"/>
-              </a:defRPr>
-            </a:lvl4pPr>
-            <a:lvl5pPr marL="1960563" indent="-225425" algn="l" defTabSz="914400" rtl="0" eaLnBrk="1" latinLnBrk="0" hangingPunct="1">
-              <a:lnSpc>
-                <a:spcPct val="90000"/>
-              </a:lnSpc>
-              <a:spcBef>
-                <a:spcPts val="600"/>
-              </a:spcBef>
-              <a:spcAft>
-                <a:spcPts val="600"/>
-              </a:spcAft>
-              <a:buClr>
-                <a:schemeClr val="accent2"/>
-              </a:buClr>
-              <a:buFont typeface="Wingdings" pitchFamily="2" charset="2"/>
-              <a:buChar char="§"/>
-              <a:tabLst/>
-              <a:defRPr sz="1600" kern="1200">
-                <a:solidFill>
-                  <a:schemeClr val="tx1"/>
-                </a:solidFill>
-                <a:latin typeface="+mn-lt"/>
-                <a:ea typeface="Open Sans" panose="020B0606030504020204" pitchFamily="34" charset="0"/>
-                <a:cs typeface="Open Sans" panose="020B0606030504020204" pitchFamily="34" charset="0"/>
-              </a:defRPr>
-            </a:lvl5pPr>
-            <a:lvl6pPr marL="2514600" indent="-228600" algn="l" defTabSz="914400" rtl="0" eaLnBrk="1" latinLnBrk="0" hangingPunct="1">
-              <a:lnSpc>
-                <a:spcPct val="90000"/>
-              </a:lnSpc>
-              <a:spcBef>
-                <a:spcPts val="500"/>
-              </a:spcBef>
-              <a:buFont typeface="Arial" panose="020B0604020202020204" pitchFamily="34" charset="0"/>
-              <a:buChar char="•"/>
-              <a:defRPr sz="1800" kern="1200">
-                <a:solidFill>
-                  <a:schemeClr val="tx1"/>
-                </a:solidFill>
-                <a:latin typeface="+mn-lt"/>
-                <a:ea typeface="+mn-ea"/>
-                <a:cs typeface="+mn-cs"/>
-              </a:defRPr>
-            </a:lvl6pPr>
-            <a:lvl7pPr marL="2971800" indent="-228600" algn="l" defTabSz="914400" rtl="0" eaLnBrk="1" latinLnBrk="0" hangingPunct="1">
-              <a:lnSpc>
-                <a:spcPct val="90000"/>
-              </a:lnSpc>
-              <a:spcBef>
-                <a:spcPts val="500"/>
-              </a:spcBef>
-              <a:buFont typeface="Arial" panose="020B0604020202020204" pitchFamily="34" charset="0"/>
-              <a:buChar char="•"/>
-              <a:defRPr sz="1800" kern="1200">
-                <a:solidFill>
-                  <a:schemeClr val="tx1"/>
-                </a:solidFill>
-                <a:latin typeface="+mn-lt"/>
-                <a:ea typeface="+mn-ea"/>
-                <a:cs typeface="+mn-cs"/>
-              </a:defRPr>
-            </a:lvl7pPr>
-            <a:lvl8pPr marL="3429000" indent="-228600" algn="l" defTabSz="914400" rtl="0" eaLnBrk="1" latinLnBrk="0" hangingPunct="1">
-              <a:lnSpc>
-                <a:spcPct val="90000"/>
-              </a:lnSpc>
-              <a:spcBef>
-                <a:spcPts val="500"/>
-              </a:spcBef>
-              <a:buFont typeface="Arial" panose="020B0604020202020204" pitchFamily="34" charset="0"/>
-              <a:buChar char="•"/>
-              <a:defRPr sz="1800" kern="1200">
-                <a:solidFill>
-                  <a:schemeClr val="tx1"/>
-                </a:solidFill>
-                <a:latin typeface="+mn-lt"/>
-                <a:ea typeface="+mn-ea"/>
-                <a:cs typeface="+mn-cs"/>
-              </a:defRPr>
-            </a:lvl8pPr>
-            <a:lvl9pPr marL="3886200" indent="-228600" algn="l" defTabSz="914400" rtl="0" eaLnBrk="1" latinLnBrk="0" hangingPunct="1">
-              <a:lnSpc>
-                <a:spcPct val="90000"/>
-              </a:lnSpc>
-              <a:spcBef>
-                <a:spcPts val="500"/>
-              </a:spcBef>
-              <a:buFont typeface="Arial" panose="020B0604020202020204" pitchFamily="34" charset="0"/>
-              <a:buChar char="•"/>
-              <a:defRPr sz="1800" kern="1200">
-                <a:solidFill>
-                  <a:schemeClr val="tx1"/>
-                </a:solidFill>
-                <a:latin typeface="+mn-lt"/>
-                <a:ea typeface="+mn-ea"/>
-                <a:cs typeface="+mn-cs"/>
-              </a:defRPr>
-            </a:lvl9pPr>
-          </a:lstStyle>
-          <a:p>
-            <a:pPr>
-              <a:buNone/>
-            </a:pPr>
-            <a:r>
-              <a:rPr lang="en-US" b="1" dirty="0"/>
-              <a:t>Testing</a:t>
-            </a:r>
-          </a:p>
-          <a:p>
-            <a:pPr>
-              <a:buNone/>
-            </a:pPr>
-            <a:r>
-              <a:rPr lang="en-US" b="1" dirty="0"/>
-              <a:t>Ensure that the system works as expected through rigorous testing.</a:t>
-            </a:r>
-          </a:p>
-          <a:p>
-            <a:pPr>
-              <a:buNone/>
-            </a:pPr>
-            <a:endParaRPr lang="en-US" dirty="0"/>
-          </a:p>
-          <a:p>
-            <a:pPr>
-              <a:buFont typeface="Arial" panose="020B0604020202020204" pitchFamily="34" charset="0"/>
-              <a:buChar char="•"/>
-            </a:pPr>
-            <a:r>
-              <a:rPr lang="en-US" b="1" dirty="0"/>
-              <a:t>Unit Testing:</a:t>
-            </a:r>
-            <a:r>
-              <a:rPr lang="en-US" dirty="0"/>
-              <a:t> Test individual modules (chat, login).</a:t>
-            </a:r>
-          </a:p>
-          <a:p>
-            <a:pPr>
-              <a:buFont typeface="Arial" panose="020B0604020202020204" pitchFamily="34" charset="0"/>
-              <a:buChar char="•"/>
-            </a:pPr>
-            <a:r>
-              <a:rPr lang="en-US" b="1" dirty="0"/>
-              <a:t>Integration Testing:</a:t>
-            </a:r>
-            <a:r>
-              <a:rPr lang="en-US" dirty="0"/>
-              <a:t> Test API connections between front-end and back-end.</a:t>
-            </a:r>
-          </a:p>
-          <a:p>
-            <a:pPr>
-              <a:buFont typeface="Arial" panose="020B0604020202020204" pitchFamily="34" charset="0"/>
-              <a:buChar char="•"/>
-            </a:pPr>
-            <a:r>
-              <a:rPr lang="en-US" b="1" dirty="0"/>
-              <a:t>Performance Testing:</a:t>
-            </a:r>
-            <a:r>
-              <a:rPr lang="en-US" dirty="0"/>
-              <a:t> Ensure platform can handle 100,000+ concurrent users.</a:t>
-            </a:r>
-          </a:p>
-          <a:p>
-            <a:pPr>
-              <a:buFont typeface="Arial" panose="020B0604020202020204" pitchFamily="34" charset="0"/>
-              <a:buChar char="•"/>
-            </a:pPr>
-            <a:r>
-              <a:rPr lang="en-US" b="1" dirty="0"/>
-              <a:t>Security Testing:</a:t>
-            </a:r>
-            <a:r>
-              <a:rPr lang="en-US" dirty="0"/>
-              <a:t> Test for SQL injection, CSRF, and XSS vulnerabilities.</a:t>
-            </a:r>
-          </a:p>
-          <a:p>
-            <a:pPr>
-              <a:buFont typeface="Arial" panose="020B0604020202020204" pitchFamily="34" charset="0"/>
-              <a:buChar char="•"/>
-            </a:pPr>
-            <a:r>
-              <a:rPr lang="en-US" b="1" dirty="0"/>
-              <a:t>User Acceptance Testing (UAT):</a:t>
-            </a:r>
-            <a:r>
-              <a:rPr lang="en-US" dirty="0"/>
-              <a:t> Gather teacher and student feedback.</a:t>
-            </a:r>
-          </a:p>
-        </p:txBody>
-      </p:sp>
-    </p:spTree>
-    <p:extLst>
-      <p:ext uri="{BB962C8B-B14F-4D97-AF65-F5344CB8AC3E}">
-        <p14:creationId xmlns:p14="http://schemas.microsoft.com/office/powerpoint/2010/main" val="1604863949"/>
-      </p:ext>
-    </p:extLst>
-  </p:cSld>
-  <p:clrMapOvr>
-    <a:masterClrMapping/>
-  </p:clrMapOvr>
-</p:sld>
-</file>
-
-<file path=ppt/slides/slide8.xml><?xml version="1.0" encoding="utf-8"?>
-<p:sld xmlns:a="http://schemas.openxmlformats.org/drawingml/2006/main" xmlns:r="http://schemas.openxmlformats.org/officeDocument/2006/relationships" xmlns:p="http://schemas.openxmlformats.org/presentationml/2006/main">
-  <p:cSld>
-    <p:spTree>
-      <p:nvGrpSpPr>
-        <p:cNvPr id="1" name="">
-          <a:extLst>
-            <a:ext uri="{FF2B5EF4-FFF2-40B4-BE49-F238E27FC236}">
-              <a16:creationId xmlns:a16="http://schemas.microsoft.com/office/drawing/2014/main" id="{61C7238E-D07E-4D76-84A4-E59DCE01499A}"/>
-            </a:ext>
-          </a:extLst>
-        </p:cNvPr>
-        <p:cNvGrpSpPr/>
-        <p:nvPr/>
-      </p:nvGrpSpPr>
-      <p:grpSpPr>
-        <a:xfrm>
-          <a:off x="0" y="0"/>
-          <a:ext cx="0" cy="0"/>
-          <a:chOff x="0" y="0"/>
-          <a:chExt cx="0" cy="0"/>
-        </a:xfrm>
-      </p:grpSpPr>
-      <p:sp>
-        <p:nvSpPr>
-          <p:cNvPr id="3" name="Title 2">
-            <a:extLst>
-              <a:ext uri="{FF2B5EF4-FFF2-40B4-BE49-F238E27FC236}">
-                <a16:creationId xmlns:a16="http://schemas.microsoft.com/office/drawing/2014/main" id="{ADF74856-710E-3220-F0D3-2C4FCD7A4786}"/>
-              </a:ext>
-            </a:extLst>
-          </p:cNvPr>
-          <p:cNvSpPr>
-            <a:spLocks noGrp="1"/>
-          </p:cNvSpPr>
-          <p:nvPr>
-            <p:ph type="title"/>
-          </p:nvPr>
-        </p:nvSpPr>
-        <p:spPr/>
-        <p:txBody>
-          <a:bodyPr/>
-          <a:lstStyle/>
-          <a:p>
-            <a:r>
-              <a:rPr lang="en-US" dirty="0"/>
-              <a:t>SDLC – PHASES</a:t>
-            </a:r>
-            <a:endParaRPr lang="hr-HR" dirty="0"/>
-          </a:p>
-        </p:txBody>
-      </p:sp>
-      <p:sp>
-        <p:nvSpPr>
-          <p:cNvPr id="5" name="Content Placeholder 2">
-            <a:extLst>
-              <a:ext uri="{FF2B5EF4-FFF2-40B4-BE49-F238E27FC236}">
-                <a16:creationId xmlns:a16="http://schemas.microsoft.com/office/drawing/2014/main" id="{495680E4-BA12-5C3A-9CF7-F201523FC631}"/>
-              </a:ext>
-            </a:extLst>
-          </p:cNvPr>
-          <p:cNvSpPr txBox="1">
-            <a:spLocks/>
-          </p:cNvSpPr>
-          <p:nvPr/>
-        </p:nvSpPr>
-        <p:spPr>
-          <a:xfrm>
-            <a:off x="946946" y="2241551"/>
-            <a:ext cx="10457654" cy="4448174"/>
-          </a:xfrm>
-          <a:prstGeom prst="rect">
-            <a:avLst/>
-          </a:prstGeom>
-        </p:spPr>
-        <p:txBody>
-          <a:bodyPr vert="horz" lIns="91440" tIns="45720" rIns="91440" bIns="45720" rtlCol="0">
-            <a:normAutofit/>
-          </a:bodyPr>
-          <a:lstStyle>
-            <a:lvl1pPr marL="368300" indent="-352425" algn="l" defTabSz="914400" rtl="0" eaLnBrk="1" latinLnBrk="0" hangingPunct="1">
-              <a:lnSpc>
-                <a:spcPct val="90000"/>
-              </a:lnSpc>
-              <a:spcBef>
-                <a:spcPts val="600"/>
-              </a:spcBef>
-              <a:spcAft>
-                <a:spcPts val="600"/>
-              </a:spcAft>
-              <a:buClr>
-                <a:schemeClr val="accent2"/>
-              </a:buClr>
-              <a:buFont typeface="Wingdings" pitchFamily="2" charset="2"/>
-              <a:buChar char="§"/>
-              <a:tabLst/>
-              <a:defRPr sz="2400" kern="1200">
-                <a:solidFill>
-                  <a:schemeClr val="tx1"/>
-                </a:solidFill>
-                <a:latin typeface="+mn-lt"/>
-                <a:ea typeface="Open Sans" panose="020B0606030504020204" pitchFamily="34" charset="0"/>
-                <a:cs typeface="Open Sans" panose="020B0606030504020204" pitchFamily="34" charset="0"/>
-              </a:defRPr>
-            </a:lvl1pPr>
-            <a:lvl2pPr marL="771525" indent="-274638" algn="l" defTabSz="914400" rtl="0" eaLnBrk="1" latinLnBrk="0" hangingPunct="1">
-              <a:lnSpc>
-                <a:spcPct val="90000"/>
-              </a:lnSpc>
-              <a:spcBef>
-                <a:spcPts val="600"/>
-              </a:spcBef>
-              <a:spcAft>
-                <a:spcPts val="600"/>
-              </a:spcAft>
-              <a:buClr>
-                <a:schemeClr val="accent2"/>
-              </a:buClr>
-              <a:buFont typeface="Wingdings" pitchFamily="2" charset="2"/>
-              <a:buChar char="§"/>
-              <a:tabLst/>
-              <a:defRPr sz="2200" kern="1200">
-                <a:solidFill>
-                  <a:schemeClr val="tx1"/>
-                </a:solidFill>
-                <a:latin typeface="+mn-lt"/>
-                <a:ea typeface="Open Sans" panose="020B0606030504020204" pitchFamily="34" charset="0"/>
-                <a:cs typeface="Open Sans" panose="020B0606030504020204" pitchFamily="34" charset="0"/>
-              </a:defRPr>
-            </a:lvl2pPr>
-            <a:lvl3pPr marL="1143000" indent="-228600" algn="l" defTabSz="914400" rtl="0" eaLnBrk="1" latinLnBrk="0" hangingPunct="1">
-              <a:lnSpc>
-                <a:spcPct val="90000"/>
-              </a:lnSpc>
-              <a:spcBef>
-                <a:spcPts val="600"/>
-              </a:spcBef>
-              <a:spcAft>
-                <a:spcPts val="600"/>
-              </a:spcAft>
-              <a:buClr>
-                <a:schemeClr val="accent2"/>
-              </a:buClr>
-              <a:buFont typeface="Wingdings" pitchFamily="2" charset="2"/>
-              <a:buChar char="§"/>
-              <a:defRPr sz="2000" kern="1200">
-                <a:solidFill>
-                  <a:schemeClr val="tx1"/>
-                </a:solidFill>
-                <a:latin typeface="+mn-lt"/>
-                <a:ea typeface="Open Sans" panose="020B0606030504020204" pitchFamily="34" charset="0"/>
-                <a:cs typeface="Open Sans" panose="020B0606030504020204" pitchFamily="34" charset="0"/>
-              </a:defRPr>
-            </a:lvl3pPr>
-            <a:lvl4pPr marL="1600200" indent="-228600" algn="l" defTabSz="914400" rtl="0" eaLnBrk="1" latinLnBrk="0" hangingPunct="1">
-              <a:lnSpc>
-                <a:spcPct val="90000"/>
-              </a:lnSpc>
-              <a:spcBef>
-                <a:spcPts val="600"/>
-              </a:spcBef>
-              <a:spcAft>
-                <a:spcPts val="600"/>
-              </a:spcAft>
-              <a:buClr>
-                <a:schemeClr val="accent2"/>
-              </a:buClr>
-              <a:buFont typeface="Wingdings" pitchFamily="2" charset="2"/>
-              <a:buChar char="§"/>
-              <a:defRPr sz="1800" kern="1200">
-                <a:solidFill>
-                  <a:schemeClr val="tx1"/>
-                </a:solidFill>
-                <a:latin typeface="+mn-lt"/>
-                <a:ea typeface="Open Sans" panose="020B0606030504020204" pitchFamily="34" charset="0"/>
-                <a:cs typeface="Open Sans" panose="020B0606030504020204" pitchFamily="34" charset="0"/>
-              </a:defRPr>
-            </a:lvl4pPr>
-            <a:lvl5pPr marL="1960563" indent="-225425" algn="l" defTabSz="914400" rtl="0" eaLnBrk="1" latinLnBrk="0" hangingPunct="1">
-              <a:lnSpc>
-                <a:spcPct val="90000"/>
-              </a:lnSpc>
-              <a:spcBef>
-                <a:spcPts val="600"/>
-              </a:spcBef>
-              <a:spcAft>
-                <a:spcPts val="600"/>
-              </a:spcAft>
-              <a:buClr>
-                <a:schemeClr val="accent2"/>
-              </a:buClr>
-              <a:buFont typeface="Wingdings" pitchFamily="2" charset="2"/>
-              <a:buChar char="§"/>
-              <a:tabLst/>
-              <a:defRPr sz="1600" kern="1200">
-                <a:solidFill>
-                  <a:schemeClr val="tx1"/>
-                </a:solidFill>
-                <a:latin typeface="+mn-lt"/>
-                <a:ea typeface="Open Sans" panose="020B0606030504020204" pitchFamily="34" charset="0"/>
-                <a:cs typeface="Open Sans" panose="020B0606030504020204" pitchFamily="34" charset="0"/>
-              </a:defRPr>
-            </a:lvl5pPr>
-            <a:lvl6pPr marL="2514600" indent="-228600" algn="l" defTabSz="914400" rtl="0" eaLnBrk="1" latinLnBrk="0" hangingPunct="1">
-              <a:lnSpc>
-                <a:spcPct val="90000"/>
-              </a:lnSpc>
-              <a:spcBef>
-                <a:spcPts val="500"/>
-              </a:spcBef>
-              <a:buFont typeface="Arial" panose="020B0604020202020204" pitchFamily="34" charset="0"/>
-              <a:buChar char="•"/>
-              <a:defRPr sz="1800" kern="1200">
-                <a:solidFill>
-                  <a:schemeClr val="tx1"/>
-                </a:solidFill>
-                <a:latin typeface="+mn-lt"/>
-                <a:ea typeface="+mn-ea"/>
-                <a:cs typeface="+mn-cs"/>
-              </a:defRPr>
-            </a:lvl6pPr>
-            <a:lvl7pPr marL="2971800" indent="-228600" algn="l" defTabSz="914400" rtl="0" eaLnBrk="1" latinLnBrk="0" hangingPunct="1">
-              <a:lnSpc>
-                <a:spcPct val="90000"/>
-              </a:lnSpc>
-              <a:spcBef>
-                <a:spcPts val="500"/>
-              </a:spcBef>
-              <a:buFont typeface="Arial" panose="020B0604020202020204" pitchFamily="34" charset="0"/>
-              <a:buChar char="•"/>
-              <a:defRPr sz="1800" kern="1200">
-                <a:solidFill>
-                  <a:schemeClr val="tx1"/>
-                </a:solidFill>
-                <a:latin typeface="+mn-lt"/>
-                <a:ea typeface="+mn-ea"/>
-                <a:cs typeface="+mn-cs"/>
-              </a:defRPr>
-            </a:lvl7pPr>
-            <a:lvl8pPr marL="3429000" indent="-228600" algn="l" defTabSz="914400" rtl="0" eaLnBrk="1" latinLnBrk="0" hangingPunct="1">
-              <a:lnSpc>
-                <a:spcPct val="90000"/>
-              </a:lnSpc>
-              <a:spcBef>
-                <a:spcPts val="500"/>
-              </a:spcBef>
-              <a:buFont typeface="Arial" panose="020B0604020202020204" pitchFamily="34" charset="0"/>
-              <a:buChar char="•"/>
-              <a:defRPr sz="1800" kern="1200">
-                <a:solidFill>
-                  <a:schemeClr val="tx1"/>
-                </a:solidFill>
-                <a:latin typeface="+mn-lt"/>
-                <a:ea typeface="+mn-ea"/>
-                <a:cs typeface="+mn-cs"/>
-              </a:defRPr>
-            </a:lvl8pPr>
-            <a:lvl9pPr marL="3886200" indent="-228600" algn="l" defTabSz="914400" rtl="0" eaLnBrk="1" latinLnBrk="0" hangingPunct="1">
-              <a:lnSpc>
-                <a:spcPct val="90000"/>
-              </a:lnSpc>
-              <a:spcBef>
-                <a:spcPts val="500"/>
-              </a:spcBef>
-              <a:buFont typeface="Arial" panose="020B0604020202020204" pitchFamily="34" charset="0"/>
-              <a:buChar char="•"/>
-              <a:defRPr sz="1800" kern="1200">
-                <a:solidFill>
-                  <a:schemeClr val="tx1"/>
-                </a:solidFill>
-                <a:latin typeface="+mn-lt"/>
-                <a:ea typeface="+mn-ea"/>
-                <a:cs typeface="+mn-cs"/>
-              </a:defRPr>
-            </a:lvl9pPr>
-          </a:lstStyle>
-          <a:p>
-            <a:pPr>
-              <a:buNone/>
-            </a:pPr>
-            <a:r>
-              <a:rPr lang="en-US" b="1" dirty="0"/>
-              <a:t>Deployment</a:t>
-            </a:r>
-          </a:p>
-          <a:p>
-            <a:pPr>
-              <a:buNone/>
-            </a:pPr>
-            <a:r>
-              <a:rPr lang="en-US" b="1" dirty="0"/>
-              <a:t>Release the product into a live environment.</a:t>
-            </a:r>
-          </a:p>
-          <a:p>
-            <a:pPr>
-              <a:buNone/>
-            </a:pPr>
-            <a:endParaRPr lang="en-US" dirty="0"/>
-          </a:p>
-          <a:p>
-            <a:pPr>
-              <a:buFont typeface="Arial" panose="020B0604020202020204" pitchFamily="34" charset="0"/>
-              <a:buChar char="•"/>
-            </a:pPr>
-            <a:r>
-              <a:rPr lang="en-US" dirty="0"/>
-              <a:t>Deploy using AWS Elastic Beanstalk for scalability.</a:t>
-            </a:r>
-          </a:p>
-          <a:p>
-            <a:pPr>
-              <a:buFont typeface="Arial" panose="020B0604020202020204" pitchFamily="34" charset="0"/>
-              <a:buChar char="•"/>
-            </a:pPr>
-            <a:r>
-              <a:rPr lang="en-US" dirty="0"/>
-              <a:t>Set up automatic failover and load balancing.</a:t>
-            </a:r>
-          </a:p>
-          <a:p>
-            <a:pPr>
-              <a:buFont typeface="Arial" panose="020B0604020202020204" pitchFamily="34" charset="0"/>
-              <a:buChar char="•"/>
-            </a:pPr>
-            <a:r>
-              <a:rPr lang="en-US" dirty="0"/>
-              <a:t>Blue/Green deployment to minimize downtime.</a:t>
-            </a:r>
-          </a:p>
-        </p:txBody>
-      </p:sp>
-    </p:spTree>
-    <p:extLst>
-      <p:ext uri="{BB962C8B-B14F-4D97-AF65-F5344CB8AC3E}">
-        <p14:creationId xmlns:p14="http://schemas.microsoft.com/office/powerpoint/2010/main" val="2236961435"/>
-      </p:ext>
-    </p:extLst>
-  </p:cSld>
-  <p:clrMapOvr>
-    <a:masterClrMapping/>
-  </p:clrMapOvr>
-</p:sld>
-</file>
-
-<file path=ppt/slides/slide9.xml><?xml version="1.0" encoding="utf-8"?>
-<p:sld xmlns:a="http://schemas.openxmlformats.org/drawingml/2006/main" xmlns:r="http://schemas.openxmlformats.org/officeDocument/2006/relationships" xmlns:p="http://schemas.openxmlformats.org/presentationml/2006/main">
-  <p:cSld>
-    <p:spTree>
-      <p:nvGrpSpPr>
-        <p:cNvPr id="1" name="">
-          <a:extLst>
-            <a:ext uri="{FF2B5EF4-FFF2-40B4-BE49-F238E27FC236}">
-              <a16:creationId xmlns:a16="http://schemas.microsoft.com/office/drawing/2014/main" id="{526DA093-3749-5D95-BBB3-867179CAD742}"/>
-            </a:ext>
-          </a:extLst>
-        </p:cNvPr>
-        <p:cNvGrpSpPr/>
-        <p:nvPr/>
-      </p:nvGrpSpPr>
-      <p:grpSpPr>
-        <a:xfrm>
-          <a:off x="0" y="0"/>
-          <a:ext cx="0" cy="0"/>
-          <a:chOff x="0" y="0"/>
-          <a:chExt cx="0" cy="0"/>
-        </a:xfrm>
-      </p:grpSpPr>
-      <p:sp>
-        <p:nvSpPr>
-          <p:cNvPr id="3" name="Title 2">
-            <a:extLst>
-              <a:ext uri="{FF2B5EF4-FFF2-40B4-BE49-F238E27FC236}">
-                <a16:creationId xmlns:a16="http://schemas.microsoft.com/office/drawing/2014/main" id="{F3AD0203-062C-F8B4-D001-9A2522F2B5FF}"/>
-              </a:ext>
-            </a:extLst>
-          </p:cNvPr>
-          <p:cNvSpPr>
-            <a:spLocks noGrp="1"/>
-          </p:cNvSpPr>
-          <p:nvPr>
-            <p:ph type="title"/>
-          </p:nvPr>
-        </p:nvSpPr>
-        <p:spPr/>
-        <p:txBody>
-          <a:bodyPr/>
-          <a:lstStyle/>
-          <a:p>
-            <a:r>
-              <a:rPr lang="en-US" dirty="0"/>
-              <a:t>SDLC – PHASES</a:t>
-            </a:r>
-            <a:endParaRPr lang="hr-HR" dirty="0"/>
-          </a:p>
-        </p:txBody>
-      </p:sp>
-      <p:sp>
-        <p:nvSpPr>
-          <p:cNvPr id="5" name="Content Placeholder 2">
-            <a:extLst>
-              <a:ext uri="{FF2B5EF4-FFF2-40B4-BE49-F238E27FC236}">
-                <a16:creationId xmlns:a16="http://schemas.microsoft.com/office/drawing/2014/main" id="{375BEC68-195F-7F82-8AC6-08C4E519A8DB}"/>
-              </a:ext>
-            </a:extLst>
-          </p:cNvPr>
-          <p:cNvSpPr txBox="1">
-            <a:spLocks/>
-          </p:cNvSpPr>
-          <p:nvPr/>
-        </p:nvSpPr>
-        <p:spPr>
-          <a:xfrm>
-            <a:off x="946946" y="2241551"/>
-            <a:ext cx="10457654" cy="4448174"/>
-          </a:xfrm>
-          <a:prstGeom prst="rect">
-            <a:avLst/>
-          </a:prstGeom>
-        </p:spPr>
-        <p:txBody>
-          <a:bodyPr vert="horz" lIns="91440" tIns="45720" rIns="91440" bIns="45720" rtlCol="0">
-            <a:normAutofit/>
-          </a:bodyPr>
-          <a:lstStyle>
-            <a:lvl1pPr marL="368300" indent="-352425" algn="l" defTabSz="914400" rtl="0" eaLnBrk="1" latinLnBrk="0" hangingPunct="1">
-              <a:lnSpc>
-                <a:spcPct val="90000"/>
-              </a:lnSpc>
-              <a:spcBef>
-                <a:spcPts val="600"/>
-              </a:spcBef>
-              <a:spcAft>
-                <a:spcPts val="600"/>
-              </a:spcAft>
-              <a:buClr>
-                <a:schemeClr val="accent2"/>
-              </a:buClr>
-              <a:buFont typeface="Wingdings" pitchFamily="2" charset="2"/>
-              <a:buChar char="§"/>
-              <a:tabLst/>
-              <a:defRPr sz="2400" kern="1200">
-                <a:solidFill>
-                  <a:schemeClr val="tx1"/>
-                </a:solidFill>
-                <a:latin typeface="+mn-lt"/>
-                <a:ea typeface="Open Sans" panose="020B0606030504020204" pitchFamily="34" charset="0"/>
-                <a:cs typeface="Open Sans" panose="020B0606030504020204" pitchFamily="34" charset="0"/>
-              </a:defRPr>
-            </a:lvl1pPr>
-            <a:lvl2pPr marL="771525" indent="-274638" algn="l" defTabSz="914400" rtl="0" eaLnBrk="1" latinLnBrk="0" hangingPunct="1">
-              <a:lnSpc>
-                <a:spcPct val="90000"/>
-              </a:lnSpc>
-              <a:spcBef>
-                <a:spcPts val="600"/>
-              </a:spcBef>
-              <a:spcAft>
-                <a:spcPts val="600"/>
-              </a:spcAft>
-              <a:buClr>
-                <a:schemeClr val="accent2"/>
-              </a:buClr>
-              <a:buFont typeface="Wingdings" pitchFamily="2" charset="2"/>
-              <a:buChar char="§"/>
-              <a:tabLst/>
-              <a:defRPr sz="2200" kern="1200">
-                <a:solidFill>
-                  <a:schemeClr val="tx1"/>
-                </a:solidFill>
-                <a:latin typeface="+mn-lt"/>
-                <a:ea typeface="Open Sans" panose="020B0606030504020204" pitchFamily="34" charset="0"/>
-                <a:cs typeface="Open Sans" panose="020B0606030504020204" pitchFamily="34" charset="0"/>
-              </a:defRPr>
-            </a:lvl2pPr>
-            <a:lvl3pPr marL="1143000" indent="-228600" algn="l" defTabSz="914400" rtl="0" eaLnBrk="1" latinLnBrk="0" hangingPunct="1">
-              <a:lnSpc>
-                <a:spcPct val="90000"/>
-              </a:lnSpc>
-              <a:spcBef>
-                <a:spcPts val="600"/>
-              </a:spcBef>
-              <a:spcAft>
-                <a:spcPts val="600"/>
-              </a:spcAft>
-              <a:buClr>
-                <a:schemeClr val="accent2"/>
-              </a:buClr>
-              <a:buFont typeface="Wingdings" pitchFamily="2" charset="2"/>
-              <a:buChar char="§"/>
-              <a:defRPr sz="2000" kern="1200">
-                <a:solidFill>
-                  <a:schemeClr val="tx1"/>
-                </a:solidFill>
-                <a:latin typeface="+mn-lt"/>
-                <a:ea typeface="Open Sans" panose="020B0606030504020204" pitchFamily="34" charset="0"/>
-                <a:cs typeface="Open Sans" panose="020B0606030504020204" pitchFamily="34" charset="0"/>
-              </a:defRPr>
-            </a:lvl3pPr>
-            <a:lvl4pPr marL="1600200" indent="-228600" algn="l" defTabSz="914400" rtl="0" eaLnBrk="1" latinLnBrk="0" hangingPunct="1">
-              <a:lnSpc>
-                <a:spcPct val="90000"/>
-              </a:lnSpc>
-              <a:spcBef>
-                <a:spcPts val="600"/>
-              </a:spcBef>
-              <a:spcAft>
-                <a:spcPts val="600"/>
-              </a:spcAft>
-              <a:buClr>
-                <a:schemeClr val="accent2"/>
-              </a:buClr>
-              <a:buFont typeface="Wingdings" pitchFamily="2" charset="2"/>
-              <a:buChar char="§"/>
-              <a:defRPr sz="1800" kern="1200">
-                <a:solidFill>
-                  <a:schemeClr val="tx1"/>
-                </a:solidFill>
-                <a:latin typeface="+mn-lt"/>
-                <a:ea typeface="Open Sans" panose="020B0606030504020204" pitchFamily="34" charset="0"/>
-                <a:cs typeface="Open Sans" panose="020B0606030504020204" pitchFamily="34" charset="0"/>
-              </a:defRPr>
-            </a:lvl4pPr>
-            <a:lvl5pPr marL="1960563" indent="-225425" algn="l" defTabSz="914400" rtl="0" eaLnBrk="1" latinLnBrk="0" hangingPunct="1">
-              <a:lnSpc>
-                <a:spcPct val="90000"/>
-              </a:lnSpc>
-              <a:spcBef>
-                <a:spcPts val="600"/>
-              </a:spcBef>
-              <a:spcAft>
-                <a:spcPts val="600"/>
-              </a:spcAft>
-              <a:buClr>
-                <a:schemeClr val="accent2"/>
-              </a:buClr>
-              <a:buFont typeface="Wingdings" pitchFamily="2" charset="2"/>
-              <a:buChar char="§"/>
-              <a:tabLst/>
-              <a:defRPr sz="1600" kern="1200">
-                <a:solidFill>
-                  <a:schemeClr val="tx1"/>
-                </a:solidFill>
-                <a:latin typeface="+mn-lt"/>
-                <a:ea typeface="Open Sans" panose="020B0606030504020204" pitchFamily="34" charset="0"/>
-                <a:cs typeface="Open Sans" panose="020B0606030504020204" pitchFamily="34" charset="0"/>
-              </a:defRPr>
-            </a:lvl5pPr>
-            <a:lvl6pPr marL="2514600" indent="-228600" algn="l" defTabSz="914400" rtl="0" eaLnBrk="1" latinLnBrk="0" hangingPunct="1">
-              <a:lnSpc>
-                <a:spcPct val="90000"/>
-              </a:lnSpc>
-              <a:spcBef>
-                <a:spcPts val="500"/>
-              </a:spcBef>
-              <a:buFont typeface="Arial" panose="020B0604020202020204" pitchFamily="34" charset="0"/>
-              <a:buChar char="•"/>
-              <a:defRPr sz="1800" kern="1200">
-                <a:solidFill>
-                  <a:schemeClr val="tx1"/>
-                </a:solidFill>
-                <a:latin typeface="+mn-lt"/>
-                <a:ea typeface="+mn-ea"/>
-                <a:cs typeface="+mn-cs"/>
-              </a:defRPr>
-            </a:lvl6pPr>
-            <a:lvl7pPr marL="2971800" indent="-228600" algn="l" defTabSz="914400" rtl="0" eaLnBrk="1" latinLnBrk="0" hangingPunct="1">
-              <a:lnSpc>
-                <a:spcPct val="90000"/>
-              </a:lnSpc>
-              <a:spcBef>
-                <a:spcPts val="500"/>
-              </a:spcBef>
-              <a:buFont typeface="Arial" panose="020B0604020202020204" pitchFamily="34" charset="0"/>
-              <a:buChar char="•"/>
-              <a:defRPr sz="1800" kern="1200">
-                <a:solidFill>
-                  <a:schemeClr val="tx1"/>
-                </a:solidFill>
-                <a:latin typeface="+mn-lt"/>
-                <a:ea typeface="+mn-ea"/>
-                <a:cs typeface="+mn-cs"/>
-              </a:defRPr>
-            </a:lvl7pPr>
-            <a:lvl8pPr marL="3429000" indent="-228600" algn="l" defTabSz="914400" rtl="0" eaLnBrk="1" latinLnBrk="0" hangingPunct="1">
-              <a:lnSpc>
-                <a:spcPct val="90000"/>
-              </a:lnSpc>
-              <a:spcBef>
-                <a:spcPts val="500"/>
-              </a:spcBef>
-              <a:buFont typeface="Arial" panose="020B0604020202020204" pitchFamily="34" charset="0"/>
-              <a:buChar char="•"/>
-              <a:defRPr sz="1800" kern="1200">
-                <a:solidFill>
-                  <a:schemeClr val="tx1"/>
-                </a:solidFill>
-                <a:latin typeface="+mn-lt"/>
-                <a:ea typeface="+mn-ea"/>
-                <a:cs typeface="+mn-cs"/>
-              </a:defRPr>
-            </a:lvl8pPr>
-            <a:lvl9pPr marL="3886200" indent="-228600" algn="l" defTabSz="914400" rtl="0" eaLnBrk="1" latinLnBrk="0" hangingPunct="1">
-              <a:lnSpc>
-                <a:spcPct val="90000"/>
-              </a:lnSpc>
-              <a:spcBef>
-                <a:spcPts val="500"/>
-              </a:spcBef>
-              <a:buFont typeface="Arial" panose="020B0604020202020204" pitchFamily="34" charset="0"/>
-              <a:buChar char="•"/>
-              <a:defRPr sz="1800" kern="1200">
-                <a:solidFill>
-                  <a:schemeClr val="tx1"/>
-                </a:solidFill>
-                <a:latin typeface="+mn-lt"/>
-                <a:ea typeface="+mn-ea"/>
-                <a:cs typeface="+mn-cs"/>
-              </a:defRPr>
-            </a:lvl9pPr>
-          </a:lstStyle>
-          <a:p>
-            <a:pPr>
-              <a:buNone/>
-            </a:pPr>
-            <a:r>
-              <a:rPr lang="en-US" b="1" dirty="0"/>
-              <a:t>Maintenance</a:t>
-            </a:r>
-          </a:p>
-          <a:p>
-            <a:pPr>
-              <a:buNone/>
-            </a:pPr>
-            <a:r>
-              <a:rPr lang="en-US" b="1" dirty="0"/>
-              <a:t>Monitor system performance and apply updates as needed.</a:t>
-            </a:r>
-          </a:p>
-          <a:p>
-            <a:pPr>
-              <a:buNone/>
-            </a:pPr>
-            <a:endParaRPr lang="en-US" dirty="0"/>
-          </a:p>
-          <a:p>
-            <a:pPr>
-              <a:buFont typeface="Arial" panose="020B0604020202020204" pitchFamily="34" charset="0"/>
-              <a:buChar char="•"/>
-            </a:pPr>
-            <a:r>
-              <a:rPr lang="en-US" dirty="0"/>
-              <a:t>Monitor server load and response times.</a:t>
-            </a:r>
-          </a:p>
-          <a:p>
-            <a:pPr>
-              <a:buFont typeface="Arial" panose="020B0604020202020204" pitchFamily="34" charset="0"/>
-              <a:buChar char="•"/>
-            </a:pPr>
-            <a:r>
-              <a:rPr lang="en-US" dirty="0"/>
-              <a:t>Roll out feature updates based on feedback.</a:t>
-            </a:r>
-          </a:p>
-          <a:p>
-            <a:pPr>
-              <a:buFont typeface="Arial" panose="020B0604020202020204" pitchFamily="34" charset="0"/>
-              <a:buChar char="•"/>
-            </a:pPr>
-            <a:r>
-              <a:rPr lang="en-US" dirty="0"/>
-              <a:t>Improve security as new threats emerge.</a:t>
-            </a:r>
-          </a:p>
-        </p:txBody>
-      </p:sp>
-    </p:spTree>
-    <p:extLst>
-      <p:ext uri="{BB962C8B-B14F-4D97-AF65-F5344CB8AC3E}">
-        <p14:creationId xmlns:p14="http://schemas.microsoft.com/office/powerpoint/2010/main" val="1460343922"/>
       </p:ext>
     </p:extLst>
   </p:cSld>
